--- a/Presentation1.pptx
+++ b/Presentation1.pptx
@@ -6,6 +6,7 @@
   </p:sldMasterIdLst>
   <p:sldIdLst>
     <p:sldId id="256" r:id="rId2"/>
+    <p:sldId id="257" r:id="rId3"/>
   </p:sldIdLst>
   <p:sldSz cx="12192000" cy="6858000"/>
   <p:notesSz cx="6858000" cy="9144000"/>
@@ -288,7 +289,7 @@
           <a:p>
             <a:fld id="{C1267A05-D67B-4E4C-868C-590CB66AEB3E}" type="datetimeFigureOut">
               <a:rPr lang="en-US" smtClean="0"/>
-              <a:t>2/2/2023</a:t>
+              <a:t>2/3/2023</a:t>
             </a:fld>
             <a:endParaRPr lang="en-US"/>
           </a:p>
@@ -486,7 +487,7 @@
           <a:p>
             <a:fld id="{C1267A05-D67B-4E4C-868C-590CB66AEB3E}" type="datetimeFigureOut">
               <a:rPr lang="en-US" smtClean="0"/>
-              <a:t>2/2/2023</a:t>
+              <a:t>2/3/2023</a:t>
             </a:fld>
             <a:endParaRPr lang="en-US"/>
           </a:p>
@@ -694,7 +695,7 @@
           <a:p>
             <a:fld id="{C1267A05-D67B-4E4C-868C-590CB66AEB3E}" type="datetimeFigureOut">
               <a:rPr lang="en-US" smtClean="0"/>
-              <a:t>2/2/2023</a:t>
+              <a:t>2/3/2023</a:t>
             </a:fld>
             <a:endParaRPr lang="en-US"/>
           </a:p>
@@ -892,7 +893,7 @@
           <a:p>
             <a:fld id="{C1267A05-D67B-4E4C-868C-590CB66AEB3E}" type="datetimeFigureOut">
               <a:rPr lang="en-US" smtClean="0"/>
-              <a:t>2/2/2023</a:t>
+              <a:t>2/3/2023</a:t>
             </a:fld>
             <a:endParaRPr lang="en-US"/>
           </a:p>
@@ -1167,7 +1168,7 @@
           <a:p>
             <a:fld id="{C1267A05-D67B-4E4C-868C-590CB66AEB3E}" type="datetimeFigureOut">
               <a:rPr lang="en-US" smtClean="0"/>
-              <a:t>2/2/2023</a:t>
+              <a:t>2/3/2023</a:t>
             </a:fld>
             <a:endParaRPr lang="en-US"/>
           </a:p>
@@ -1432,7 +1433,7 @@
           <a:p>
             <a:fld id="{C1267A05-D67B-4E4C-868C-590CB66AEB3E}" type="datetimeFigureOut">
               <a:rPr lang="en-US" smtClean="0"/>
-              <a:t>2/2/2023</a:t>
+              <a:t>2/3/2023</a:t>
             </a:fld>
             <a:endParaRPr lang="en-US"/>
           </a:p>
@@ -1844,7 +1845,7 @@
           <a:p>
             <a:fld id="{C1267A05-D67B-4E4C-868C-590CB66AEB3E}" type="datetimeFigureOut">
               <a:rPr lang="en-US" smtClean="0"/>
-              <a:t>2/2/2023</a:t>
+              <a:t>2/3/2023</a:t>
             </a:fld>
             <a:endParaRPr lang="en-US"/>
           </a:p>
@@ -1985,7 +1986,7 @@
           <a:p>
             <a:fld id="{C1267A05-D67B-4E4C-868C-590CB66AEB3E}" type="datetimeFigureOut">
               <a:rPr lang="en-US" smtClean="0"/>
-              <a:t>2/2/2023</a:t>
+              <a:t>2/3/2023</a:t>
             </a:fld>
             <a:endParaRPr lang="en-US"/>
           </a:p>
@@ -2098,7 +2099,7 @@
           <a:p>
             <a:fld id="{C1267A05-D67B-4E4C-868C-590CB66AEB3E}" type="datetimeFigureOut">
               <a:rPr lang="en-US" smtClean="0"/>
-              <a:t>2/2/2023</a:t>
+              <a:t>2/3/2023</a:t>
             </a:fld>
             <a:endParaRPr lang="en-US"/>
           </a:p>
@@ -2409,7 +2410,7 @@
           <a:p>
             <a:fld id="{C1267A05-D67B-4E4C-868C-590CB66AEB3E}" type="datetimeFigureOut">
               <a:rPr lang="en-US" smtClean="0"/>
-              <a:t>2/2/2023</a:t>
+              <a:t>2/3/2023</a:t>
             </a:fld>
             <a:endParaRPr lang="en-US"/>
           </a:p>
@@ -2697,7 +2698,7 @@
           <a:p>
             <a:fld id="{C1267A05-D67B-4E4C-868C-590CB66AEB3E}" type="datetimeFigureOut">
               <a:rPr lang="en-US" smtClean="0"/>
-              <a:t>2/2/2023</a:t>
+              <a:t>2/3/2023</a:t>
             </a:fld>
             <a:endParaRPr lang="en-US"/>
           </a:p>
@@ -2938,7 +2939,7 @@
           <a:p>
             <a:fld id="{C1267A05-D67B-4E4C-868C-590CB66AEB3E}" type="datetimeFigureOut">
               <a:rPr lang="en-US" smtClean="0"/>
-              <a:t>2/2/2023</a:t>
+              <a:t>2/3/2023</a:t>
             </a:fld>
             <a:endParaRPr lang="en-US"/>
           </a:p>
@@ -3370,7 +3371,7 @@
           <p:nvPr>
             <p:extLst>
               <p:ext uri="{D42A27DB-BD31-4B8C-83A1-F6EECF244321}">
-                <p14:modId xmlns:p14="http://schemas.microsoft.com/office/powerpoint/2010/main" val="3249140292"/>
+                <p14:modId xmlns:p14="http://schemas.microsoft.com/office/powerpoint/2010/main" val="1010905571"/>
               </p:ext>
             </p:extLst>
           </p:nvPr>
@@ -3478,7 +3479,7 @@
                     <a:bodyPr/>
                     <a:lstStyle/>
                     <a:p>
-                      <a:endParaRPr lang="en-US"/>
+                      <a:endParaRPr lang="en-US" dirty="0"/>
                     </a:p>
                   </a:txBody>
                   <a:tcPr>
@@ -3528,14 +3529,11 @@
                     <a:bodyPr/>
                     <a:lstStyle/>
                     <a:p>
-                      <a:r>
-                        <a:rPr lang="en-US" b="0" dirty="0">
-                          <a:solidFill>
-                            <a:schemeClr val="accent2"/>
-                          </a:solidFill>
-                        </a:rPr>
-                        <a:t>19</a:t>
-                      </a:r>
+                      <a:endParaRPr lang="en-US" b="0" dirty="0">
+                        <a:solidFill>
+                          <a:schemeClr val="accent1"/>
+                        </a:solidFill>
+                      </a:endParaRPr>
                     </a:p>
                   </a:txBody>
                   <a:tcPr>
@@ -3635,7 +3633,15 @@
                     <a:bodyPr/>
                     <a:lstStyle/>
                     <a:p>
-                      <a:endParaRPr lang="en-US" dirty="0"/>
+                      <a:r>
+                        <a:rPr lang="en-US" altLang="zh-CN" b="0" dirty="0">
+                          <a:solidFill>
+                            <a:schemeClr val="tx1"/>
+                          </a:solidFill>
+                        </a:rPr>
+                        <a:t>Goal2</a:t>
+                      </a:r>
+                      <a:endParaRPr lang="en-US" b="0" dirty="0"/>
                     </a:p>
                   </a:txBody>
                   <a:tcPr>
@@ -3792,10 +3798,11 @@
                     <a:bodyPr/>
                     <a:lstStyle/>
                     <a:p>
-                      <a:r>
-                        <a:rPr lang="en-US" dirty="0"/>
-                        <a:t>14</a:t>
-                      </a:r>
+                      <a:endParaRPr lang="en-US" dirty="0">
+                        <a:solidFill>
+                          <a:srgbClr val="00B050"/>
+                        </a:solidFill>
+                      </a:endParaRPr>
                     </a:p>
                   </a:txBody>
                   <a:tcPr>
@@ -3952,7 +3959,11 @@
                     <a:bodyPr/>
                     <a:lstStyle/>
                     <a:p>
-                      <a:endParaRPr lang="en-US"/>
+                      <a:r>
+                        <a:rPr lang="en-US" altLang="zh-CN" dirty="0"/>
+                        <a:t>Init</a:t>
+                      </a:r>
+                      <a:endParaRPr lang="en-US" dirty="0"/>
                     </a:p>
                   </a:txBody>
                   <a:tcPr>
@@ -4005,10 +4016,10 @@
                       <a:r>
                         <a:rPr lang="en-US" dirty="0">
                           <a:solidFill>
-                            <a:schemeClr val="accent2"/>
+                            <a:schemeClr val="tx1"/>
                           </a:solidFill>
                         </a:rPr>
-                        <a:t>10</a:t>
+                        <a:t>Both case place sensor here</a:t>
                       </a:r>
                     </a:p>
                   </a:txBody>
@@ -4159,10 +4170,7 @@
                     <a:bodyPr/>
                     <a:lstStyle/>
                     <a:p>
-                      <a:r>
-                        <a:rPr lang="en-US" dirty="0"/>
-                        <a:t>12</a:t>
-                      </a:r>
+                      <a:endParaRPr lang="en-US" dirty="0"/>
                     </a:p>
                   </a:txBody>
                   <a:tcPr>
@@ -4319,10 +4327,11 @@
                     <a:bodyPr/>
                     <a:lstStyle/>
                     <a:p>
-                      <a:r>
-                        <a:rPr lang="en-US" dirty="0"/>
-                        <a:t>6</a:t>
-                      </a:r>
+                      <a:endParaRPr lang="en-US" dirty="0">
+                        <a:solidFill>
+                          <a:srgbClr val="00B050"/>
+                        </a:solidFill>
+                      </a:endParaRPr>
                     </a:p>
                   </a:txBody>
                   <a:tcPr>
@@ -4422,7 +4431,10 @@
                     <a:bodyPr/>
                     <a:lstStyle/>
                     <a:p>
-                      <a:endParaRPr lang="en-US" dirty="0"/>
+                      <a:r>
+                        <a:rPr lang="en-US" dirty="0"/>
+                        <a:t>Goal1</a:t>
+                      </a:r>
                     </a:p>
                   </a:txBody>
                   <a:tcPr>
@@ -4479,7 +4491,7 @@
                     <a:bodyPr/>
                     <a:lstStyle/>
                     <a:p>
-                      <a:endParaRPr lang="en-US"/>
+                      <a:endParaRPr lang="en-US" dirty="0"/>
                     </a:p>
                   </a:txBody>
                   <a:tcPr>
@@ -4865,10 +4877,1851 @@
           </a:p>
         </p:txBody>
       </p:sp>
+      <p:sp>
+        <p:nvSpPr>
+          <p:cNvPr id="2" name="文本框 1">
+            <a:extLst>
+              <a:ext uri="{FF2B5EF4-FFF2-40B4-BE49-F238E27FC236}">
+                <a16:creationId xmlns:a16="http://schemas.microsoft.com/office/drawing/2014/main" id="{6A503958-482F-5B76-1872-FFE72BF027C8}"/>
+              </a:ext>
+            </a:extLst>
+          </p:cNvPr>
+          <p:cNvSpPr txBox="1"/>
+          <p:nvPr/>
+        </p:nvSpPr>
+        <p:spPr>
+          <a:xfrm>
+            <a:off x="8897815" y="614360"/>
+            <a:ext cx="2239108" cy="2031325"/>
+          </a:xfrm>
+          <a:prstGeom prst="rect">
+            <a:avLst/>
+          </a:prstGeom>
+          <a:noFill/>
+        </p:spPr>
+        <p:txBody>
+          <a:bodyPr wrap="square" rtlCol="0">
+            <a:spAutoFit/>
+          </a:bodyPr>
+          <a:lstStyle/>
+          <a:p>
+            <a:r>
+              <a:rPr lang="en-US" altLang="zh-CN" dirty="0"/>
+              <a:t>1 Sensor Scenario</a:t>
+            </a:r>
+          </a:p>
+          <a:p>
+            <a:endParaRPr lang="en-US" altLang="zh-CN" dirty="0"/>
+          </a:p>
+          <a:p>
+            <a:r>
+              <a:rPr lang="en-US" altLang="zh-CN" dirty="0"/>
+              <a:t>Black cell is bouncing wall</a:t>
+            </a:r>
+          </a:p>
+          <a:p>
+            <a:endParaRPr lang="en-US" altLang="zh-CN" dirty="0"/>
+          </a:p>
+          <a:p>
+            <a:r>
+              <a:rPr lang="en-US" altLang="zh-CN" dirty="0"/>
+              <a:t>Sensors can be placed at column 1, 2, 3</a:t>
+            </a:r>
+            <a:endParaRPr lang="zh-CN" altLang="en-US" dirty="0"/>
+          </a:p>
+        </p:txBody>
+      </p:sp>
+      <p:sp>
+        <p:nvSpPr>
+          <p:cNvPr id="3" name="文本框 2">
+            <a:extLst>
+              <a:ext uri="{FF2B5EF4-FFF2-40B4-BE49-F238E27FC236}">
+                <a16:creationId xmlns:a16="http://schemas.microsoft.com/office/drawing/2014/main" id="{523D390D-3A70-C4E8-B261-1FFF57E9D7DE}"/>
+              </a:ext>
+            </a:extLst>
+          </p:cNvPr>
+          <p:cNvSpPr txBox="1"/>
+          <p:nvPr/>
+        </p:nvSpPr>
+        <p:spPr>
+          <a:xfrm>
+            <a:off x="2389554" y="6393416"/>
+            <a:ext cx="5317531" cy="369332"/>
+          </a:xfrm>
+          <a:prstGeom prst="rect">
+            <a:avLst/>
+          </a:prstGeom>
+          <a:noFill/>
+        </p:spPr>
+        <p:txBody>
+          <a:bodyPr wrap="square" rtlCol="0">
+            <a:spAutoFit/>
+          </a:bodyPr>
+          <a:lstStyle/>
+          <a:p>
+            <a:r>
+              <a:rPr lang="en-US" altLang="zh-CN" dirty="0"/>
+              <a:t>0                       1                   2                      3                      4</a:t>
+            </a:r>
+            <a:endParaRPr lang="zh-CN" altLang="en-US" dirty="0"/>
+          </a:p>
+        </p:txBody>
+      </p:sp>
+      <p:sp>
+        <p:nvSpPr>
+          <p:cNvPr id="9" name="文本框 8">
+            <a:extLst>
+              <a:ext uri="{FF2B5EF4-FFF2-40B4-BE49-F238E27FC236}">
+                <a16:creationId xmlns:a16="http://schemas.microsoft.com/office/drawing/2014/main" id="{C3365D82-8A60-5349-4EE7-DBF4C0A75D3D}"/>
+              </a:ext>
+            </a:extLst>
+          </p:cNvPr>
+          <p:cNvSpPr txBox="1"/>
+          <p:nvPr/>
+        </p:nvSpPr>
+        <p:spPr>
+          <a:xfrm>
+            <a:off x="1611980" y="728483"/>
+            <a:ext cx="327969" cy="5078313"/>
+          </a:xfrm>
+          <a:prstGeom prst="rect">
+            <a:avLst/>
+          </a:prstGeom>
+          <a:noFill/>
+        </p:spPr>
+        <p:txBody>
+          <a:bodyPr wrap="square" rtlCol="0">
+            <a:spAutoFit/>
+          </a:bodyPr>
+          <a:lstStyle/>
+          <a:p>
+            <a:r>
+              <a:rPr lang="en-US" altLang="zh-CN" dirty="0"/>
+              <a:t>4</a:t>
+            </a:r>
+          </a:p>
+          <a:p>
+            <a:endParaRPr lang="en-US" altLang="zh-CN" dirty="0"/>
+          </a:p>
+          <a:p>
+            <a:endParaRPr lang="en-US" altLang="zh-CN" dirty="0"/>
+          </a:p>
+          <a:p>
+            <a:endParaRPr lang="en-US" altLang="zh-CN" dirty="0"/>
+          </a:p>
+          <a:p>
+            <a:r>
+              <a:rPr lang="en-US" altLang="zh-CN" dirty="0"/>
+              <a:t>3</a:t>
+            </a:r>
+          </a:p>
+          <a:p>
+            <a:endParaRPr lang="en-US" altLang="zh-CN" dirty="0"/>
+          </a:p>
+          <a:p>
+            <a:endParaRPr lang="en-US" altLang="zh-CN" dirty="0"/>
+          </a:p>
+          <a:p>
+            <a:endParaRPr lang="en-US" altLang="zh-CN" dirty="0"/>
+          </a:p>
+          <a:p>
+            <a:endParaRPr lang="en-US" altLang="zh-CN" dirty="0"/>
+          </a:p>
+          <a:p>
+            <a:r>
+              <a:rPr lang="en-US" altLang="zh-CN" dirty="0"/>
+              <a:t>2</a:t>
+            </a:r>
+          </a:p>
+          <a:p>
+            <a:endParaRPr lang="en-US" altLang="zh-CN" dirty="0"/>
+          </a:p>
+          <a:p>
+            <a:endParaRPr lang="en-US" altLang="zh-CN" dirty="0"/>
+          </a:p>
+          <a:p>
+            <a:endParaRPr lang="en-US" altLang="zh-CN" dirty="0"/>
+          </a:p>
+          <a:p>
+            <a:r>
+              <a:rPr lang="en-US" altLang="zh-CN" dirty="0"/>
+              <a:t>1</a:t>
+            </a:r>
+          </a:p>
+          <a:p>
+            <a:endParaRPr lang="en-US" altLang="zh-CN" dirty="0"/>
+          </a:p>
+          <a:p>
+            <a:endParaRPr lang="en-US" altLang="zh-CN" dirty="0"/>
+          </a:p>
+          <a:p>
+            <a:endParaRPr lang="en-US" altLang="zh-CN" dirty="0"/>
+          </a:p>
+          <a:p>
+            <a:r>
+              <a:rPr lang="en-US" altLang="zh-CN" dirty="0"/>
+              <a:t>0</a:t>
+            </a:r>
+          </a:p>
+        </p:txBody>
+      </p:sp>
     </p:spTree>
     <p:extLst>
       <p:ext uri="{BB962C8B-B14F-4D97-AF65-F5344CB8AC3E}">
         <p14:creationId xmlns:p14="http://schemas.microsoft.com/office/powerpoint/2010/main" val="2580891247"/>
+      </p:ext>
+    </p:extLst>
+  </p:cSld>
+  <p:clrMapOvr>
+    <a:masterClrMapping/>
+  </p:clrMapOvr>
+</p:sld>
+</file>
+
+<file path=ppt/slides/slide2.xml><?xml version="1.0" encoding="utf-8"?>
+<p:sld xmlns:a="http://schemas.openxmlformats.org/drawingml/2006/main" xmlns:r="http://schemas.openxmlformats.org/officeDocument/2006/relationships" xmlns:p="http://schemas.openxmlformats.org/presentationml/2006/main">
+  <p:cSld>
+    <p:spTree>
+      <p:nvGrpSpPr>
+        <p:cNvPr id="1" name=""/>
+        <p:cNvGrpSpPr/>
+        <p:nvPr/>
+      </p:nvGrpSpPr>
+      <p:grpSpPr>
+        <a:xfrm>
+          <a:off x="0" y="0"/>
+          <a:ext cx="0" cy="0"/>
+          <a:chOff x="0" y="0"/>
+          <a:chExt cx="0" cy="0"/>
+        </a:xfrm>
+      </p:grpSpPr>
+      <p:graphicFrame>
+        <p:nvGraphicFramePr>
+          <p:cNvPr id="4" name="Table 4">
+            <a:extLst>
+              <a:ext uri="{FF2B5EF4-FFF2-40B4-BE49-F238E27FC236}">
+                <a16:creationId xmlns:a16="http://schemas.microsoft.com/office/drawing/2014/main" id="{CAF61706-B39E-4F96-907D-5F2BFB5F45BC}"/>
+              </a:ext>
+            </a:extLst>
+          </p:cNvPr>
+          <p:cNvGraphicFramePr>
+            <a:graphicFrameLocks noGrp="1"/>
+          </p:cNvGraphicFramePr>
+          <p:nvPr/>
+        </p:nvGraphicFramePr>
+        <p:xfrm>
+          <a:off x="2032000" y="279918"/>
+          <a:ext cx="5992325" cy="5975445"/>
+        </p:xfrm>
+        <a:graphic>
+          <a:graphicData uri="http://schemas.openxmlformats.org/drawingml/2006/table">
+            <a:tbl>
+              <a:tblPr firstRow="1" bandRow="1">
+                <a:tableStyleId>{5C22544A-7EE6-4342-B048-85BDC9FD1C3A}</a:tableStyleId>
+              </a:tblPr>
+              <a:tblGrid>
+                <a:gridCol w="1198465">
+                  <a:extLst>
+                    <a:ext uri="{9D8B030D-6E8A-4147-A177-3AD203B41FA5}">
+                      <a16:colId xmlns:a16="http://schemas.microsoft.com/office/drawing/2014/main" val="1381510825"/>
+                    </a:ext>
+                  </a:extLst>
+                </a:gridCol>
+                <a:gridCol w="1198465">
+                  <a:extLst>
+                    <a:ext uri="{9D8B030D-6E8A-4147-A177-3AD203B41FA5}">
+                      <a16:colId xmlns:a16="http://schemas.microsoft.com/office/drawing/2014/main" val="3241223700"/>
+                    </a:ext>
+                  </a:extLst>
+                </a:gridCol>
+                <a:gridCol w="1198465">
+                  <a:extLst>
+                    <a:ext uri="{9D8B030D-6E8A-4147-A177-3AD203B41FA5}">
+                      <a16:colId xmlns:a16="http://schemas.microsoft.com/office/drawing/2014/main" val="2944761642"/>
+                    </a:ext>
+                  </a:extLst>
+                </a:gridCol>
+                <a:gridCol w="1198465">
+                  <a:extLst>
+                    <a:ext uri="{9D8B030D-6E8A-4147-A177-3AD203B41FA5}">
+                      <a16:colId xmlns:a16="http://schemas.microsoft.com/office/drawing/2014/main" val="494141684"/>
+                    </a:ext>
+                  </a:extLst>
+                </a:gridCol>
+                <a:gridCol w="1198465">
+                  <a:extLst>
+                    <a:ext uri="{9D8B030D-6E8A-4147-A177-3AD203B41FA5}">
+                      <a16:colId xmlns:a16="http://schemas.microsoft.com/office/drawing/2014/main" val="3566427531"/>
+                    </a:ext>
+                  </a:extLst>
+                </a:gridCol>
+              </a:tblGrid>
+              <a:tr h="1195089">
+                <a:tc>
+                  <a:txBody>
+                    <a:bodyPr/>
+                    <a:lstStyle/>
+                    <a:p>
+                      <a:endParaRPr lang="en-US" dirty="0"/>
+                    </a:p>
+                  </a:txBody>
+                  <a:tcPr>
+                    <a:lnL w="12700" cap="flat" cmpd="sng" algn="ctr">
+                      <a:solidFill>
+                        <a:schemeClr val="tx1"/>
+                      </a:solidFill>
+                      <a:prstDash val="solid"/>
+                      <a:round/>
+                      <a:headEnd type="none" w="med" len="med"/>
+                      <a:tailEnd type="none" w="med" len="med"/>
+                    </a:lnL>
+                    <a:lnR w="12700" cap="flat" cmpd="sng" algn="ctr">
+                      <a:solidFill>
+                        <a:schemeClr val="tx1"/>
+                      </a:solidFill>
+                      <a:prstDash val="solid"/>
+                      <a:round/>
+                      <a:headEnd type="none" w="med" len="med"/>
+                      <a:tailEnd type="none" w="med" len="med"/>
+                    </a:lnR>
+                    <a:lnT w="12700" cap="flat" cmpd="sng" algn="ctr">
+                      <a:solidFill>
+                        <a:schemeClr val="tx1"/>
+                      </a:solidFill>
+                      <a:prstDash val="solid"/>
+                      <a:round/>
+                      <a:headEnd type="none" w="med" len="med"/>
+                      <a:tailEnd type="none" w="med" len="med"/>
+                    </a:lnT>
+                    <a:lnB w="12700" cap="flat" cmpd="sng" algn="ctr">
+                      <a:solidFill>
+                        <a:schemeClr val="tx1"/>
+                      </a:solidFill>
+                      <a:prstDash val="solid"/>
+                      <a:round/>
+                      <a:headEnd type="none" w="med" len="med"/>
+                      <a:tailEnd type="none" w="med" len="med"/>
+                    </a:lnB>
+                    <a:solidFill>
+                      <a:schemeClr val="bg1"/>
+                    </a:solidFill>
+                  </a:tcPr>
+                </a:tc>
+                <a:tc>
+                  <a:txBody>
+                    <a:bodyPr/>
+                    <a:lstStyle/>
+                    <a:p>
+                      <a:endParaRPr lang="en-US"/>
+                    </a:p>
+                  </a:txBody>
+                  <a:tcPr>
+                    <a:lnL w="12700" cap="flat" cmpd="sng" algn="ctr">
+                      <a:solidFill>
+                        <a:schemeClr val="tx1"/>
+                      </a:solidFill>
+                      <a:prstDash val="solid"/>
+                      <a:round/>
+                      <a:headEnd type="none" w="med" len="med"/>
+                      <a:tailEnd type="none" w="med" len="med"/>
+                    </a:lnL>
+                    <a:lnR w="12700" cap="flat" cmpd="sng" algn="ctr">
+                      <a:solidFill>
+                        <a:schemeClr val="tx1"/>
+                      </a:solidFill>
+                      <a:prstDash val="solid"/>
+                      <a:round/>
+                      <a:headEnd type="none" w="med" len="med"/>
+                      <a:tailEnd type="none" w="med" len="med"/>
+                    </a:lnR>
+                    <a:lnT w="12700" cap="flat" cmpd="sng" algn="ctr">
+                      <a:solidFill>
+                        <a:schemeClr val="tx1"/>
+                      </a:solidFill>
+                      <a:prstDash val="solid"/>
+                      <a:round/>
+                      <a:headEnd type="none" w="med" len="med"/>
+                      <a:tailEnd type="none" w="med" len="med"/>
+                    </a:lnT>
+                    <a:lnB w="12700" cap="flat" cmpd="sng" algn="ctr">
+                      <a:solidFill>
+                        <a:schemeClr val="tx1"/>
+                      </a:solidFill>
+                      <a:prstDash val="solid"/>
+                      <a:round/>
+                      <a:headEnd type="none" w="med" len="med"/>
+                      <a:tailEnd type="none" w="med" len="med"/>
+                    </a:lnB>
+                    <a:solidFill>
+                      <a:schemeClr val="bg1"/>
+                    </a:solidFill>
+                  </a:tcPr>
+                </a:tc>
+                <a:tc>
+                  <a:txBody>
+                    <a:bodyPr/>
+                    <a:lstStyle/>
+                    <a:p>
+                      <a:r>
+                        <a:rPr lang="en-US" b="0" dirty="0">
+                          <a:solidFill>
+                            <a:schemeClr val="accent1"/>
+                          </a:solidFill>
+                        </a:rPr>
+                        <a:t>19</a:t>
+                      </a:r>
+                    </a:p>
+                    <a:p>
+                      <a:r>
+                        <a:rPr lang="en-US" b="0" dirty="0">
+                          <a:solidFill>
+                            <a:schemeClr val="accent1"/>
+                          </a:solidFill>
+                        </a:rPr>
+                        <a:t>(Minimize Regret)</a:t>
+                      </a:r>
+                    </a:p>
+                  </a:txBody>
+                  <a:tcPr>
+                    <a:lnL w="12700" cap="flat" cmpd="sng" algn="ctr">
+                      <a:solidFill>
+                        <a:schemeClr val="tx1"/>
+                      </a:solidFill>
+                      <a:prstDash val="solid"/>
+                      <a:round/>
+                      <a:headEnd type="none" w="med" len="med"/>
+                      <a:tailEnd type="none" w="med" len="med"/>
+                    </a:lnL>
+                    <a:lnR w="12700" cap="flat" cmpd="sng" algn="ctr">
+                      <a:solidFill>
+                        <a:schemeClr val="tx1"/>
+                      </a:solidFill>
+                      <a:prstDash val="solid"/>
+                      <a:round/>
+                      <a:headEnd type="none" w="med" len="med"/>
+                      <a:tailEnd type="none" w="med" len="med"/>
+                    </a:lnR>
+                    <a:lnT w="12700" cap="flat" cmpd="sng" algn="ctr">
+                      <a:solidFill>
+                        <a:schemeClr val="tx1"/>
+                      </a:solidFill>
+                      <a:prstDash val="solid"/>
+                      <a:round/>
+                      <a:headEnd type="none" w="med" len="med"/>
+                      <a:tailEnd type="none" w="med" len="med"/>
+                    </a:lnT>
+                    <a:lnB w="12700" cap="flat" cmpd="sng" algn="ctr">
+                      <a:solidFill>
+                        <a:schemeClr val="tx1"/>
+                      </a:solidFill>
+                      <a:prstDash val="solid"/>
+                      <a:round/>
+                      <a:headEnd type="none" w="med" len="med"/>
+                      <a:tailEnd type="none" w="med" len="med"/>
+                    </a:lnB>
+                    <a:solidFill>
+                      <a:schemeClr val="bg1"/>
+                    </a:solidFill>
+                  </a:tcPr>
+                </a:tc>
+                <a:tc>
+                  <a:txBody>
+                    <a:bodyPr/>
+                    <a:lstStyle/>
+                    <a:p>
+                      <a:endParaRPr lang="en-US" dirty="0"/>
+                    </a:p>
+                  </a:txBody>
+                  <a:tcPr>
+                    <a:lnL w="12700" cap="flat" cmpd="sng" algn="ctr">
+                      <a:solidFill>
+                        <a:schemeClr val="tx1"/>
+                      </a:solidFill>
+                      <a:prstDash val="solid"/>
+                      <a:round/>
+                      <a:headEnd type="none" w="med" len="med"/>
+                      <a:tailEnd type="none" w="med" len="med"/>
+                    </a:lnL>
+                    <a:lnR w="12700" cap="flat" cmpd="sng" algn="ctr">
+                      <a:solidFill>
+                        <a:schemeClr val="tx1"/>
+                      </a:solidFill>
+                      <a:prstDash val="solid"/>
+                      <a:round/>
+                      <a:headEnd type="none" w="med" len="med"/>
+                      <a:tailEnd type="none" w="med" len="med"/>
+                    </a:lnR>
+                    <a:lnT w="12700" cap="flat" cmpd="sng" algn="ctr">
+                      <a:solidFill>
+                        <a:schemeClr val="tx1"/>
+                      </a:solidFill>
+                      <a:prstDash val="solid"/>
+                      <a:round/>
+                      <a:headEnd type="none" w="med" len="med"/>
+                      <a:tailEnd type="none" w="med" len="med"/>
+                    </a:lnT>
+                    <a:lnB w="12700" cap="flat" cmpd="sng" algn="ctr">
+                      <a:solidFill>
+                        <a:schemeClr val="tx1"/>
+                      </a:solidFill>
+                      <a:prstDash val="solid"/>
+                      <a:round/>
+                      <a:headEnd type="none" w="med" len="med"/>
+                      <a:tailEnd type="none" w="med" len="med"/>
+                    </a:lnB>
+                    <a:solidFill>
+                      <a:schemeClr val="bg1"/>
+                    </a:solidFill>
+                  </a:tcPr>
+                </a:tc>
+                <a:tc>
+                  <a:txBody>
+                    <a:bodyPr/>
+                    <a:lstStyle/>
+                    <a:p>
+                      <a:endParaRPr lang="en-US" dirty="0"/>
+                    </a:p>
+                  </a:txBody>
+                  <a:tcPr>
+                    <a:lnL w="12700" cap="flat" cmpd="sng" algn="ctr">
+                      <a:solidFill>
+                        <a:schemeClr val="tx1"/>
+                      </a:solidFill>
+                      <a:prstDash val="solid"/>
+                      <a:round/>
+                      <a:headEnd type="none" w="med" len="med"/>
+                      <a:tailEnd type="none" w="med" len="med"/>
+                    </a:lnL>
+                    <a:lnR w="12700" cap="flat" cmpd="sng" algn="ctr">
+                      <a:solidFill>
+                        <a:schemeClr val="tx1"/>
+                      </a:solidFill>
+                      <a:prstDash val="solid"/>
+                      <a:round/>
+                      <a:headEnd type="none" w="med" len="med"/>
+                      <a:tailEnd type="none" w="med" len="med"/>
+                    </a:lnR>
+                    <a:lnT w="12700" cap="flat" cmpd="sng" algn="ctr">
+                      <a:solidFill>
+                        <a:schemeClr val="tx1"/>
+                      </a:solidFill>
+                      <a:prstDash val="solid"/>
+                      <a:round/>
+                      <a:headEnd type="none" w="med" len="med"/>
+                      <a:tailEnd type="none" w="med" len="med"/>
+                    </a:lnT>
+                    <a:lnB w="12700" cap="flat" cmpd="sng" algn="ctr">
+                      <a:solidFill>
+                        <a:schemeClr val="tx1"/>
+                      </a:solidFill>
+                      <a:prstDash val="solid"/>
+                      <a:round/>
+                      <a:headEnd type="none" w="med" len="med"/>
+                      <a:tailEnd type="none" w="med" len="med"/>
+                    </a:lnB>
+                    <a:solidFill>
+                      <a:schemeClr val="bg1"/>
+                    </a:solidFill>
+                  </a:tcPr>
+                </a:tc>
+                <a:extLst>
+                  <a:ext uri="{0D108BD9-81ED-4DB2-BD59-A6C34878D82A}">
+                    <a16:rowId xmlns:a16="http://schemas.microsoft.com/office/drawing/2014/main" val="869902944"/>
+                  </a:ext>
+                </a:extLst>
+              </a:tr>
+              <a:tr h="1195089">
+                <a:tc>
+                  <a:txBody>
+                    <a:bodyPr/>
+                    <a:lstStyle/>
+                    <a:p>
+                      <a:endParaRPr lang="en-US"/>
+                    </a:p>
+                  </a:txBody>
+                  <a:tcPr>
+                    <a:lnL w="12700" cap="flat" cmpd="sng" algn="ctr">
+                      <a:solidFill>
+                        <a:schemeClr val="tx1"/>
+                      </a:solidFill>
+                      <a:prstDash val="solid"/>
+                      <a:round/>
+                      <a:headEnd type="none" w="med" len="med"/>
+                      <a:tailEnd type="none" w="med" len="med"/>
+                    </a:lnL>
+                    <a:lnR w="12700" cap="flat" cmpd="sng" algn="ctr">
+                      <a:solidFill>
+                        <a:schemeClr val="tx1"/>
+                      </a:solidFill>
+                      <a:prstDash val="solid"/>
+                      <a:round/>
+                      <a:headEnd type="none" w="med" len="med"/>
+                      <a:tailEnd type="none" w="med" len="med"/>
+                    </a:lnR>
+                    <a:lnT w="12700" cap="flat" cmpd="sng" algn="ctr">
+                      <a:solidFill>
+                        <a:schemeClr val="tx1"/>
+                      </a:solidFill>
+                      <a:prstDash val="solid"/>
+                      <a:round/>
+                      <a:headEnd type="none" w="med" len="med"/>
+                      <a:tailEnd type="none" w="med" len="med"/>
+                    </a:lnT>
+                    <a:lnB w="12700" cap="flat" cmpd="sng" algn="ctr">
+                      <a:solidFill>
+                        <a:schemeClr val="tx1"/>
+                      </a:solidFill>
+                      <a:prstDash val="solid"/>
+                      <a:round/>
+                      <a:headEnd type="none" w="med" len="med"/>
+                      <a:tailEnd type="none" w="med" len="med"/>
+                    </a:lnB>
+                    <a:solidFill>
+                      <a:schemeClr val="bg1"/>
+                    </a:solidFill>
+                  </a:tcPr>
+                </a:tc>
+                <a:tc>
+                  <a:txBody>
+                    <a:bodyPr/>
+                    <a:lstStyle/>
+                    <a:p>
+                      <a:endParaRPr lang="en-US" dirty="0"/>
+                    </a:p>
+                  </a:txBody>
+                  <a:tcPr>
+                    <a:lnL w="12700" cap="flat" cmpd="sng" algn="ctr">
+                      <a:solidFill>
+                        <a:schemeClr val="tx1"/>
+                      </a:solidFill>
+                      <a:prstDash val="solid"/>
+                      <a:round/>
+                      <a:headEnd type="none" w="med" len="med"/>
+                      <a:tailEnd type="none" w="med" len="med"/>
+                    </a:lnL>
+                    <a:lnR w="12700" cap="flat" cmpd="sng" algn="ctr">
+                      <a:solidFill>
+                        <a:schemeClr val="tx1"/>
+                      </a:solidFill>
+                      <a:prstDash val="solid"/>
+                      <a:round/>
+                      <a:headEnd type="none" w="med" len="med"/>
+                      <a:tailEnd type="none" w="med" len="med"/>
+                    </a:lnR>
+                    <a:lnT w="12700" cap="flat" cmpd="sng" algn="ctr">
+                      <a:solidFill>
+                        <a:schemeClr val="tx1"/>
+                      </a:solidFill>
+                      <a:prstDash val="solid"/>
+                      <a:round/>
+                      <a:headEnd type="none" w="med" len="med"/>
+                      <a:tailEnd type="none" w="med" len="med"/>
+                    </a:lnT>
+                    <a:lnB w="12700" cap="flat" cmpd="sng" algn="ctr">
+                      <a:solidFill>
+                        <a:schemeClr val="tx1"/>
+                      </a:solidFill>
+                      <a:prstDash val="solid"/>
+                      <a:round/>
+                      <a:headEnd type="none" w="med" len="med"/>
+                      <a:tailEnd type="none" w="med" len="med"/>
+                    </a:lnB>
+                    <a:solidFill>
+                      <a:schemeClr val="tx1"/>
+                    </a:solidFill>
+                  </a:tcPr>
+                </a:tc>
+                <a:tc>
+                  <a:txBody>
+                    <a:bodyPr/>
+                    <a:lstStyle/>
+                    <a:p>
+                      <a:r>
+                        <a:rPr lang="en-US" dirty="0">
+                          <a:solidFill>
+                            <a:srgbClr val="00B050"/>
+                          </a:solidFill>
+                        </a:rPr>
+                        <a:t>14</a:t>
+                      </a:r>
+                    </a:p>
+                  </a:txBody>
+                  <a:tcPr>
+                    <a:lnL w="12700" cap="flat" cmpd="sng" algn="ctr">
+                      <a:solidFill>
+                        <a:schemeClr val="tx1"/>
+                      </a:solidFill>
+                      <a:prstDash val="solid"/>
+                      <a:round/>
+                      <a:headEnd type="none" w="med" len="med"/>
+                      <a:tailEnd type="none" w="med" len="med"/>
+                    </a:lnL>
+                    <a:lnR w="12700" cap="flat" cmpd="sng" algn="ctr">
+                      <a:solidFill>
+                        <a:schemeClr val="tx1"/>
+                      </a:solidFill>
+                      <a:prstDash val="solid"/>
+                      <a:round/>
+                      <a:headEnd type="none" w="med" len="med"/>
+                      <a:tailEnd type="none" w="med" len="med"/>
+                    </a:lnR>
+                    <a:lnT w="12700" cap="flat" cmpd="sng" algn="ctr">
+                      <a:solidFill>
+                        <a:schemeClr val="tx1"/>
+                      </a:solidFill>
+                      <a:prstDash val="solid"/>
+                      <a:round/>
+                      <a:headEnd type="none" w="med" len="med"/>
+                      <a:tailEnd type="none" w="med" len="med"/>
+                    </a:lnT>
+                    <a:lnB w="12700" cap="flat" cmpd="sng" algn="ctr">
+                      <a:solidFill>
+                        <a:schemeClr val="tx1"/>
+                      </a:solidFill>
+                      <a:prstDash val="solid"/>
+                      <a:round/>
+                      <a:headEnd type="none" w="med" len="med"/>
+                      <a:tailEnd type="none" w="med" len="med"/>
+                    </a:lnB>
+                    <a:solidFill>
+                      <a:schemeClr val="bg1"/>
+                    </a:solidFill>
+                  </a:tcPr>
+                </a:tc>
+                <a:tc>
+                  <a:txBody>
+                    <a:bodyPr/>
+                    <a:lstStyle/>
+                    <a:p>
+                      <a:endParaRPr lang="en-US"/>
+                    </a:p>
+                  </a:txBody>
+                  <a:tcPr>
+                    <a:lnL w="12700" cap="flat" cmpd="sng" algn="ctr">
+                      <a:solidFill>
+                        <a:schemeClr val="tx1"/>
+                      </a:solidFill>
+                      <a:prstDash val="solid"/>
+                      <a:round/>
+                      <a:headEnd type="none" w="med" len="med"/>
+                      <a:tailEnd type="none" w="med" len="med"/>
+                    </a:lnL>
+                    <a:lnR w="12700" cap="flat" cmpd="sng" algn="ctr">
+                      <a:solidFill>
+                        <a:schemeClr val="tx1"/>
+                      </a:solidFill>
+                      <a:prstDash val="solid"/>
+                      <a:round/>
+                      <a:headEnd type="none" w="med" len="med"/>
+                      <a:tailEnd type="none" w="med" len="med"/>
+                    </a:lnR>
+                    <a:lnT w="12700" cap="flat" cmpd="sng" algn="ctr">
+                      <a:solidFill>
+                        <a:schemeClr val="tx1"/>
+                      </a:solidFill>
+                      <a:prstDash val="solid"/>
+                      <a:round/>
+                      <a:headEnd type="none" w="med" len="med"/>
+                      <a:tailEnd type="none" w="med" len="med"/>
+                    </a:lnT>
+                    <a:lnB w="12700" cap="flat" cmpd="sng" algn="ctr">
+                      <a:solidFill>
+                        <a:schemeClr val="tx1"/>
+                      </a:solidFill>
+                      <a:prstDash val="solid"/>
+                      <a:round/>
+                      <a:headEnd type="none" w="med" len="med"/>
+                      <a:tailEnd type="none" w="med" len="med"/>
+                    </a:lnB>
+                    <a:solidFill>
+                      <a:schemeClr val="bg1"/>
+                    </a:solidFill>
+                  </a:tcPr>
+                </a:tc>
+                <a:tc>
+                  <a:txBody>
+                    <a:bodyPr/>
+                    <a:lstStyle/>
+                    <a:p>
+                      <a:endParaRPr lang="en-US" dirty="0"/>
+                    </a:p>
+                  </a:txBody>
+                  <a:tcPr>
+                    <a:lnL w="12700" cap="flat" cmpd="sng" algn="ctr">
+                      <a:solidFill>
+                        <a:schemeClr val="tx1"/>
+                      </a:solidFill>
+                      <a:prstDash val="solid"/>
+                      <a:round/>
+                      <a:headEnd type="none" w="med" len="med"/>
+                      <a:tailEnd type="none" w="med" len="med"/>
+                    </a:lnL>
+                    <a:lnR w="12700" cap="flat" cmpd="sng" algn="ctr">
+                      <a:solidFill>
+                        <a:schemeClr val="tx1"/>
+                      </a:solidFill>
+                      <a:prstDash val="solid"/>
+                      <a:round/>
+                      <a:headEnd type="none" w="med" len="med"/>
+                      <a:tailEnd type="none" w="med" len="med"/>
+                    </a:lnR>
+                    <a:lnT w="12700" cap="flat" cmpd="sng" algn="ctr">
+                      <a:solidFill>
+                        <a:schemeClr val="tx1"/>
+                      </a:solidFill>
+                      <a:prstDash val="solid"/>
+                      <a:round/>
+                      <a:headEnd type="none" w="med" len="med"/>
+                      <a:tailEnd type="none" w="med" len="med"/>
+                    </a:lnT>
+                    <a:lnB w="12700" cap="flat" cmpd="sng" algn="ctr">
+                      <a:solidFill>
+                        <a:schemeClr val="tx1"/>
+                      </a:solidFill>
+                      <a:prstDash val="solid"/>
+                      <a:round/>
+                      <a:headEnd type="none" w="med" len="med"/>
+                      <a:tailEnd type="none" w="med" len="med"/>
+                    </a:lnB>
+                    <a:solidFill>
+                      <a:schemeClr val="bg1"/>
+                    </a:solidFill>
+                  </a:tcPr>
+                </a:tc>
+                <a:extLst>
+                  <a:ext uri="{0D108BD9-81ED-4DB2-BD59-A6C34878D82A}">
+                    <a16:rowId xmlns:a16="http://schemas.microsoft.com/office/drawing/2014/main" val="2888920794"/>
+                  </a:ext>
+                </a:extLst>
+              </a:tr>
+              <a:tr h="1195089">
+                <a:tc>
+                  <a:txBody>
+                    <a:bodyPr/>
+                    <a:lstStyle/>
+                    <a:p>
+                      <a:r>
+                        <a:rPr lang="en-US" altLang="zh-CN" dirty="0"/>
+                        <a:t>Init</a:t>
+                      </a:r>
+                      <a:endParaRPr lang="en-US" dirty="0"/>
+                    </a:p>
+                  </a:txBody>
+                  <a:tcPr>
+                    <a:lnL w="12700" cap="flat" cmpd="sng" algn="ctr">
+                      <a:solidFill>
+                        <a:schemeClr val="tx1"/>
+                      </a:solidFill>
+                      <a:prstDash val="solid"/>
+                      <a:round/>
+                      <a:headEnd type="none" w="med" len="med"/>
+                      <a:tailEnd type="none" w="med" len="med"/>
+                    </a:lnL>
+                    <a:lnR w="12700" cap="flat" cmpd="sng" algn="ctr">
+                      <a:solidFill>
+                        <a:schemeClr val="tx1"/>
+                      </a:solidFill>
+                      <a:prstDash val="solid"/>
+                      <a:round/>
+                      <a:headEnd type="none" w="med" len="med"/>
+                      <a:tailEnd type="none" w="med" len="med"/>
+                    </a:lnR>
+                    <a:lnT w="12700" cap="flat" cmpd="sng" algn="ctr">
+                      <a:solidFill>
+                        <a:schemeClr val="tx1"/>
+                      </a:solidFill>
+                      <a:prstDash val="solid"/>
+                      <a:round/>
+                      <a:headEnd type="none" w="med" len="med"/>
+                      <a:tailEnd type="none" w="med" len="med"/>
+                    </a:lnT>
+                    <a:lnB w="12700" cap="flat" cmpd="sng" algn="ctr">
+                      <a:solidFill>
+                        <a:schemeClr val="tx1"/>
+                      </a:solidFill>
+                      <a:prstDash val="solid"/>
+                      <a:round/>
+                      <a:headEnd type="none" w="med" len="med"/>
+                      <a:tailEnd type="none" w="med" len="med"/>
+                    </a:lnB>
+                    <a:solidFill>
+                      <a:schemeClr val="bg1"/>
+                    </a:solidFill>
+                  </a:tcPr>
+                </a:tc>
+                <a:tc>
+                  <a:txBody>
+                    <a:bodyPr/>
+                    <a:lstStyle/>
+                    <a:p>
+                      <a:r>
+                        <a:rPr lang="en-US" dirty="0">
+                          <a:solidFill>
+                            <a:schemeClr val="accent1"/>
+                          </a:solidFill>
+                        </a:rPr>
+                        <a:t>10</a:t>
+                      </a:r>
+                    </a:p>
+                    <a:p>
+                      <a:r>
+                        <a:rPr lang="en-US" dirty="0">
+                          <a:solidFill>
+                            <a:schemeClr val="accent1"/>
+                          </a:solidFill>
+                        </a:rPr>
+                        <a:t>(Minimize regret)</a:t>
+                      </a:r>
+                    </a:p>
+                  </a:txBody>
+                  <a:tcPr>
+                    <a:lnL w="12700" cap="flat" cmpd="sng" algn="ctr">
+                      <a:solidFill>
+                        <a:schemeClr val="tx1"/>
+                      </a:solidFill>
+                      <a:prstDash val="solid"/>
+                      <a:round/>
+                      <a:headEnd type="none" w="med" len="med"/>
+                      <a:tailEnd type="none" w="med" len="med"/>
+                    </a:lnL>
+                    <a:lnR w="12700" cap="flat" cmpd="sng" algn="ctr">
+                      <a:solidFill>
+                        <a:schemeClr val="tx1"/>
+                      </a:solidFill>
+                      <a:prstDash val="solid"/>
+                      <a:round/>
+                      <a:headEnd type="none" w="med" len="med"/>
+                      <a:tailEnd type="none" w="med" len="med"/>
+                    </a:lnR>
+                    <a:lnT w="12700" cap="flat" cmpd="sng" algn="ctr">
+                      <a:solidFill>
+                        <a:schemeClr val="tx1"/>
+                      </a:solidFill>
+                      <a:prstDash val="solid"/>
+                      <a:round/>
+                      <a:headEnd type="none" w="med" len="med"/>
+                      <a:tailEnd type="none" w="med" len="med"/>
+                    </a:lnT>
+                    <a:lnB w="12700" cap="flat" cmpd="sng" algn="ctr">
+                      <a:solidFill>
+                        <a:schemeClr val="tx1"/>
+                      </a:solidFill>
+                      <a:prstDash val="solid"/>
+                      <a:round/>
+                      <a:headEnd type="none" w="med" len="med"/>
+                      <a:tailEnd type="none" w="med" len="med"/>
+                    </a:lnB>
+                    <a:solidFill>
+                      <a:schemeClr val="bg1"/>
+                    </a:solidFill>
+                  </a:tcPr>
+                </a:tc>
+                <a:tc>
+                  <a:txBody>
+                    <a:bodyPr/>
+                    <a:lstStyle/>
+                    <a:p>
+                      <a:endParaRPr lang="en-US" dirty="0"/>
+                    </a:p>
+                  </a:txBody>
+                  <a:tcPr>
+                    <a:lnL w="12700" cap="flat" cmpd="sng" algn="ctr">
+                      <a:solidFill>
+                        <a:schemeClr val="tx1"/>
+                      </a:solidFill>
+                      <a:prstDash val="solid"/>
+                      <a:round/>
+                      <a:headEnd type="none" w="med" len="med"/>
+                      <a:tailEnd type="none" w="med" len="med"/>
+                    </a:lnL>
+                    <a:lnR w="12700" cap="flat" cmpd="sng" algn="ctr">
+                      <a:solidFill>
+                        <a:schemeClr val="tx1"/>
+                      </a:solidFill>
+                      <a:prstDash val="solid"/>
+                      <a:round/>
+                      <a:headEnd type="none" w="med" len="med"/>
+                      <a:tailEnd type="none" w="med" len="med"/>
+                    </a:lnR>
+                    <a:lnT w="12700" cap="flat" cmpd="sng" algn="ctr">
+                      <a:solidFill>
+                        <a:schemeClr val="tx1"/>
+                      </a:solidFill>
+                      <a:prstDash val="solid"/>
+                      <a:round/>
+                      <a:headEnd type="none" w="med" len="med"/>
+                      <a:tailEnd type="none" w="med" len="med"/>
+                    </a:lnT>
+                    <a:lnB w="12700" cap="flat" cmpd="sng" algn="ctr">
+                      <a:solidFill>
+                        <a:schemeClr val="tx1"/>
+                      </a:solidFill>
+                      <a:prstDash val="solid"/>
+                      <a:round/>
+                      <a:headEnd type="none" w="med" len="med"/>
+                      <a:tailEnd type="none" w="med" len="med"/>
+                    </a:lnB>
+                    <a:solidFill>
+                      <a:schemeClr val="bg1"/>
+                    </a:solidFill>
+                  </a:tcPr>
+                </a:tc>
+                <a:tc>
+                  <a:txBody>
+                    <a:bodyPr/>
+                    <a:lstStyle/>
+                    <a:p>
+                      <a:endParaRPr lang="en-US" dirty="0"/>
+                    </a:p>
+                  </a:txBody>
+                  <a:tcPr>
+                    <a:lnL w="12700" cap="flat" cmpd="sng" algn="ctr">
+                      <a:solidFill>
+                        <a:schemeClr val="tx1"/>
+                      </a:solidFill>
+                      <a:prstDash val="solid"/>
+                      <a:round/>
+                      <a:headEnd type="none" w="med" len="med"/>
+                      <a:tailEnd type="none" w="med" len="med"/>
+                    </a:lnL>
+                    <a:lnR w="12700" cap="flat" cmpd="sng" algn="ctr">
+                      <a:solidFill>
+                        <a:schemeClr val="tx1"/>
+                      </a:solidFill>
+                      <a:prstDash val="solid"/>
+                      <a:round/>
+                      <a:headEnd type="none" w="med" len="med"/>
+                      <a:tailEnd type="none" w="med" len="med"/>
+                    </a:lnR>
+                    <a:lnT w="12700" cap="flat" cmpd="sng" algn="ctr">
+                      <a:solidFill>
+                        <a:schemeClr val="tx1"/>
+                      </a:solidFill>
+                      <a:prstDash val="solid"/>
+                      <a:round/>
+                      <a:headEnd type="none" w="med" len="med"/>
+                      <a:tailEnd type="none" w="med" len="med"/>
+                    </a:lnT>
+                    <a:lnB w="12700" cap="flat" cmpd="sng" algn="ctr">
+                      <a:solidFill>
+                        <a:schemeClr val="tx1"/>
+                      </a:solidFill>
+                      <a:prstDash val="solid"/>
+                      <a:round/>
+                      <a:headEnd type="none" w="med" len="med"/>
+                      <a:tailEnd type="none" w="med" len="med"/>
+                    </a:lnB>
+                    <a:solidFill>
+                      <a:schemeClr val="tx1"/>
+                    </a:solidFill>
+                  </a:tcPr>
+                </a:tc>
+                <a:tc>
+                  <a:txBody>
+                    <a:bodyPr/>
+                    <a:lstStyle/>
+                    <a:p>
+                      <a:endParaRPr lang="en-US" dirty="0"/>
+                    </a:p>
+                  </a:txBody>
+                  <a:tcPr>
+                    <a:lnL w="12700" cap="flat" cmpd="sng" algn="ctr">
+                      <a:solidFill>
+                        <a:schemeClr val="tx1"/>
+                      </a:solidFill>
+                      <a:prstDash val="solid"/>
+                      <a:round/>
+                      <a:headEnd type="none" w="med" len="med"/>
+                      <a:tailEnd type="none" w="med" len="med"/>
+                    </a:lnL>
+                    <a:lnR w="12700" cap="flat" cmpd="sng" algn="ctr">
+                      <a:solidFill>
+                        <a:schemeClr val="tx1"/>
+                      </a:solidFill>
+                      <a:prstDash val="solid"/>
+                      <a:round/>
+                      <a:headEnd type="none" w="med" len="med"/>
+                      <a:tailEnd type="none" w="med" len="med"/>
+                    </a:lnR>
+                    <a:lnT w="12700" cap="flat" cmpd="sng" algn="ctr">
+                      <a:solidFill>
+                        <a:schemeClr val="tx1"/>
+                      </a:solidFill>
+                      <a:prstDash val="solid"/>
+                      <a:round/>
+                      <a:headEnd type="none" w="med" len="med"/>
+                      <a:tailEnd type="none" w="med" len="med"/>
+                    </a:lnT>
+                    <a:lnB w="12700" cap="flat" cmpd="sng" algn="ctr">
+                      <a:solidFill>
+                        <a:schemeClr val="tx1"/>
+                      </a:solidFill>
+                      <a:prstDash val="solid"/>
+                      <a:round/>
+                      <a:headEnd type="none" w="med" len="med"/>
+                      <a:tailEnd type="none" w="med" len="med"/>
+                    </a:lnB>
+                    <a:solidFill>
+                      <a:schemeClr val="bg1"/>
+                    </a:solidFill>
+                  </a:tcPr>
+                </a:tc>
+                <a:extLst>
+                  <a:ext uri="{0D108BD9-81ED-4DB2-BD59-A6C34878D82A}">
+                    <a16:rowId xmlns:a16="http://schemas.microsoft.com/office/drawing/2014/main" val="4027582808"/>
+                  </a:ext>
+                </a:extLst>
+              </a:tr>
+              <a:tr h="1195089">
+                <a:tc>
+                  <a:txBody>
+                    <a:bodyPr/>
+                    <a:lstStyle/>
+                    <a:p>
+                      <a:endParaRPr lang="en-US" dirty="0"/>
+                    </a:p>
+                  </a:txBody>
+                  <a:tcPr>
+                    <a:lnL w="12700" cap="flat" cmpd="sng" algn="ctr">
+                      <a:solidFill>
+                        <a:schemeClr val="tx1"/>
+                      </a:solidFill>
+                      <a:prstDash val="solid"/>
+                      <a:round/>
+                      <a:headEnd type="none" w="med" len="med"/>
+                      <a:tailEnd type="none" w="med" len="med"/>
+                    </a:lnL>
+                    <a:lnR w="12700" cap="flat" cmpd="sng" algn="ctr">
+                      <a:solidFill>
+                        <a:schemeClr val="tx1"/>
+                      </a:solidFill>
+                      <a:prstDash val="solid"/>
+                      <a:round/>
+                      <a:headEnd type="none" w="med" len="med"/>
+                      <a:tailEnd type="none" w="med" len="med"/>
+                    </a:lnR>
+                    <a:lnT w="12700" cap="flat" cmpd="sng" algn="ctr">
+                      <a:solidFill>
+                        <a:schemeClr val="tx1"/>
+                      </a:solidFill>
+                      <a:prstDash val="solid"/>
+                      <a:round/>
+                      <a:headEnd type="none" w="med" len="med"/>
+                      <a:tailEnd type="none" w="med" len="med"/>
+                    </a:lnT>
+                    <a:lnB w="12700" cap="flat" cmpd="sng" algn="ctr">
+                      <a:solidFill>
+                        <a:schemeClr val="tx1"/>
+                      </a:solidFill>
+                      <a:prstDash val="solid"/>
+                      <a:round/>
+                      <a:headEnd type="none" w="med" len="med"/>
+                      <a:tailEnd type="none" w="med" len="med"/>
+                    </a:lnB>
+                    <a:solidFill>
+                      <a:schemeClr val="bg1"/>
+                    </a:solidFill>
+                  </a:tcPr>
+                </a:tc>
+                <a:tc>
+                  <a:txBody>
+                    <a:bodyPr/>
+                    <a:lstStyle/>
+                    <a:p>
+                      <a:endParaRPr lang="en-US" dirty="0"/>
+                    </a:p>
+                  </a:txBody>
+                  <a:tcPr>
+                    <a:lnL w="12700" cap="flat" cmpd="sng" algn="ctr">
+                      <a:solidFill>
+                        <a:schemeClr val="tx1"/>
+                      </a:solidFill>
+                      <a:prstDash val="solid"/>
+                      <a:round/>
+                      <a:headEnd type="none" w="med" len="med"/>
+                      <a:tailEnd type="none" w="med" len="med"/>
+                    </a:lnL>
+                    <a:lnR w="12700" cap="flat" cmpd="sng" algn="ctr">
+                      <a:solidFill>
+                        <a:schemeClr val="tx1"/>
+                      </a:solidFill>
+                      <a:prstDash val="solid"/>
+                      <a:round/>
+                      <a:headEnd type="none" w="med" len="med"/>
+                      <a:tailEnd type="none" w="med" len="med"/>
+                    </a:lnR>
+                    <a:lnT w="12700" cap="flat" cmpd="sng" algn="ctr">
+                      <a:solidFill>
+                        <a:schemeClr val="tx1"/>
+                      </a:solidFill>
+                      <a:prstDash val="solid"/>
+                      <a:round/>
+                      <a:headEnd type="none" w="med" len="med"/>
+                      <a:tailEnd type="none" w="med" len="med"/>
+                    </a:lnT>
+                    <a:lnB w="12700" cap="flat" cmpd="sng" algn="ctr">
+                      <a:solidFill>
+                        <a:schemeClr val="tx1"/>
+                      </a:solidFill>
+                      <a:prstDash val="solid"/>
+                      <a:round/>
+                      <a:headEnd type="none" w="med" len="med"/>
+                      <a:tailEnd type="none" w="med" len="med"/>
+                    </a:lnB>
+                    <a:solidFill>
+                      <a:schemeClr val="bg1"/>
+                    </a:solidFill>
+                  </a:tcPr>
+                </a:tc>
+                <a:tc>
+                  <a:txBody>
+                    <a:bodyPr/>
+                    <a:lstStyle/>
+                    <a:p>
+                      <a:r>
+                        <a:rPr lang="en-US" dirty="0">
+                          <a:solidFill>
+                            <a:srgbClr val="00B050"/>
+                          </a:solidFill>
+                        </a:rPr>
+                        <a:t>6</a:t>
+                      </a:r>
+                    </a:p>
+                  </a:txBody>
+                  <a:tcPr>
+                    <a:lnL w="12700" cap="flat" cmpd="sng" algn="ctr">
+                      <a:solidFill>
+                        <a:schemeClr val="tx1"/>
+                      </a:solidFill>
+                      <a:prstDash val="solid"/>
+                      <a:round/>
+                      <a:headEnd type="none" w="med" len="med"/>
+                      <a:tailEnd type="none" w="med" len="med"/>
+                    </a:lnL>
+                    <a:lnR w="12700" cap="flat" cmpd="sng" algn="ctr">
+                      <a:solidFill>
+                        <a:schemeClr val="tx1"/>
+                      </a:solidFill>
+                      <a:prstDash val="solid"/>
+                      <a:round/>
+                      <a:headEnd type="none" w="med" len="med"/>
+                      <a:tailEnd type="none" w="med" len="med"/>
+                    </a:lnR>
+                    <a:lnT w="12700" cap="flat" cmpd="sng" algn="ctr">
+                      <a:solidFill>
+                        <a:schemeClr val="tx1"/>
+                      </a:solidFill>
+                      <a:prstDash val="solid"/>
+                      <a:round/>
+                      <a:headEnd type="none" w="med" len="med"/>
+                      <a:tailEnd type="none" w="med" len="med"/>
+                    </a:lnT>
+                    <a:lnB w="12700" cap="flat" cmpd="sng" algn="ctr">
+                      <a:solidFill>
+                        <a:schemeClr val="tx1"/>
+                      </a:solidFill>
+                      <a:prstDash val="solid"/>
+                      <a:round/>
+                      <a:headEnd type="none" w="med" len="med"/>
+                      <a:tailEnd type="none" w="med" len="med"/>
+                    </a:lnB>
+                    <a:solidFill>
+                      <a:schemeClr val="bg1"/>
+                    </a:solidFill>
+                  </a:tcPr>
+                </a:tc>
+                <a:tc>
+                  <a:txBody>
+                    <a:bodyPr/>
+                    <a:lstStyle/>
+                    <a:p>
+                      <a:endParaRPr lang="en-US" dirty="0"/>
+                    </a:p>
+                  </a:txBody>
+                  <a:tcPr>
+                    <a:lnL w="12700" cap="flat" cmpd="sng" algn="ctr">
+                      <a:solidFill>
+                        <a:schemeClr val="tx1"/>
+                      </a:solidFill>
+                      <a:prstDash val="solid"/>
+                      <a:round/>
+                      <a:headEnd type="none" w="med" len="med"/>
+                      <a:tailEnd type="none" w="med" len="med"/>
+                    </a:lnL>
+                    <a:lnR w="12700" cap="flat" cmpd="sng" algn="ctr">
+                      <a:solidFill>
+                        <a:schemeClr val="tx1"/>
+                      </a:solidFill>
+                      <a:prstDash val="solid"/>
+                      <a:round/>
+                      <a:headEnd type="none" w="med" len="med"/>
+                      <a:tailEnd type="none" w="med" len="med"/>
+                    </a:lnR>
+                    <a:lnT w="12700" cap="flat" cmpd="sng" algn="ctr">
+                      <a:solidFill>
+                        <a:schemeClr val="tx1"/>
+                      </a:solidFill>
+                      <a:prstDash val="solid"/>
+                      <a:round/>
+                      <a:headEnd type="none" w="med" len="med"/>
+                      <a:tailEnd type="none" w="med" len="med"/>
+                    </a:lnT>
+                    <a:lnB w="12700" cap="flat" cmpd="sng" algn="ctr">
+                      <a:solidFill>
+                        <a:schemeClr val="tx1"/>
+                      </a:solidFill>
+                      <a:prstDash val="solid"/>
+                      <a:round/>
+                      <a:headEnd type="none" w="med" len="med"/>
+                      <a:tailEnd type="none" w="med" len="med"/>
+                    </a:lnB>
+                    <a:solidFill>
+                      <a:schemeClr val="bg1"/>
+                    </a:solidFill>
+                  </a:tcPr>
+                </a:tc>
+                <a:tc>
+                  <a:txBody>
+                    <a:bodyPr/>
+                    <a:lstStyle/>
+                    <a:p>
+                      <a:endParaRPr lang="en-US" dirty="0"/>
+                    </a:p>
+                  </a:txBody>
+                  <a:tcPr>
+                    <a:lnL w="12700" cap="flat" cmpd="sng" algn="ctr">
+                      <a:solidFill>
+                        <a:schemeClr val="tx1"/>
+                      </a:solidFill>
+                      <a:prstDash val="solid"/>
+                      <a:round/>
+                      <a:headEnd type="none" w="med" len="med"/>
+                      <a:tailEnd type="none" w="med" len="med"/>
+                    </a:lnL>
+                    <a:lnR w="12700" cap="flat" cmpd="sng" algn="ctr">
+                      <a:solidFill>
+                        <a:schemeClr val="tx1"/>
+                      </a:solidFill>
+                      <a:prstDash val="solid"/>
+                      <a:round/>
+                      <a:headEnd type="none" w="med" len="med"/>
+                      <a:tailEnd type="none" w="med" len="med"/>
+                    </a:lnR>
+                    <a:lnT w="12700" cap="flat" cmpd="sng" algn="ctr">
+                      <a:solidFill>
+                        <a:schemeClr val="tx1"/>
+                      </a:solidFill>
+                      <a:prstDash val="solid"/>
+                      <a:round/>
+                      <a:headEnd type="none" w="med" len="med"/>
+                      <a:tailEnd type="none" w="med" len="med"/>
+                    </a:lnT>
+                    <a:lnB w="12700" cap="flat" cmpd="sng" algn="ctr">
+                      <a:solidFill>
+                        <a:schemeClr val="tx1"/>
+                      </a:solidFill>
+                      <a:prstDash val="solid"/>
+                      <a:round/>
+                      <a:headEnd type="none" w="med" len="med"/>
+                      <a:tailEnd type="none" w="med" len="med"/>
+                    </a:lnB>
+                    <a:solidFill>
+                      <a:schemeClr val="bg1"/>
+                    </a:solidFill>
+                  </a:tcPr>
+                </a:tc>
+                <a:extLst>
+                  <a:ext uri="{0D108BD9-81ED-4DB2-BD59-A6C34878D82A}">
+                    <a16:rowId xmlns:a16="http://schemas.microsoft.com/office/drawing/2014/main" val="2440706154"/>
+                  </a:ext>
+                </a:extLst>
+              </a:tr>
+              <a:tr h="1195089">
+                <a:tc>
+                  <a:txBody>
+                    <a:bodyPr/>
+                    <a:lstStyle/>
+                    <a:p>
+                      <a:endParaRPr lang="en-US"/>
+                    </a:p>
+                  </a:txBody>
+                  <a:tcPr>
+                    <a:lnL w="12700" cap="flat" cmpd="sng" algn="ctr">
+                      <a:solidFill>
+                        <a:schemeClr val="tx1"/>
+                      </a:solidFill>
+                      <a:prstDash val="solid"/>
+                      <a:round/>
+                      <a:headEnd type="none" w="med" len="med"/>
+                      <a:tailEnd type="none" w="med" len="med"/>
+                    </a:lnL>
+                    <a:lnR w="12700" cap="flat" cmpd="sng" algn="ctr">
+                      <a:solidFill>
+                        <a:schemeClr val="tx1"/>
+                      </a:solidFill>
+                      <a:prstDash val="solid"/>
+                      <a:round/>
+                      <a:headEnd type="none" w="med" len="med"/>
+                      <a:tailEnd type="none" w="med" len="med"/>
+                    </a:lnR>
+                    <a:lnT w="12700" cap="flat" cmpd="sng" algn="ctr">
+                      <a:solidFill>
+                        <a:schemeClr val="tx1"/>
+                      </a:solidFill>
+                      <a:prstDash val="solid"/>
+                      <a:round/>
+                      <a:headEnd type="none" w="med" len="med"/>
+                      <a:tailEnd type="none" w="med" len="med"/>
+                    </a:lnT>
+                    <a:lnB w="12700" cap="flat" cmpd="sng" algn="ctr">
+                      <a:solidFill>
+                        <a:schemeClr val="tx1"/>
+                      </a:solidFill>
+                      <a:prstDash val="solid"/>
+                      <a:round/>
+                      <a:headEnd type="none" w="med" len="med"/>
+                      <a:tailEnd type="none" w="med" len="med"/>
+                    </a:lnB>
+                    <a:solidFill>
+                      <a:schemeClr val="bg1"/>
+                    </a:solidFill>
+                  </a:tcPr>
+                </a:tc>
+                <a:tc>
+                  <a:txBody>
+                    <a:bodyPr/>
+                    <a:lstStyle/>
+                    <a:p>
+                      <a:endParaRPr lang="en-US" dirty="0"/>
+                    </a:p>
+                  </a:txBody>
+                  <a:tcPr>
+                    <a:lnL w="12700" cap="flat" cmpd="sng" algn="ctr">
+                      <a:solidFill>
+                        <a:schemeClr val="tx1"/>
+                      </a:solidFill>
+                      <a:prstDash val="solid"/>
+                      <a:round/>
+                      <a:headEnd type="none" w="med" len="med"/>
+                      <a:tailEnd type="none" w="med" len="med"/>
+                    </a:lnL>
+                    <a:lnR w="12700" cap="flat" cmpd="sng" algn="ctr">
+                      <a:solidFill>
+                        <a:schemeClr val="tx1"/>
+                      </a:solidFill>
+                      <a:prstDash val="solid"/>
+                      <a:round/>
+                      <a:headEnd type="none" w="med" len="med"/>
+                      <a:tailEnd type="none" w="med" len="med"/>
+                    </a:lnR>
+                    <a:lnT w="12700" cap="flat" cmpd="sng" algn="ctr">
+                      <a:solidFill>
+                        <a:schemeClr val="tx1"/>
+                      </a:solidFill>
+                      <a:prstDash val="solid"/>
+                      <a:round/>
+                      <a:headEnd type="none" w="med" len="med"/>
+                      <a:tailEnd type="none" w="med" len="med"/>
+                    </a:lnT>
+                    <a:lnB w="12700" cap="flat" cmpd="sng" algn="ctr">
+                      <a:solidFill>
+                        <a:schemeClr val="tx1"/>
+                      </a:solidFill>
+                      <a:prstDash val="solid"/>
+                      <a:round/>
+                      <a:headEnd type="none" w="med" len="med"/>
+                      <a:tailEnd type="none" w="med" len="med"/>
+                    </a:lnB>
+                    <a:solidFill>
+                      <a:schemeClr val="bg1"/>
+                    </a:solidFill>
+                  </a:tcPr>
+                </a:tc>
+                <a:tc>
+                  <a:txBody>
+                    <a:bodyPr/>
+                    <a:lstStyle/>
+                    <a:p>
+                      <a:endParaRPr lang="en-US" dirty="0"/>
+                    </a:p>
+                  </a:txBody>
+                  <a:tcPr>
+                    <a:lnL w="12700" cap="flat" cmpd="sng" algn="ctr">
+                      <a:solidFill>
+                        <a:schemeClr val="tx1"/>
+                      </a:solidFill>
+                      <a:prstDash val="solid"/>
+                      <a:round/>
+                      <a:headEnd type="none" w="med" len="med"/>
+                      <a:tailEnd type="none" w="med" len="med"/>
+                    </a:lnL>
+                    <a:lnR w="12700" cap="flat" cmpd="sng" algn="ctr">
+                      <a:solidFill>
+                        <a:schemeClr val="tx1"/>
+                      </a:solidFill>
+                      <a:prstDash val="solid"/>
+                      <a:round/>
+                      <a:headEnd type="none" w="med" len="med"/>
+                      <a:tailEnd type="none" w="med" len="med"/>
+                    </a:lnR>
+                    <a:lnT w="12700" cap="flat" cmpd="sng" algn="ctr">
+                      <a:solidFill>
+                        <a:schemeClr val="tx1"/>
+                      </a:solidFill>
+                      <a:prstDash val="solid"/>
+                      <a:round/>
+                      <a:headEnd type="none" w="med" len="med"/>
+                      <a:tailEnd type="none" w="med" len="med"/>
+                    </a:lnT>
+                    <a:lnB w="12700" cap="flat" cmpd="sng" algn="ctr">
+                      <a:solidFill>
+                        <a:schemeClr val="tx1"/>
+                      </a:solidFill>
+                      <a:prstDash val="solid"/>
+                      <a:round/>
+                      <a:headEnd type="none" w="med" len="med"/>
+                      <a:tailEnd type="none" w="med" len="med"/>
+                    </a:lnB>
+                    <a:solidFill>
+                      <a:schemeClr val="tx1"/>
+                    </a:solidFill>
+                  </a:tcPr>
+                </a:tc>
+                <a:tc>
+                  <a:txBody>
+                    <a:bodyPr/>
+                    <a:lstStyle/>
+                    <a:p>
+                      <a:endParaRPr lang="en-US" dirty="0"/>
+                    </a:p>
+                  </a:txBody>
+                  <a:tcPr>
+                    <a:lnL w="12700" cap="flat" cmpd="sng" algn="ctr">
+                      <a:solidFill>
+                        <a:schemeClr val="tx1"/>
+                      </a:solidFill>
+                      <a:prstDash val="solid"/>
+                      <a:round/>
+                      <a:headEnd type="none" w="med" len="med"/>
+                      <a:tailEnd type="none" w="med" len="med"/>
+                    </a:lnL>
+                    <a:lnR w="12700" cap="flat" cmpd="sng" algn="ctr">
+                      <a:solidFill>
+                        <a:schemeClr val="tx1"/>
+                      </a:solidFill>
+                      <a:prstDash val="solid"/>
+                      <a:round/>
+                      <a:headEnd type="none" w="med" len="med"/>
+                      <a:tailEnd type="none" w="med" len="med"/>
+                    </a:lnR>
+                    <a:lnT w="12700" cap="flat" cmpd="sng" algn="ctr">
+                      <a:solidFill>
+                        <a:schemeClr val="tx1"/>
+                      </a:solidFill>
+                      <a:prstDash val="solid"/>
+                      <a:round/>
+                      <a:headEnd type="none" w="med" len="med"/>
+                      <a:tailEnd type="none" w="med" len="med"/>
+                    </a:lnT>
+                    <a:lnB w="12700" cap="flat" cmpd="sng" algn="ctr">
+                      <a:solidFill>
+                        <a:schemeClr val="tx1"/>
+                      </a:solidFill>
+                      <a:prstDash val="solid"/>
+                      <a:round/>
+                      <a:headEnd type="none" w="med" len="med"/>
+                      <a:tailEnd type="none" w="med" len="med"/>
+                    </a:lnB>
+                    <a:solidFill>
+                      <a:schemeClr val="bg1"/>
+                    </a:solidFill>
+                  </a:tcPr>
+                </a:tc>
+                <a:tc>
+                  <a:txBody>
+                    <a:bodyPr/>
+                    <a:lstStyle/>
+                    <a:p>
+                      <a:endParaRPr lang="en-US" dirty="0"/>
+                    </a:p>
+                  </a:txBody>
+                  <a:tcPr>
+                    <a:lnL w="12700" cap="flat" cmpd="sng" algn="ctr">
+                      <a:solidFill>
+                        <a:schemeClr val="tx1"/>
+                      </a:solidFill>
+                      <a:prstDash val="solid"/>
+                      <a:round/>
+                      <a:headEnd type="none" w="med" len="med"/>
+                      <a:tailEnd type="none" w="med" len="med"/>
+                    </a:lnL>
+                    <a:lnR w="12700" cap="flat" cmpd="sng" algn="ctr">
+                      <a:solidFill>
+                        <a:schemeClr val="tx1"/>
+                      </a:solidFill>
+                      <a:prstDash val="solid"/>
+                      <a:round/>
+                      <a:headEnd type="none" w="med" len="med"/>
+                      <a:tailEnd type="none" w="med" len="med"/>
+                    </a:lnR>
+                    <a:lnT w="12700" cap="flat" cmpd="sng" algn="ctr">
+                      <a:solidFill>
+                        <a:schemeClr val="tx1"/>
+                      </a:solidFill>
+                      <a:prstDash val="solid"/>
+                      <a:round/>
+                      <a:headEnd type="none" w="med" len="med"/>
+                      <a:tailEnd type="none" w="med" len="med"/>
+                    </a:lnT>
+                    <a:lnB w="12700" cap="flat" cmpd="sng" algn="ctr">
+                      <a:solidFill>
+                        <a:schemeClr val="tx1"/>
+                      </a:solidFill>
+                      <a:prstDash val="solid"/>
+                      <a:round/>
+                      <a:headEnd type="none" w="med" len="med"/>
+                      <a:tailEnd type="none" w="med" len="med"/>
+                    </a:lnB>
+                    <a:solidFill>
+                      <a:schemeClr val="bg1"/>
+                    </a:solidFill>
+                  </a:tcPr>
+                </a:tc>
+                <a:extLst>
+                  <a:ext uri="{0D108BD9-81ED-4DB2-BD59-A6C34878D82A}">
+                    <a16:rowId xmlns:a16="http://schemas.microsoft.com/office/drawing/2014/main" val="3321693724"/>
+                  </a:ext>
+                </a:extLst>
+              </a:tr>
+            </a:tbl>
+          </a:graphicData>
+        </a:graphic>
+      </p:graphicFrame>
+      <p:pic>
+        <p:nvPicPr>
+          <p:cNvPr id="6" name="Picture 5" descr="Icon&#10;&#10;Description automatically generated">
+            <a:extLst>
+              <a:ext uri="{FF2B5EF4-FFF2-40B4-BE49-F238E27FC236}">
+                <a16:creationId xmlns:a16="http://schemas.microsoft.com/office/drawing/2014/main" id="{43FA7CEC-EF41-4E73-B885-D7EBCB5F37E2}"/>
+              </a:ext>
+            </a:extLst>
+          </p:cNvPr>
+          <p:cNvPicPr>
+            <a:picLocks noChangeAspect="1"/>
+          </p:cNvPicPr>
+          <p:nvPr/>
+        </p:nvPicPr>
+        <p:blipFill>
+          <a:blip r:embed="rId2">
+            <a:extLst>
+              <a:ext uri="{28A0092B-C50C-407E-A947-70E740481C1C}">
+                <a14:useLocalDpi xmlns:a14="http://schemas.microsoft.com/office/drawing/2010/main" val="0"/>
+              </a:ext>
+            </a:extLst>
+          </a:blip>
+          <a:stretch>
+            <a:fillRect/>
+          </a:stretch>
+        </p:blipFill>
+        <p:spPr>
+          <a:xfrm>
+            <a:off x="2216101" y="2933367"/>
+            <a:ext cx="844339" cy="668546"/>
+          </a:xfrm>
+          <a:prstGeom prst="rect">
+            <a:avLst/>
+          </a:prstGeom>
+        </p:spPr>
+      </p:pic>
+      <p:sp>
+        <p:nvSpPr>
+          <p:cNvPr id="7" name="Star: 5 Points 6">
+            <a:extLst>
+              <a:ext uri="{FF2B5EF4-FFF2-40B4-BE49-F238E27FC236}">
+                <a16:creationId xmlns:a16="http://schemas.microsoft.com/office/drawing/2014/main" id="{069A0F47-3362-4D32-990F-84E723D6D6C2}"/>
+              </a:ext>
+            </a:extLst>
+          </p:cNvPr>
+          <p:cNvSpPr/>
+          <p:nvPr/>
+        </p:nvSpPr>
+        <p:spPr>
+          <a:xfrm>
+            <a:off x="7137918" y="602637"/>
+            <a:ext cx="569167" cy="522515"/>
+          </a:xfrm>
+          <a:prstGeom prst="star5">
+            <a:avLst/>
+          </a:prstGeom>
+        </p:spPr>
+        <p:style>
+          <a:lnRef idx="2">
+            <a:schemeClr val="accent1">
+              <a:shade val="50000"/>
+            </a:schemeClr>
+          </a:lnRef>
+          <a:fillRef idx="1">
+            <a:schemeClr val="accent1"/>
+          </a:fillRef>
+          <a:effectRef idx="0">
+            <a:schemeClr val="accent1"/>
+          </a:effectRef>
+          <a:fontRef idx="minor">
+            <a:schemeClr val="lt1"/>
+          </a:fontRef>
+        </p:style>
+        <p:txBody>
+          <a:bodyPr rtlCol="0" anchor="ctr"/>
+          <a:lstStyle/>
+          <a:p>
+            <a:pPr algn="ctr"/>
+            <a:endParaRPr lang="en-US"/>
+          </a:p>
+        </p:txBody>
+      </p:sp>
+      <p:sp>
+        <p:nvSpPr>
+          <p:cNvPr id="8" name="Star: 5 Points 7">
+            <a:extLst>
+              <a:ext uri="{FF2B5EF4-FFF2-40B4-BE49-F238E27FC236}">
+                <a16:creationId xmlns:a16="http://schemas.microsoft.com/office/drawing/2014/main" id="{F9057DDE-AD14-4C1C-9053-755D9A7F2808}"/>
+              </a:ext>
+            </a:extLst>
+          </p:cNvPr>
+          <p:cNvSpPr/>
+          <p:nvPr/>
+        </p:nvSpPr>
+        <p:spPr>
+          <a:xfrm>
+            <a:off x="7137918" y="4159651"/>
+            <a:ext cx="569167" cy="522515"/>
+          </a:xfrm>
+          <a:prstGeom prst="star5">
+            <a:avLst/>
+          </a:prstGeom>
+          <a:solidFill>
+            <a:srgbClr val="00B050"/>
+          </a:solidFill>
+        </p:spPr>
+        <p:style>
+          <a:lnRef idx="2">
+            <a:schemeClr val="accent1">
+              <a:shade val="50000"/>
+            </a:schemeClr>
+          </a:lnRef>
+          <a:fillRef idx="1">
+            <a:schemeClr val="accent1"/>
+          </a:fillRef>
+          <a:effectRef idx="0">
+            <a:schemeClr val="accent1"/>
+          </a:effectRef>
+          <a:fontRef idx="minor">
+            <a:schemeClr val="lt1"/>
+          </a:fontRef>
+        </p:style>
+        <p:txBody>
+          <a:bodyPr rtlCol="0" anchor="ctr"/>
+          <a:lstStyle/>
+          <a:p>
+            <a:pPr algn="ctr"/>
+            <a:endParaRPr lang="en-US"/>
+          </a:p>
+        </p:txBody>
+      </p:sp>
+      <p:sp>
+        <p:nvSpPr>
+          <p:cNvPr id="5" name="文本框 4">
+            <a:extLst>
+              <a:ext uri="{FF2B5EF4-FFF2-40B4-BE49-F238E27FC236}">
+                <a16:creationId xmlns:a16="http://schemas.microsoft.com/office/drawing/2014/main" id="{9BA298A7-405D-B0B2-E671-5B4AB26E1551}"/>
+              </a:ext>
+            </a:extLst>
+          </p:cNvPr>
+          <p:cNvSpPr txBox="1"/>
+          <p:nvPr/>
+        </p:nvSpPr>
+        <p:spPr>
+          <a:xfrm>
+            <a:off x="8897815" y="614360"/>
+            <a:ext cx="2239108" cy="2031325"/>
+          </a:xfrm>
+          <a:prstGeom prst="rect">
+            <a:avLst/>
+          </a:prstGeom>
+          <a:noFill/>
+        </p:spPr>
+        <p:txBody>
+          <a:bodyPr wrap="square" rtlCol="0">
+            <a:spAutoFit/>
+          </a:bodyPr>
+          <a:lstStyle/>
+          <a:p>
+            <a:r>
+              <a:rPr lang="en-US" altLang="zh-CN" dirty="0"/>
+              <a:t>2 Sensors Scenario</a:t>
+            </a:r>
+          </a:p>
+          <a:p>
+            <a:endParaRPr lang="en-US" altLang="zh-CN" dirty="0"/>
+          </a:p>
+          <a:p>
+            <a:r>
+              <a:rPr lang="en-US" altLang="zh-CN" dirty="0"/>
+              <a:t>Black cell is bouncing wall</a:t>
+            </a:r>
+          </a:p>
+          <a:p>
+            <a:endParaRPr lang="en-US" altLang="zh-CN" dirty="0"/>
+          </a:p>
+          <a:p>
+            <a:r>
+              <a:rPr lang="en-US" altLang="zh-CN" dirty="0"/>
+              <a:t>Sensors can be placed at column 1, 2, 3</a:t>
+            </a:r>
+            <a:endParaRPr lang="zh-CN" altLang="en-US" dirty="0"/>
+          </a:p>
+        </p:txBody>
+      </p:sp>
+      <p:sp>
+        <p:nvSpPr>
+          <p:cNvPr id="9" name="文本框 8">
+            <a:extLst>
+              <a:ext uri="{FF2B5EF4-FFF2-40B4-BE49-F238E27FC236}">
+                <a16:creationId xmlns:a16="http://schemas.microsoft.com/office/drawing/2014/main" id="{7CDCCCEE-E91F-E2CE-54F2-C14B06D89380}"/>
+              </a:ext>
+            </a:extLst>
+          </p:cNvPr>
+          <p:cNvSpPr txBox="1"/>
+          <p:nvPr/>
+        </p:nvSpPr>
+        <p:spPr>
+          <a:xfrm>
+            <a:off x="8897815" y="4484076"/>
+            <a:ext cx="2309447" cy="923330"/>
+          </a:xfrm>
+          <a:prstGeom prst="rect">
+            <a:avLst/>
+          </a:prstGeom>
+          <a:noFill/>
+        </p:spPr>
+        <p:txBody>
+          <a:bodyPr wrap="square" rtlCol="0">
+            <a:spAutoFit/>
+          </a:bodyPr>
+          <a:lstStyle/>
+          <a:p>
+            <a:r>
+              <a:rPr lang="en-US" altLang="zh-CN" dirty="0"/>
+              <a:t>3 sensors will block the attacker from reaching goal</a:t>
+            </a:r>
+            <a:endParaRPr lang="zh-CN" altLang="en-US" dirty="0"/>
+          </a:p>
+        </p:txBody>
+      </p:sp>
+    </p:spTree>
+    <p:extLst>
+      <p:ext uri="{BB962C8B-B14F-4D97-AF65-F5344CB8AC3E}">
+        <p14:creationId xmlns:p14="http://schemas.microsoft.com/office/powerpoint/2010/main" val="1713533003"/>
       </p:ext>
     </p:extLst>
   </p:cSld>

--- a/Presentation1.pptx
+++ b/Presentation1.pptx
@@ -6,7 +6,7 @@
   </p:sldMasterIdLst>
   <p:sldIdLst>
     <p:sldId id="256" r:id="rId2"/>
-    <p:sldId id="257" r:id="rId3"/>
+    <p:sldId id="258" r:id="rId3"/>
   </p:sldIdLst>
   <p:sldSz cx="12192000" cy="6858000"/>
   <p:notesSz cx="6858000" cy="9144000"/>
@@ -289,7 +289,7 @@
           <a:p>
             <a:fld id="{C1267A05-D67B-4E4C-868C-590CB66AEB3E}" type="datetimeFigureOut">
               <a:rPr lang="en-US" smtClean="0"/>
-              <a:t>2/3/2023</a:t>
+              <a:t>2/5/2023</a:t>
             </a:fld>
             <a:endParaRPr lang="en-US"/>
           </a:p>
@@ -487,7 +487,7 @@
           <a:p>
             <a:fld id="{C1267A05-D67B-4E4C-868C-590CB66AEB3E}" type="datetimeFigureOut">
               <a:rPr lang="en-US" smtClean="0"/>
-              <a:t>2/3/2023</a:t>
+              <a:t>2/5/2023</a:t>
             </a:fld>
             <a:endParaRPr lang="en-US"/>
           </a:p>
@@ -695,7 +695,7 @@
           <a:p>
             <a:fld id="{C1267A05-D67B-4E4C-868C-590CB66AEB3E}" type="datetimeFigureOut">
               <a:rPr lang="en-US" smtClean="0"/>
-              <a:t>2/3/2023</a:t>
+              <a:t>2/5/2023</a:t>
             </a:fld>
             <a:endParaRPr lang="en-US"/>
           </a:p>
@@ -893,7 +893,7 @@
           <a:p>
             <a:fld id="{C1267A05-D67B-4E4C-868C-590CB66AEB3E}" type="datetimeFigureOut">
               <a:rPr lang="en-US" smtClean="0"/>
-              <a:t>2/3/2023</a:t>
+              <a:t>2/5/2023</a:t>
             </a:fld>
             <a:endParaRPr lang="en-US"/>
           </a:p>
@@ -1168,7 +1168,7 @@
           <a:p>
             <a:fld id="{C1267A05-D67B-4E4C-868C-590CB66AEB3E}" type="datetimeFigureOut">
               <a:rPr lang="en-US" smtClean="0"/>
-              <a:t>2/3/2023</a:t>
+              <a:t>2/5/2023</a:t>
             </a:fld>
             <a:endParaRPr lang="en-US"/>
           </a:p>
@@ -1433,7 +1433,7 @@
           <a:p>
             <a:fld id="{C1267A05-D67B-4E4C-868C-590CB66AEB3E}" type="datetimeFigureOut">
               <a:rPr lang="en-US" smtClean="0"/>
-              <a:t>2/3/2023</a:t>
+              <a:t>2/5/2023</a:t>
             </a:fld>
             <a:endParaRPr lang="en-US"/>
           </a:p>
@@ -1845,7 +1845,7 @@
           <a:p>
             <a:fld id="{C1267A05-D67B-4E4C-868C-590CB66AEB3E}" type="datetimeFigureOut">
               <a:rPr lang="en-US" smtClean="0"/>
-              <a:t>2/3/2023</a:t>
+              <a:t>2/5/2023</a:t>
             </a:fld>
             <a:endParaRPr lang="en-US"/>
           </a:p>
@@ -1986,7 +1986,7 @@
           <a:p>
             <a:fld id="{C1267A05-D67B-4E4C-868C-590CB66AEB3E}" type="datetimeFigureOut">
               <a:rPr lang="en-US" smtClean="0"/>
-              <a:t>2/3/2023</a:t>
+              <a:t>2/5/2023</a:t>
             </a:fld>
             <a:endParaRPr lang="en-US"/>
           </a:p>
@@ -2099,7 +2099,7 @@
           <a:p>
             <a:fld id="{C1267A05-D67B-4E4C-868C-590CB66AEB3E}" type="datetimeFigureOut">
               <a:rPr lang="en-US" smtClean="0"/>
-              <a:t>2/3/2023</a:t>
+              <a:t>2/5/2023</a:t>
             </a:fld>
             <a:endParaRPr lang="en-US"/>
           </a:p>
@@ -2410,7 +2410,7 @@
           <a:p>
             <a:fld id="{C1267A05-D67B-4E4C-868C-590CB66AEB3E}" type="datetimeFigureOut">
               <a:rPr lang="en-US" smtClean="0"/>
-              <a:t>2/3/2023</a:t>
+              <a:t>2/5/2023</a:t>
             </a:fld>
             <a:endParaRPr lang="en-US"/>
           </a:p>
@@ -2698,7 +2698,7 @@
           <a:p>
             <a:fld id="{C1267A05-D67B-4E4C-868C-590CB66AEB3E}" type="datetimeFigureOut">
               <a:rPr lang="en-US" smtClean="0"/>
-              <a:t>2/3/2023</a:t>
+              <a:t>2/5/2023</a:t>
             </a:fld>
             <a:endParaRPr lang="en-US"/>
           </a:p>
@@ -2939,7 +2939,7 @@
           <a:p>
             <a:fld id="{C1267A05-D67B-4E4C-868C-590CB66AEB3E}" type="datetimeFigureOut">
               <a:rPr lang="en-US" smtClean="0"/>
-              <a:t>2/3/2023</a:t>
+              <a:t>2/5/2023</a:t>
             </a:fld>
             <a:endParaRPr lang="en-US"/>
           </a:p>
@@ -3371,7 +3371,7 @@
           <p:nvPr>
             <p:extLst>
               <p:ext uri="{D42A27DB-BD31-4B8C-83A1-F6EECF244321}">
-                <p14:modId xmlns:p14="http://schemas.microsoft.com/office/powerpoint/2010/main" val="1010905571"/>
+                <p14:modId xmlns:p14="http://schemas.microsoft.com/office/powerpoint/2010/main" val="2926843023"/>
               </p:ext>
             </p:extLst>
           </p:nvPr>
@@ -3639,7 +3639,7 @@
                             <a:schemeClr val="tx1"/>
                           </a:solidFill>
                         </a:rPr>
-                        <a:t>Goal2</a:t>
+                        <a:t>Goal2(R =0.95)</a:t>
                       </a:r>
                       <a:endParaRPr lang="en-US" b="0" dirty="0"/>
                     </a:p>
@@ -3959,10 +3959,6 @@
                     <a:bodyPr/>
                     <a:lstStyle/>
                     <a:p>
-                      <a:r>
-                        <a:rPr lang="en-US" altLang="zh-CN" dirty="0"/>
-                        <a:t>Init</a:t>
-                      </a:r>
                       <a:endParaRPr lang="en-US" dirty="0"/>
                     </a:p>
                   </a:txBody>
@@ -4013,14 +4009,11 @@
                     <a:bodyPr/>
                     <a:lstStyle/>
                     <a:p>
-                      <a:r>
-                        <a:rPr lang="en-US" dirty="0">
-                          <a:solidFill>
-                            <a:schemeClr val="tx1"/>
-                          </a:solidFill>
-                        </a:rPr>
-                        <a:t>Both case place sensor here</a:t>
-                      </a:r>
+                      <a:endParaRPr lang="en-US" dirty="0">
+                        <a:solidFill>
+                          <a:schemeClr val="tx1"/>
+                        </a:solidFill>
+                      </a:endParaRPr>
                     </a:p>
                   </a:txBody>
                   <a:tcPr>
@@ -4227,6 +4220,29 @@
                     <a:bodyPr/>
                     <a:lstStyle/>
                     <a:p>
+                      <a:pPr marL="0" marR="0" lvl="0" indent="0" algn="l" defTabSz="914400" rtl="0" eaLnBrk="1" fontAlgn="auto" latinLnBrk="0" hangingPunct="1">
+                        <a:lnSpc>
+                          <a:spcPct val="100000"/>
+                        </a:lnSpc>
+                        <a:spcBef>
+                          <a:spcPts val="0"/>
+                        </a:spcBef>
+                        <a:spcAft>
+                          <a:spcPts val="0"/>
+                        </a:spcAft>
+                        <a:buClrTx/>
+                        <a:buSzTx/>
+                        <a:buFontTx/>
+                        <a:buNone/>
+                        <a:tabLst/>
+                        <a:defRPr/>
+                      </a:pPr>
+                      <a:r>
+                        <a:rPr lang="en-US" altLang="zh-CN" dirty="0"/>
+                        <a:t>Init</a:t>
+                      </a:r>
+                    </a:p>
+                    <a:p>
                       <a:endParaRPr lang="en-US" dirty="0"/>
                     </a:p>
                   </a:txBody>
@@ -4277,7 +4293,31 @@
                     <a:bodyPr/>
                     <a:lstStyle/>
                     <a:p>
-                      <a:endParaRPr lang="en-US" dirty="0"/>
+                      <a:pPr marL="0" marR="0" lvl="0" indent="0" algn="l" defTabSz="914400" rtl="0" eaLnBrk="1" fontAlgn="auto" latinLnBrk="0" hangingPunct="1">
+                        <a:lnSpc>
+                          <a:spcPct val="100000"/>
+                        </a:lnSpc>
+                        <a:spcBef>
+                          <a:spcPts val="0"/>
+                        </a:spcBef>
+                        <a:spcAft>
+                          <a:spcPts val="0"/>
+                        </a:spcAft>
+                        <a:buClrTx/>
+                        <a:buSzTx/>
+                        <a:buFontTx/>
+                        <a:buNone/>
+                        <a:tabLst/>
+                        <a:defRPr/>
+                      </a:pPr>
+                      <a:r>
+                        <a:rPr lang="en-US" altLang="zh-CN" dirty="0">
+                          <a:solidFill>
+                            <a:schemeClr val="tx1"/>
+                          </a:solidFill>
+                        </a:rPr>
+                        <a:t>Both case place sensor here</a:t>
+                      </a:r>
                     </a:p>
                   </a:txBody>
                   <a:tcPr>
@@ -4433,7 +4473,7 @@
                     <a:p>
                       <a:r>
                         <a:rPr lang="en-US" dirty="0"/>
-                        <a:t>Goal1</a:t>
+                        <a:t>Goal1(R = 1)</a:t>
                       </a:r>
                     </a:p>
                   </a:txBody>
@@ -4632,7 +4672,7 @@
                       <a:tailEnd type="none" w="med" len="med"/>
                     </a:lnB>
                     <a:solidFill>
-                      <a:schemeClr val="tx1"/>
+                      <a:schemeClr val="bg1"/>
                     </a:solidFill>
                   </a:tcPr>
                 </a:tc>
@@ -4774,7 +4814,7 @@
         </p:blipFill>
         <p:spPr>
           <a:xfrm>
-            <a:off x="2216101" y="2933367"/>
+            <a:off x="2169209" y="4159651"/>
             <a:ext cx="844339" cy="668546"/>
           </a:xfrm>
           <a:prstGeom prst="rect">
@@ -4796,7 +4836,7 @@
         </p:nvSpPr>
         <p:spPr>
           <a:xfrm>
-            <a:off x="7137918" y="602637"/>
+            <a:off x="7110404" y="889853"/>
             <a:ext cx="569167" cy="522515"/>
           </a:xfrm>
           <a:prstGeom prst="star5">
@@ -4842,7 +4882,7 @@
         </p:nvSpPr>
         <p:spPr>
           <a:xfrm>
-            <a:off x="7137918" y="4159651"/>
+            <a:off x="7110404" y="4476336"/>
             <a:ext cx="569167" cy="522515"/>
           </a:xfrm>
           <a:prstGeom prst="star5">
@@ -5107,7 +5147,13 @@
           <p:cNvGraphicFramePr>
             <a:graphicFrameLocks noGrp="1"/>
           </p:cNvGraphicFramePr>
-          <p:nvPr/>
+          <p:nvPr>
+            <p:extLst>
+              <p:ext uri="{D42A27DB-BD31-4B8C-83A1-F6EECF244321}">
+                <p14:modId xmlns:p14="http://schemas.microsoft.com/office/powerpoint/2010/main" val="2575261312"/>
+              </p:ext>
+            </p:extLst>
+          </p:nvPr>
         </p:nvGraphicFramePr>
         <p:xfrm>
           <a:off x="2032000" y="279918"/>
@@ -5212,7 +5258,7 @@
                     <a:bodyPr/>
                     <a:lstStyle/>
                     <a:p>
-                      <a:endParaRPr lang="en-US"/>
+                      <a:endParaRPr lang="en-US" dirty="0"/>
                     </a:p>
                   </a:txBody>
                   <a:tcPr>
@@ -5263,23 +5309,18 @@
                     <a:lstStyle/>
                     <a:p>
                       <a:r>
-                        <a:rPr lang="en-US" b="0" dirty="0">
+                        <a:rPr lang="en-US" altLang="zh-CN" b="0">
                           <a:solidFill>
-                            <a:schemeClr val="accent1"/>
+                            <a:srgbClr val="0070C0"/>
                           </a:solidFill>
                         </a:rPr>
-                        <a:t>19</a:t>
+                        <a:t>Sensor</a:t>
                       </a:r>
-                    </a:p>
-                    <a:p>
-                      <a:r>
-                        <a:rPr lang="en-US" b="0" dirty="0">
-                          <a:solidFill>
-                            <a:schemeClr val="accent1"/>
-                          </a:solidFill>
-                        </a:rPr>
-                        <a:t>(Minimize Regret)</a:t>
-                      </a:r>
+                      <a:endParaRPr lang="en-US" b="0" dirty="0">
+                        <a:solidFill>
+                          <a:schemeClr val="accent1"/>
+                        </a:solidFill>
+                      </a:endParaRPr>
                     </a:p>
                   </a:txBody>
                   <a:tcPr>
@@ -5379,7 +5420,15 @@
                     <a:bodyPr/>
                     <a:lstStyle/>
                     <a:p>
-                      <a:endParaRPr lang="en-US" dirty="0"/>
+                      <a:r>
+                        <a:rPr lang="en-US" altLang="zh-CN" b="0" dirty="0">
+                          <a:solidFill>
+                            <a:schemeClr val="tx1"/>
+                          </a:solidFill>
+                        </a:rPr>
+                        <a:t>Goal2(R =0.95)</a:t>
+                      </a:r>
+                      <a:endParaRPr lang="en-US" b="0" dirty="0"/>
                     </a:p>
                   </a:txBody>
                   <a:tcPr>
@@ -5536,14 +5585,11 @@
                     <a:bodyPr/>
                     <a:lstStyle/>
                     <a:p>
-                      <a:r>
-                        <a:rPr lang="en-US" dirty="0">
-                          <a:solidFill>
-                            <a:srgbClr val="00B050"/>
-                          </a:solidFill>
-                        </a:rPr>
-                        <a:t>14</a:t>
-                      </a:r>
+                      <a:endParaRPr lang="en-US" dirty="0">
+                        <a:solidFill>
+                          <a:srgbClr val="00B050"/>
+                        </a:solidFill>
+                      </a:endParaRPr>
                     </a:p>
                   </a:txBody>
                   <a:tcPr>
@@ -5700,10 +5746,6 @@
                     <a:bodyPr/>
                     <a:lstStyle/>
                     <a:p>
-                      <a:r>
-                        <a:rPr lang="en-US" altLang="zh-CN" dirty="0"/>
-                        <a:t>Init</a:t>
-                      </a:r>
                       <a:endParaRPr lang="en-US" dirty="0"/>
                     </a:p>
                   </a:txBody>
@@ -5757,20 +5799,10 @@
                       <a:r>
                         <a:rPr lang="en-US" dirty="0">
                           <a:solidFill>
-                            <a:schemeClr val="accent1"/>
+                            <a:srgbClr val="FF0000"/>
                           </a:solidFill>
                         </a:rPr>
-                        <a:t>10</a:t>
-                      </a:r>
-                    </a:p>
-                    <a:p>
-                      <a:r>
-                        <a:rPr lang="en-US" dirty="0">
-                          <a:solidFill>
-                            <a:schemeClr val="accent1"/>
-                          </a:solidFill>
-                        </a:rPr>
-                        <a:t>(Minimize regret)</a:t>
+                        <a:t>Sensor</a:t>
                       </a:r>
                     </a:p>
                   </a:txBody>
@@ -5978,7 +6010,161 @@
                     <a:bodyPr/>
                     <a:lstStyle/>
                     <a:p>
+                      <a:pPr marL="0" marR="0" lvl="0" indent="0" algn="l" defTabSz="914400" rtl="0" eaLnBrk="1" fontAlgn="auto" latinLnBrk="0" hangingPunct="1">
+                        <a:lnSpc>
+                          <a:spcPct val="100000"/>
+                        </a:lnSpc>
+                        <a:spcBef>
+                          <a:spcPts val="0"/>
+                        </a:spcBef>
+                        <a:spcAft>
+                          <a:spcPts val="0"/>
+                        </a:spcAft>
+                        <a:buClrTx/>
+                        <a:buSzTx/>
+                        <a:buFontTx/>
+                        <a:buNone/>
+                        <a:tabLst/>
+                        <a:defRPr/>
+                      </a:pPr>
+                      <a:r>
+                        <a:rPr lang="en-US" altLang="zh-CN" dirty="0"/>
+                        <a:t>Init</a:t>
+                      </a:r>
+                    </a:p>
+                    <a:p>
                       <a:endParaRPr lang="en-US" dirty="0"/>
+                    </a:p>
+                  </a:txBody>
+                  <a:tcPr>
+                    <a:lnL w="12700" cap="flat" cmpd="sng" algn="ctr">
+                      <a:solidFill>
+                        <a:schemeClr val="tx1"/>
+                      </a:solidFill>
+                      <a:prstDash val="solid"/>
+                      <a:round/>
+                      <a:headEnd type="none" w="med" len="med"/>
+                      <a:tailEnd type="none" w="med" len="med"/>
+                    </a:lnL>
+                    <a:lnR w="12700" cap="flat" cmpd="sng" algn="ctr">
+                      <a:solidFill>
+                        <a:schemeClr val="tx1"/>
+                      </a:solidFill>
+                      <a:prstDash val="solid"/>
+                      <a:round/>
+                      <a:headEnd type="none" w="med" len="med"/>
+                      <a:tailEnd type="none" w="med" len="med"/>
+                    </a:lnR>
+                    <a:lnT w="12700" cap="flat" cmpd="sng" algn="ctr">
+                      <a:solidFill>
+                        <a:schemeClr val="tx1"/>
+                      </a:solidFill>
+                      <a:prstDash val="solid"/>
+                      <a:round/>
+                      <a:headEnd type="none" w="med" len="med"/>
+                      <a:tailEnd type="none" w="med" len="med"/>
+                    </a:lnT>
+                    <a:lnB w="12700" cap="flat" cmpd="sng" algn="ctr">
+                      <a:solidFill>
+                        <a:schemeClr val="tx1"/>
+                      </a:solidFill>
+                      <a:prstDash val="solid"/>
+                      <a:round/>
+                      <a:headEnd type="none" w="med" len="med"/>
+                      <a:tailEnd type="none" w="med" len="med"/>
+                    </a:lnB>
+                    <a:solidFill>
+                      <a:schemeClr val="bg1"/>
+                    </a:solidFill>
+                  </a:tcPr>
+                </a:tc>
+                <a:tc>
+                  <a:txBody>
+                    <a:bodyPr/>
+                    <a:lstStyle/>
+                    <a:p>
+                      <a:r>
+                        <a:rPr lang="en-US" altLang="zh-CN" dirty="0">
+                          <a:solidFill>
+                            <a:srgbClr val="00B050"/>
+                          </a:solidFill>
+                        </a:rPr>
+                        <a:t>Sensor</a:t>
+                      </a:r>
+                    </a:p>
+                    <a:p>
+                      <a:r>
+                        <a:rPr lang="en-US" altLang="zh-CN" dirty="0">
+                          <a:solidFill>
+                            <a:srgbClr val="0070C0"/>
+                          </a:solidFill>
+                        </a:rPr>
+                        <a:t>Sensor</a:t>
+                      </a:r>
+                    </a:p>
+                    <a:p>
+                      <a:r>
+                        <a:rPr lang="en-US" altLang="zh-CN" dirty="0">
+                          <a:solidFill>
+                            <a:srgbClr val="FF0000"/>
+                          </a:solidFill>
+                        </a:rPr>
+                        <a:t>Sensor</a:t>
+                      </a:r>
+                    </a:p>
+                  </a:txBody>
+                  <a:tcPr>
+                    <a:lnL w="12700" cap="flat" cmpd="sng" algn="ctr">
+                      <a:solidFill>
+                        <a:schemeClr val="tx1"/>
+                      </a:solidFill>
+                      <a:prstDash val="solid"/>
+                      <a:round/>
+                      <a:headEnd type="none" w="med" len="med"/>
+                      <a:tailEnd type="none" w="med" len="med"/>
+                    </a:lnL>
+                    <a:lnR w="12700" cap="flat" cmpd="sng" algn="ctr">
+                      <a:solidFill>
+                        <a:schemeClr val="tx1"/>
+                      </a:solidFill>
+                      <a:prstDash val="solid"/>
+                      <a:round/>
+                      <a:headEnd type="none" w="med" len="med"/>
+                      <a:tailEnd type="none" w="med" len="med"/>
+                    </a:lnR>
+                    <a:lnT w="12700" cap="flat" cmpd="sng" algn="ctr">
+                      <a:solidFill>
+                        <a:schemeClr val="tx1"/>
+                      </a:solidFill>
+                      <a:prstDash val="solid"/>
+                      <a:round/>
+                      <a:headEnd type="none" w="med" len="med"/>
+                      <a:tailEnd type="none" w="med" len="med"/>
+                    </a:lnT>
+                    <a:lnB w="12700" cap="flat" cmpd="sng" algn="ctr">
+                      <a:solidFill>
+                        <a:schemeClr val="tx1"/>
+                      </a:solidFill>
+                      <a:prstDash val="solid"/>
+                      <a:round/>
+                      <a:headEnd type="none" w="med" len="med"/>
+                      <a:tailEnd type="none" w="med" len="med"/>
+                    </a:lnB>
+                    <a:solidFill>
+                      <a:schemeClr val="bg1"/>
+                    </a:solidFill>
+                  </a:tcPr>
+                </a:tc>
+                <a:tc>
+                  <a:txBody>
+                    <a:bodyPr/>
+                    <a:lstStyle/>
+                    <a:p>
+                      <a:endParaRPr lang="en-US" dirty="0">
+                        <a:solidFill>
+                          <a:srgbClr val="00B050"/>
+                        </a:solidFill>
+                      </a:endParaRPr>
                     </a:p>
                   </a:txBody>
                   <a:tcPr>
@@ -6079,113 +6265,9 @@
                     <a:lstStyle/>
                     <a:p>
                       <a:r>
-                        <a:rPr lang="en-US" dirty="0">
-                          <a:solidFill>
-                            <a:srgbClr val="00B050"/>
-                          </a:solidFill>
-                        </a:rPr>
-                        <a:t>6</a:t>
+                        <a:rPr lang="en-US" dirty="0"/>
+                        <a:t>Goal1(R = 1)</a:t>
                       </a:r>
-                    </a:p>
-                  </a:txBody>
-                  <a:tcPr>
-                    <a:lnL w="12700" cap="flat" cmpd="sng" algn="ctr">
-                      <a:solidFill>
-                        <a:schemeClr val="tx1"/>
-                      </a:solidFill>
-                      <a:prstDash val="solid"/>
-                      <a:round/>
-                      <a:headEnd type="none" w="med" len="med"/>
-                      <a:tailEnd type="none" w="med" len="med"/>
-                    </a:lnL>
-                    <a:lnR w="12700" cap="flat" cmpd="sng" algn="ctr">
-                      <a:solidFill>
-                        <a:schemeClr val="tx1"/>
-                      </a:solidFill>
-                      <a:prstDash val="solid"/>
-                      <a:round/>
-                      <a:headEnd type="none" w="med" len="med"/>
-                      <a:tailEnd type="none" w="med" len="med"/>
-                    </a:lnR>
-                    <a:lnT w="12700" cap="flat" cmpd="sng" algn="ctr">
-                      <a:solidFill>
-                        <a:schemeClr val="tx1"/>
-                      </a:solidFill>
-                      <a:prstDash val="solid"/>
-                      <a:round/>
-                      <a:headEnd type="none" w="med" len="med"/>
-                      <a:tailEnd type="none" w="med" len="med"/>
-                    </a:lnT>
-                    <a:lnB w="12700" cap="flat" cmpd="sng" algn="ctr">
-                      <a:solidFill>
-                        <a:schemeClr val="tx1"/>
-                      </a:solidFill>
-                      <a:prstDash val="solid"/>
-                      <a:round/>
-                      <a:headEnd type="none" w="med" len="med"/>
-                      <a:tailEnd type="none" w="med" len="med"/>
-                    </a:lnB>
-                    <a:solidFill>
-                      <a:schemeClr val="bg1"/>
-                    </a:solidFill>
-                  </a:tcPr>
-                </a:tc>
-                <a:tc>
-                  <a:txBody>
-                    <a:bodyPr/>
-                    <a:lstStyle/>
-                    <a:p>
-                      <a:endParaRPr lang="en-US" dirty="0"/>
-                    </a:p>
-                  </a:txBody>
-                  <a:tcPr>
-                    <a:lnL w="12700" cap="flat" cmpd="sng" algn="ctr">
-                      <a:solidFill>
-                        <a:schemeClr val="tx1"/>
-                      </a:solidFill>
-                      <a:prstDash val="solid"/>
-                      <a:round/>
-                      <a:headEnd type="none" w="med" len="med"/>
-                      <a:tailEnd type="none" w="med" len="med"/>
-                    </a:lnL>
-                    <a:lnR w="12700" cap="flat" cmpd="sng" algn="ctr">
-                      <a:solidFill>
-                        <a:schemeClr val="tx1"/>
-                      </a:solidFill>
-                      <a:prstDash val="solid"/>
-                      <a:round/>
-                      <a:headEnd type="none" w="med" len="med"/>
-                      <a:tailEnd type="none" w="med" len="med"/>
-                    </a:lnR>
-                    <a:lnT w="12700" cap="flat" cmpd="sng" algn="ctr">
-                      <a:solidFill>
-                        <a:schemeClr val="tx1"/>
-                      </a:solidFill>
-                      <a:prstDash val="solid"/>
-                      <a:round/>
-                      <a:headEnd type="none" w="med" len="med"/>
-                      <a:tailEnd type="none" w="med" len="med"/>
-                    </a:lnT>
-                    <a:lnB w="12700" cap="flat" cmpd="sng" algn="ctr">
-                      <a:solidFill>
-                        <a:schemeClr val="tx1"/>
-                      </a:solidFill>
-                      <a:prstDash val="solid"/>
-                      <a:round/>
-                      <a:headEnd type="none" w="med" len="med"/>
-                      <a:tailEnd type="none" w="med" len="med"/>
-                    </a:lnB>
-                    <a:solidFill>
-                      <a:schemeClr val="bg1"/>
-                    </a:solidFill>
-                  </a:tcPr>
-                </a:tc>
-                <a:tc>
-                  <a:txBody>
-                    <a:bodyPr/>
-                    <a:lstStyle/>
-                    <a:p>
-                      <a:endParaRPr lang="en-US" dirty="0"/>
                     </a:p>
                   </a:txBody>
                   <a:tcPr>
@@ -6242,7 +6324,7 @@
                     <a:bodyPr/>
                     <a:lstStyle/>
                     <a:p>
-                      <a:endParaRPr lang="en-US"/>
+                      <a:endParaRPr lang="en-US" dirty="0"/>
                     </a:p>
                   </a:txBody>
                   <a:tcPr>
@@ -6342,7 +6424,14 @@
                     <a:bodyPr/>
                     <a:lstStyle/>
                     <a:p>
-                      <a:endParaRPr lang="en-US" dirty="0"/>
+                      <a:r>
+                        <a:rPr lang="en-US" dirty="0">
+                          <a:solidFill>
+                            <a:srgbClr val="00B050"/>
+                          </a:solidFill>
+                        </a:rPr>
+                        <a:t>Sensor</a:t>
+                      </a:r>
                     </a:p>
                   </a:txBody>
                   <a:tcPr>
@@ -6383,7 +6472,7 @@
                       <a:tailEnd type="none" w="med" len="med"/>
                     </a:lnB>
                     <a:solidFill>
-                      <a:schemeClr val="tx1"/>
+                      <a:schemeClr val="bg1"/>
                     </a:solidFill>
                   </a:tcPr>
                 </a:tc>
@@ -6525,7 +6614,7 @@
         </p:blipFill>
         <p:spPr>
           <a:xfrm>
-            <a:off x="2216101" y="2933367"/>
+            <a:off x="2169209" y="4159651"/>
             <a:ext cx="844339" cy="668546"/>
           </a:xfrm>
           <a:prstGeom prst="rect">
@@ -6547,7 +6636,7 @@
         </p:nvSpPr>
         <p:spPr>
           <a:xfrm>
-            <a:off x="7137918" y="602637"/>
+            <a:off x="7110404" y="889853"/>
             <a:ext cx="569167" cy="522515"/>
           </a:xfrm>
           <a:prstGeom prst="star5">
@@ -6593,7 +6682,7 @@
         </p:nvSpPr>
         <p:spPr>
           <a:xfrm>
-            <a:off x="7137918" y="4159651"/>
+            <a:off x="7110404" y="4476336"/>
             <a:ext cx="569167" cy="522515"/>
           </a:xfrm>
           <a:prstGeom prst="star5">
@@ -6630,10 +6719,144 @@
       </p:sp>
       <p:sp>
         <p:nvSpPr>
+          <p:cNvPr id="3" name="文本框 2">
+            <a:extLst>
+              <a:ext uri="{FF2B5EF4-FFF2-40B4-BE49-F238E27FC236}">
+                <a16:creationId xmlns:a16="http://schemas.microsoft.com/office/drawing/2014/main" id="{523D390D-3A70-C4E8-B261-1FFF57E9D7DE}"/>
+              </a:ext>
+            </a:extLst>
+          </p:cNvPr>
+          <p:cNvSpPr txBox="1"/>
+          <p:nvPr/>
+        </p:nvSpPr>
+        <p:spPr>
+          <a:xfrm>
+            <a:off x="2389554" y="6393416"/>
+            <a:ext cx="5317531" cy="369332"/>
+          </a:xfrm>
+          <a:prstGeom prst="rect">
+            <a:avLst/>
+          </a:prstGeom>
+          <a:noFill/>
+        </p:spPr>
+        <p:txBody>
+          <a:bodyPr wrap="square" rtlCol="0">
+            <a:spAutoFit/>
+          </a:bodyPr>
+          <a:lstStyle/>
+          <a:p>
+            <a:r>
+              <a:rPr lang="en-US" altLang="zh-CN" dirty="0"/>
+              <a:t>0                       1                   2                      3                      4</a:t>
+            </a:r>
+            <a:endParaRPr lang="zh-CN" altLang="en-US" dirty="0"/>
+          </a:p>
+        </p:txBody>
+      </p:sp>
+      <p:sp>
+        <p:nvSpPr>
+          <p:cNvPr id="9" name="文本框 8">
+            <a:extLst>
+              <a:ext uri="{FF2B5EF4-FFF2-40B4-BE49-F238E27FC236}">
+                <a16:creationId xmlns:a16="http://schemas.microsoft.com/office/drawing/2014/main" id="{C3365D82-8A60-5349-4EE7-DBF4C0A75D3D}"/>
+              </a:ext>
+            </a:extLst>
+          </p:cNvPr>
+          <p:cNvSpPr txBox="1"/>
+          <p:nvPr/>
+        </p:nvSpPr>
+        <p:spPr>
+          <a:xfrm>
+            <a:off x="1611980" y="728483"/>
+            <a:ext cx="327969" cy="5078313"/>
+          </a:xfrm>
+          <a:prstGeom prst="rect">
+            <a:avLst/>
+          </a:prstGeom>
+          <a:noFill/>
+        </p:spPr>
+        <p:txBody>
+          <a:bodyPr wrap="square" rtlCol="0">
+            <a:spAutoFit/>
+          </a:bodyPr>
+          <a:lstStyle/>
+          <a:p>
+            <a:r>
+              <a:rPr lang="en-US" altLang="zh-CN" dirty="0"/>
+              <a:t>4</a:t>
+            </a:r>
+          </a:p>
+          <a:p>
+            <a:endParaRPr lang="en-US" altLang="zh-CN" dirty="0"/>
+          </a:p>
+          <a:p>
+            <a:endParaRPr lang="en-US" altLang="zh-CN" dirty="0"/>
+          </a:p>
+          <a:p>
+            <a:endParaRPr lang="en-US" altLang="zh-CN" dirty="0"/>
+          </a:p>
+          <a:p>
+            <a:r>
+              <a:rPr lang="en-US" altLang="zh-CN" dirty="0"/>
+              <a:t>3</a:t>
+            </a:r>
+          </a:p>
+          <a:p>
+            <a:endParaRPr lang="en-US" altLang="zh-CN" dirty="0"/>
+          </a:p>
+          <a:p>
+            <a:endParaRPr lang="en-US" altLang="zh-CN" dirty="0"/>
+          </a:p>
+          <a:p>
+            <a:endParaRPr lang="en-US" altLang="zh-CN" dirty="0"/>
+          </a:p>
+          <a:p>
+            <a:endParaRPr lang="en-US" altLang="zh-CN" dirty="0"/>
+          </a:p>
+          <a:p>
+            <a:r>
+              <a:rPr lang="en-US" altLang="zh-CN" dirty="0"/>
+              <a:t>2</a:t>
+            </a:r>
+          </a:p>
+          <a:p>
+            <a:endParaRPr lang="en-US" altLang="zh-CN" dirty="0"/>
+          </a:p>
+          <a:p>
+            <a:endParaRPr lang="en-US" altLang="zh-CN" dirty="0"/>
+          </a:p>
+          <a:p>
+            <a:endParaRPr lang="en-US" altLang="zh-CN" dirty="0"/>
+          </a:p>
+          <a:p>
+            <a:r>
+              <a:rPr lang="en-US" altLang="zh-CN" dirty="0"/>
+              <a:t>1</a:t>
+            </a:r>
+          </a:p>
+          <a:p>
+            <a:endParaRPr lang="en-US" altLang="zh-CN" dirty="0"/>
+          </a:p>
+          <a:p>
+            <a:endParaRPr lang="en-US" altLang="zh-CN" dirty="0"/>
+          </a:p>
+          <a:p>
+            <a:endParaRPr lang="en-US" altLang="zh-CN" dirty="0"/>
+          </a:p>
+          <a:p>
+            <a:r>
+              <a:rPr lang="en-US" altLang="zh-CN" dirty="0"/>
+              <a:t>0</a:t>
+            </a:r>
+          </a:p>
+        </p:txBody>
+      </p:sp>
+      <p:sp>
+        <p:nvSpPr>
           <p:cNvPr id="5" name="文本框 4">
             <a:extLst>
               <a:ext uri="{FF2B5EF4-FFF2-40B4-BE49-F238E27FC236}">
-                <a16:creationId xmlns:a16="http://schemas.microsoft.com/office/drawing/2014/main" id="{9BA298A7-405D-B0B2-E671-5B4AB26E1551}"/>
+                <a16:creationId xmlns:a16="http://schemas.microsoft.com/office/drawing/2014/main" id="{092D9477-3D75-E8A9-EE4D-B56CC8B9ABA7}"/>
               </a:ext>
             </a:extLst>
           </p:cNvPr>
@@ -6684,10 +6907,10 @@
       </p:sp>
       <p:sp>
         <p:nvSpPr>
-          <p:cNvPr id="9" name="文本框 8">
-            <a:extLst>
-              <a:ext uri="{FF2B5EF4-FFF2-40B4-BE49-F238E27FC236}">
-                <a16:creationId xmlns:a16="http://schemas.microsoft.com/office/drawing/2014/main" id="{7CDCCCEE-E91F-E2CE-54F2-C14B06D89380}"/>
+          <p:cNvPr id="10" name="文本框 9">
+            <a:extLst>
+              <a:ext uri="{FF2B5EF4-FFF2-40B4-BE49-F238E27FC236}">
+                <a16:creationId xmlns:a16="http://schemas.microsoft.com/office/drawing/2014/main" id="{7B321F0F-A2E9-F5B6-84DC-6C1DE33557A2}"/>
               </a:ext>
             </a:extLst>
           </p:cNvPr>
@@ -6696,8 +6919,8 @@
         </p:nvSpPr>
         <p:spPr>
           <a:xfrm>
-            <a:off x="8897815" y="4484076"/>
-            <a:ext cx="2309447" cy="923330"/>
+            <a:off x="8116376" y="3082973"/>
+            <a:ext cx="4138247" cy="1200329"/>
           </a:xfrm>
           <a:prstGeom prst="rect">
             <a:avLst/>
@@ -6711,9 +6934,45 @@
           <a:lstStyle/>
           <a:p>
             <a:r>
-              <a:rPr lang="en-US" altLang="zh-CN" dirty="0"/>
-              <a:t>3 sensors will block the attacker from reaching goal</a:t>
-            </a:r>
+              <a:rPr lang="en-US" altLang="zh-CN" dirty="0">
+                <a:solidFill>
+                  <a:srgbClr val="00B050"/>
+                </a:solidFill>
+              </a:rPr>
+              <a:t>Green color is sensor placement of Goal 1</a:t>
+            </a:r>
+          </a:p>
+          <a:p>
+            <a:r>
+              <a:rPr lang="en-US" altLang="zh-CN" dirty="0">
+                <a:solidFill>
+                  <a:srgbClr val="0070C0"/>
+                </a:solidFill>
+              </a:rPr>
+              <a:t>Blue color is sensor placement of Goal 2</a:t>
+            </a:r>
+            <a:endParaRPr lang="zh-CN" altLang="en-US" dirty="0">
+              <a:solidFill>
+                <a:srgbClr val="0070C0"/>
+              </a:solidFill>
+            </a:endParaRPr>
+          </a:p>
+          <a:p>
+            <a:r>
+              <a:rPr lang="en-US" altLang="zh-CN" dirty="0">
+                <a:solidFill>
+                  <a:srgbClr val="FF0000"/>
+                </a:solidFill>
+              </a:rPr>
+              <a:t>Red color is sensor placement of Goal 3</a:t>
+            </a:r>
+            <a:endParaRPr lang="zh-CN" altLang="en-US" dirty="0">
+              <a:solidFill>
+                <a:srgbClr val="FF0000"/>
+              </a:solidFill>
+            </a:endParaRPr>
+          </a:p>
+          <a:p>
             <a:endParaRPr lang="zh-CN" altLang="en-US" dirty="0"/>
           </a:p>
         </p:txBody>
@@ -6721,7 +6980,7 @@
     </p:spTree>
     <p:extLst>
       <p:ext uri="{BB962C8B-B14F-4D97-AF65-F5344CB8AC3E}">
-        <p14:creationId xmlns:p14="http://schemas.microsoft.com/office/powerpoint/2010/main" val="1713533003"/>
+        <p14:creationId xmlns:p14="http://schemas.microsoft.com/office/powerpoint/2010/main" val="2756396343"/>
       </p:ext>
     </p:extLst>
   </p:cSld>

--- a/Presentation1.pptx
+++ b/Presentation1.pptx
@@ -7,6 +7,7 @@
   <p:sldIdLst>
     <p:sldId id="256" r:id="rId2"/>
     <p:sldId id="258" r:id="rId3"/>
+    <p:sldId id="259" r:id="rId4"/>
   </p:sldIdLst>
   <p:sldSz cx="12192000" cy="6858000"/>
   <p:notesSz cx="6858000" cy="9144000"/>
@@ -289,7 +290,7 @@
           <a:p>
             <a:fld id="{C1267A05-D67B-4E4C-868C-590CB66AEB3E}" type="datetimeFigureOut">
               <a:rPr lang="en-US" smtClean="0"/>
-              <a:t>2/5/2023</a:t>
+              <a:t>2/15/2023</a:t>
             </a:fld>
             <a:endParaRPr lang="en-US"/>
           </a:p>
@@ -487,7 +488,7 @@
           <a:p>
             <a:fld id="{C1267A05-D67B-4E4C-868C-590CB66AEB3E}" type="datetimeFigureOut">
               <a:rPr lang="en-US" smtClean="0"/>
-              <a:t>2/5/2023</a:t>
+              <a:t>2/15/2023</a:t>
             </a:fld>
             <a:endParaRPr lang="en-US"/>
           </a:p>
@@ -695,7 +696,7 @@
           <a:p>
             <a:fld id="{C1267A05-D67B-4E4C-868C-590CB66AEB3E}" type="datetimeFigureOut">
               <a:rPr lang="en-US" smtClean="0"/>
-              <a:t>2/5/2023</a:t>
+              <a:t>2/15/2023</a:t>
             </a:fld>
             <a:endParaRPr lang="en-US"/>
           </a:p>
@@ -893,7 +894,7 @@
           <a:p>
             <a:fld id="{C1267A05-D67B-4E4C-868C-590CB66AEB3E}" type="datetimeFigureOut">
               <a:rPr lang="en-US" smtClean="0"/>
-              <a:t>2/5/2023</a:t>
+              <a:t>2/15/2023</a:t>
             </a:fld>
             <a:endParaRPr lang="en-US"/>
           </a:p>
@@ -1168,7 +1169,7 @@
           <a:p>
             <a:fld id="{C1267A05-D67B-4E4C-868C-590CB66AEB3E}" type="datetimeFigureOut">
               <a:rPr lang="en-US" smtClean="0"/>
-              <a:t>2/5/2023</a:t>
+              <a:t>2/15/2023</a:t>
             </a:fld>
             <a:endParaRPr lang="en-US"/>
           </a:p>
@@ -1433,7 +1434,7 @@
           <a:p>
             <a:fld id="{C1267A05-D67B-4E4C-868C-590CB66AEB3E}" type="datetimeFigureOut">
               <a:rPr lang="en-US" smtClean="0"/>
-              <a:t>2/5/2023</a:t>
+              <a:t>2/15/2023</a:t>
             </a:fld>
             <a:endParaRPr lang="en-US"/>
           </a:p>
@@ -1845,7 +1846,7 @@
           <a:p>
             <a:fld id="{C1267A05-D67B-4E4C-868C-590CB66AEB3E}" type="datetimeFigureOut">
               <a:rPr lang="en-US" smtClean="0"/>
-              <a:t>2/5/2023</a:t>
+              <a:t>2/15/2023</a:t>
             </a:fld>
             <a:endParaRPr lang="en-US"/>
           </a:p>
@@ -1986,7 +1987,7 @@
           <a:p>
             <a:fld id="{C1267A05-D67B-4E4C-868C-590CB66AEB3E}" type="datetimeFigureOut">
               <a:rPr lang="en-US" smtClean="0"/>
-              <a:t>2/5/2023</a:t>
+              <a:t>2/15/2023</a:t>
             </a:fld>
             <a:endParaRPr lang="en-US"/>
           </a:p>
@@ -2099,7 +2100,7 @@
           <a:p>
             <a:fld id="{C1267A05-D67B-4E4C-868C-590CB66AEB3E}" type="datetimeFigureOut">
               <a:rPr lang="en-US" smtClean="0"/>
-              <a:t>2/5/2023</a:t>
+              <a:t>2/15/2023</a:t>
             </a:fld>
             <a:endParaRPr lang="en-US"/>
           </a:p>
@@ -2410,7 +2411,7 @@
           <a:p>
             <a:fld id="{C1267A05-D67B-4E4C-868C-590CB66AEB3E}" type="datetimeFigureOut">
               <a:rPr lang="en-US" smtClean="0"/>
-              <a:t>2/5/2023</a:t>
+              <a:t>2/15/2023</a:t>
             </a:fld>
             <a:endParaRPr lang="en-US"/>
           </a:p>
@@ -2698,7 +2699,7 @@
           <a:p>
             <a:fld id="{C1267A05-D67B-4E4C-868C-590CB66AEB3E}" type="datetimeFigureOut">
               <a:rPr lang="en-US" smtClean="0"/>
-              <a:t>2/5/2023</a:t>
+              <a:t>2/15/2023</a:t>
             </a:fld>
             <a:endParaRPr lang="en-US"/>
           </a:p>
@@ -2939,7 +2940,7 @@
           <a:p>
             <a:fld id="{C1267A05-D67B-4E4C-868C-590CB66AEB3E}" type="datetimeFigureOut">
               <a:rPr lang="en-US" smtClean="0"/>
-              <a:t>2/5/2023</a:t>
+              <a:t>2/15/2023</a:t>
             </a:fld>
             <a:endParaRPr lang="en-US"/>
           </a:p>
@@ -6990,6 +6991,1909 @@
 </p:sld>
 </file>
 
+<file path=ppt/slides/slide3.xml><?xml version="1.0" encoding="utf-8"?>
+<p:sld xmlns:a="http://schemas.openxmlformats.org/drawingml/2006/main" xmlns:r="http://schemas.openxmlformats.org/officeDocument/2006/relationships" xmlns:p="http://schemas.openxmlformats.org/presentationml/2006/main">
+  <p:cSld>
+    <p:spTree>
+      <p:nvGrpSpPr>
+        <p:cNvPr id="1" name=""/>
+        <p:cNvGrpSpPr/>
+        <p:nvPr/>
+      </p:nvGrpSpPr>
+      <p:grpSpPr>
+        <a:xfrm>
+          <a:off x="0" y="0"/>
+          <a:ext cx="0" cy="0"/>
+          <a:chOff x="0" y="0"/>
+          <a:chExt cx="0" cy="0"/>
+        </a:xfrm>
+      </p:grpSpPr>
+      <p:graphicFrame>
+        <p:nvGraphicFramePr>
+          <p:cNvPr id="4" name="Table 4">
+            <a:extLst>
+              <a:ext uri="{FF2B5EF4-FFF2-40B4-BE49-F238E27FC236}">
+                <a16:creationId xmlns:a16="http://schemas.microsoft.com/office/drawing/2014/main" id="{CAF61706-B39E-4F96-907D-5F2BFB5F45BC}"/>
+              </a:ext>
+            </a:extLst>
+          </p:cNvPr>
+          <p:cNvGraphicFramePr>
+            <a:graphicFrameLocks noGrp="1"/>
+          </p:cNvGraphicFramePr>
+          <p:nvPr>
+            <p:extLst>
+              <p:ext uri="{D42A27DB-BD31-4B8C-83A1-F6EECF244321}">
+                <p14:modId xmlns:p14="http://schemas.microsoft.com/office/powerpoint/2010/main" val="2140907760"/>
+              </p:ext>
+            </p:extLst>
+          </p:nvPr>
+        </p:nvGraphicFramePr>
+        <p:xfrm>
+          <a:off x="2032000" y="279918"/>
+          <a:ext cx="5992325" cy="5975445"/>
+        </p:xfrm>
+        <a:graphic>
+          <a:graphicData uri="http://schemas.openxmlformats.org/drawingml/2006/table">
+            <a:tbl>
+              <a:tblPr firstRow="1" bandRow="1">
+                <a:tableStyleId>{5C22544A-7EE6-4342-B048-85BDC9FD1C3A}</a:tableStyleId>
+              </a:tblPr>
+              <a:tblGrid>
+                <a:gridCol w="1198465">
+                  <a:extLst>
+                    <a:ext uri="{9D8B030D-6E8A-4147-A177-3AD203B41FA5}">
+                      <a16:colId xmlns:a16="http://schemas.microsoft.com/office/drawing/2014/main" val="1381510825"/>
+                    </a:ext>
+                  </a:extLst>
+                </a:gridCol>
+                <a:gridCol w="1198465">
+                  <a:extLst>
+                    <a:ext uri="{9D8B030D-6E8A-4147-A177-3AD203B41FA5}">
+                      <a16:colId xmlns:a16="http://schemas.microsoft.com/office/drawing/2014/main" val="3241223700"/>
+                    </a:ext>
+                  </a:extLst>
+                </a:gridCol>
+                <a:gridCol w="1198465">
+                  <a:extLst>
+                    <a:ext uri="{9D8B030D-6E8A-4147-A177-3AD203B41FA5}">
+                      <a16:colId xmlns:a16="http://schemas.microsoft.com/office/drawing/2014/main" val="2944761642"/>
+                    </a:ext>
+                  </a:extLst>
+                </a:gridCol>
+                <a:gridCol w="1198465">
+                  <a:extLst>
+                    <a:ext uri="{9D8B030D-6E8A-4147-A177-3AD203B41FA5}">
+                      <a16:colId xmlns:a16="http://schemas.microsoft.com/office/drawing/2014/main" val="494141684"/>
+                    </a:ext>
+                  </a:extLst>
+                </a:gridCol>
+                <a:gridCol w="1198465">
+                  <a:extLst>
+                    <a:ext uri="{9D8B030D-6E8A-4147-A177-3AD203B41FA5}">
+                      <a16:colId xmlns:a16="http://schemas.microsoft.com/office/drawing/2014/main" val="3566427531"/>
+                    </a:ext>
+                  </a:extLst>
+                </a:gridCol>
+              </a:tblGrid>
+              <a:tr h="1195089">
+                <a:tc>
+                  <a:txBody>
+                    <a:bodyPr/>
+                    <a:lstStyle/>
+                    <a:p>
+                      <a:r>
+                        <a:rPr lang="en-US" dirty="0">
+                          <a:solidFill>
+                            <a:schemeClr val="tx1"/>
+                          </a:solidFill>
+                        </a:rPr>
+                        <a:t>0.6339</a:t>
+                      </a:r>
+                    </a:p>
+                    <a:p>
+                      <a:r>
+                        <a:rPr lang="en-US" dirty="0">
+                          <a:solidFill>
+                            <a:schemeClr val="tx1"/>
+                          </a:solidFill>
+                        </a:rPr>
+                        <a:t>0</a:t>
+                      </a:r>
+                    </a:p>
+                  </a:txBody>
+                  <a:tcPr>
+                    <a:lnL w="12700" cap="flat" cmpd="sng" algn="ctr">
+                      <a:solidFill>
+                        <a:schemeClr val="tx1"/>
+                      </a:solidFill>
+                      <a:prstDash val="solid"/>
+                      <a:round/>
+                      <a:headEnd type="none" w="med" len="med"/>
+                      <a:tailEnd type="none" w="med" len="med"/>
+                    </a:lnL>
+                    <a:lnR w="12700" cap="flat" cmpd="sng" algn="ctr">
+                      <a:solidFill>
+                        <a:schemeClr val="tx1"/>
+                      </a:solidFill>
+                      <a:prstDash val="solid"/>
+                      <a:round/>
+                      <a:headEnd type="none" w="med" len="med"/>
+                      <a:tailEnd type="none" w="med" len="med"/>
+                    </a:lnR>
+                    <a:lnT w="12700" cap="flat" cmpd="sng" algn="ctr">
+                      <a:solidFill>
+                        <a:schemeClr val="tx1"/>
+                      </a:solidFill>
+                      <a:prstDash val="solid"/>
+                      <a:round/>
+                      <a:headEnd type="none" w="med" len="med"/>
+                      <a:tailEnd type="none" w="med" len="med"/>
+                    </a:lnT>
+                    <a:lnB w="12700" cap="flat" cmpd="sng" algn="ctr">
+                      <a:solidFill>
+                        <a:schemeClr val="tx1"/>
+                      </a:solidFill>
+                      <a:prstDash val="solid"/>
+                      <a:round/>
+                      <a:headEnd type="none" w="med" len="med"/>
+                      <a:tailEnd type="none" w="med" len="med"/>
+                    </a:lnB>
+                    <a:solidFill>
+                      <a:schemeClr val="bg1"/>
+                    </a:solidFill>
+                  </a:tcPr>
+                </a:tc>
+                <a:tc>
+                  <a:txBody>
+                    <a:bodyPr/>
+                    <a:lstStyle/>
+                    <a:p>
+                      <a:r>
+                        <a:rPr lang="en-US" dirty="0">
+                          <a:solidFill>
+                            <a:schemeClr val="tx1"/>
+                          </a:solidFill>
+                        </a:rPr>
+                        <a:t>0.6805</a:t>
+                      </a:r>
+                    </a:p>
+                    <a:p>
+                      <a:r>
+                        <a:rPr lang="en-US" dirty="0">
+                          <a:solidFill>
+                            <a:schemeClr val="tx1"/>
+                          </a:solidFill>
+                        </a:rPr>
+                        <a:t>0</a:t>
+                      </a:r>
+                    </a:p>
+                  </a:txBody>
+                  <a:tcPr>
+                    <a:lnL w="12700" cap="flat" cmpd="sng" algn="ctr">
+                      <a:solidFill>
+                        <a:schemeClr val="tx1"/>
+                      </a:solidFill>
+                      <a:prstDash val="solid"/>
+                      <a:round/>
+                      <a:headEnd type="none" w="med" len="med"/>
+                      <a:tailEnd type="none" w="med" len="med"/>
+                    </a:lnL>
+                    <a:lnR w="12700" cap="flat" cmpd="sng" algn="ctr">
+                      <a:solidFill>
+                        <a:schemeClr val="tx1"/>
+                      </a:solidFill>
+                      <a:prstDash val="solid"/>
+                      <a:round/>
+                      <a:headEnd type="none" w="med" len="med"/>
+                      <a:tailEnd type="none" w="med" len="med"/>
+                    </a:lnR>
+                    <a:lnT w="12700" cap="flat" cmpd="sng" algn="ctr">
+                      <a:solidFill>
+                        <a:schemeClr val="tx1"/>
+                      </a:solidFill>
+                      <a:prstDash val="solid"/>
+                      <a:round/>
+                      <a:headEnd type="none" w="med" len="med"/>
+                      <a:tailEnd type="none" w="med" len="med"/>
+                    </a:lnT>
+                    <a:lnB w="12700" cap="flat" cmpd="sng" algn="ctr">
+                      <a:solidFill>
+                        <a:schemeClr val="tx1"/>
+                      </a:solidFill>
+                      <a:prstDash val="solid"/>
+                      <a:round/>
+                      <a:headEnd type="none" w="med" len="med"/>
+                      <a:tailEnd type="none" w="med" len="med"/>
+                    </a:lnB>
+                    <a:solidFill>
+                      <a:schemeClr val="bg1"/>
+                    </a:solidFill>
+                  </a:tcPr>
+                </a:tc>
+                <a:tc>
+                  <a:txBody>
+                    <a:bodyPr/>
+                    <a:lstStyle/>
+                    <a:p>
+                      <a:r>
+                        <a:rPr lang="en-US" b="0" dirty="0">
+                          <a:solidFill>
+                            <a:schemeClr val="tx1"/>
+                          </a:solidFill>
+                        </a:rPr>
+                        <a:t>0.7253</a:t>
+                      </a:r>
+                    </a:p>
+                    <a:p>
+                      <a:r>
+                        <a:rPr lang="en-US" b="0" dirty="0">
+                          <a:solidFill>
+                            <a:schemeClr val="tx1"/>
+                          </a:solidFill>
+                        </a:rPr>
+                        <a:t>0</a:t>
+                      </a:r>
+                    </a:p>
+                  </a:txBody>
+                  <a:tcPr>
+                    <a:lnL w="12700" cap="flat" cmpd="sng" algn="ctr">
+                      <a:solidFill>
+                        <a:schemeClr val="tx1"/>
+                      </a:solidFill>
+                      <a:prstDash val="solid"/>
+                      <a:round/>
+                      <a:headEnd type="none" w="med" len="med"/>
+                      <a:tailEnd type="none" w="med" len="med"/>
+                    </a:lnL>
+                    <a:lnR w="12700" cap="flat" cmpd="sng" algn="ctr">
+                      <a:solidFill>
+                        <a:schemeClr val="tx1"/>
+                      </a:solidFill>
+                      <a:prstDash val="solid"/>
+                      <a:round/>
+                      <a:headEnd type="none" w="med" len="med"/>
+                      <a:tailEnd type="none" w="med" len="med"/>
+                    </a:lnR>
+                    <a:lnT w="12700" cap="flat" cmpd="sng" algn="ctr">
+                      <a:solidFill>
+                        <a:schemeClr val="tx1"/>
+                      </a:solidFill>
+                      <a:prstDash val="solid"/>
+                      <a:round/>
+                      <a:headEnd type="none" w="med" len="med"/>
+                      <a:tailEnd type="none" w="med" len="med"/>
+                    </a:lnT>
+                    <a:lnB w="12700" cap="flat" cmpd="sng" algn="ctr">
+                      <a:solidFill>
+                        <a:schemeClr val="tx1"/>
+                      </a:solidFill>
+                      <a:prstDash val="solid"/>
+                      <a:round/>
+                      <a:headEnd type="none" w="med" len="med"/>
+                      <a:tailEnd type="none" w="med" len="med"/>
+                    </a:lnB>
+                    <a:solidFill>
+                      <a:schemeClr val="bg1"/>
+                    </a:solidFill>
+                  </a:tcPr>
+                </a:tc>
+                <a:tc>
+                  <a:txBody>
+                    <a:bodyPr/>
+                    <a:lstStyle/>
+                    <a:p>
+                      <a:r>
+                        <a:rPr lang="en-US" dirty="0">
+                          <a:solidFill>
+                            <a:schemeClr val="tx1"/>
+                          </a:solidFill>
+                        </a:rPr>
+                        <a:t>0.7692</a:t>
+                      </a:r>
+                    </a:p>
+                    <a:p>
+                      <a:r>
+                        <a:rPr lang="en-US" dirty="0">
+                          <a:solidFill>
+                            <a:schemeClr val="tx1"/>
+                          </a:solidFill>
+                        </a:rPr>
+                        <a:t>0</a:t>
+                      </a:r>
+                    </a:p>
+                  </a:txBody>
+                  <a:tcPr>
+                    <a:lnL w="12700" cap="flat" cmpd="sng" algn="ctr">
+                      <a:solidFill>
+                        <a:schemeClr val="tx1"/>
+                      </a:solidFill>
+                      <a:prstDash val="solid"/>
+                      <a:round/>
+                      <a:headEnd type="none" w="med" len="med"/>
+                      <a:tailEnd type="none" w="med" len="med"/>
+                    </a:lnL>
+                    <a:lnR w="12700" cap="flat" cmpd="sng" algn="ctr">
+                      <a:solidFill>
+                        <a:schemeClr val="tx1"/>
+                      </a:solidFill>
+                      <a:prstDash val="solid"/>
+                      <a:round/>
+                      <a:headEnd type="none" w="med" len="med"/>
+                      <a:tailEnd type="none" w="med" len="med"/>
+                    </a:lnR>
+                    <a:lnT w="12700" cap="flat" cmpd="sng" algn="ctr">
+                      <a:solidFill>
+                        <a:schemeClr val="tx1"/>
+                      </a:solidFill>
+                      <a:prstDash val="solid"/>
+                      <a:round/>
+                      <a:headEnd type="none" w="med" len="med"/>
+                      <a:tailEnd type="none" w="med" len="med"/>
+                    </a:lnT>
+                    <a:lnB w="12700" cap="flat" cmpd="sng" algn="ctr">
+                      <a:solidFill>
+                        <a:schemeClr val="tx1"/>
+                      </a:solidFill>
+                      <a:prstDash val="solid"/>
+                      <a:round/>
+                      <a:headEnd type="none" w="med" len="med"/>
+                      <a:tailEnd type="none" w="med" len="med"/>
+                    </a:lnB>
+                    <a:solidFill>
+                      <a:schemeClr val="bg1"/>
+                    </a:solidFill>
+                  </a:tcPr>
+                </a:tc>
+                <a:tc>
+                  <a:txBody>
+                    <a:bodyPr/>
+                    <a:lstStyle/>
+                    <a:p>
+                      <a:r>
+                        <a:rPr lang="en-US" b="0" dirty="0">
+                          <a:solidFill>
+                            <a:schemeClr val="tx1"/>
+                          </a:solidFill>
+                        </a:rPr>
+                        <a:t>0.8142</a:t>
+                      </a:r>
+                    </a:p>
+                    <a:p>
+                      <a:r>
+                        <a:rPr lang="en-US" b="0" dirty="0">
+                          <a:solidFill>
+                            <a:schemeClr val="tx1"/>
+                          </a:solidFill>
+                        </a:rPr>
+                        <a:t>2</a:t>
+                      </a:r>
+                    </a:p>
+                  </a:txBody>
+                  <a:tcPr>
+                    <a:lnL w="12700" cap="flat" cmpd="sng" algn="ctr">
+                      <a:solidFill>
+                        <a:schemeClr val="tx1"/>
+                      </a:solidFill>
+                      <a:prstDash val="solid"/>
+                      <a:round/>
+                      <a:headEnd type="none" w="med" len="med"/>
+                      <a:tailEnd type="none" w="med" len="med"/>
+                    </a:lnL>
+                    <a:lnR w="12700" cap="flat" cmpd="sng" algn="ctr">
+                      <a:solidFill>
+                        <a:schemeClr val="tx1"/>
+                      </a:solidFill>
+                      <a:prstDash val="solid"/>
+                      <a:round/>
+                      <a:headEnd type="none" w="med" len="med"/>
+                      <a:tailEnd type="none" w="med" len="med"/>
+                    </a:lnR>
+                    <a:lnT w="12700" cap="flat" cmpd="sng" algn="ctr">
+                      <a:solidFill>
+                        <a:schemeClr val="tx1"/>
+                      </a:solidFill>
+                      <a:prstDash val="solid"/>
+                      <a:round/>
+                      <a:headEnd type="none" w="med" len="med"/>
+                      <a:tailEnd type="none" w="med" len="med"/>
+                    </a:lnT>
+                    <a:lnB w="12700" cap="flat" cmpd="sng" algn="ctr">
+                      <a:solidFill>
+                        <a:schemeClr val="tx1"/>
+                      </a:solidFill>
+                      <a:prstDash val="solid"/>
+                      <a:round/>
+                      <a:headEnd type="none" w="med" len="med"/>
+                      <a:tailEnd type="none" w="med" len="med"/>
+                    </a:lnB>
+                    <a:solidFill>
+                      <a:schemeClr val="bg1"/>
+                    </a:solidFill>
+                  </a:tcPr>
+                </a:tc>
+                <a:extLst>
+                  <a:ext uri="{0D108BD9-81ED-4DB2-BD59-A6C34878D82A}">
+                    <a16:rowId xmlns:a16="http://schemas.microsoft.com/office/drawing/2014/main" val="869902944"/>
+                  </a:ext>
+                </a:extLst>
+              </a:tr>
+              <a:tr h="1195089">
+                <a:tc>
+                  <a:txBody>
+                    <a:bodyPr/>
+                    <a:lstStyle/>
+                    <a:p>
+                      <a:r>
+                        <a:rPr lang="en-US" dirty="0"/>
+                        <a:t>0.5948</a:t>
+                      </a:r>
+                    </a:p>
+                    <a:p>
+                      <a:r>
+                        <a:rPr lang="en-US" dirty="0"/>
+                        <a:t>3</a:t>
+                      </a:r>
+                    </a:p>
+                  </a:txBody>
+                  <a:tcPr>
+                    <a:lnL w="12700" cap="flat" cmpd="sng" algn="ctr">
+                      <a:solidFill>
+                        <a:schemeClr val="tx1"/>
+                      </a:solidFill>
+                      <a:prstDash val="solid"/>
+                      <a:round/>
+                      <a:headEnd type="none" w="med" len="med"/>
+                      <a:tailEnd type="none" w="med" len="med"/>
+                    </a:lnL>
+                    <a:lnR w="12700" cap="flat" cmpd="sng" algn="ctr">
+                      <a:solidFill>
+                        <a:schemeClr val="tx1"/>
+                      </a:solidFill>
+                      <a:prstDash val="solid"/>
+                      <a:round/>
+                      <a:headEnd type="none" w="med" len="med"/>
+                      <a:tailEnd type="none" w="med" len="med"/>
+                    </a:lnR>
+                    <a:lnT w="12700" cap="flat" cmpd="sng" algn="ctr">
+                      <a:solidFill>
+                        <a:schemeClr val="tx1"/>
+                      </a:solidFill>
+                      <a:prstDash val="solid"/>
+                      <a:round/>
+                      <a:headEnd type="none" w="med" len="med"/>
+                      <a:tailEnd type="none" w="med" len="med"/>
+                    </a:lnT>
+                    <a:lnB w="12700" cap="flat" cmpd="sng" algn="ctr">
+                      <a:solidFill>
+                        <a:schemeClr val="tx1"/>
+                      </a:solidFill>
+                      <a:prstDash val="solid"/>
+                      <a:round/>
+                      <a:headEnd type="none" w="med" len="med"/>
+                      <a:tailEnd type="none" w="med" len="med"/>
+                    </a:lnB>
+                    <a:solidFill>
+                      <a:schemeClr val="bg1"/>
+                    </a:solidFill>
+                  </a:tcPr>
+                </a:tc>
+                <a:tc>
+                  <a:txBody>
+                    <a:bodyPr/>
+                    <a:lstStyle/>
+                    <a:p>
+                      <a:endParaRPr lang="en-US" dirty="0"/>
+                    </a:p>
+                  </a:txBody>
+                  <a:tcPr>
+                    <a:lnL w="12700" cap="flat" cmpd="sng" algn="ctr">
+                      <a:solidFill>
+                        <a:schemeClr val="tx1"/>
+                      </a:solidFill>
+                      <a:prstDash val="solid"/>
+                      <a:round/>
+                      <a:headEnd type="none" w="med" len="med"/>
+                      <a:tailEnd type="none" w="med" len="med"/>
+                    </a:lnL>
+                    <a:lnR w="12700" cap="flat" cmpd="sng" algn="ctr">
+                      <a:solidFill>
+                        <a:schemeClr val="tx1"/>
+                      </a:solidFill>
+                      <a:prstDash val="solid"/>
+                      <a:round/>
+                      <a:headEnd type="none" w="med" len="med"/>
+                      <a:tailEnd type="none" w="med" len="med"/>
+                    </a:lnR>
+                    <a:lnT w="12700" cap="flat" cmpd="sng" algn="ctr">
+                      <a:solidFill>
+                        <a:schemeClr val="tx1"/>
+                      </a:solidFill>
+                      <a:prstDash val="solid"/>
+                      <a:round/>
+                      <a:headEnd type="none" w="med" len="med"/>
+                      <a:tailEnd type="none" w="med" len="med"/>
+                    </a:lnT>
+                    <a:lnB w="12700" cap="flat" cmpd="sng" algn="ctr">
+                      <a:solidFill>
+                        <a:schemeClr val="tx1"/>
+                      </a:solidFill>
+                      <a:prstDash val="solid"/>
+                      <a:round/>
+                      <a:headEnd type="none" w="med" len="med"/>
+                      <a:tailEnd type="none" w="med" len="med"/>
+                    </a:lnB>
+                    <a:solidFill>
+                      <a:schemeClr val="tx1"/>
+                    </a:solidFill>
+                  </a:tcPr>
+                </a:tc>
+                <a:tc>
+                  <a:txBody>
+                    <a:bodyPr/>
+                    <a:lstStyle/>
+                    <a:p>
+                      <a:r>
+                        <a:rPr lang="en-US" dirty="0">
+                          <a:solidFill>
+                            <a:srgbClr val="00B050"/>
+                          </a:solidFill>
+                        </a:rPr>
+                        <a:t>0.7556</a:t>
+                      </a:r>
+                    </a:p>
+                    <a:p>
+                      <a:r>
+                        <a:rPr lang="en-US" dirty="0">
+                          <a:solidFill>
+                            <a:srgbClr val="00B050"/>
+                          </a:solidFill>
+                        </a:rPr>
+                        <a:t>0</a:t>
+                      </a:r>
+                    </a:p>
+                  </a:txBody>
+                  <a:tcPr>
+                    <a:lnL w="12700" cap="flat" cmpd="sng" algn="ctr">
+                      <a:solidFill>
+                        <a:schemeClr val="tx1"/>
+                      </a:solidFill>
+                      <a:prstDash val="solid"/>
+                      <a:round/>
+                      <a:headEnd type="none" w="med" len="med"/>
+                      <a:tailEnd type="none" w="med" len="med"/>
+                    </a:lnL>
+                    <a:lnR w="12700" cap="flat" cmpd="sng" algn="ctr">
+                      <a:solidFill>
+                        <a:schemeClr val="tx1"/>
+                      </a:solidFill>
+                      <a:prstDash val="solid"/>
+                      <a:round/>
+                      <a:headEnd type="none" w="med" len="med"/>
+                      <a:tailEnd type="none" w="med" len="med"/>
+                    </a:lnR>
+                    <a:lnT w="12700" cap="flat" cmpd="sng" algn="ctr">
+                      <a:solidFill>
+                        <a:schemeClr val="tx1"/>
+                      </a:solidFill>
+                      <a:prstDash val="solid"/>
+                      <a:round/>
+                      <a:headEnd type="none" w="med" len="med"/>
+                      <a:tailEnd type="none" w="med" len="med"/>
+                    </a:lnT>
+                    <a:lnB w="12700" cap="flat" cmpd="sng" algn="ctr">
+                      <a:solidFill>
+                        <a:schemeClr val="tx1"/>
+                      </a:solidFill>
+                      <a:prstDash val="solid"/>
+                      <a:round/>
+                      <a:headEnd type="none" w="med" len="med"/>
+                      <a:tailEnd type="none" w="med" len="med"/>
+                    </a:lnB>
+                    <a:solidFill>
+                      <a:schemeClr val="bg1"/>
+                    </a:solidFill>
+                  </a:tcPr>
+                </a:tc>
+                <a:tc>
+                  <a:txBody>
+                    <a:bodyPr/>
+                    <a:lstStyle/>
+                    <a:p>
+                      <a:r>
+                        <a:rPr lang="en-US" dirty="0"/>
+                        <a:t>0.8142</a:t>
+                      </a:r>
+                    </a:p>
+                    <a:p>
+                      <a:r>
+                        <a:rPr lang="en-US" dirty="0"/>
+                        <a:t>0</a:t>
+                      </a:r>
+                    </a:p>
+                  </a:txBody>
+                  <a:tcPr>
+                    <a:lnL w="12700" cap="flat" cmpd="sng" algn="ctr">
+                      <a:solidFill>
+                        <a:schemeClr val="tx1"/>
+                      </a:solidFill>
+                      <a:prstDash val="solid"/>
+                      <a:round/>
+                      <a:headEnd type="none" w="med" len="med"/>
+                      <a:tailEnd type="none" w="med" len="med"/>
+                    </a:lnL>
+                    <a:lnR w="12700" cap="flat" cmpd="sng" algn="ctr">
+                      <a:solidFill>
+                        <a:schemeClr val="tx1"/>
+                      </a:solidFill>
+                      <a:prstDash val="solid"/>
+                      <a:round/>
+                      <a:headEnd type="none" w="med" len="med"/>
+                      <a:tailEnd type="none" w="med" len="med"/>
+                    </a:lnR>
+                    <a:lnT w="12700" cap="flat" cmpd="sng" algn="ctr">
+                      <a:solidFill>
+                        <a:schemeClr val="tx1"/>
+                      </a:solidFill>
+                      <a:prstDash val="solid"/>
+                      <a:round/>
+                      <a:headEnd type="none" w="med" len="med"/>
+                      <a:tailEnd type="none" w="med" len="med"/>
+                    </a:lnT>
+                    <a:lnB w="12700" cap="flat" cmpd="sng" algn="ctr">
+                      <a:solidFill>
+                        <a:schemeClr val="tx1"/>
+                      </a:solidFill>
+                      <a:prstDash val="solid"/>
+                      <a:round/>
+                      <a:headEnd type="none" w="med" len="med"/>
+                      <a:tailEnd type="none" w="med" len="med"/>
+                    </a:lnB>
+                    <a:solidFill>
+                      <a:schemeClr val="bg1"/>
+                    </a:solidFill>
+                  </a:tcPr>
+                </a:tc>
+                <a:tc>
+                  <a:txBody>
+                    <a:bodyPr/>
+                    <a:lstStyle/>
+                    <a:p>
+                      <a:r>
+                        <a:rPr lang="en-US" dirty="0"/>
+                        <a:t>0.8734</a:t>
+                      </a:r>
+                    </a:p>
+                    <a:p>
+                      <a:r>
+                        <a:rPr lang="en-US" dirty="0"/>
+                        <a:t>2</a:t>
+                      </a:r>
+                    </a:p>
+                  </a:txBody>
+                  <a:tcPr>
+                    <a:lnL w="12700" cap="flat" cmpd="sng" algn="ctr">
+                      <a:solidFill>
+                        <a:schemeClr val="tx1"/>
+                      </a:solidFill>
+                      <a:prstDash val="solid"/>
+                      <a:round/>
+                      <a:headEnd type="none" w="med" len="med"/>
+                      <a:tailEnd type="none" w="med" len="med"/>
+                    </a:lnL>
+                    <a:lnR w="12700" cap="flat" cmpd="sng" algn="ctr">
+                      <a:solidFill>
+                        <a:schemeClr val="tx1"/>
+                      </a:solidFill>
+                      <a:prstDash val="solid"/>
+                      <a:round/>
+                      <a:headEnd type="none" w="med" len="med"/>
+                      <a:tailEnd type="none" w="med" len="med"/>
+                    </a:lnR>
+                    <a:lnT w="12700" cap="flat" cmpd="sng" algn="ctr">
+                      <a:solidFill>
+                        <a:schemeClr val="tx1"/>
+                      </a:solidFill>
+                      <a:prstDash val="solid"/>
+                      <a:round/>
+                      <a:headEnd type="none" w="med" len="med"/>
+                      <a:tailEnd type="none" w="med" len="med"/>
+                    </a:lnT>
+                    <a:lnB w="12700" cap="flat" cmpd="sng" algn="ctr">
+                      <a:solidFill>
+                        <a:schemeClr val="tx1"/>
+                      </a:solidFill>
+                      <a:prstDash val="solid"/>
+                      <a:round/>
+                      <a:headEnd type="none" w="med" len="med"/>
+                      <a:tailEnd type="none" w="med" len="med"/>
+                    </a:lnB>
+                    <a:solidFill>
+                      <a:schemeClr val="bg1"/>
+                    </a:solidFill>
+                  </a:tcPr>
+                </a:tc>
+                <a:extLst>
+                  <a:ext uri="{0D108BD9-81ED-4DB2-BD59-A6C34878D82A}">
+                    <a16:rowId xmlns:a16="http://schemas.microsoft.com/office/drawing/2014/main" val="2888920794"/>
+                  </a:ext>
+                </a:extLst>
+              </a:tr>
+              <a:tr h="1195089">
+                <a:tc>
+                  <a:txBody>
+                    <a:bodyPr/>
+                    <a:lstStyle/>
+                    <a:p>
+                      <a:r>
+                        <a:rPr lang="en-US" dirty="0"/>
+                        <a:t>0.5625</a:t>
+                      </a:r>
+                    </a:p>
+                    <a:p>
+                      <a:r>
+                        <a:rPr lang="en-US" dirty="0"/>
+                        <a:t>0</a:t>
+                      </a:r>
+                    </a:p>
+                  </a:txBody>
+                  <a:tcPr>
+                    <a:lnL w="12700" cap="flat" cmpd="sng" algn="ctr">
+                      <a:solidFill>
+                        <a:schemeClr val="tx1"/>
+                      </a:solidFill>
+                      <a:prstDash val="solid"/>
+                      <a:round/>
+                      <a:headEnd type="none" w="med" len="med"/>
+                      <a:tailEnd type="none" w="med" len="med"/>
+                    </a:lnL>
+                    <a:lnR w="12700" cap="flat" cmpd="sng" algn="ctr">
+                      <a:solidFill>
+                        <a:schemeClr val="tx1"/>
+                      </a:solidFill>
+                      <a:prstDash val="solid"/>
+                      <a:round/>
+                      <a:headEnd type="none" w="med" len="med"/>
+                      <a:tailEnd type="none" w="med" len="med"/>
+                    </a:lnR>
+                    <a:lnT w="12700" cap="flat" cmpd="sng" algn="ctr">
+                      <a:solidFill>
+                        <a:schemeClr val="tx1"/>
+                      </a:solidFill>
+                      <a:prstDash val="solid"/>
+                      <a:round/>
+                      <a:headEnd type="none" w="med" len="med"/>
+                      <a:tailEnd type="none" w="med" len="med"/>
+                    </a:lnT>
+                    <a:lnB w="12700" cap="flat" cmpd="sng" algn="ctr">
+                      <a:solidFill>
+                        <a:schemeClr val="tx1"/>
+                      </a:solidFill>
+                      <a:prstDash val="solid"/>
+                      <a:round/>
+                      <a:headEnd type="none" w="med" len="med"/>
+                      <a:tailEnd type="none" w="med" len="med"/>
+                    </a:lnB>
+                    <a:solidFill>
+                      <a:schemeClr val="bg1"/>
+                    </a:solidFill>
+                  </a:tcPr>
+                </a:tc>
+                <a:tc>
+                  <a:txBody>
+                    <a:bodyPr/>
+                    <a:lstStyle/>
+                    <a:p>
+                      <a:r>
+                        <a:rPr lang="en-US" dirty="0">
+                          <a:solidFill>
+                            <a:schemeClr val="tx1"/>
+                          </a:solidFill>
+                        </a:rPr>
+                        <a:t>0.6004</a:t>
+                      </a:r>
+                    </a:p>
+                    <a:p>
+                      <a:r>
+                        <a:rPr lang="en-US" dirty="0">
+                          <a:solidFill>
+                            <a:schemeClr val="tx1"/>
+                          </a:solidFill>
+                        </a:rPr>
+                        <a:t>0</a:t>
+                      </a:r>
+                    </a:p>
+                  </a:txBody>
+                  <a:tcPr>
+                    <a:lnL w="12700" cap="flat" cmpd="sng" algn="ctr">
+                      <a:solidFill>
+                        <a:schemeClr val="tx1"/>
+                      </a:solidFill>
+                      <a:prstDash val="solid"/>
+                      <a:round/>
+                      <a:headEnd type="none" w="med" len="med"/>
+                      <a:tailEnd type="none" w="med" len="med"/>
+                    </a:lnL>
+                    <a:lnR w="12700" cap="flat" cmpd="sng" algn="ctr">
+                      <a:solidFill>
+                        <a:schemeClr val="tx1"/>
+                      </a:solidFill>
+                      <a:prstDash val="solid"/>
+                      <a:round/>
+                      <a:headEnd type="none" w="med" len="med"/>
+                      <a:tailEnd type="none" w="med" len="med"/>
+                    </a:lnR>
+                    <a:lnT w="12700" cap="flat" cmpd="sng" algn="ctr">
+                      <a:solidFill>
+                        <a:schemeClr val="tx1"/>
+                      </a:solidFill>
+                      <a:prstDash val="solid"/>
+                      <a:round/>
+                      <a:headEnd type="none" w="med" len="med"/>
+                      <a:tailEnd type="none" w="med" len="med"/>
+                    </a:lnT>
+                    <a:lnB w="12700" cap="flat" cmpd="sng" algn="ctr">
+                      <a:solidFill>
+                        <a:schemeClr val="tx1"/>
+                      </a:solidFill>
+                      <a:prstDash val="solid"/>
+                      <a:round/>
+                      <a:headEnd type="none" w="med" len="med"/>
+                      <a:tailEnd type="none" w="med" len="med"/>
+                    </a:lnB>
+                    <a:solidFill>
+                      <a:schemeClr val="bg1"/>
+                    </a:solidFill>
+                  </a:tcPr>
+                </a:tc>
+                <a:tc>
+                  <a:txBody>
+                    <a:bodyPr/>
+                    <a:lstStyle/>
+                    <a:p>
+                      <a:r>
+                        <a:rPr lang="en-US" dirty="0"/>
+                        <a:t>0.7150</a:t>
+                      </a:r>
+                    </a:p>
+                    <a:p>
+                      <a:r>
+                        <a:rPr lang="en-US" dirty="0"/>
+                        <a:t>2</a:t>
+                      </a:r>
+                    </a:p>
+                  </a:txBody>
+                  <a:tcPr>
+                    <a:lnL w="12700" cap="flat" cmpd="sng" algn="ctr">
+                      <a:solidFill>
+                        <a:schemeClr val="tx1"/>
+                      </a:solidFill>
+                      <a:prstDash val="solid"/>
+                      <a:round/>
+                      <a:headEnd type="none" w="med" len="med"/>
+                      <a:tailEnd type="none" w="med" len="med"/>
+                    </a:lnL>
+                    <a:lnR w="12700" cap="flat" cmpd="sng" algn="ctr">
+                      <a:solidFill>
+                        <a:schemeClr val="tx1"/>
+                      </a:solidFill>
+                      <a:prstDash val="solid"/>
+                      <a:round/>
+                      <a:headEnd type="none" w="med" len="med"/>
+                      <a:tailEnd type="none" w="med" len="med"/>
+                    </a:lnR>
+                    <a:lnT w="12700" cap="flat" cmpd="sng" algn="ctr">
+                      <a:solidFill>
+                        <a:schemeClr val="tx1"/>
+                      </a:solidFill>
+                      <a:prstDash val="solid"/>
+                      <a:round/>
+                      <a:headEnd type="none" w="med" len="med"/>
+                      <a:tailEnd type="none" w="med" len="med"/>
+                    </a:lnT>
+                    <a:lnB w="12700" cap="flat" cmpd="sng" algn="ctr">
+                      <a:solidFill>
+                        <a:schemeClr val="tx1"/>
+                      </a:solidFill>
+                      <a:prstDash val="solid"/>
+                      <a:round/>
+                      <a:headEnd type="none" w="med" len="med"/>
+                      <a:tailEnd type="none" w="med" len="med"/>
+                    </a:lnB>
+                    <a:solidFill>
+                      <a:schemeClr val="bg1"/>
+                    </a:solidFill>
+                  </a:tcPr>
+                </a:tc>
+                <a:tc>
+                  <a:txBody>
+                    <a:bodyPr/>
+                    <a:lstStyle/>
+                    <a:p>
+                      <a:endParaRPr lang="en-US" dirty="0"/>
+                    </a:p>
+                  </a:txBody>
+                  <a:tcPr>
+                    <a:lnL w="12700" cap="flat" cmpd="sng" algn="ctr">
+                      <a:solidFill>
+                        <a:schemeClr val="tx1"/>
+                      </a:solidFill>
+                      <a:prstDash val="solid"/>
+                      <a:round/>
+                      <a:headEnd type="none" w="med" len="med"/>
+                      <a:tailEnd type="none" w="med" len="med"/>
+                    </a:lnL>
+                    <a:lnR w="12700" cap="flat" cmpd="sng" algn="ctr">
+                      <a:solidFill>
+                        <a:schemeClr val="tx1"/>
+                      </a:solidFill>
+                      <a:prstDash val="solid"/>
+                      <a:round/>
+                      <a:headEnd type="none" w="med" len="med"/>
+                      <a:tailEnd type="none" w="med" len="med"/>
+                    </a:lnR>
+                    <a:lnT w="12700" cap="flat" cmpd="sng" algn="ctr">
+                      <a:solidFill>
+                        <a:schemeClr val="tx1"/>
+                      </a:solidFill>
+                      <a:prstDash val="solid"/>
+                      <a:round/>
+                      <a:headEnd type="none" w="med" len="med"/>
+                      <a:tailEnd type="none" w="med" len="med"/>
+                    </a:lnT>
+                    <a:lnB w="12700" cap="flat" cmpd="sng" algn="ctr">
+                      <a:solidFill>
+                        <a:schemeClr val="tx1"/>
+                      </a:solidFill>
+                      <a:prstDash val="solid"/>
+                      <a:round/>
+                      <a:headEnd type="none" w="med" len="med"/>
+                      <a:tailEnd type="none" w="med" len="med"/>
+                    </a:lnB>
+                    <a:solidFill>
+                      <a:schemeClr val="tx1"/>
+                    </a:solidFill>
+                  </a:tcPr>
+                </a:tc>
+                <a:tc>
+                  <a:txBody>
+                    <a:bodyPr/>
+                    <a:lstStyle/>
+                    <a:p>
+                      <a:r>
+                        <a:rPr lang="en-US" dirty="0"/>
+                        <a:t>0.9382</a:t>
+                      </a:r>
+                    </a:p>
+                    <a:p>
+                      <a:r>
+                        <a:rPr lang="en-US" dirty="0"/>
+                        <a:t>2</a:t>
+                      </a:r>
+                    </a:p>
+                  </a:txBody>
+                  <a:tcPr>
+                    <a:lnL w="12700" cap="flat" cmpd="sng" algn="ctr">
+                      <a:solidFill>
+                        <a:schemeClr val="tx1"/>
+                      </a:solidFill>
+                      <a:prstDash val="solid"/>
+                      <a:round/>
+                      <a:headEnd type="none" w="med" len="med"/>
+                      <a:tailEnd type="none" w="med" len="med"/>
+                    </a:lnL>
+                    <a:lnR w="12700" cap="flat" cmpd="sng" algn="ctr">
+                      <a:solidFill>
+                        <a:schemeClr val="tx1"/>
+                      </a:solidFill>
+                      <a:prstDash val="solid"/>
+                      <a:round/>
+                      <a:headEnd type="none" w="med" len="med"/>
+                      <a:tailEnd type="none" w="med" len="med"/>
+                    </a:lnR>
+                    <a:lnT w="12700" cap="flat" cmpd="sng" algn="ctr">
+                      <a:solidFill>
+                        <a:schemeClr val="tx1"/>
+                      </a:solidFill>
+                      <a:prstDash val="solid"/>
+                      <a:round/>
+                      <a:headEnd type="none" w="med" len="med"/>
+                      <a:tailEnd type="none" w="med" len="med"/>
+                    </a:lnT>
+                    <a:lnB w="12700" cap="flat" cmpd="sng" algn="ctr">
+                      <a:solidFill>
+                        <a:schemeClr val="tx1"/>
+                      </a:solidFill>
+                      <a:prstDash val="solid"/>
+                      <a:round/>
+                      <a:headEnd type="none" w="med" len="med"/>
+                      <a:tailEnd type="none" w="med" len="med"/>
+                    </a:lnB>
+                    <a:solidFill>
+                      <a:schemeClr val="bg1"/>
+                    </a:solidFill>
+                  </a:tcPr>
+                </a:tc>
+                <a:extLst>
+                  <a:ext uri="{0D108BD9-81ED-4DB2-BD59-A6C34878D82A}">
+                    <a16:rowId xmlns:a16="http://schemas.microsoft.com/office/drawing/2014/main" val="4027582808"/>
+                  </a:ext>
+                </a:extLst>
+              </a:tr>
+              <a:tr h="1195089">
+                <a:tc>
+                  <a:txBody>
+                    <a:bodyPr/>
+                    <a:lstStyle/>
+                    <a:p>
+                      <a:r>
+                        <a:rPr lang="en-US" dirty="0"/>
+                        <a:t>0.4724</a:t>
+                      </a:r>
+                    </a:p>
+                    <a:p>
+                      <a:r>
+                        <a:rPr lang="en-US" dirty="0"/>
+                        <a:t>3</a:t>
+                      </a:r>
+                    </a:p>
+                  </a:txBody>
+                  <a:tcPr>
+                    <a:lnL w="12700" cap="flat" cmpd="sng" algn="ctr">
+                      <a:solidFill>
+                        <a:schemeClr val="tx1"/>
+                      </a:solidFill>
+                      <a:prstDash val="solid"/>
+                      <a:round/>
+                      <a:headEnd type="none" w="med" len="med"/>
+                      <a:tailEnd type="none" w="med" len="med"/>
+                    </a:lnL>
+                    <a:lnR w="12700" cap="flat" cmpd="sng" algn="ctr">
+                      <a:solidFill>
+                        <a:schemeClr val="tx1"/>
+                      </a:solidFill>
+                      <a:prstDash val="solid"/>
+                      <a:round/>
+                      <a:headEnd type="none" w="med" len="med"/>
+                      <a:tailEnd type="none" w="med" len="med"/>
+                    </a:lnR>
+                    <a:lnT w="12700" cap="flat" cmpd="sng" algn="ctr">
+                      <a:solidFill>
+                        <a:schemeClr val="tx1"/>
+                      </a:solidFill>
+                      <a:prstDash val="solid"/>
+                      <a:round/>
+                      <a:headEnd type="none" w="med" len="med"/>
+                      <a:tailEnd type="none" w="med" len="med"/>
+                    </a:lnT>
+                    <a:lnB w="12700" cap="flat" cmpd="sng" algn="ctr">
+                      <a:solidFill>
+                        <a:schemeClr val="tx1"/>
+                      </a:solidFill>
+                      <a:prstDash val="solid"/>
+                      <a:round/>
+                      <a:headEnd type="none" w="med" len="med"/>
+                      <a:tailEnd type="none" w="med" len="med"/>
+                    </a:lnB>
+                    <a:solidFill>
+                      <a:schemeClr val="bg1"/>
+                    </a:solidFill>
+                  </a:tcPr>
+                </a:tc>
+                <a:tc>
+                  <a:txBody>
+                    <a:bodyPr/>
+                    <a:lstStyle/>
+                    <a:p>
+                      <a:pPr marL="0" marR="0" lvl="0" indent="0" algn="l" defTabSz="914400" rtl="0" eaLnBrk="1" fontAlgn="auto" latinLnBrk="0" hangingPunct="1">
+                        <a:lnSpc>
+                          <a:spcPct val="100000"/>
+                        </a:lnSpc>
+                        <a:spcBef>
+                          <a:spcPts val="0"/>
+                        </a:spcBef>
+                        <a:spcAft>
+                          <a:spcPts val="0"/>
+                        </a:spcAft>
+                        <a:buClrTx/>
+                        <a:buSzTx/>
+                        <a:buFontTx/>
+                        <a:buNone/>
+                        <a:tabLst/>
+                        <a:defRPr/>
+                      </a:pPr>
+                      <a:r>
+                        <a:rPr lang="en-US" altLang="zh-CN" dirty="0">
+                          <a:solidFill>
+                            <a:schemeClr val="tx1"/>
+                          </a:solidFill>
+                        </a:rPr>
+                        <a:t>0</a:t>
+                      </a:r>
+                    </a:p>
+                  </a:txBody>
+                  <a:tcPr>
+                    <a:lnL w="12700" cap="flat" cmpd="sng" algn="ctr">
+                      <a:solidFill>
+                        <a:schemeClr val="tx1"/>
+                      </a:solidFill>
+                      <a:prstDash val="solid"/>
+                      <a:round/>
+                      <a:headEnd type="none" w="med" len="med"/>
+                      <a:tailEnd type="none" w="med" len="med"/>
+                    </a:lnL>
+                    <a:lnR w="12700" cap="flat" cmpd="sng" algn="ctr">
+                      <a:solidFill>
+                        <a:schemeClr val="tx1"/>
+                      </a:solidFill>
+                      <a:prstDash val="solid"/>
+                      <a:round/>
+                      <a:headEnd type="none" w="med" len="med"/>
+                      <a:tailEnd type="none" w="med" len="med"/>
+                    </a:lnR>
+                    <a:lnT w="12700" cap="flat" cmpd="sng" algn="ctr">
+                      <a:solidFill>
+                        <a:schemeClr val="tx1"/>
+                      </a:solidFill>
+                      <a:prstDash val="solid"/>
+                      <a:round/>
+                      <a:headEnd type="none" w="med" len="med"/>
+                      <a:tailEnd type="none" w="med" len="med"/>
+                    </a:lnT>
+                    <a:lnB w="12700" cap="flat" cmpd="sng" algn="ctr">
+                      <a:solidFill>
+                        <a:schemeClr val="tx1"/>
+                      </a:solidFill>
+                      <a:prstDash val="solid"/>
+                      <a:round/>
+                      <a:headEnd type="none" w="med" len="med"/>
+                      <a:tailEnd type="none" w="med" len="med"/>
+                    </a:lnB>
+                    <a:solidFill>
+                      <a:schemeClr val="bg1"/>
+                    </a:solidFill>
+                  </a:tcPr>
+                </a:tc>
+                <a:tc>
+                  <a:txBody>
+                    <a:bodyPr/>
+                    <a:lstStyle/>
+                    <a:p>
+                      <a:r>
+                        <a:rPr lang="en-US" dirty="0">
+                          <a:solidFill>
+                            <a:srgbClr val="00B050"/>
+                          </a:solidFill>
+                        </a:rPr>
+                        <a:t>0.7764</a:t>
+                      </a:r>
+                    </a:p>
+                    <a:p>
+                      <a:r>
+                        <a:rPr lang="en-US" dirty="0">
+                          <a:solidFill>
+                            <a:srgbClr val="00B050"/>
+                          </a:solidFill>
+                        </a:rPr>
+                        <a:t>0</a:t>
+                      </a:r>
+                    </a:p>
+                  </a:txBody>
+                  <a:tcPr>
+                    <a:lnL w="12700" cap="flat" cmpd="sng" algn="ctr">
+                      <a:solidFill>
+                        <a:schemeClr val="tx1"/>
+                      </a:solidFill>
+                      <a:prstDash val="solid"/>
+                      <a:round/>
+                      <a:headEnd type="none" w="med" len="med"/>
+                      <a:tailEnd type="none" w="med" len="med"/>
+                    </a:lnL>
+                    <a:lnR w="12700" cap="flat" cmpd="sng" algn="ctr">
+                      <a:solidFill>
+                        <a:schemeClr val="tx1"/>
+                      </a:solidFill>
+                      <a:prstDash val="solid"/>
+                      <a:round/>
+                      <a:headEnd type="none" w="med" len="med"/>
+                      <a:tailEnd type="none" w="med" len="med"/>
+                    </a:lnR>
+                    <a:lnT w="12700" cap="flat" cmpd="sng" algn="ctr">
+                      <a:solidFill>
+                        <a:schemeClr val="tx1"/>
+                      </a:solidFill>
+                      <a:prstDash val="solid"/>
+                      <a:round/>
+                      <a:headEnd type="none" w="med" len="med"/>
+                      <a:tailEnd type="none" w="med" len="med"/>
+                    </a:lnT>
+                    <a:lnB w="12700" cap="flat" cmpd="sng" algn="ctr">
+                      <a:solidFill>
+                        <a:schemeClr val="tx1"/>
+                      </a:solidFill>
+                      <a:prstDash val="solid"/>
+                      <a:round/>
+                      <a:headEnd type="none" w="med" len="med"/>
+                      <a:tailEnd type="none" w="med" len="med"/>
+                    </a:lnB>
+                    <a:solidFill>
+                      <a:schemeClr val="bg1"/>
+                    </a:solidFill>
+                  </a:tcPr>
+                </a:tc>
+                <a:tc>
+                  <a:txBody>
+                    <a:bodyPr/>
+                    <a:lstStyle/>
+                    <a:p>
+                      <a:r>
+                        <a:rPr lang="en-US" dirty="0"/>
+                        <a:t>0.9322</a:t>
+                      </a:r>
+                    </a:p>
+                    <a:p>
+                      <a:r>
+                        <a:rPr lang="en-US" dirty="0"/>
+                        <a:t>0</a:t>
+                      </a:r>
+                    </a:p>
+                  </a:txBody>
+                  <a:tcPr>
+                    <a:lnL w="12700" cap="flat" cmpd="sng" algn="ctr">
+                      <a:solidFill>
+                        <a:schemeClr val="tx1"/>
+                      </a:solidFill>
+                      <a:prstDash val="solid"/>
+                      <a:round/>
+                      <a:headEnd type="none" w="med" len="med"/>
+                      <a:tailEnd type="none" w="med" len="med"/>
+                    </a:lnL>
+                    <a:lnR w="12700" cap="flat" cmpd="sng" algn="ctr">
+                      <a:solidFill>
+                        <a:schemeClr val="tx1"/>
+                      </a:solidFill>
+                      <a:prstDash val="solid"/>
+                      <a:round/>
+                      <a:headEnd type="none" w="med" len="med"/>
+                      <a:tailEnd type="none" w="med" len="med"/>
+                    </a:lnR>
+                    <a:lnT w="12700" cap="flat" cmpd="sng" algn="ctr">
+                      <a:solidFill>
+                        <a:schemeClr val="tx1"/>
+                      </a:solidFill>
+                      <a:prstDash val="solid"/>
+                      <a:round/>
+                      <a:headEnd type="none" w="med" len="med"/>
+                      <a:tailEnd type="none" w="med" len="med"/>
+                    </a:lnT>
+                    <a:lnB w="12700" cap="flat" cmpd="sng" algn="ctr">
+                      <a:solidFill>
+                        <a:schemeClr val="tx1"/>
+                      </a:solidFill>
+                      <a:prstDash val="solid"/>
+                      <a:round/>
+                      <a:headEnd type="none" w="med" len="med"/>
+                      <a:tailEnd type="none" w="med" len="med"/>
+                    </a:lnB>
+                    <a:solidFill>
+                      <a:schemeClr val="bg1"/>
+                    </a:solidFill>
+                  </a:tcPr>
+                </a:tc>
+                <a:tc>
+                  <a:txBody>
+                    <a:bodyPr/>
+                    <a:lstStyle/>
+                    <a:p>
+                      <a:r>
+                        <a:rPr lang="en-US" dirty="0"/>
+                        <a:t>Goal1(R = 1) 0</a:t>
+                      </a:r>
+                    </a:p>
+                  </a:txBody>
+                  <a:tcPr>
+                    <a:lnL w="12700" cap="flat" cmpd="sng" algn="ctr">
+                      <a:solidFill>
+                        <a:schemeClr val="tx1"/>
+                      </a:solidFill>
+                      <a:prstDash val="solid"/>
+                      <a:round/>
+                      <a:headEnd type="none" w="med" len="med"/>
+                      <a:tailEnd type="none" w="med" len="med"/>
+                    </a:lnL>
+                    <a:lnR w="12700" cap="flat" cmpd="sng" algn="ctr">
+                      <a:solidFill>
+                        <a:schemeClr val="tx1"/>
+                      </a:solidFill>
+                      <a:prstDash val="solid"/>
+                      <a:round/>
+                      <a:headEnd type="none" w="med" len="med"/>
+                      <a:tailEnd type="none" w="med" len="med"/>
+                    </a:lnR>
+                    <a:lnT w="12700" cap="flat" cmpd="sng" algn="ctr">
+                      <a:solidFill>
+                        <a:schemeClr val="tx1"/>
+                      </a:solidFill>
+                      <a:prstDash val="solid"/>
+                      <a:round/>
+                      <a:headEnd type="none" w="med" len="med"/>
+                      <a:tailEnd type="none" w="med" len="med"/>
+                    </a:lnT>
+                    <a:lnB w="12700" cap="flat" cmpd="sng" algn="ctr">
+                      <a:solidFill>
+                        <a:schemeClr val="tx1"/>
+                      </a:solidFill>
+                      <a:prstDash val="solid"/>
+                      <a:round/>
+                      <a:headEnd type="none" w="med" len="med"/>
+                      <a:tailEnd type="none" w="med" len="med"/>
+                    </a:lnB>
+                    <a:solidFill>
+                      <a:schemeClr val="bg1"/>
+                    </a:solidFill>
+                  </a:tcPr>
+                </a:tc>
+                <a:extLst>
+                  <a:ext uri="{0D108BD9-81ED-4DB2-BD59-A6C34878D82A}">
+                    <a16:rowId xmlns:a16="http://schemas.microsoft.com/office/drawing/2014/main" val="2440706154"/>
+                  </a:ext>
+                </a:extLst>
+              </a:tr>
+              <a:tr h="1195089">
+                <a:tc>
+                  <a:txBody>
+                    <a:bodyPr/>
+                    <a:lstStyle/>
+                    <a:p>
+                      <a:r>
+                        <a:rPr lang="en-US" dirty="0"/>
+                        <a:t>0.4350</a:t>
+                      </a:r>
+                    </a:p>
+                    <a:p>
+                      <a:r>
+                        <a:rPr lang="en-US" dirty="0"/>
+                        <a:t>3</a:t>
+                      </a:r>
+                    </a:p>
+                  </a:txBody>
+                  <a:tcPr>
+                    <a:lnL w="12700" cap="flat" cmpd="sng" algn="ctr">
+                      <a:solidFill>
+                        <a:schemeClr val="tx1"/>
+                      </a:solidFill>
+                      <a:prstDash val="solid"/>
+                      <a:round/>
+                      <a:headEnd type="none" w="med" len="med"/>
+                      <a:tailEnd type="none" w="med" len="med"/>
+                    </a:lnL>
+                    <a:lnR w="12700" cap="flat" cmpd="sng" algn="ctr">
+                      <a:solidFill>
+                        <a:schemeClr val="tx1"/>
+                      </a:solidFill>
+                      <a:prstDash val="solid"/>
+                      <a:round/>
+                      <a:headEnd type="none" w="med" len="med"/>
+                      <a:tailEnd type="none" w="med" len="med"/>
+                    </a:lnR>
+                    <a:lnT w="12700" cap="flat" cmpd="sng" algn="ctr">
+                      <a:solidFill>
+                        <a:schemeClr val="tx1"/>
+                      </a:solidFill>
+                      <a:prstDash val="solid"/>
+                      <a:round/>
+                      <a:headEnd type="none" w="med" len="med"/>
+                      <a:tailEnd type="none" w="med" len="med"/>
+                    </a:lnT>
+                    <a:lnB w="12700" cap="flat" cmpd="sng" algn="ctr">
+                      <a:solidFill>
+                        <a:schemeClr val="tx1"/>
+                      </a:solidFill>
+                      <a:prstDash val="solid"/>
+                      <a:round/>
+                      <a:headEnd type="none" w="med" len="med"/>
+                      <a:tailEnd type="none" w="med" len="med"/>
+                    </a:lnB>
+                    <a:solidFill>
+                      <a:schemeClr val="bg1"/>
+                    </a:solidFill>
+                  </a:tcPr>
+                </a:tc>
+                <a:tc>
+                  <a:txBody>
+                    <a:bodyPr/>
+                    <a:lstStyle/>
+                    <a:p>
+                      <a:r>
+                        <a:rPr lang="en-US" dirty="0"/>
+                        <a:t>0.3653</a:t>
+                      </a:r>
+                    </a:p>
+                    <a:p>
+                      <a:r>
+                        <a:rPr lang="en-US" dirty="0"/>
+                        <a:t>1</a:t>
+                      </a:r>
+                    </a:p>
+                  </a:txBody>
+                  <a:tcPr>
+                    <a:lnL w="12700" cap="flat" cmpd="sng" algn="ctr">
+                      <a:solidFill>
+                        <a:schemeClr val="tx1"/>
+                      </a:solidFill>
+                      <a:prstDash val="solid"/>
+                      <a:round/>
+                      <a:headEnd type="none" w="med" len="med"/>
+                      <a:tailEnd type="none" w="med" len="med"/>
+                    </a:lnL>
+                    <a:lnR w="12700" cap="flat" cmpd="sng" algn="ctr">
+                      <a:solidFill>
+                        <a:schemeClr val="tx1"/>
+                      </a:solidFill>
+                      <a:prstDash val="solid"/>
+                      <a:round/>
+                      <a:headEnd type="none" w="med" len="med"/>
+                      <a:tailEnd type="none" w="med" len="med"/>
+                    </a:lnR>
+                    <a:lnT w="12700" cap="flat" cmpd="sng" algn="ctr">
+                      <a:solidFill>
+                        <a:schemeClr val="tx1"/>
+                      </a:solidFill>
+                      <a:prstDash val="solid"/>
+                      <a:round/>
+                      <a:headEnd type="none" w="med" len="med"/>
+                      <a:tailEnd type="none" w="med" len="med"/>
+                    </a:lnT>
+                    <a:lnB w="12700" cap="flat" cmpd="sng" algn="ctr">
+                      <a:solidFill>
+                        <a:schemeClr val="tx1"/>
+                      </a:solidFill>
+                      <a:prstDash val="solid"/>
+                      <a:round/>
+                      <a:headEnd type="none" w="med" len="med"/>
+                      <a:tailEnd type="none" w="med" len="med"/>
+                    </a:lnB>
+                    <a:solidFill>
+                      <a:schemeClr val="bg1"/>
+                    </a:solidFill>
+                  </a:tcPr>
+                </a:tc>
+                <a:tc>
+                  <a:txBody>
+                    <a:bodyPr/>
+                    <a:lstStyle/>
+                    <a:p>
+                      <a:r>
+                        <a:rPr lang="en-US" dirty="0"/>
+                        <a:t>0</a:t>
+                      </a:r>
+                    </a:p>
+                    <a:p>
+                      <a:r>
+                        <a:rPr lang="en-US" dirty="0"/>
+                        <a:t>0</a:t>
+                      </a:r>
+                    </a:p>
+                  </a:txBody>
+                  <a:tcPr>
+                    <a:lnL w="12700" cap="flat" cmpd="sng" algn="ctr">
+                      <a:solidFill>
+                        <a:schemeClr val="tx1"/>
+                      </a:solidFill>
+                      <a:prstDash val="solid"/>
+                      <a:round/>
+                      <a:headEnd type="none" w="med" len="med"/>
+                      <a:tailEnd type="none" w="med" len="med"/>
+                    </a:lnL>
+                    <a:lnR w="12700" cap="flat" cmpd="sng" algn="ctr">
+                      <a:solidFill>
+                        <a:schemeClr val="tx1"/>
+                      </a:solidFill>
+                      <a:prstDash val="solid"/>
+                      <a:round/>
+                      <a:headEnd type="none" w="med" len="med"/>
+                      <a:tailEnd type="none" w="med" len="med"/>
+                    </a:lnR>
+                    <a:lnT w="12700" cap="flat" cmpd="sng" algn="ctr">
+                      <a:solidFill>
+                        <a:schemeClr val="tx1"/>
+                      </a:solidFill>
+                      <a:prstDash val="solid"/>
+                      <a:round/>
+                      <a:headEnd type="none" w="med" len="med"/>
+                      <a:tailEnd type="none" w="med" len="med"/>
+                    </a:lnT>
+                    <a:lnB w="12700" cap="flat" cmpd="sng" algn="ctr">
+                      <a:solidFill>
+                        <a:schemeClr val="tx1"/>
+                      </a:solidFill>
+                      <a:prstDash val="solid"/>
+                      <a:round/>
+                      <a:headEnd type="none" w="med" len="med"/>
+                      <a:tailEnd type="none" w="med" len="med"/>
+                    </a:lnB>
+                    <a:solidFill>
+                      <a:schemeClr val="bg1"/>
+                    </a:solidFill>
+                  </a:tcPr>
+                </a:tc>
+                <a:tc>
+                  <a:txBody>
+                    <a:bodyPr/>
+                    <a:lstStyle/>
+                    <a:p>
+                      <a:r>
+                        <a:rPr lang="en-US" dirty="0"/>
+                        <a:t>0.8807</a:t>
+                      </a:r>
+                    </a:p>
+                    <a:p>
+                      <a:r>
+                        <a:rPr lang="en-US" dirty="0"/>
+                        <a:t>0</a:t>
+                      </a:r>
+                    </a:p>
+                  </a:txBody>
+                  <a:tcPr>
+                    <a:lnL w="12700" cap="flat" cmpd="sng" algn="ctr">
+                      <a:solidFill>
+                        <a:schemeClr val="tx1"/>
+                      </a:solidFill>
+                      <a:prstDash val="solid"/>
+                      <a:round/>
+                      <a:headEnd type="none" w="med" len="med"/>
+                      <a:tailEnd type="none" w="med" len="med"/>
+                    </a:lnL>
+                    <a:lnR w="12700" cap="flat" cmpd="sng" algn="ctr">
+                      <a:solidFill>
+                        <a:schemeClr val="tx1"/>
+                      </a:solidFill>
+                      <a:prstDash val="solid"/>
+                      <a:round/>
+                      <a:headEnd type="none" w="med" len="med"/>
+                      <a:tailEnd type="none" w="med" len="med"/>
+                    </a:lnR>
+                    <a:lnT w="12700" cap="flat" cmpd="sng" algn="ctr">
+                      <a:solidFill>
+                        <a:schemeClr val="tx1"/>
+                      </a:solidFill>
+                      <a:prstDash val="solid"/>
+                      <a:round/>
+                      <a:headEnd type="none" w="med" len="med"/>
+                      <a:tailEnd type="none" w="med" len="med"/>
+                    </a:lnT>
+                    <a:lnB w="12700" cap="flat" cmpd="sng" algn="ctr">
+                      <a:solidFill>
+                        <a:schemeClr val="tx1"/>
+                      </a:solidFill>
+                      <a:prstDash val="solid"/>
+                      <a:round/>
+                      <a:headEnd type="none" w="med" len="med"/>
+                      <a:tailEnd type="none" w="med" len="med"/>
+                    </a:lnB>
+                    <a:solidFill>
+                      <a:schemeClr val="bg1"/>
+                    </a:solidFill>
+                  </a:tcPr>
+                </a:tc>
+                <a:tc>
+                  <a:txBody>
+                    <a:bodyPr/>
+                    <a:lstStyle/>
+                    <a:p>
+                      <a:r>
+                        <a:rPr lang="en-US" dirty="0"/>
+                        <a:t>0.9322</a:t>
+                      </a:r>
+                    </a:p>
+                    <a:p>
+                      <a:r>
+                        <a:rPr lang="en-US" dirty="0"/>
+                        <a:t>3</a:t>
+                      </a:r>
+                    </a:p>
+                  </a:txBody>
+                  <a:tcPr>
+                    <a:lnL w="12700" cap="flat" cmpd="sng" algn="ctr">
+                      <a:solidFill>
+                        <a:schemeClr val="tx1"/>
+                      </a:solidFill>
+                      <a:prstDash val="solid"/>
+                      <a:round/>
+                      <a:headEnd type="none" w="med" len="med"/>
+                      <a:tailEnd type="none" w="med" len="med"/>
+                    </a:lnL>
+                    <a:lnR w="12700" cap="flat" cmpd="sng" algn="ctr">
+                      <a:solidFill>
+                        <a:schemeClr val="tx1"/>
+                      </a:solidFill>
+                      <a:prstDash val="solid"/>
+                      <a:round/>
+                      <a:headEnd type="none" w="med" len="med"/>
+                      <a:tailEnd type="none" w="med" len="med"/>
+                    </a:lnR>
+                    <a:lnT w="12700" cap="flat" cmpd="sng" algn="ctr">
+                      <a:solidFill>
+                        <a:schemeClr val="tx1"/>
+                      </a:solidFill>
+                      <a:prstDash val="solid"/>
+                      <a:round/>
+                      <a:headEnd type="none" w="med" len="med"/>
+                      <a:tailEnd type="none" w="med" len="med"/>
+                    </a:lnT>
+                    <a:lnB w="12700" cap="flat" cmpd="sng" algn="ctr">
+                      <a:solidFill>
+                        <a:schemeClr val="tx1"/>
+                      </a:solidFill>
+                      <a:prstDash val="solid"/>
+                      <a:round/>
+                      <a:headEnd type="none" w="med" len="med"/>
+                      <a:tailEnd type="none" w="med" len="med"/>
+                    </a:lnB>
+                    <a:solidFill>
+                      <a:schemeClr val="bg1"/>
+                    </a:solidFill>
+                  </a:tcPr>
+                </a:tc>
+                <a:extLst>
+                  <a:ext uri="{0D108BD9-81ED-4DB2-BD59-A6C34878D82A}">
+                    <a16:rowId xmlns:a16="http://schemas.microsoft.com/office/drawing/2014/main" val="3321693724"/>
+                  </a:ext>
+                </a:extLst>
+              </a:tr>
+            </a:tbl>
+          </a:graphicData>
+        </a:graphic>
+      </p:graphicFrame>
+      <p:sp>
+        <p:nvSpPr>
+          <p:cNvPr id="8" name="Star: 5 Points 7">
+            <a:extLst>
+              <a:ext uri="{FF2B5EF4-FFF2-40B4-BE49-F238E27FC236}">
+                <a16:creationId xmlns:a16="http://schemas.microsoft.com/office/drawing/2014/main" id="{F9057DDE-AD14-4C1C-9053-755D9A7F2808}"/>
+              </a:ext>
+            </a:extLst>
+          </p:cNvPr>
+          <p:cNvSpPr/>
+          <p:nvPr/>
+        </p:nvSpPr>
+        <p:spPr>
+          <a:xfrm>
+            <a:off x="7110404" y="4476336"/>
+            <a:ext cx="569167" cy="522515"/>
+          </a:xfrm>
+          <a:prstGeom prst="star5">
+            <a:avLst/>
+          </a:prstGeom>
+          <a:solidFill>
+            <a:srgbClr val="00B050"/>
+          </a:solidFill>
+        </p:spPr>
+        <p:style>
+          <a:lnRef idx="2">
+            <a:schemeClr val="accent1">
+              <a:shade val="50000"/>
+            </a:schemeClr>
+          </a:lnRef>
+          <a:fillRef idx="1">
+            <a:schemeClr val="accent1"/>
+          </a:fillRef>
+          <a:effectRef idx="0">
+            <a:schemeClr val="accent1"/>
+          </a:effectRef>
+          <a:fontRef idx="minor">
+            <a:schemeClr val="lt1"/>
+          </a:fontRef>
+        </p:style>
+        <p:txBody>
+          <a:bodyPr rtlCol="0" anchor="ctr"/>
+          <a:lstStyle/>
+          <a:p>
+            <a:pPr algn="ctr"/>
+            <a:endParaRPr lang="en-US"/>
+          </a:p>
+        </p:txBody>
+      </p:sp>
+      <p:sp>
+        <p:nvSpPr>
+          <p:cNvPr id="2" name="文本框 1">
+            <a:extLst>
+              <a:ext uri="{FF2B5EF4-FFF2-40B4-BE49-F238E27FC236}">
+                <a16:creationId xmlns:a16="http://schemas.microsoft.com/office/drawing/2014/main" id="{6A503958-482F-5B76-1872-FFE72BF027C8}"/>
+              </a:ext>
+            </a:extLst>
+          </p:cNvPr>
+          <p:cNvSpPr txBox="1"/>
+          <p:nvPr/>
+        </p:nvSpPr>
+        <p:spPr>
+          <a:xfrm>
+            <a:off x="8897815" y="614360"/>
+            <a:ext cx="2239108" cy="1200329"/>
+          </a:xfrm>
+          <a:prstGeom prst="rect">
+            <a:avLst/>
+          </a:prstGeom>
+          <a:noFill/>
+        </p:spPr>
+        <p:txBody>
+          <a:bodyPr wrap="square" rtlCol="0">
+            <a:spAutoFit/>
+          </a:bodyPr>
+          <a:lstStyle/>
+          <a:p>
+            <a:r>
+              <a:rPr lang="en-US" altLang="zh-CN" dirty="0"/>
+              <a:t>E: 0</a:t>
+            </a:r>
+          </a:p>
+          <a:p>
+            <a:r>
+              <a:rPr lang="en-US" altLang="zh-CN" dirty="0"/>
+              <a:t>W: 1</a:t>
+            </a:r>
+          </a:p>
+          <a:p>
+            <a:r>
+              <a:rPr lang="en-US" altLang="zh-CN" dirty="0"/>
+              <a:t>S: 2</a:t>
+            </a:r>
+          </a:p>
+          <a:p>
+            <a:r>
+              <a:rPr lang="en-US" altLang="zh-CN" dirty="0"/>
+              <a:t>N: 3</a:t>
+            </a:r>
+            <a:endParaRPr lang="zh-CN" altLang="en-US" dirty="0"/>
+          </a:p>
+        </p:txBody>
+      </p:sp>
+      <p:sp>
+        <p:nvSpPr>
+          <p:cNvPr id="3" name="文本框 2">
+            <a:extLst>
+              <a:ext uri="{FF2B5EF4-FFF2-40B4-BE49-F238E27FC236}">
+                <a16:creationId xmlns:a16="http://schemas.microsoft.com/office/drawing/2014/main" id="{523D390D-3A70-C4E8-B261-1FFF57E9D7DE}"/>
+              </a:ext>
+            </a:extLst>
+          </p:cNvPr>
+          <p:cNvSpPr txBox="1"/>
+          <p:nvPr/>
+        </p:nvSpPr>
+        <p:spPr>
+          <a:xfrm>
+            <a:off x="2389554" y="6393416"/>
+            <a:ext cx="5317531" cy="369332"/>
+          </a:xfrm>
+          <a:prstGeom prst="rect">
+            <a:avLst/>
+          </a:prstGeom>
+          <a:noFill/>
+        </p:spPr>
+        <p:txBody>
+          <a:bodyPr wrap="square" rtlCol="0">
+            <a:spAutoFit/>
+          </a:bodyPr>
+          <a:lstStyle/>
+          <a:p>
+            <a:r>
+              <a:rPr lang="en-US" altLang="zh-CN" dirty="0"/>
+              <a:t>0                       1                   2                      3                      4</a:t>
+            </a:r>
+            <a:endParaRPr lang="zh-CN" altLang="en-US" dirty="0"/>
+          </a:p>
+        </p:txBody>
+      </p:sp>
+      <p:sp>
+        <p:nvSpPr>
+          <p:cNvPr id="9" name="文本框 8">
+            <a:extLst>
+              <a:ext uri="{FF2B5EF4-FFF2-40B4-BE49-F238E27FC236}">
+                <a16:creationId xmlns:a16="http://schemas.microsoft.com/office/drawing/2014/main" id="{C3365D82-8A60-5349-4EE7-DBF4C0A75D3D}"/>
+              </a:ext>
+            </a:extLst>
+          </p:cNvPr>
+          <p:cNvSpPr txBox="1"/>
+          <p:nvPr/>
+        </p:nvSpPr>
+        <p:spPr>
+          <a:xfrm>
+            <a:off x="1611980" y="728483"/>
+            <a:ext cx="327969" cy="5078313"/>
+          </a:xfrm>
+          <a:prstGeom prst="rect">
+            <a:avLst/>
+          </a:prstGeom>
+          <a:noFill/>
+        </p:spPr>
+        <p:txBody>
+          <a:bodyPr wrap="square" rtlCol="0">
+            <a:spAutoFit/>
+          </a:bodyPr>
+          <a:lstStyle/>
+          <a:p>
+            <a:r>
+              <a:rPr lang="en-US" altLang="zh-CN" dirty="0"/>
+              <a:t>4</a:t>
+            </a:r>
+          </a:p>
+          <a:p>
+            <a:endParaRPr lang="en-US" altLang="zh-CN" dirty="0"/>
+          </a:p>
+          <a:p>
+            <a:endParaRPr lang="en-US" altLang="zh-CN" dirty="0"/>
+          </a:p>
+          <a:p>
+            <a:endParaRPr lang="en-US" altLang="zh-CN" dirty="0"/>
+          </a:p>
+          <a:p>
+            <a:r>
+              <a:rPr lang="en-US" altLang="zh-CN" dirty="0"/>
+              <a:t>3</a:t>
+            </a:r>
+          </a:p>
+          <a:p>
+            <a:endParaRPr lang="en-US" altLang="zh-CN" dirty="0"/>
+          </a:p>
+          <a:p>
+            <a:endParaRPr lang="en-US" altLang="zh-CN" dirty="0"/>
+          </a:p>
+          <a:p>
+            <a:endParaRPr lang="en-US" altLang="zh-CN" dirty="0"/>
+          </a:p>
+          <a:p>
+            <a:endParaRPr lang="en-US" altLang="zh-CN" dirty="0"/>
+          </a:p>
+          <a:p>
+            <a:r>
+              <a:rPr lang="en-US" altLang="zh-CN" dirty="0"/>
+              <a:t>2</a:t>
+            </a:r>
+          </a:p>
+          <a:p>
+            <a:endParaRPr lang="en-US" altLang="zh-CN" dirty="0"/>
+          </a:p>
+          <a:p>
+            <a:endParaRPr lang="en-US" altLang="zh-CN" dirty="0"/>
+          </a:p>
+          <a:p>
+            <a:endParaRPr lang="en-US" altLang="zh-CN" dirty="0"/>
+          </a:p>
+          <a:p>
+            <a:r>
+              <a:rPr lang="en-US" altLang="zh-CN" dirty="0"/>
+              <a:t>1</a:t>
+            </a:r>
+          </a:p>
+          <a:p>
+            <a:endParaRPr lang="en-US" altLang="zh-CN" dirty="0"/>
+          </a:p>
+          <a:p>
+            <a:endParaRPr lang="en-US" altLang="zh-CN" dirty="0"/>
+          </a:p>
+          <a:p>
+            <a:endParaRPr lang="en-US" altLang="zh-CN" dirty="0"/>
+          </a:p>
+          <a:p>
+            <a:r>
+              <a:rPr lang="en-US" altLang="zh-CN" dirty="0"/>
+              <a:t>0</a:t>
+            </a:r>
+          </a:p>
+        </p:txBody>
+      </p:sp>
+    </p:spTree>
+    <p:extLst>
+      <p:ext uri="{BB962C8B-B14F-4D97-AF65-F5344CB8AC3E}">
+        <p14:creationId xmlns:p14="http://schemas.microsoft.com/office/powerpoint/2010/main" val="1843829400"/>
+      </p:ext>
+    </p:extLst>
+  </p:cSld>
+  <p:clrMapOvr>
+    <a:masterClrMapping/>
+  </p:clrMapOvr>
+</p:sld>
+</file>
+
 <file path=ppt/theme/theme1.xml><?xml version="1.0" encoding="utf-8"?>
 <a:theme xmlns:a="http://schemas.openxmlformats.org/drawingml/2006/main" name="Office Theme">
   <a:themeElements>

--- a/Presentation1.pptx
+++ b/Presentation1.pptx
@@ -6,8 +6,9 @@
   </p:sldMasterIdLst>
   <p:sldIdLst>
     <p:sldId id="256" r:id="rId2"/>
-    <p:sldId id="258" r:id="rId3"/>
-    <p:sldId id="259" r:id="rId4"/>
+    <p:sldId id="260" r:id="rId3"/>
+    <p:sldId id="258" r:id="rId4"/>
+    <p:sldId id="259" r:id="rId5"/>
   </p:sldIdLst>
   <p:sldSz cx="12192000" cy="6858000"/>
   <p:notesSz cx="6858000" cy="9144000"/>
@@ -290,7 +291,7 @@
           <a:p>
             <a:fld id="{C1267A05-D67B-4E4C-868C-590CB66AEB3E}" type="datetimeFigureOut">
               <a:rPr lang="en-US" smtClean="0"/>
-              <a:t>2/15/2023</a:t>
+              <a:t>2/21/2023</a:t>
             </a:fld>
             <a:endParaRPr lang="en-US"/>
           </a:p>
@@ -488,7 +489,7 @@
           <a:p>
             <a:fld id="{C1267A05-D67B-4E4C-868C-590CB66AEB3E}" type="datetimeFigureOut">
               <a:rPr lang="en-US" smtClean="0"/>
-              <a:t>2/15/2023</a:t>
+              <a:t>2/21/2023</a:t>
             </a:fld>
             <a:endParaRPr lang="en-US"/>
           </a:p>
@@ -696,7 +697,7 @@
           <a:p>
             <a:fld id="{C1267A05-D67B-4E4C-868C-590CB66AEB3E}" type="datetimeFigureOut">
               <a:rPr lang="en-US" smtClean="0"/>
-              <a:t>2/15/2023</a:t>
+              <a:t>2/21/2023</a:t>
             </a:fld>
             <a:endParaRPr lang="en-US"/>
           </a:p>
@@ -894,7 +895,7 @@
           <a:p>
             <a:fld id="{C1267A05-D67B-4E4C-868C-590CB66AEB3E}" type="datetimeFigureOut">
               <a:rPr lang="en-US" smtClean="0"/>
-              <a:t>2/15/2023</a:t>
+              <a:t>2/21/2023</a:t>
             </a:fld>
             <a:endParaRPr lang="en-US"/>
           </a:p>
@@ -1169,7 +1170,7 @@
           <a:p>
             <a:fld id="{C1267A05-D67B-4E4C-868C-590CB66AEB3E}" type="datetimeFigureOut">
               <a:rPr lang="en-US" smtClean="0"/>
-              <a:t>2/15/2023</a:t>
+              <a:t>2/21/2023</a:t>
             </a:fld>
             <a:endParaRPr lang="en-US"/>
           </a:p>
@@ -1434,7 +1435,7 @@
           <a:p>
             <a:fld id="{C1267A05-D67B-4E4C-868C-590CB66AEB3E}" type="datetimeFigureOut">
               <a:rPr lang="en-US" smtClean="0"/>
-              <a:t>2/15/2023</a:t>
+              <a:t>2/21/2023</a:t>
             </a:fld>
             <a:endParaRPr lang="en-US"/>
           </a:p>
@@ -1846,7 +1847,7 @@
           <a:p>
             <a:fld id="{C1267A05-D67B-4E4C-868C-590CB66AEB3E}" type="datetimeFigureOut">
               <a:rPr lang="en-US" smtClean="0"/>
-              <a:t>2/15/2023</a:t>
+              <a:t>2/21/2023</a:t>
             </a:fld>
             <a:endParaRPr lang="en-US"/>
           </a:p>
@@ -1987,7 +1988,7 @@
           <a:p>
             <a:fld id="{C1267A05-D67B-4E4C-868C-590CB66AEB3E}" type="datetimeFigureOut">
               <a:rPr lang="en-US" smtClean="0"/>
-              <a:t>2/15/2023</a:t>
+              <a:t>2/21/2023</a:t>
             </a:fld>
             <a:endParaRPr lang="en-US"/>
           </a:p>
@@ -2100,7 +2101,7 @@
           <a:p>
             <a:fld id="{C1267A05-D67B-4E4C-868C-590CB66AEB3E}" type="datetimeFigureOut">
               <a:rPr lang="en-US" smtClean="0"/>
-              <a:t>2/15/2023</a:t>
+              <a:t>2/21/2023</a:t>
             </a:fld>
             <a:endParaRPr lang="en-US"/>
           </a:p>
@@ -2411,7 +2412,7 @@
           <a:p>
             <a:fld id="{C1267A05-D67B-4E4C-868C-590CB66AEB3E}" type="datetimeFigureOut">
               <a:rPr lang="en-US" smtClean="0"/>
-              <a:t>2/15/2023</a:t>
+              <a:t>2/21/2023</a:t>
             </a:fld>
             <a:endParaRPr lang="en-US"/>
           </a:p>
@@ -2699,7 +2700,7 @@
           <a:p>
             <a:fld id="{C1267A05-D67B-4E4C-868C-590CB66AEB3E}" type="datetimeFigureOut">
               <a:rPr lang="en-US" smtClean="0"/>
-              <a:t>2/15/2023</a:t>
+              <a:t>2/21/2023</a:t>
             </a:fld>
             <a:endParaRPr lang="en-US"/>
           </a:p>
@@ -2940,7 +2941,7 @@
           <a:p>
             <a:fld id="{C1267A05-D67B-4E4C-868C-590CB66AEB3E}" type="datetimeFigureOut">
               <a:rPr lang="en-US" smtClean="0"/>
-              <a:t>2/15/2023</a:t>
+              <a:t>2/21/2023</a:t>
             </a:fld>
             <a:endParaRPr lang="en-US"/>
           </a:p>
@@ -3372,7 +3373,7 @@
           <p:nvPr>
             <p:extLst>
               <p:ext uri="{D42A27DB-BD31-4B8C-83A1-F6EECF244321}">
-                <p14:modId xmlns:p14="http://schemas.microsoft.com/office/powerpoint/2010/main" val="2926843023"/>
+                <p14:modId xmlns:p14="http://schemas.microsoft.com/office/powerpoint/2010/main" val="1690484712"/>
               </p:ext>
             </p:extLst>
           </p:nvPr>
@@ -4311,14 +4312,11 @@
                         <a:tabLst/>
                         <a:defRPr/>
                       </a:pPr>
-                      <a:r>
-                        <a:rPr lang="en-US" altLang="zh-CN" dirty="0">
-                          <a:solidFill>
-                            <a:schemeClr val="tx1"/>
-                          </a:solidFill>
-                        </a:rPr>
-                        <a:t>Both case place sensor here</a:t>
-                      </a:r>
+                      <a:endParaRPr lang="en-US" altLang="zh-CN" dirty="0">
+                        <a:solidFill>
+                          <a:schemeClr val="tx1"/>
+                        </a:solidFill>
+                      </a:endParaRPr>
                     </a:p>
                   </a:txBody>
                   <a:tcPr>
@@ -5148,13 +5146,7 @@
           <p:cNvGraphicFramePr>
             <a:graphicFrameLocks noGrp="1"/>
           </p:cNvGraphicFramePr>
-          <p:nvPr>
-            <p:extLst>
-              <p:ext uri="{D42A27DB-BD31-4B8C-83A1-F6EECF244321}">
-                <p14:modId xmlns:p14="http://schemas.microsoft.com/office/powerpoint/2010/main" val="2575261312"/>
-              </p:ext>
-            </p:extLst>
-          </p:nvPr>
+          <p:nvPr/>
         </p:nvGraphicFramePr>
         <p:xfrm>
           <a:off x="2032000" y="279918"/>
@@ -5309,14 +5301,6 @@
                     <a:bodyPr/>
                     <a:lstStyle/>
                     <a:p>
-                      <a:r>
-                        <a:rPr lang="en-US" altLang="zh-CN" b="0">
-                          <a:solidFill>
-                            <a:srgbClr val="0070C0"/>
-                          </a:solidFill>
-                        </a:rPr>
-                        <a:t>Sensor</a:t>
-                      </a:r>
                       <a:endParaRPr lang="en-US" b="0" dirty="0">
                         <a:solidFill>
                           <a:schemeClr val="accent1"/>
@@ -5797,14 +5781,11 @@
                     <a:bodyPr/>
                     <a:lstStyle/>
                     <a:p>
-                      <a:r>
-                        <a:rPr lang="en-US" dirty="0">
-                          <a:solidFill>
-                            <a:srgbClr val="FF0000"/>
-                          </a:solidFill>
-                        </a:rPr>
-                        <a:t>Sensor</a:t>
-                      </a:r>
+                      <a:endParaRPr lang="en-US" dirty="0">
+                        <a:solidFill>
+                          <a:schemeClr val="tx1"/>
+                        </a:solidFill>
+                      </a:endParaRPr>
                     </a:p>
                   </a:txBody>
                   <a:tcPr>
@@ -6084,33 +6065,30 @@
                     <a:bodyPr/>
                     <a:lstStyle/>
                     <a:p>
+                      <a:pPr marL="0" marR="0" lvl="0" indent="0" algn="l" defTabSz="914400" rtl="0" eaLnBrk="1" fontAlgn="auto" latinLnBrk="0" hangingPunct="1">
+                        <a:lnSpc>
+                          <a:spcPct val="100000"/>
+                        </a:lnSpc>
+                        <a:spcBef>
+                          <a:spcPts val="0"/>
+                        </a:spcBef>
+                        <a:spcAft>
+                          <a:spcPts val="0"/>
+                        </a:spcAft>
+                        <a:buClrTx/>
+                        <a:buSzTx/>
+                        <a:buFontTx/>
+                        <a:buNone/>
+                        <a:tabLst/>
+                        <a:defRPr/>
+                      </a:pPr>
                       <a:r>
                         <a:rPr lang="en-US" altLang="zh-CN" dirty="0">
                           <a:solidFill>
-                            <a:srgbClr val="00B050"/>
+                            <a:schemeClr val="tx1"/>
                           </a:solidFill>
                         </a:rPr>
-                        <a:t>Sensor</a:t>
-                      </a:r>
-                    </a:p>
-                    <a:p>
-                      <a:r>
-                        <a:rPr lang="en-US" altLang="zh-CN" dirty="0">
-                          <a:solidFill>
-                            <a:srgbClr val="0070C0"/>
-                          </a:solidFill>
-                        </a:rPr>
-                        <a:t>Sensor</a:t>
-                      </a:r>
-                    </a:p>
-                    <a:p>
-                      <a:r>
-                        <a:rPr lang="en-US" altLang="zh-CN" dirty="0">
-                          <a:solidFill>
-                            <a:srgbClr val="FF0000"/>
-                          </a:solidFill>
-                        </a:rPr>
-                        <a:t>Sensor</a:t>
+                        <a:t>Both case place sensor here</a:t>
                       </a:r>
                     </a:p>
                   </a:txBody>
@@ -6425,14 +6403,7 @@
                     <a:bodyPr/>
                     <a:lstStyle/>
                     <a:p>
-                      <a:r>
-                        <a:rPr lang="en-US" dirty="0">
-                          <a:solidFill>
-                            <a:srgbClr val="00B050"/>
-                          </a:solidFill>
-                        </a:rPr>
-                        <a:t>Sensor</a:t>
-                      </a:r>
+                      <a:endParaRPr lang="en-US" dirty="0"/>
                     </a:p>
                   </a:txBody>
                   <a:tcPr>
@@ -6720,6 +6691,60 @@
       </p:sp>
       <p:sp>
         <p:nvSpPr>
+          <p:cNvPr id="2" name="文本框 1">
+            <a:extLst>
+              <a:ext uri="{FF2B5EF4-FFF2-40B4-BE49-F238E27FC236}">
+                <a16:creationId xmlns:a16="http://schemas.microsoft.com/office/drawing/2014/main" id="{6A503958-482F-5B76-1872-FFE72BF027C8}"/>
+              </a:ext>
+            </a:extLst>
+          </p:cNvPr>
+          <p:cNvSpPr txBox="1"/>
+          <p:nvPr/>
+        </p:nvSpPr>
+        <p:spPr>
+          <a:xfrm>
+            <a:off x="8897815" y="614360"/>
+            <a:ext cx="2239108" cy="2031325"/>
+          </a:xfrm>
+          <a:prstGeom prst="rect">
+            <a:avLst/>
+          </a:prstGeom>
+          <a:noFill/>
+        </p:spPr>
+        <p:txBody>
+          <a:bodyPr wrap="square" rtlCol="0">
+            <a:spAutoFit/>
+          </a:bodyPr>
+          <a:lstStyle/>
+          <a:p>
+            <a:r>
+              <a:rPr lang="en-US" altLang="zh-CN" dirty="0"/>
+              <a:t>1 Sensor Scenario</a:t>
+            </a:r>
+          </a:p>
+          <a:p>
+            <a:endParaRPr lang="en-US" altLang="zh-CN" dirty="0"/>
+          </a:p>
+          <a:p>
+            <a:r>
+              <a:rPr lang="en-US" altLang="zh-CN" dirty="0"/>
+              <a:t>Black cell is bouncing wall</a:t>
+            </a:r>
+          </a:p>
+          <a:p>
+            <a:endParaRPr lang="en-US" altLang="zh-CN" dirty="0"/>
+          </a:p>
+          <a:p>
+            <a:r>
+              <a:rPr lang="en-US" altLang="zh-CN" dirty="0"/>
+              <a:t>Sensors can be placed at column 1, 2, 3</a:t>
+            </a:r>
+            <a:endParaRPr lang="zh-CN" altLang="en-US" dirty="0"/>
+          </a:p>
+        </p:txBody>
+      </p:sp>
+      <p:sp>
+        <p:nvSpPr>
           <p:cNvPr id="3" name="文本框 2">
             <a:extLst>
               <a:ext uri="{FF2B5EF4-FFF2-40B4-BE49-F238E27FC236}">
@@ -6852,6 +6877,1752 @@
           </a:p>
         </p:txBody>
       </p:sp>
+    </p:spTree>
+    <p:extLst>
+      <p:ext uri="{BB962C8B-B14F-4D97-AF65-F5344CB8AC3E}">
+        <p14:creationId xmlns:p14="http://schemas.microsoft.com/office/powerpoint/2010/main" val="2754884846"/>
+      </p:ext>
+    </p:extLst>
+  </p:cSld>
+  <p:clrMapOvr>
+    <a:masterClrMapping/>
+  </p:clrMapOvr>
+</p:sld>
+</file>
+
+<file path=ppt/slides/slide3.xml><?xml version="1.0" encoding="utf-8"?>
+<p:sld xmlns:a="http://schemas.openxmlformats.org/drawingml/2006/main" xmlns:r="http://schemas.openxmlformats.org/officeDocument/2006/relationships" xmlns:p="http://schemas.openxmlformats.org/presentationml/2006/main">
+  <p:cSld>
+    <p:spTree>
+      <p:nvGrpSpPr>
+        <p:cNvPr id="1" name=""/>
+        <p:cNvGrpSpPr/>
+        <p:nvPr/>
+      </p:nvGrpSpPr>
+      <p:grpSpPr>
+        <a:xfrm>
+          <a:off x="0" y="0"/>
+          <a:ext cx="0" cy="0"/>
+          <a:chOff x="0" y="0"/>
+          <a:chExt cx="0" cy="0"/>
+        </a:xfrm>
+      </p:grpSpPr>
+      <p:graphicFrame>
+        <p:nvGraphicFramePr>
+          <p:cNvPr id="4" name="Table 4">
+            <a:extLst>
+              <a:ext uri="{FF2B5EF4-FFF2-40B4-BE49-F238E27FC236}">
+                <a16:creationId xmlns:a16="http://schemas.microsoft.com/office/drawing/2014/main" id="{CAF61706-B39E-4F96-907D-5F2BFB5F45BC}"/>
+              </a:ext>
+            </a:extLst>
+          </p:cNvPr>
+          <p:cNvGraphicFramePr>
+            <a:graphicFrameLocks noGrp="1"/>
+          </p:cNvGraphicFramePr>
+          <p:nvPr>
+            <p:extLst>
+              <p:ext uri="{D42A27DB-BD31-4B8C-83A1-F6EECF244321}">
+                <p14:modId xmlns:p14="http://schemas.microsoft.com/office/powerpoint/2010/main" val="2575261312"/>
+              </p:ext>
+            </p:extLst>
+          </p:nvPr>
+        </p:nvGraphicFramePr>
+        <p:xfrm>
+          <a:off x="2032000" y="279918"/>
+          <a:ext cx="5992325" cy="5975445"/>
+        </p:xfrm>
+        <a:graphic>
+          <a:graphicData uri="http://schemas.openxmlformats.org/drawingml/2006/table">
+            <a:tbl>
+              <a:tblPr firstRow="1" bandRow="1">
+                <a:tableStyleId>{5C22544A-7EE6-4342-B048-85BDC9FD1C3A}</a:tableStyleId>
+              </a:tblPr>
+              <a:tblGrid>
+                <a:gridCol w="1198465">
+                  <a:extLst>
+                    <a:ext uri="{9D8B030D-6E8A-4147-A177-3AD203B41FA5}">
+                      <a16:colId xmlns:a16="http://schemas.microsoft.com/office/drawing/2014/main" val="1381510825"/>
+                    </a:ext>
+                  </a:extLst>
+                </a:gridCol>
+                <a:gridCol w="1198465">
+                  <a:extLst>
+                    <a:ext uri="{9D8B030D-6E8A-4147-A177-3AD203B41FA5}">
+                      <a16:colId xmlns:a16="http://schemas.microsoft.com/office/drawing/2014/main" val="3241223700"/>
+                    </a:ext>
+                  </a:extLst>
+                </a:gridCol>
+                <a:gridCol w="1198465">
+                  <a:extLst>
+                    <a:ext uri="{9D8B030D-6E8A-4147-A177-3AD203B41FA5}">
+                      <a16:colId xmlns:a16="http://schemas.microsoft.com/office/drawing/2014/main" val="2944761642"/>
+                    </a:ext>
+                  </a:extLst>
+                </a:gridCol>
+                <a:gridCol w="1198465">
+                  <a:extLst>
+                    <a:ext uri="{9D8B030D-6E8A-4147-A177-3AD203B41FA5}">
+                      <a16:colId xmlns:a16="http://schemas.microsoft.com/office/drawing/2014/main" val="494141684"/>
+                    </a:ext>
+                  </a:extLst>
+                </a:gridCol>
+                <a:gridCol w="1198465">
+                  <a:extLst>
+                    <a:ext uri="{9D8B030D-6E8A-4147-A177-3AD203B41FA5}">
+                      <a16:colId xmlns:a16="http://schemas.microsoft.com/office/drawing/2014/main" val="3566427531"/>
+                    </a:ext>
+                  </a:extLst>
+                </a:gridCol>
+              </a:tblGrid>
+              <a:tr h="1195089">
+                <a:tc>
+                  <a:txBody>
+                    <a:bodyPr/>
+                    <a:lstStyle/>
+                    <a:p>
+                      <a:endParaRPr lang="en-US" dirty="0"/>
+                    </a:p>
+                  </a:txBody>
+                  <a:tcPr>
+                    <a:lnL w="12700" cap="flat" cmpd="sng" algn="ctr">
+                      <a:solidFill>
+                        <a:schemeClr val="tx1"/>
+                      </a:solidFill>
+                      <a:prstDash val="solid"/>
+                      <a:round/>
+                      <a:headEnd type="none" w="med" len="med"/>
+                      <a:tailEnd type="none" w="med" len="med"/>
+                    </a:lnL>
+                    <a:lnR w="12700" cap="flat" cmpd="sng" algn="ctr">
+                      <a:solidFill>
+                        <a:schemeClr val="tx1"/>
+                      </a:solidFill>
+                      <a:prstDash val="solid"/>
+                      <a:round/>
+                      <a:headEnd type="none" w="med" len="med"/>
+                      <a:tailEnd type="none" w="med" len="med"/>
+                    </a:lnR>
+                    <a:lnT w="12700" cap="flat" cmpd="sng" algn="ctr">
+                      <a:solidFill>
+                        <a:schemeClr val="tx1"/>
+                      </a:solidFill>
+                      <a:prstDash val="solid"/>
+                      <a:round/>
+                      <a:headEnd type="none" w="med" len="med"/>
+                      <a:tailEnd type="none" w="med" len="med"/>
+                    </a:lnT>
+                    <a:lnB w="12700" cap="flat" cmpd="sng" algn="ctr">
+                      <a:solidFill>
+                        <a:schemeClr val="tx1"/>
+                      </a:solidFill>
+                      <a:prstDash val="solid"/>
+                      <a:round/>
+                      <a:headEnd type="none" w="med" len="med"/>
+                      <a:tailEnd type="none" w="med" len="med"/>
+                    </a:lnB>
+                    <a:solidFill>
+                      <a:schemeClr val="bg1"/>
+                    </a:solidFill>
+                  </a:tcPr>
+                </a:tc>
+                <a:tc>
+                  <a:txBody>
+                    <a:bodyPr/>
+                    <a:lstStyle/>
+                    <a:p>
+                      <a:endParaRPr lang="en-US" dirty="0"/>
+                    </a:p>
+                  </a:txBody>
+                  <a:tcPr>
+                    <a:lnL w="12700" cap="flat" cmpd="sng" algn="ctr">
+                      <a:solidFill>
+                        <a:schemeClr val="tx1"/>
+                      </a:solidFill>
+                      <a:prstDash val="solid"/>
+                      <a:round/>
+                      <a:headEnd type="none" w="med" len="med"/>
+                      <a:tailEnd type="none" w="med" len="med"/>
+                    </a:lnL>
+                    <a:lnR w="12700" cap="flat" cmpd="sng" algn="ctr">
+                      <a:solidFill>
+                        <a:schemeClr val="tx1"/>
+                      </a:solidFill>
+                      <a:prstDash val="solid"/>
+                      <a:round/>
+                      <a:headEnd type="none" w="med" len="med"/>
+                      <a:tailEnd type="none" w="med" len="med"/>
+                    </a:lnR>
+                    <a:lnT w="12700" cap="flat" cmpd="sng" algn="ctr">
+                      <a:solidFill>
+                        <a:schemeClr val="tx1"/>
+                      </a:solidFill>
+                      <a:prstDash val="solid"/>
+                      <a:round/>
+                      <a:headEnd type="none" w="med" len="med"/>
+                      <a:tailEnd type="none" w="med" len="med"/>
+                    </a:lnT>
+                    <a:lnB w="12700" cap="flat" cmpd="sng" algn="ctr">
+                      <a:solidFill>
+                        <a:schemeClr val="tx1"/>
+                      </a:solidFill>
+                      <a:prstDash val="solid"/>
+                      <a:round/>
+                      <a:headEnd type="none" w="med" len="med"/>
+                      <a:tailEnd type="none" w="med" len="med"/>
+                    </a:lnB>
+                    <a:solidFill>
+                      <a:schemeClr val="bg1"/>
+                    </a:solidFill>
+                  </a:tcPr>
+                </a:tc>
+                <a:tc>
+                  <a:txBody>
+                    <a:bodyPr/>
+                    <a:lstStyle/>
+                    <a:p>
+                      <a:r>
+                        <a:rPr lang="en-US" altLang="zh-CN" b="0">
+                          <a:solidFill>
+                            <a:srgbClr val="0070C0"/>
+                          </a:solidFill>
+                        </a:rPr>
+                        <a:t>Sensor</a:t>
+                      </a:r>
+                      <a:endParaRPr lang="en-US" b="0" dirty="0">
+                        <a:solidFill>
+                          <a:schemeClr val="accent1"/>
+                        </a:solidFill>
+                      </a:endParaRPr>
+                    </a:p>
+                  </a:txBody>
+                  <a:tcPr>
+                    <a:lnL w="12700" cap="flat" cmpd="sng" algn="ctr">
+                      <a:solidFill>
+                        <a:schemeClr val="tx1"/>
+                      </a:solidFill>
+                      <a:prstDash val="solid"/>
+                      <a:round/>
+                      <a:headEnd type="none" w="med" len="med"/>
+                      <a:tailEnd type="none" w="med" len="med"/>
+                    </a:lnL>
+                    <a:lnR w="12700" cap="flat" cmpd="sng" algn="ctr">
+                      <a:solidFill>
+                        <a:schemeClr val="tx1"/>
+                      </a:solidFill>
+                      <a:prstDash val="solid"/>
+                      <a:round/>
+                      <a:headEnd type="none" w="med" len="med"/>
+                      <a:tailEnd type="none" w="med" len="med"/>
+                    </a:lnR>
+                    <a:lnT w="12700" cap="flat" cmpd="sng" algn="ctr">
+                      <a:solidFill>
+                        <a:schemeClr val="tx1"/>
+                      </a:solidFill>
+                      <a:prstDash val="solid"/>
+                      <a:round/>
+                      <a:headEnd type="none" w="med" len="med"/>
+                      <a:tailEnd type="none" w="med" len="med"/>
+                    </a:lnT>
+                    <a:lnB w="12700" cap="flat" cmpd="sng" algn="ctr">
+                      <a:solidFill>
+                        <a:schemeClr val="tx1"/>
+                      </a:solidFill>
+                      <a:prstDash val="solid"/>
+                      <a:round/>
+                      <a:headEnd type="none" w="med" len="med"/>
+                      <a:tailEnd type="none" w="med" len="med"/>
+                    </a:lnB>
+                    <a:solidFill>
+                      <a:schemeClr val="bg1"/>
+                    </a:solidFill>
+                  </a:tcPr>
+                </a:tc>
+                <a:tc>
+                  <a:txBody>
+                    <a:bodyPr/>
+                    <a:lstStyle/>
+                    <a:p>
+                      <a:endParaRPr lang="en-US" dirty="0"/>
+                    </a:p>
+                  </a:txBody>
+                  <a:tcPr>
+                    <a:lnL w="12700" cap="flat" cmpd="sng" algn="ctr">
+                      <a:solidFill>
+                        <a:schemeClr val="tx1"/>
+                      </a:solidFill>
+                      <a:prstDash val="solid"/>
+                      <a:round/>
+                      <a:headEnd type="none" w="med" len="med"/>
+                      <a:tailEnd type="none" w="med" len="med"/>
+                    </a:lnL>
+                    <a:lnR w="12700" cap="flat" cmpd="sng" algn="ctr">
+                      <a:solidFill>
+                        <a:schemeClr val="tx1"/>
+                      </a:solidFill>
+                      <a:prstDash val="solid"/>
+                      <a:round/>
+                      <a:headEnd type="none" w="med" len="med"/>
+                      <a:tailEnd type="none" w="med" len="med"/>
+                    </a:lnR>
+                    <a:lnT w="12700" cap="flat" cmpd="sng" algn="ctr">
+                      <a:solidFill>
+                        <a:schemeClr val="tx1"/>
+                      </a:solidFill>
+                      <a:prstDash val="solid"/>
+                      <a:round/>
+                      <a:headEnd type="none" w="med" len="med"/>
+                      <a:tailEnd type="none" w="med" len="med"/>
+                    </a:lnT>
+                    <a:lnB w="12700" cap="flat" cmpd="sng" algn="ctr">
+                      <a:solidFill>
+                        <a:schemeClr val="tx1"/>
+                      </a:solidFill>
+                      <a:prstDash val="solid"/>
+                      <a:round/>
+                      <a:headEnd type="none" w="med" len="med"/>
+                      <a:tailEnd type="none" w="med" len="med"/>
+                    </a:lnB>
+                    <a:solidFill>
+                      <a:schemeClr val="bg1"/>
+                    </a:solidFill>
+                  </a:tcPr>
+                </a:tc>
+                <a:tc>
+                  <a:txBody>
+                    <a:bodyPr/>
+                    <a:lstStyle/>
+                    <a:p>
+                      <a:r>
+                        <a:rPr lang="en-US" altLang="zh-CN" b="0" dirty="0">
+                          <a:solidFill>
+                            <a:schemeClr val="tx1"/>
+                          </a:solidFill>
+                        </a:rPr>
+                        <a:t>Goal2(R =0.95)</a:t>
+                      </a:r>
+                      <a:endParaRPr lang="en-US" b="0" dirty="0"/>
+                    </a:p>
+                  </a:txBody>
+                  <a:tcPr>
+                    <a:lnL w="12700" cap="flat" cmpd="sng" algn="ctr">
+                      <a:solidFill>
+                        <a:schemeClr val="tx1"/>
+                      </a:solidFill>
+                      <a:prstDash val="solid"/>
+                      <a:round/>
+                      <a:headEnd type="none" w="med" len="med"/>
+                      <a:tailEnd type="none" w="med" len="med"/>
+                    </a:lnL>
+                    <a:lnR w="12700" cap="flat" cmpd="sng" algn="ctr">
+                      <a:solidFill>
+                        <a:schemeClr val="tx1"/>
+                      </a:solidFill>
+                      <a:prstDash val="solid"/>
+                      <a:round/>
+                      <a:headEnd type="none" w="med" len="med"/>
+                      <a:tailEnd type="none" w="med" len="med"/>
+                    </a:lnR>
+                    <a:lnT w="12700" cap="flat" cmpd="sng" algn="ctr">
+                      <a:solidFill>
+                        <a:schemeClr val="tx1"/>
+                      </a:solidFill>
+                      <a:prstDash val="solid"/>
+                      <a:round/>
+                      <a:headEnd type="none" w="med" len="med"/>
+                      <a:tailEnd type="none" w="med" len="med"/>
+                    </a:lnT>
+                    <a:lnB w="12700" cap="flat" cmpd="sng" algn="ctr">
+                      <a:solidFill>
+                        <a:schemeClr val="tx1"/>
+                      </a:solidFill>
+                      <a:prstDash val="solid"/>
+                      <a:round/>
+                      <a:headEnd type="none" w="med" len="med"/>
+                      <a:tailEnd type="none" w="med" len="med"/>
+                    </a:lnB>
+                    <a:solidFill>
+                      <a:schemeClr val="bg1"/>
+                    </a:solidFill>
+                  </a:tcPr>
+                </a:tc>
+                <a:extLst>
+                  <a:ext uri="{0D108BD9-81ED-4DB2-BD59-A6C34878D82A}">
+                    <a16:rowId xmlns:a16="http://schemas.microsoft.com/office/drawing/2014/main" val="869902944"/>
+                  </a:ext>
+                </a:extLst>
+              </a:tr>
+              <a:tr h="1195089">
+                <a:tc>
+                  <a:txBody>
+                    <a:bodyPr/>
+                    <a:lstStyle/>
+                    <a:p>
+                      <a:endParaRPr lang="en-US"/>
+                    </a:p>
+                  </a:txBody>
+                  <a:tcPr>
+                    <a:lnL w="12700" cap="flat" cmpd="sng" algn="ctr">
+                      <a:solidFill>
+                        <a:schemeClr val="tx1"/>
+                      </a:solidFill>
+                      <a:prstDash val="solid"/>
+                      <a:round/>
+                      <a:headEnd type="none" w="med" len="med"/>
+                      <a:tailEnd type="none" w="med" len="med"/>
+                    </a:lnL>
+                    <a:lnR w="12700" cap="flat" cmpd="sng" algn="ctr">
+                      <a:solidFill>
+                        <a:schemeClr val="tx1"/>
+                      </a:solidFill>
+                      <a:prstDash val="solid"/>
+                      <a:round/>
+                      <a:headEnd type="none" w="med" len="med"/>
+                      <a:tailEnd type="none" w="med" len="med"/>
+                    </a:lnR>
+                    <a:lnT w="12700" cap="flat" cmpd="sng" algn="ctr">
+                      <a:solidFill>
+                        <a:schemeClr val="tx1"/>
+                      </a:solidFill>
+                      <a:prstDash val="solid"/>
+                      <a:round/>
+                      <a:headEnd type="none" w="med" len="med"/>
+                      <a:tailEnd type="none" w="med" len="med"/>
+                    </a:lnT>
+                    <a:lnB w="12700" cap="flat" cmpd="sng" algn="ctr">
+                      <a:solidFill>
+                        <a:schemeClr val="tx1"/>
+                      </a:solidFill>
+                      <a:prstDash val="solid"/>
+                      <a:round/>
+                      <a:headEnd type="none" w="med" len="med"/>
+                      <a:tailEnd type="none" w="med" len="med"/>
+                    </a:lnB>
+                    <a:solidFill>
+                      <a:schemeClr val="bg1"/>
+                    </a:solidFill>
+                  </a:tcPr>
+                </a:tc>
+                <a:tc>
+                  <a:txBody>
+                    <a:bodyPr/>
+                    <a:lstStyle/>
+                    <a:p>
+                      <a:endParaRPr lang="en-US" dirty="0"/>
+                    </a:p>
+                  </a:txBody>
+                  <a:tcPr>
+                    <a:lnL w="12700" cap="flat" cmpd="sng" algn="ctr">
+                      <a:solidFill>
+                        <a:schemeClr val="tx1"/>
+                      </a:solidFill>
+                      <a:prstDash val="solid"/>
+                      <a:round/>
+                      <a:headEnd type="none" w="med" len="med"/>
+                      <a:tailEnd type="none" w="med" len="med"/>
+                    </a:lnL>
+                    <a:lnR w="12700" cap="flat" cmpd="sng" algn="ctr">
+                      <a:solidFill>
+                        <a:schemeClr val="tx1"/>
+                      </a:solidFill>
+                      <a:prstDash val="solid"/>
+                      <a:round/>
+                      <a:headEnd type="none" w="med" len="med"/>
+                      <a:tailEnd type="none" w="med" len="med"/>
+                    </a:lnR>
+                    <a:lnT w="12700" cap="flat" cmpd="sng" algn="ctr">
+                      <a:solidFill>
+                        <a:schemeClr val="tx1"/>
+                      </a:solidFill>
+                      <a:prstDash val="solid"/>
+                      <a:round/>
+                      <a:headEnd type="none" w="med" len="med"/>
+                      <a:tailEnd type="none" w="med" len="med"/>
+                    </a:lnT>
+                    <a:lnB w="12700" cap="flat" cmpd="sng" algn="ctr">
+                      <a:solidFill>
+                        <a:schemeClr val="tx1"/>
+                      </a:solidFill>
+                      <a:prstDash val="solid"/>
+                      <a:round/>
+                      <a:headEnd type="none" w="med" len="med"/>
+                      <a:tailEnd type="none" w="med" len="med"/>
+                    </a:lnB>
+                    <a:solidFill>
+                      <a:schemeClr val="tx1"/>
+                    </a:solidFill>
+                  </a:tcPr>
+                </a:tc>
+                <a:tc>
+                  <a:txBody>
+                    <a:bodyPr/>
+                    <a:lstStyle/>
+                    <a:p>
+                      <a:endParaRPr lang="en-US" dirty="0">
+                        <a:solidFill>
+                          <a:srgbClr val="00B050"/>
+                        </a:solidFill>
+                      </a:endParaRPr>
+                    </a:p>
+                  </a:txBody>
+                  <a:tcPr>
+                    <a:lnL w="12700" cap="flat" cmpd="sng" algn="ctr">
+                      <a:solidFill>
+                        <a:schemeClr val="tx1"/>
+                      </a:solidFill>
+                      <a:prstDash val="solid"/>
+                      <a:round/>
+                      <a:headEnd type="none" w="med" len="med"/>
+                      <a:tailEnd type="none" w="med" len="med"/>
+                    </a:lnL>
+                    <a:lnR w="12700" cap="flat" cmpd="sng" algn="ctr">
+                      <a:solidFill>
+                        <a:schemeClr val="tx1"/>
+                      </a:solidFill>
+                      <a:prstDash val="solid"/>
+                      <a:round/>
+                      <a:headEnd type="none" w="med" len="med"/>
+                      <a:tailEnd type="none" w="med" len="med"/>
+                    </a:lnR>
+                    <a:lnT w="12700" cap="flat" cmpd="sng" algn="ctr">
+                      <a:solidFill>
+                        <a:schemeClr val="tx1"/>
+                      </a:solidFill>
+                      <a:prstDash val="solid"/>
+                      <a:round/>
+                      <a:headEnd type="none" w="med" len="med"/>
+                      <a:tailEnd type="none" w="med" len="med"/>
+                    </a:lnT>
+                    <a:lnB w="12700" cap="flat" cmpd="sng" algn="ctr">
+                      <a:solidFill>
+                        <a:schemeClr val="tx1"/>
+                      </a:solidFill>
+                      <a:prstDash val="solid"/>
+                      <a:round/>
+                      <a:headEnd type="none" w="med" len="med"/>
+                      <a:tailEnd type="none" w="med" len="med"/>
+                    </a:lnB>
+                    <a:solidFill>
+                      <a:schemeClr val="bg1"/>
+                    </a:solidFill>
+                  </a:tcPr>
+                </a:tc>
+                <a:tc>
+                  <a:txBody>
+                    <a:bodyPr/>
+                    <a:lstStyle/>
+                    <a:p>
+                      <a:endParaRPr lang="en-US"/>
+                    </a:p>
+                  </a:txBody>
+                  <a:tcPr>
+                    <a:lnL w="12700" cap="flat" cmpd="sng" algn="ctr">
+                      <a:solidFill>
+                        <a:schemeClr val="tx1"/>
+                      </a:solidFill>
+                      <a:prstDash val="solid"/>
+                      <a:round/>
+                      <a:headEnd type="none" w="med" len="med"/>
+                      <a:tailEnd type="none" w="med" len="med"/>
+                    </a:lnL>
+                    <a:lnR w="12700" cap="flat" cmpd="sng" algn="ctr">
+                      <a:solidFill>
+                        <a:schemeClr val="tx1"/>
+                      </a:solidFill>
+                      <a:prstDash val="solid"/>
+                      <a:round/>
+                      <a:headEnd type="none" w="med" len="med"/>
+                      <a:tailEnd type="none" w="med" len="med"/>
+                    </a:lnR>
+                    <a:lnT w="12700" cap="flat" cmpd="sng" algn="ctr">
+                      <a:solidFill>
+                        <a:schemeClr val="tx1"/>
+                      </a:solidFill>
+                      <a:prstDash val="solid"/>
+                      <a:round/>
+                      <a:headEnd type="none" w="med" len="med"/>
+                      <a:tailEnd type="none" w="med" len="med"/>
+                    </a:lnT>
+                    <a:lnB w="12700" cap="flat" cmpd="sng" algn="ctr">
+                      <a:solidFill>
+                        <a:schemeClr val="tx1"/>
+                      </a:solidFill>
+                      <a:prstDash val="solid"/>
+                      <a:round/>
+                      <a:headEnd type="none" w="med" len="med"/>
+                      <a:tailEnd type="none" w="med" len="med"/>
+                    </a:lnB>
+                    <a:solidFill>
+                      <a:schemeClr val="bg1"/>
+                    </a:solidFill>
+                  </a:tcPr>
+                </a:tc>
+                <a:tc>
+                  <a:txBody>
+                    <a:bodyPr/>
+                    <a:lstStyle/>
+                    <a:p>
+                      <a:endParaRPr lang="en-US" dirty="0"/>
+                    </a:p>
+                  </a:txBody>
+                  <a:tcPr>
+                    <a:lnL w="12700" cap="flat" cmpd="sng" algn="ctr">
+                      <a:solidFill>
+                        <a:schemeClr val="tx1"/>
+                      </a:solidFill>
+                      <a:prstDash val="solid"/>
+                      <a:round/>
+                      <a:headEnd type="none" w="med" len="med"/>
+                      <a:tailEnd type="none" w="med" len="med"/>
+                    </a:lnL>
+                    <a:lnR w="12700" cap="flat" cmpd="sng" algn="ctr">
+                      <a:solidFill>
+                        <a:schemeClr val="tx1"/>
+                      </a:solidFill>
+                      <a:prstDash val="solid"/>
+                      <a:round/>
+                      <a:headEnd type="none" w="med" len="med"/>
+                      <a:tailEnd type="none" w="med" len="med"/>
+                    </a:lnR>
+                    <a:lnT w="12700" cap="flat" cmpd="sng" algn="ctr">
+                      <a:solidFill>
+                        <a:schemeClr val="tx1"/>
+                      </a:solidFill>
+                      <a:prstDash val="solid"/>
+                      <a:round/>
+                      <a:headEnd type="none" w="med" len="med"/>
+                      <a:tailEnd type="none" w="med" len="med"/>
+                    </a:lnT>
+                    <a:lnB w="12700" cap="flat" cmpd="sng" algn="ctr">
+                      <a:solidFill>
+                        <a:schemeClr val="tx1"/>
+                      </a:solidFill>
+                      <a:prstDash val="solid"/>
+                      <a:round/>
+                      <a:headEnd type="none" w="med" len="med"/>
+                      <a:tailEnd type="none" w="med" len="med"/>
+                    </a:lnB>
+                    <a:solidFill>
+                      <a:schemeClr val="bg1"/>
+                    </a:solidFill>
+                  </a:tcPr>
+                </a:tc>
+                <a:extLst>
+                  <a:ext uri="{0D108BD9-81ED-4DB2-BD59-A6C34878D82A}">
+                    <a16:rowId xmlns:a16="http://schemas.microsoft.com/office/drawing/2014/main" val="2888920794"/>
+                  </a:ext>
+                </a:extLst>
+              </a:tr>
+              <a:tr h="1195089">
+                <a:tc>
+                  <a:txBody>
+                    <a:bodyPr/>
+                    <a:lstStyle/>
+                    <a:p>
+                      <a:endParaRPr lang="en-US" dirty="0"/>
+                    </a:p>
+                  </a:txBody>
+                  <a:tcPr>
+                    <a:lnL w="12700" cap="flat" cmpd="sng" algn="ctr">
+                      <a:solidFill>
+                        <a:schemeClr val="tx1"/>
+                      </a:solidFill>
+                      <a:prstDash val="solid"/>
+                      <a:round/>
+                      <a:headEnd type="none" w="med" len="med"/>
+                      <a:tailEnd type="none" w="med" len="med"/>
+                    </a:lnL>
+                    <a:lnR w="12700" cap="flat" cmpd="sng" algn="ctr">
+                      <a:solidFill>
+                        <a:schemeClr val="tx1"/>
+                      </a:solidFill>
+                      <a:prstDash val="solid"/>
+                      <a:round/>
+                      <a:headEnd type="none" w="med" len="med"/>
+                      <a:tailEnd type="none" w="med" len="med"/>
+                    </a:lnR>
+                    <a:lnT w="12700" cap="flat" cmpd="sng" algn="ctr">
+                      <a:solidFill>
+                        <a:schemeClr val="tx1"/>
+                      </a:solidFill>
+                      <a:prstDash val="solid"/>
+                      <a:round/>
+                      <a:headEnd type="none" w="med" len="med"/>
+                      <a:tailEnd type="none" w="med" len="med"/>
+                    </a:lnT>
+                    <a:lnB w="12700" cap="flat" cmpd="sng" algn="ctr">
+                      <a:solidFill>
+                        <a:schemeClr val="tx1"/>
+                      </a:solidFill>
+                      <a:prstDash val="solid"/>
+                      <a:round/>
+                      <a:headEnd type="none" w="med" len="med"/>
+                      <a:tailEnd type="none" w="med" len="med"/>
+                    </a:lnB>
+                    <a:solidFill>
+                      <a:schemeClr val="bg1"/>
+                    </a:solidFill>
+                  </a:tcPr>
+                </a:tc>
+                <a:tc>
+                  <a:txBody>
+                    <a:bodyPr/>
+                    <a:lstStyle/>
+                    <a:p>
+                      <a:r>
+                        <a:rPr lang="en-US" dirty="0">
+                          <a:solidFill>
+                            <a:srgbClr val="FF0000"/>
+                          </a:solidFill>
+                        </a:rPr>
+                        <a:t>Sensor</a:t>
+                      </a:r>
+                    </a:p>
+                  </a:txBody>
+                  <a:tcPr>
+                    <a:lnL w="12700" cap="flat" cmpd="sng" algn="ctr">
+                      <a:solidFill>
+                        <a:schemeClr val="tx1"/>
+                      </a:solidFill>
+                      <a:prstDash val="solid"/>
+                      <a:round/>
+                      <a:headEnd type="none" w="med" len="med"/>
+                      <a:tailEnd type="none" w="med" len="med"/>
+                    </a:lnL>
+                    <a:lnR w="12700" cap="flat" cmpd="sng" algn="ctr">
+                      <a:solidFill>
+                        <a:schemeClr val="tx1"/>
+                      </a:solidFill>
+                      <a:prstDash val="solid"/>
+                      <a:round/>
+                      <a:headEnd type="none" w="med" len="med"/>
+                      <a:tailEnd type="none" w="med" len="med"/>
+                    </a:lnR>
+                    <a:lnT w="12700" cap="flat" cmpd="sng" algn="ctr">
+                      <a:solidFill>
+                        <a:schemeClr val="tx1"/>
+                      </a:solidFill>
+                      <a:prstDash val="solid"/>
+                      <a:round/>
+                      <a:headEnd type="none" w="med" len="med"/>
+                      <a:tailEnd type="none" w="med" len="med"/>
+                    </a:lnT>
+                    <a:lnB w="12700" cap="flat" cmpd="sng" algn="ctr">
+                      <a:solidFill>
+                        <a:schemeClr val="tx1"/>
+                      </a:solidFill>
+                      <a:prstDash val="solid"/>
+                      <a:round/>
+                      <a:headEnd type="none" w="med" len="med"/>
+                      <a:tailEnd type="none" w="med" len="med"/>
+                    </a:lnB>
+                    <a:solidFill>
+                      <a:schemeClr val="bg1"/>
+                    </a:solidFill>
+                  </a:tcPr>
+                </a:tc>
+                <a:tc>
+                  <a:txBody>
+                    <a:bodyPr/>
+                    <a:lstStyle/>
+                    <a:p>
+                      <a:endParaRPr lang="en-US" dirty="0"/>
+                    </a:p>
+                  </a:txBody>
+                  <a:tcPr>
+                    <a:lnL w="12700" cap="flat" cmpd="sng" algn="ctr">
+                      <a:solidFill>
+                        <a:schemeClr val="tx1"/>
+                      </a:solidFill>
+                      <a:prstDash val="solid"/>
+                      <a:round/>
+                      <a:headEnd type="none" w="med" len="med"/>
+                      <a:tailEnd type="none" w="med" len="med"/>
+                    </a:lnL>
+                    <a:lnR w="12700" cap="flat" cmpd="sng" algn="ctr">
+                      <a:solidFill>
+                        <a:schemeClr val="tx1"/>
+                      </a:solidFill>
+                      <a:prstDash val="solid"/>
+                      <a:round/>
+                      <a:headEnd type="none" w="med" len="med"/>
+                      <a:tailEnd type="none" w="med" len="med"/>
+                    </a:lnR>
+                    <a:lnT w="12700" cap="flat" cmpd="sng" algn="ctr">
+                      <a:solidFill>
+                        <a:schemeClr val="tx1"/>
+                      </a:solidFill>
+                      <a:prstDash val="solid"/>
+                      <a:round/>
+                      <a:headEnd type="none" w="med" len="med"/>
+                      <a:tailEnd type="none" w="med" len="med"/>
+                    </a:lnT>
+                    <a:lnB w="12700" cap="flat" cmpd="sng" algn="ctr">
+                      <a:solidFill>
+                        <a:schemeClr val="tx1"/>
+                      </a:solidFill>
+                      <a:prstDash val="solid"/>
+                      <a:round/>
+                      <a:headEnd type="none" w="med" len="med"/>
+                      <a:tailEnd type="none" w="med" len="med"/>
+                    </a:lnB>
+                    <a:solidFill>
+                      <a:schemeClr val="bg1"/>
+                    </a:solidFill>
+                  </a:tcPr>
+                </a:tc>
+                <a:tc>
+                  <a:txBody>
+                    <a:bodyPr/>
+                    <a:lstStyle/>
+                    <a:p>
+                      <a:endParaRPr lang="en-US" dirty="0"/>
+                    </a:p>
+                  </a:txBody>
+                  <a:tcPr>
+                    <a:lnL w="12700" cap="flat" cmpd="sng" algn="ctr">
+                      <a:solidFill>
+                        <a:schemeClr val="tx1"/>
+                      </a:solidFill>
+                      <a:prstDash val="solid"/>
+                      <a:round/>
+                      <a:headEnd type="none" w="med" len="med"/>
+                      <a:tailEnd type="none" w="med" len="med"/>
+                    </a:lnL>
+                    <a:lnR w="12700" cap="flat" cmpd="sng" algn="ctr">
+                      <a:solidFill>
+                        <a:schemeClr val="tx1"/>
+                      </a:solidFill>
+                      <a:prstDash val="solid"/>
+                      <a:round/>
+                      <a:headEnd type="none" w="med" len="med"/>
+                      <a:tailEnd type="none" w="med" len="med"/>
+                    </a:lnR>
+                    <a:lnT w="12700" cap="flat" cmpd="sng" algn="ctr">
+                      <a:solidFill>
+                        <a:schemeClr val="tx1"/>
+                      </a:solidFill>
+                      <a:prstDash val="solid"/>
+                      <a:round/>
+                      <a:headEnd type="none" w="med" len="med"/>
+                      <a:tailEnd type="none" w="med" len="med"/>
+                    </a:lnT>
+                    <a:lnB w="12700" cap="flat" cmpd="sng" algn="ctr">
+                      <a:solidFill>
+                        <a:schemeClr val="tx1"/>
+                      </a:solidFill>
+                      <a:prstDash val="solid"/>
+                      <a:round/>
+                      <a:headEnd type="none" w="med" len="med"/>
+                      <a:tailEnd type="none" w="med" len="med"/>
+                    </a:lnB>
+                    <a:solidFill>
+                      <a:schemeClr val="tx1"/>
+                    </a:solidFill>
+                  </a:tcPr>
+                </a:tc>
+                <a:tc>
+                  <a:txBody>
+                    <a:bodyPr/>
+                    <a:lstStyle/>
+                    <a:p>
+                      <a:endParaRPr lang="en-US" dirty="0"/>
+                    </a:p>
+                  </a:txBody>
+                  <a:tcPr>
+                    <a:lnL w="12700" cap="flat" cmpd="sng" algn="ctr">
+                      <a:solidFill>
+                        <a:schemeClr val="tx1"/>
+                      </a:solidFill>
+                      <a:prstDash val="solid"/>
+                      <a:round/>
+                      <a:headEnd type="none" w="med" len="med"/>
+                      <a:tailEnd type="none" w="med" len="med"/>
+                    </a:lnL>
+                    <a:lnR w="12700" cap="flat" cmpd="sng" algn="ctr">
+                      <a:solidFill>
+                        <a:schemeClr val="tx1"/>
+                      </a:solidFill>
+                      <a:prstDash val="solid"/>
+                      <a:round/>
+                      <a:headEnd type="none" w="med" len="med"/>
+                      <a:tailEnd type="none" w="med" len="med"/>
+                    </a:lnR>
+                    <a:lnT w="12700" cap="flat" cmpd="sng" algn="ctr">
+                      <a:solidFill>
+                        <a:schemeClr val="tx1"/>
+                      </a:solidFill>
+                      <a:prstDash val="solid"/>
+                      <a:round/>
+                      <a:headEnd type="none" w="med" len="med"/>
+                      <a:tailEnd type="none" w="med" len="med"/>
+                    </a:lnT>
+                    <a:lnB w="12700" cap="flat" cmpd="sng" algn="ctr">
+                      <a:solidFill>
+                        <a:schemeClr val="tx1"/>
+                      </a:solidFill>
+                      <a:prstDash val="solid"/>
+                      <a:round/>
+                      <a:headEnd type="none" w="med" len="med"/>
+                      <a:tailEnd type="none" w="med" len="med"/>
+                    </a:lnB>
+                    <a:solidFill>
+                      <a:schemeClr val="bg1"/>
+                    </a:solidFill>
+                  </a:tcPr>
+                </a:tc>
+                <a:extLst>
+                  <a:ext uri="{0D108BD9-81ED-4DB2-BD59-A6C34878D82A}">
+                    <a16:rowId xmlns:a16="http://schemas.microsoft.com/office/drawing/2014/main" val="4027582808"/>
+                  </a:ext>
+                </a:extLst>
+              </a:tr>
+              <a:tr h="1195089">
+                <a:tc>
+                  <a:txBody>
+                    <a:bodyPr/>
+                    <a:lstStyle/>
+                    <a:p>
+                      <a:pPr marL="0" marR="0" lvl="0" indent="0" algn="l" defTabSz="914400" rtl="0" eaLnBrk="1" fontAlgn="auto" latinLnBrk="0" hangingPunct="1">
+                        <a:lnSpc>
+                          <a:spcPct val="100000"/>
+                        </a:lnSpc>
+                        <a:spcBef>
+                          <a:spcPts val="0"/>
+                        </a:spcBef>
+                        <a:spcAft>
+                          <a:spcPts val="0"/>
+                        </a:spcAft>
+                        <a:buClrTx/>
+                        <a:buSzTx/>
+                        <a:buFontTx/>
+                        <a:buNone/>
+                        <a:tabLst/>
+                        <a:defRPr/>
+                      </a:pPr>
+                      <a:r>
+                        <a:rPr lang="en-US" altLang="zh-CN" dirty="0"/>
+                        <a:t>Init</a:t>
+                      </a:r>
+                    </a:p>
+                    <a:p>
+                      <a:endParaRPr lang="en-US" dirty="0"/>
+                    </a:p>
+                  </a:txBody>
+                  <a:tcPr>
+                    <a:lnL w="12700" cap="flat" cmpd="sng" algn="ctr">
+                      <a:solidFill>
+                        <a:schemeClr val="tx1"/>
+                      </a:solidFill>
+                      <a:prstDash val="solid"/>
+                      <a:round/>
+                      <a:headEnd type="none" w="med" len="med"/>
+                      <a:tailEnd type="none" w="med" len="med"/>
+                    </a:lnL>
+                    <a:lnR w="12700" cap="flat" cmpd="sng" algn="ctr">
+                      <a:solidFill>
+                        <a:schemeClr val="tx1"/>
+                      </a:solidFill>
+                      <a:prstDash val="solid"/>
+                      <a:round/>
+                      <a:headEnd type="none" w="med" len="med"/>
+                      <a:tailEnd type="none" w="med" len="med"/>
+                    </a:lnR>
+                    <a:lnT w="12700" cap="flat" cmpd="sng" algn="ctr">
+                      <a:solidFill>
+                        <a:schemeClr val="tx1"/>
+                      </a:solidFill>
+                      <a:prstDash val="solid"/>
+                      <a:round/>
+                      <a:headEnd type="none" w="med" len="med"/>
+                      <a:tailEnd type="none" w="med" len="med"/>
+                    </a:lnT>
+                    <a:lnB w="12700" cap="flat" cmpd="sng" algn="ctr">
+                      <a:solidFill>
+                        <a:schemeClr val="tx1"/>
+                      </a:solidFill>
+                      <a:prstDash val="solid"/>
+                      <a:round/>
+                      <a:headEnd type="none" w="med" len="med"/>
+                      <a:tailEnd type="none" w="med" len="med"/>
+                    </a:lnB>
+                    <a:solidFill>
+                      <a:schemeClr val="bg1"/>
+                    </a:solidFill>
+                  </a:tcPr>
+                </a:tc>
+                <a:tc>
+                  <a:txBody>
+                    <a:bodyPr/>
+                    <a:lstStyle/>
+                    <a:p>
+                      <a:r>
+                        <a:rPr lang="en-US" altLang="zh-CN" dirty="0">
+                          <a:solidFill>
+                            <a:srgbClr val="00B050"/>
+                          </a:solidFill>
+                        </a:rPr>
+                        <a:t>Sensor</a:t>
+                      </a:r>
+                    </a:p>
+                    <a:p>
+                      <a:r>
+                        <a:rPr lang="en-US" altLang="zh-CN" dirty="0">
+                          <a:solidFill>
+                            <a:srgbClr val="0070C0"/>
+                          </a:solidFill>
+                        </a:rPr>
+                        <a:t>Sensor</a:t>
+                      </a:r>
+                    </a:p>
+                    <a:p>
+                      <a:r>
+                        <a:rPr lang="en-US" altLang="zh-CN" dirty="0">
+                          <a:solidFill>
+                            <a:srgbClr val="FF0000"/>
+                          </a:solidFill>
+                        </a:rPr>
+                        <a:t>Sensor</a:t>
+                      </a:r>
+                    </a:p>
+                  </a:txBody>
+                  <a:tcPr>
+                    <a:lnL w="12700" cap="flat" cmpd="sng" algn="ctr">
+                      <a:solidFill>
+                        <a:schemeClr val="tx1"/>
+                      </a:solidFill>
+                      <a:prstDash val="solid"/>
+                      <a:round/>
+                      <a:headEnd type="none" w="med" len="med"/>
+                      <a:tailEnd type="none" w="med" len="med"/>
+                    </a:lnL>
+                    <a:lnR w="12700" cap="flat" cmpd="sng" algn="ctr">
+                      <a:solidFill>
+                        <a:schemeClr val="tx1"/>
+                      </a:solidFill>
+                      <a:prstDash val="solid"/>
+                      <a:round/>
+                      <a:headEnd type="none" w="med" len="med"/>
+                      <a:tailEnd type="none" w="med" len="med"/>
+                    </a:lnR>
+                    <a:lnT w="12700" cap="flat" cmpd="sng" algn="ctr">
+                      <a:solidFill>
+                        <a:schemeClr val="tx1"/>
+                      </a:solidFill>
+                      <a:prstDash val="solid"/>
+                      <a:round/>
+                      <a:headEnd type="none" w="med" len="med"/>
+                      <a:tailEnd type="none" w="med" len="med"/>
+                    </a:lnT>
+                    <a:lnB w="12700" cap="flat" cmpd="sng" algn="ctr">
+                      <a:solidFill>
+                        <a:schemeClr val="tx1"/>
+                      </a:solidFill>
+                      <a:prstDash val="solid"/>
+                      <a:round/>
+                      <a:headEnd type="none" w="med" len="med"/>
+                      <a:tailEnd type="none" w="med" len="med"/>
+                    </a:lnB>
+                    <a:solidFill>
+                      <a:schemeClr val="bg1"/>
+                    </a:solidFill>
+                  </a:tcPr>
+                </a:tc>
+                <a:tc>
+                  <a:txBody>
+                    <a:bodyPr/>
+                    <a:lstStyle/>
+                    <a:p>
+                      <a:endParaRPr lang="en-US" dirty="0">
+                        <a:solidFill>
+                          <a:srgbClr val="00B050"/>
+                        </a:solidFill>
+                      </a:endParaRPr>
+                    </a:p>
+                  </a:txBody>
+                  <a:tcPr>
+                    <a:lnL w="12700" cap="flat" cmpd="sng" algn="ctr">
+                      <a:solidFill>
+                        <a:schemeClr val="tx1"/>
+                      </a:solidFill>
+                      <a:prstDash val="solid"/>
+                      <a:round/>
+                      <a:headEnd type="none" w="med" len="med"/>
+                      <a:tailEnd type="none" w="med" len="med"/>
+                    </a:lnL>
+                    <a:lnR w="12700" cap="flat" cmpd="sng" algn="ctr">
+                      <a:solidFill>
+                        <a:schemeClr val="tx1"/>
+                      </a:solidFill>
+                      <a:prstDash val="solid"/>
+                      <a:round/>
+                      <a:headEnd type="none" w="med" len="med"/>
+                      <a:tailEnd type="none" w="med" len="med"/>
+                    </a:lnR>
+                    <a:lnT w="12700" cap="flat" cmpd="sng" algn="ctr">
+                      <a:solidFill>
+                        <a:schemeClr val="tx1"/>
+                      </a:solidFill>
+                      <a:prstDash val="solid"/>
+                      <a:round/>
+                      <a:headEnd type="none" w="med" len="med"/>
+                      <a:tailEnd type="none" w="med" len="med"/>
+                    </a:lnT>
+                    <a:lnB w="12700" cap="flat" cmpd="sng" algn="ctr">
+                      <a:solidFill>
+                        <a:schemeClr val="tx1"/>
+                      </a:solidFill>
+                      <a:prstDash val="solid"/>
+                      <a:round/>
+                      <a:headEnd type="none" w="med" len="med"/>
+                      <a:tailEnd type="none" w="med" len="med"/>
+                    </a:lnB>
+                    <a:solidFill>
+                      <a:schemeClr val="bg1"/>
+                    </a:solidFill>
+                  </a:tcPr>
+                </a:tc>
+                <a:tc>
+                  <a:txBody>
+                    <a:bodyPr/>
+                    <a:lstStyle/>
+                    <a:p>
+                      <a:endParaRPr lang="en-US" dirty="0"/>
+                    </a:p>
+                  </a:txBody>
+                  <a:tcPr>
+                    <a:lnL w="12700" cap="flat" cmpd="sng" algn="ctr">
+                      <a:solidFill>
+                        <a:schemeClr val="tx1"/>
+                      </a:solidFill>
+                      <a:prstDash val="solid"/>
+                      <a:round/>
+                      <a:headEnd type="none" w="med" len="med"/>
+                      <a:tailEnd type="none" w="med" len="med"/>
+                    </a:lnL>
+                    <a:lnR w="12700" cap="flat" cmpd="sng" algn="ctr">
+                      <a:solidFill>
+                        <a:schemeClr val="tx1"/>
+                      </a:solidFill>
+                      <a:prstDash val="solid"/>
+                      <a:round/>
+                      <a:headEnd type="none" w="med" len="med"/>
+                      <a:tailEnd type="none" w="med" len="med"/>
+                    </a:lnR>
+                    <a:lnT w="12700" cap="flat" cmpd="sng" algn="ctr">
+                      <a:solidFill>
+                        <a:schemeClr val="tx1"/>
+                      </a:solidFill>
+                      <a:prstDash val="solid"/>
+                      <a:round/>
+                      <a:headEnd type="none" w="med" len="med"/>
+                      <a:tailEnd type="none" w="med" len="med"/>
+                    </a:lnT>
+                    <a:lnB w="12700" cap="flat" cmpd="sng" algn="ctr">
+                      <a:solidFill>
+                        <a:schemeClr val="tx1"/>
+                      </a:solidFill>
+                      <a:prstDash val="solid"/>
+                      <a:round/>
+                      <a:headEnd type="none" w="med" len="med"/>
+                      <a:tailEnd type="none" w="med" len="med"/>
+                    </a:lnB>
+                    <a:solidFill>
+                      <a:schemeClr val="bg1"/>
+                    </a:solidFill>
+                  </a:tcPr>
+                </a:tc>
+                <a:tc>
+                  <a:txBody>
+                    <a:bodyPr/>
+                    <a:lstStyle/>
+                    <a:p>
+                      <a:r>
+                        <a:rPr lang="en-US" dirty="0"/>
+                        <a:t>Goal1(R = 1)</a:t>
+                      </a:r>
+                    </a:p>
+                  </a:txBody>
+                  <a:tcPr>
+                    <a:lnL w="12700" cap="flat" cmpd="sng" algn="ctr">
+                      <a:solidFill>
+                        <a:schemeClr val="tx1"/>
+                      </a:solidFill>
+                      <a:prstDash val="solid"/>
+                      <a:round/>
+                      <a:headEnd type="none" w="med" len="med"/>
+                      <a:tailEnd type="none" w="med" len="med"/>
+                    </a:lnL>
+                    <a:lnR w="12700" cap="flat" cmpd="sng" algn="ctr">
+                      <a:solidFill>
+                        <a:schemeClr val="tx1"/>
+                      </a:solidFill>
+                      <a:prstDash val="solid"/>
+                      <a:round/>
+                      <a:headEnd type="none" w="med" len="med"/>
+                      <a:tailEnd type="none" w="med" len="med"/>
+                    </a:lnR>
+                    <a:lnT w="12700" cap="flat" cmpd="sng" algn="ctr">
+                      <a:solidFill>
+                        <a:schemeClr val="tx1"/>
+                      </a:solidFill>
+                      <a:prstDash val="solid"/>
+                      <a:round/>
+                      <a:headEnd type="none" w="med" len="med"/>
+                      <a:tailEnd type="none" w="med" len="med"/>
+                    </a:lnT>
+                    <a:lnB w="12700" cap="flat" cmpd="sng" algn="ctr">
+                      <a:solidFill>
+                        <a:schemeClr val="tx1"/>
+                      </a:solidFill>
+                      <a:prstDash val="solid"/>
+                      <a:round/>
+                      <a:headEnd type="none" w="med" len="med"/>
+                      <a:tailEnd type="none" w="med" len="med"/>
+                    </a:lnB>
+                    <a:solidFill>
+                      <a:schemeClr val="bg1"/>
+                    </a:solidFill>
+                  </a:tcPr>
+                </a:tc>
+                <a:extLst>
+                  <a:ext uri="{0D108BD9-81ED-4DB2-BD59-A6C34878D82A}">
+                    <a16:rowId xmlns:a16="http://schemas.microsoft.com/office/drawing/2014/main" val="2440706154"/>
+                  </a:ext>
+                </a:extLst>
+              </a:tr>
+              <a:tr h="1195089">
+                <a:tc>
+                  <a:txBody>
+                    <a:bodyPr/>
+                    <a:lstStyle/>
+                    <a:p>
+                      <a:endParaRPr lang="en-US" dirty="0"/>
+                    </a:p>
+                  </a:txBody>
+                  <a:tcPr>
+                    <a:lnL w="12700" cap="flat" cmpd="sng" algn="ctr">
+                      <a:solidFill>
+                        <a:schemeClr val="tx1"/>
+                      </a:solidFill>
+                      <a:prstDash val="solid"/>
+                      <a:round/>
+                      <a:headEnd type="none" w="med" len="med"/>
+                      <a:tailEnd type="none" w="med" len="med"/>
+                    </a:lnL>
+                    <a:lnR w="12700" cap="flat" cmpd="sng" algn="ctr">
+                      <a:solidFill>
+                        <a:schemeClr val="tx1"/>
+                      </a:solidFill>
+                      <a:prstDash val="solid"/>
+                      <a:round/>
+                      <a:headEnd type="none" w="med" len="med"/>
+                      <a:tailEnd type="none" w="med" len="med"/>
+                    </a:lnR>
+                    <a:lnT w="12700" cap="flat" cmpd="sng" algn="ctr">
+                      <a:solidFill>
+                        <a:schemeClr val="tx1"/>
+                      </a:solidFill>
+                      <a:prstDash val="solid"/>
+                      <a:round/>
+                      <a:headEnd type="none" w="med" len="med"/>
+                      <a:tailEnd type="none" w="med" len="med"/>
+                    </a:lnT>
+                    <a:lnB w="12700" cap="flat" cmpd="sng" algn="ctr">
+                      <a:solidFill>
+                        <a:schemeClr val="tx1"/>
+                      </a:solidFill>
+                      <a:prstDash val="solid"/>
+                      <a:round/>
+                      <a:headEnd type="none" w="med" len="med"/>
+                      <a:tailEnd type="none" w="med" len="med"/>
+                    </a:lnB>
+                    <a:solidFill>
+                      <a:schemeClr val="bg1"/>
+                    </a:solidFill>
+                  </a:tcPr>
+                </a:tc>
+                <a:tc>
+                  <a:txBody>
+                    <a:bodyPr/>
+                    <a:lstStyle/>
+                    <a:p>
+                      <a:endParaRPr lang="en-US" dirty="0"/>
+                    </a:p>
+                  </a:txBody>
+                  <a:tcPr>
+                    <a:lnL w="12700" cap="flat" cmpd="sng" algn="ctr">
+                      <a:solidFill>
+                        <a:schemeClr val="tx1"/>
+                      </a:solidFill>
+                      <a:prstDash val="solid"/>
+                      <a:round/>
+                      <a:headEnd type="none" w="med" len="med"/>
+                      <a:tailEnd type="none" w="med" len="med"/>
+                    </a:lnL>
+                    <a:lnR w="12700" cap="flat" cmpd="sng" algn="ctr">
+                      <a:solidFill>
+                        <a:schemeClr val="tx1"/>
+                      </a:solidFill>
+                      <a:prstDash val="solid"/>
+                      <a:round/>
+                      <a:headEnd type="none" w="med" len="med"/>
+                      <a:tailEnd type="none" w="med" len="med"/>
+                    </a:lnR>
+                    <a:lnT w="12700" cap="flat" cmpd="sng" algn="ctr">
+                      <a:solidFill>
+                        <a:schemeClr val="tx1"/>
+                      </a:solidFill>
+                      <a:prstDash val="solid"/>
+                      <a:round/>
+                      <a:headEnd type="none" w="med" len="med"/>
+                      <a:tailEnd type="none" w="med" len="med"/>
+                    </a:lnT>
+                    <a:lnB w="12700" cap="flat" cmpd="sng" algn="ctr">
+                      <a:solidFill>
+                        <a:schemeClr val="tx1"/>
+                      </a:solidFill>
+                      <a:prstDash val="solid"/>
+                      <a:round/>
+                      <a:headEnd type="none" w="med" len="med"/>
+                      <a:tailEnd type="none" w="med" len="med"/>
+                    </a:lnB>
+                    <a:solidFill>
+                      <a:schemeClr val="bg1"/>
+                    </a:solidFill>
+                  </a:tcPr>
+                </a:tc>
+                <a:tc>
+                  <a:txBody>
+                    <a:bodyPr/>
+                    <a:lstStyle/>
+                    <a:p>
+                      <a:r>
+                        <a:rPr lang="en-US" dirty="0">
+                          <a:solidFill>
+                            <a:srgbClr val="00B050"/>
+                          </a:solidFill>
+                        </a:rPr>
+                        <a:t>Sensor</a:t>
+                      </a:r>
+                    </a:p>
+                  </a:txBody>
+                  <a:tcPr>
+                    <a:lnL w="12700" cap="flat" cmpd="sng" algn="ctr">
+                      <a:solidFill>
+                        <a:schemeClr val="tx1"/>
+                      </a:solidFill>
+                      <a:prstDash val="solid"/>
+                      <a:round/>
+                      <a:headEnd type="none" w="med" len="med"/>
+                      <a:tailEnd type="none" w="med" len="med"/>
+                    </a:lnL>
+                    <a:lnR w="12700" cap="flat" cmpd="sng" algn="ctr">
+                      <a:solidFill>
+                        <a:schemeClr val="tx1"/>
+                      </a:solidFill>
+                      <a:prstDash val="solid"/>
+                      <a:round/>
+                      <a:headEnd type="none" w="med" len="med"/>
+                      <a:tailEnd type="none" w="med" len="med"/>
+                    </a:lnR>
+                    <a:lnT w="12700" cap="flat" cmpd="sng" algn="ctr">
+                      <a:solidFill>
+                        <a:schemeClr val="tx1"/>
+                      </a:solidFill>
+                      <a:prstDash val="solid"/>
+                      <a:round/>
+                      <a:headEnd type="none" w="med" len="med"/>
+                      <a:tailEnd type="none" w="med" len="med"/>
+                    </a:lnT>
+                    <a:lnB w="12700" cap="flat" cmpd="sng" algn="ctr">
+                      <a:solidFill>
+                        <a:schemeClr val="tx1"/>
+                      </a:solidFill>
+                      <a:prstDash val="solid"/>
+                      <a:round/>
+                      <a:headEnd type="none" w="med" len="med"/>
+                      <a:tailEnd type="none" w="med" len="med"/>
+                    </a:lnB>
+                    <a:solidFill>
+                      <a:schemeClr val="bg1"/>
+                    </a:solidFill>
+                  </a:tcPr>
+                </a:tc>
+                <a:tc>
+                  <a:txBody>
+                    <a:bodyPr/>
+                    <a:lstStyle/>
+                    <a:p>
+                      <a:endParaRPr lang="en-US" dirty="0"/>
+                    </a:p>
+                  </a:txBody>
+                  <a:tcPr>
+                    <a:lnL w="12700" cap="flat" cmpd="sng" algn="ctr">
+                      <a:solidFill>
+                        <a:schemeClr val="tx1"/>
+                      </a:solidFill>
+                      <a:prstDash val="solid"/>
+                      <a:round/>
+                      <a:headEnd type="none" w="med" len="med"/>
+                      <a:tailEnd type="none" w="med" len="med"/>
+                    </a:lnL>
+                    <a:lnR w="12700" cap="flat" cmpd="sng" algn="ctr">
+                      <a:solidFill>
+                        <a:schemeClr val="tx1"/>
+                      </a:solidFill>
+                      <a:prstDash val="solid"/>
+                      <a:round/>
+                      <a:headEnd type="none" w="med" len="med"/>
+                      <a:tailEnd type="none" w="med" len="med"/>
+                    </a:lnR>
+                    <a:lnT w="12700" cap="flat" cmpd="sng" algn="ctr">
+                      <a:solidFill>
+                        <a:schemeClr val="tx1"/>
+                      </a:solidFill>
+                      <a:prstDash val="solid"/>
+                      <a:round/>
+                      <a:headEnd type="none" w="med" len="med"/>
+                      <a:tailEnd type="none" w="med" len="med"/>
+                    </a:lnT>
+                    <a:lnB w="12700" cap="flat" cmpd="sng" algn="ctr">
+                      <a:solidFill>
+                        <a:schemeClr val="tx1"/>
+                      </a:solidFill>
+                      <a:prstDash val="solid"/>
+                      <a:round/>
+                      <a:headEnd type="none" w="med" len="med"/>
+                      <a:tailEnd type="none" w="med" len="med"/>
+                    </a:lnB>
+                    <a:solidFill>
+                      <a:schemeClr val="bg1"/>
+                    </a:solidFill>
+                  </a:tcPr>
+                </a:tc>
+                <a:tc>
+                  <a:txBody>
+                    <a:bodyPr/>
+                    <a:lstStyle/>
+                    <a:p>
+                      <a:endParaRPr lang="en-US" dirty="0"/>
+                    </a:p>
+                  </a:txBody>
+                  <a:tcPr>
+                    <a:lnL w="12700" cap="flat" cmpd="sng" algn="ctr">
+                      <a:solidFill>
+                        <a:schemeClr val="tx1"/>
+                      </a:solidFill>
+                      <a:prstDash val="solid"/>
+                      <a:round/>
+                      <a:headEnd type="none" w="med" len="med"/>
+                      <a:tailEnd type="none" w="med" len="med"/>
+                    </a:lnL>
+                    <a:lnR w="12700" cap="flat" cmpd="sng" algn="ctr">
+                      <a:solidFill>
+                        <a:schemeClr val="tx1"/>
+                      </a:solidFill>
+                      <a:prstDash val="solid"/>
+                      <a:round/>
+                      <a:headEnd type="none" w="med" len="med"/>
+                      <a:tailEnd type="none" w="med" len="med"/>
+                    </a:lnR>
+                    <a:lnT w="12700" cap="flat" cmpd="sng" algn="ctr">
+                      <a:solidFill>
+                        <a:schemeClr val="tx1"/>
+                      </a:solidFill>
+                      <a:prstDash val="solid"/>
+                      <a:round/>
+                      <a:headEnd type="none" w="med" len="med"/>
+                      <a:tailEnd type="none" w="med" len="med"/>
+                    </a:lnT>
+                    <a:lnB w="12700" cap="flat" cmpd="sng" algn="ctr">
+                      <a:solidFill>
+                        <a:schemeClr val="tx1"/>
+                      </a:solidFill>
+                      <a:prstDash val="solid"/>
+                      <a:round/>
+                      <a:headEnd type="none" w="med" len="med"/>
+                      <a:tailEnd type="none" w="med" len="med"/>
+                    </a:lnB>
+                    <a:solidFill>
+                      <a:schemeClr val="bg1"/>
+                    </a:solidFill>
+                  </a:tcPr>
+                </a:tc>
+                <a:extLst>
+                  <a:ext uri="{0D108BD9-81ED-4DB2-BD59-A6C34878D82A}">
+                    <a16:rowId xmlns:a16="http://schemas.microsoft.com/office/drawing/2014/main" val="3321693724"/>
+                  </a:ext>
+                </a:extLst>
+              </a:tr>
+            </a:tbl>
+          </a:graphicData>
+        </a:graphic>
+      </p:graphicFrame>
+      <p:pic>
+        <p:nvPicPr>
+          <p:cNvPr id="6" name="Picture 5" descr="Icon&#10;&#10;Description automatically generated">
+            <a:extLst>
+              <a:ext uri="{FF2B5EF4-FFF2-40B4-BE49-F238E27FC236}">
+                <a16:creationId xmlns:a16="http://schemas.microsoft.com/office/drawing/2014/main" id="{43FA7CEC-EF41-4E73-B885-D7EBCB5F37E2}"/>
+              </a:ext>
+            </a:extLst>
+          </p:cNvPr>
+          <p:cNvPicPr>
+            <a:picLocks noChangeAspect="1"/>
+          </p:cNvPicPr>
+          <p:nvPr/>
+        </p:nvPicPr>
+        <p:blipFill>
+          <a:blip r:embed="rId2">
+            <a:extLst>
+              <a:ext uri="{28A0092B-C50C-407E-A947-70E740481C1C}">
+                <a14:useLocalDpi xmlns:a14="http://schemas.microsoft.com/office/drawing/2010/main" val="0"/>
+              </a:ext>
+            </a:extLst>
+          </a:blip>
+          <a:stretch>
+            <a:fillRect/>
+          </a:stretch>
+        </p:blipFill>
+        <p:spPr>
+          <a:xfrm>
+            <a:off x="2169209" y="4159651"/>
+            <a:ext cx="844339" cy="668546"/>
+          </a:xfrm>
+          <a:prstGeom prst="rect">
+            <a:avLst/>
+          </a:prstGeom>
+        </p:spPr>
+      </p:pic>
+      <p:sp>
+        <p:nvSpPr>
+          <p:cNvPr id="7" name="Star: 5 Points 6">
+            <a:extLst>
+              <a:ext uri="{FF2B5EF4-FFF2-40B4-BE49-F238E27FC236}">
+                <a16:creationId xmlns:a16="http://schemas.microsoft.com/office/drawing/2014/main" id="{069A0F47-3362-4D32-990F-84E723D6D6C2}"/>
+              </a:ext>
+            </a:extLst>
+          </p:cNvPr>
+          <p:cNvSpPr/>
+          <p:nvPr/>
+        </p:nvSpPr>
+        <p:spPr>
+          <a:xfrm>
+            <a:off x="7110404" y="889853"/>
+            <a:ext cx="569167" cy="522515"/>
+          </a:xfrm>
+          <a:prstGeom prst="star5">
+            <a:avLst/>
+          </a:prstGeom>
+        </p:spPr>
+        <p:style>
+          <a:lnRef idx="2">
+            <a:schemeClr val="accent1">
+              <a:shade val="50000"/>
+            </a:schemeClr>
+          </a:lnRef>
+          <a:fillRef idx="1">
+            <a:schemeClr val="accent1"/>
+          </a:fillRef>
+          <a:effectRef idx="0">
+            <a:schemeClr val="accent1"/>
+          </a:effectRef>
+          <a:fontRef idx="minor">
+            <a:schemeClr val="lt1"/>
+          </a:fontRef>
+        </p:style>
+        <p:txBody>
+          <a:bodyPr rtlCol="0" anchor="ctr"/>
+          <a:lstStyle/>
+          <a:p>
+            <a:pPr algn="ctr"/>
+            <a:endParaRPr lang="en-US"/>
+          </a:p>
+        </p:txBody>
+      </p:sp>
+      <p:sp>
+        <p:nvSpPr>
+          <p:cNvPr id="8" name="Star: 5 Points 7">
+            <a:extLst>
+              <a:ext uri="{FF2B5EF4-FFF2-40B4-BE49-F238E27FC236}">
+                <a16:creationId xmlns:a16="http://schemas.microsoft.com/office/drawing/2014/main" id="{F9057DDE-AD14-4C1C-9053-755D9A7F2808}"/>
+              </a:ext>
+            </a:extLst>
+          </p:cNvPr>
+          <p:cNvSpPr/>
+          <p:nvPr/>
+        </p:nvSpPr>
+        <p:spPr>
+          <a:xfrm>
+            <a:off x="7110404" y="4476336"/>
+            <a:ext cx="569167" cy="522515"/>
+          </a:xfrm>
+          <a:prstGeom prst="star5">
+            <a:avLst/>
+          </a:prstGeom>
+          <a:solidFill>
+            <a:srgbClr val="00B050"/>
+          </a:solidFill>
+        </p:spPr>
+        <p:style>
+          <a:lnRef idx="2">
+            <a:schemeClr val="accent1">
+              <a:shade val="50000"/>
+            </a:schemeClr>
+          </a:lnRef>
+          <a:fillRef idx="1">
+            <a:schemeClr val="accent1"/>
+          </a:fillRef>
+          <a:effectRef idx="0">
+            <a:schemeClr val="accent1"/>
+          </a:effectRef>
+          <a:fontRef idx="minor">
+            <a:schemeClr val="lt1"/>
+          </a:fontRef>
+        </p:style>
+        <p:txBody>
+          <a:bodyPr rtlCol="0" anchor="ctr"/>
+          <a:lstStyle/>
+          <a:p>
+            <a:pPr algn="ctr"/>
+            <a:endParaRPr lang="en-US"/>
+          </a:p>
+        </p:txBody>
+      </p:sp>
+      <p:sp>
+        <p:nvSpPr>
+          <p:cNvPr id="3" name="文本框 2">
+            <a:extLst>
+              <a:ext uri="{FF2B5EF4-FFF2-40B4-BE49-F238E27FC236}">
+                <a16:creationId xmlns:a16="http://schemas.microsoft.com/office/drawing/2014/main" id="{523D390D-3A70-C4E8-B261-1FFF57E9D7DE}"/>
+              </a:ext>
+            </a:extLst>
+          </p:cNvPr>
+          <p:cNvSpPr txBox="1"/>
+          <p:nvPr/>
+        </p:nvSpPr>
+        <p:spPr>
+          <a:xfrm>
+            <a:off x="2389554" y="6393416"/>
+            <a:ext cx="5317531" cy="369332"/>
+          </a:xfrm>
+          <a:prstGeom prst="rect">
+            <a:avLst/>
+          </a:prstGeom>
+          <a:noFill/>
+        </p:spPr>
+        <p:txBody>
+          <a:bodyPr wrap="square" rtlCol="0">
+            <a:spAutoFit/>
+          </a:bodyPr>
+          <a:lstStyle/>
+          <a:p>
+            <a:r>
+              <a:rPr lang="en-US" altLang="zh-CN" dirty="0"/>
+              <a:t>0                       1                   2                      3                      4</a:t>
+            </a:r>
+            <a:endParaRPr lang="zh-CN" altLang="en-US" dirty="0"/>
+          </a:p>
+        </p:txBody>
+      </p:sp>
+      <p:sp>
+        <p:nvSpPr>
+          <p:cNvPr id="9" name="文本框 8">
+            <a:extLst>
+              <a:ext uri="{FF2B5EF4-FFF2-40B4-BE49-F238E27FC236}">
+                <a16:creationId xmlns:a16="http://schemas.microsoft.com/office/drawing/2014/main" id="{C3365D82-8A60-5349-4EE7-DBF4C0A75D3D}"/>
+              </a:ext>
+            </a:extLst>
+          </p:cNvPr>
+          <p:cNvSpPr txBox="1"/>
+          <p:nvPr/>
+        </p:nvSpPr>
+        <p:spPr>
+          <a:xfrm>
+            <a:off x="1611980" y="728483"/>
+            <a:ext cx="327969" cy="5078313"/>
+          </a:xfrm>
+          <a:prstGeom prst="rect">
+            <a:avLst/>
+          </a:prstGeom>
+          <a:noFill/>
+        </p:spPr>
+        <p:txBody>
+          <a:bodyPr wrap="square" rtlCol="0">
+            <a:spAutoFit/>
+          </a:bodyPr>
+          <a:lstStyle/>
+          <a:p>
+            <a:r>
+              <a:rPr lang="en-US" altLang="zh-CN" dirty="0"/>
+              <a:t>4</a:t>
+            </a:r>
+          </a:p>
+          <a:p>
+            <a:endParaRPr lang="en-US" altLang="zh-CN" dirty="0"/>
+          </a:p>
+          <a:p>
+            <a:endParaRPr lang="en-US" altLang="zh-CN" dirty="0"/>
+          </a:p>
+          <a:p>
+            <a:endParaRPr lang="en-US" altLang="zh-CN" dirty="0"/>
+          </a:p>
+          <a:p>
+            <a:r>
+              <a:rPr lang="en-US" altLang="zh-CN" dirty="0"/>
+              <a:t>3</a:t>
+            </a:r>
+          </a:p>
+          <a:p>
+            <a:endParaRPr lang="en-US" altLang="zh-CN" dirty="0"/>
+          </a:p>
+          <a:p>
+            <a:endParaRPr lang="en-US" altLang="zh-CN" dirty="0"/>
+          </a:p>
+          <a:p>
+            <a:endParaRPr lang="en-US" altLang="zh-CN" dirty="0"/>
+          </a:p>
+          <a:p>
+            <a:endParaRPr lang="en-US" altLang="zh-CN" dirty="0"/>
+          </a:p>
+          <a:p>
+            <a:r>
+              <a:rPr lang="en-US" altLang="zh-CN" dirty="0"/>
+              <a:t>2</a:t>
+            </a:r>
+          </a:p>
+          <a:p>
+            <a:endParaRPr lang="en-US" altLang="zh-CN" dirty="0"/>
+          </a:p>
+          <a:p>
+            <a:endParaRPr lang="en-US" altLang="zh-CN" dirty="0"/>
+          </a:p>
+          <a:p>
+            <a:endParaRPr lang="en-US" altLang="zh-CN" dirty="0"/>
+          </a:p>
+          <a:p>
+            <a:r>
+              <a:rPr lang="en-US" altLang="zh-CN" dirty="0"/>
+              <a:t>1</a:t>
+            </a:r>
+          </a:p>
+          <a:p>
+            <a:endParaRPr lang="en-US" altLang="zh-CN" dirty="0"/>
+          </a:p>
+          <a:p>
+            <a:endParaRPr lang="en-US" altLang="zh-CN" dirty="0"/>
+          </a:p>
+          <a:p>
+            <a:endParaRPr lang="en-US" altLang="zh-CN" dirty="0"/>
+          </a:p>
+          <a:p>
+            <a:r>
+              <a:rPr lang="en-US" altLang="zh-CN" dirty="0"/>
+              <a:t>0</a:t>
+            </a:r>
+          </a:p>
+        </p:txBody>
+      </p:sp>
       <p:sp>
         <p:nvSpPr>
           <p:cNvPr id="5" name="文本框 4">
@@ -6991,7 +8762,7 @@
 </p:sld>
 </file>
 
-<file path=ppt/slides/slide3.xml><?xml version="1.0" encoding="utf-8"?>
+<file path=ppt/slides/slide4.xml><?xml version="1.0" encoding="utf-8"?>
 <p:sld xmlns:a="http://schemas.openxmlformats.org/drawingml/2006/main" xmlns:r="http://schemas.openxmlformats.org/officeDocument/2006/relationships" xmlns:p="http://schemas.openxmlformats.org/presentationml/2006/main">
   <p:cSld>
     <p:spTree>

--- a/Presentation1.pptx
+++ b/Presentation1.pptx
@@ -9,6 +9,7 @@
     <p:sldId id="260" r:id="rId3"/>
     <p:sldId id="258" r:id="rId4"/>
     <p:sldId id="259" r:id="rId5"/>
+    <p:sldId id="261" r:id="rId6"/>
   </p:sldIdLst>
   <p:sldSz cx="12192000" cy="6858000"/>
   <p:notesSz cx="6858000" cy="9144000"/>
@@ -291,7 +292,7 @@
           <a:p>
             <a:fld id="{C1267A05-D67B-4E4C-868C-590CB66AEB3E}" type="datetimeFigureOut">
               <a:rPr lang="en-US" smtClean="0"/>
-              <a:t>2/21/2023</a:t>
+              <a:t>3/1/2023</a:t>
             </a:fld>
             <a:endParaRPr lang="en-US"/>
           </a:p>
@@ -489,7 +490,7 @@
           <a:p>
             <a:fld id="{C1267A05-D67B-4E4C-868C-590CB66AEB3E}" type="datetimeFigureOut">
               <a:rPr lang="en-US" smtClean="0"/>
-              <a:t>2/21/2023</a:t>
+              <a:t>3/1/2023</a:t>
             </a:fld>
             <a:endParaRPr lang="en-US"/>
           </a:p>
@@ -697,7 +698,7 @@
           <a:p>
             <a:fld id="{C1267A05-D67B-4E4C-868C-590CB66AEB3E}" type="datetimeFigureOut">
               <a:rPr lang="en-US" smtClean="0"/>
-              <a:t>2/21/2023</a:t>
+              <a:t>3/1/2023</a:t>
             </a:fld>
             <a:endParaRPr lang="en-US"/>
           </a:p>
@@ -895,7 +896,7 @@
           <a:p>
             <a:fld id="{C1267A05-D67B-4E4C-868C-590CB66AEB3E}" type="datetimeFigureOut">
               <a:rPr lang="en-US" smtClean="0"/>
-              <a:t>2/21/2023</a:t>
+              <a:t>3/1/2023</a:t>
             </a:fld>
             <a:endParaRPr lang="en-US"/>
           </a:p>
@@ -1170,7 +1171,7 @@
           <a:p>
             <a:fld id="{C1267A05-D67B-4E4C-868C-590CB66AEB3E}" type="datetimeFigureOut">
               <a:rPr lang="en-US" smtClean="0"/>
-              <a:t>2/21/2023</a:t>
+              <a:t>3/1/2023</a:t>
             </a:fld>
             <a:endParaRPr lang="en-US"/>
           </a:p>
@@ -1435,7 +1436,7 @@
           <a:p>
             <a:fld id="{C1267A05-D67B-4E4C-868C-590CB66AEB3E}" type="datetimeFigureOut">
               <a:rPr lang="en-US" smtClean="0"/>
-              <a:t>2/21/2023</a:t>
+              <a:t>3/1/2023</a:t>
             </a:fld>
             <a:endParaRPr lang="en-US"/>
           </a:p>
@@ -1847,7 +1848,7 @@
           <a:p>
             <a:fld id="{C1267A05-D67B-4E4C-868C-590CB66AEB3E}" type="datetimeFigureOut">
               <a:rPr lang="en-US" smtClean="0"/>
-              <a:t>2/21/2023</a:t>
+              <a:t>3/1/2023</a:t>
             </a:fld>
             <a:endParaRPr lang="en-US"/>
           </a:p>
@@ -1988,7 +1989,7 @@
           <a:p>
             <a:fld id="{C1267A05-D67B-4E4C-868C-590CB66AEB3E}" type="datetimeFigureOut">
               <a:rPr lang="en-US" smtClean="0"/>
-              <a:t>2/21/2023</a:t>
+              <a:t>3/1/2023</a:t>
             </a:fld>
             <a:endParaRPr lang="en-US"/>
           </a:p>
@@ -2101,7 +2102,7 @@
           <a:p>
             <a:fld id="{C1267A05-D67B-4E4C-868C-590CB66AEB3E}" type="datetimeFigureOut">
               <a:rPr lang="en-US" smtClean="0"/>
-              <a:t>2/21/2023</a:t>
+              <a:t>3/1/2023</a:t>
             </a:fld>
             <a:endParaRPr lang="en-US"/>
           </a:p>
@@ -2412,7 +2413,7 @@
           <a:p>
             <a:fld id="{C1267A05-D67B-4E4C-868C-590CB66AEB3E}" type="datetimeFigureOut">
               <a:rPr lang="en-US" smtClean="0"/>
-              <a:t>2/21/2023</a:t>
+              <a:t>3/1/2023</a:t>
             </a:fld>
             <a:endParaRPr lang="en-US"/>
           </a:p>
@@ -2700,7 +2701,7 @@
           <a:p>
             <a:fld id="{C1267A05-D67B-4E4C-868C-590CB66AEB3E}" type="datetimeFigureOut">
               <a:rPr lang="en-US" smtClean="0"/>
-              <a:t>2/21/2023</a:t>
+              <a:t>3/1/2023</a:t>
             </a:fld>
             <a:endParaRPr lang="en-US"/>
           </a:p>
@@ -2941,7 +2942,7 @@
           <a:p>
             <a:fld id="{C1267A05-D67B-4E4C-868C-590CB66AEB3E}" type="datetimeFigureOut">
               <a:rPr lang="en-US" smtClean="0"/>
-              <a:t>2/21/2023</a:t>
+              <a:t>3/1/2023</a:t>
             </a:fld>
             <a:endParaRPr lang="en-US"/>
           </a:p>
@@ -10665,6 +10666,4068 @@
 </p:sld>
 </file>
 
+<file path=ppt/slides/slide5.xml><?xml version="1.0" encoding="utf-8"?>
+<p:sld xmlns:a="http://schemas.openxmlformats.org/drawingml/2006/main" xmlns:r="http://schemas.openxmlformats.org/officeDocument/2006/relationships" xmlns:p="http://schemas.openxmlformats.org/presentationml/2006/main">
+  <p:cSld>
+    <p:spTree>
+      <p:nvGrpSpPr>
+        <p:cNvPr id="1" name=""/>
+        <p:cNvGrpSpPr/>
+        <p:nvPr/>
+      </p:nvGrpSpPr>
+      <p:grpSpPr>
+        <a:xfrm>
+          <a:off x="0" y="0"/>
+          <a:ext cx="0" cy="0"/>
+          <a:chOff x="0" y="0"/>
+          <a:chExt cx="0" cy="0"/>
+        </a:xfrm>
+      </p:grpSpPr>
+      <p:graphicFrame>
+        <p:nvGraphicFramePr>
+          <p:cNvPr id="2" name="Table 2">
+            <a:extLst>
+              <a:ext uri="{FF2B5EF4-FFF2-40B4-BE49-F238E27FC236}">
+                <a16:creationId xmlns:a16="http://schemas.microsoft.com/office/drawing/2014/main" id="{C88644AC-C1C7-4CC7-BBCB-0877A80A4FA8}"/>
+              </a:ext>
+            </a:extLst>
+          </p:cNvPr>
+          <p:cNvGraphicFramePr>
+            <a:graphicFrameLocks noGrp="1"/>
+          </p:cNvGraphicFramePr>
+          <p:nvPr>
+            <p:extLst>
+              <p:ext uri="{D42A27DB-BD31-4B8C-83A1-F6EECF244321}">
+                <p14:modId xmlns:p14="http://schemas.microsoft.com/office/powerpoint/2010/main" val="2497660591"/>
+              </p:ext>
+            </p:extLst>
+          </p:nvPr>
+        </p:nvGraphicFramePr>
+        <p:xfrm>
+          <a:off x="3145871" y="218114"/>
+          <a:ext cx="6862192" cy="6484696"/>
+        </p:xfrm>
+        <a:graphic>
+          <a:graphicData uri="http://schemas.openxmlformats.org/drawingml/2006/table">
+            <a:tbl>
+              <a:tblPr firstRow="1" bandRow="1">
+                <a:tableStyleId>{5C22544A-7EE6-4342-B048-85BDC9FD1C3A}</a:tableStyleId>
+              </a:tblPr>
+              <a:tblGrid>
+                <a:gridCol w="857774">
+                  <a:extLst>
+                    <a:ext uri="{9D8B030D-6E8A-4147-A177-3AD203B41FA5}">
+                      <a16:colId xmlns:a16="http://schemas.microsoft.com/office/drawing/2014/main" val="318100156"/>
+                    </a:ext>
+                  </a:extLst>
+                </a:gridCol>
+                <a:gridCol w="857774">
+                  <a:extLst>
+                    <a:ext uri="{9D8B030D-6E8A-4147-A177-3AD203B41FA5}">
+                      <a16:colId xmlns:a16="http://schemas.microsoft.com/office/drawing/2014/main" val="3667279437"/>
+                    </a:ext>
+                  </a:extLst>
+                </a:gridCol>
+                <a:gridCol w="857774">
+                  <a:extLst>
+                    <a:ext uri="{9D8B030D-6E8A-4147-A177-3AD203B41FA5}">
+                      <a16:colId xmlns:a16="http://schemas.microsoft.com/office/drawing/2014/main" val="643386300"/>
+                    </a:ext>
+                  </a:extLst>
+                </a:gridCol>
+                <a:gridCol w="857774">
+                  <a:extLst>
+                    <a:ext uri="{9D8B030D-6E8A-4147-A177-3AD203B41FA5}">
+                      <a16:colId xmlns:a16="http://schemas.microsoft.com/office/drawing/2014/main" val="2978925617"/>
+                    </a:ext>
+                  </a:extLst>
+                </a:gridCol>
+                <a:gridCol w="857774">
+                  <a:extLst>
+                    <a:ext uri="{9D8B030D-6E8A-4147-A177-3AD203B41FA5}">
+                      <a16:colId xmlns:a16="http://schemas.microsoft.com/office/drawing/2014/main" val="2298523877"/>
+                    </a:ext>
+                  </a:extLst>
+                </a:gridCol>
+                <a:gridCol w="857774">
+                  <a:extLst>
+                    <a:ext uri="{9D8B030D-6E8A-4147-A177-3AD203B41FA5}">
+                      <a16:colId xmlns:a16="http://schemas.microsoft.com/office/drawing/2014/main" val="2949982479"/>
+                    </a:ext>
+                  </a:extLst>
+                </a:gridCol>
+                <a:gridCol w="857774">
+                  <a:extLst>
+                    <a:ext uri="{9D8B030D-6E8A-4147-A177-3AD203B41FA5}">
+                      <a16:colId xmlns:a16="http://schemas.microsoft.com/office/drawing/2014/main" val="2410684141"/>
+                    </a:ext>
+                  </a:extLst>
+                </a:gridCol>
+                <a:gridCol w="857774">
+                  <a:extLst>
+                    <a:ext uri="{9D8B030D-6E8A-4147-A177-3AD203B41FA5}">
+                      <a16:colId xmlns:a16="http://schemas.microsoft.com/office/drawing/2014/main" val="1989436909"/>
+                    </a:ext>
+                  </a:extLst>
+                </a:gridCol>
+              </a:tblGrid>
+              <a:tr h="810587">
+                <a:tc>
+                  <a:txBody>
+                    <a:bodyPr/>
+                    <a:lstStyle/>
+                    <a:p>
+                      <a:endParaRPr lang="en-US" dirty="0"/>
+                    </a:p>
+                  </a:txBody>
+                  <a:tcPr>
+                    <a:lnL w="12700" cap="flat" cmpd="sng" algn="ctr">
+                      <a:solidFill>
+                        <a:schemeClr val="tx1"/>
+                      </a:solidFill>
+                      <a:prstDash val="solid"/>
+                      <a:round/>
+                      <a:headEnd type="none" w="med" len="med"/>
+                      <a:tailEnd type="none" w="med" len="med"/>
+                    </a:lnL>
+                    <a:lnR w="12700" cap="flat" cmpd="sng" algn="ctr">
+                      <a:solidFill>
+                        <a:schemeClr val="tx1"/>
+                      </a:solidFill>
+                      <a:prstDash val="solid"/>
+                      <a:round/>
+                      <a:headEnd type="none" w="med" len="med"/>
+                      <a:tailEnd type="none" w="med" len="med"/>
+                    </a:lnR>
+                    <a:lnT w="12700" cap="flat" cmpd="sng" algn="ctr">
+                      <a:solidFill>
+                        <a:schemeClr val="tx1"/>
+                      </a:solidFill>
+                      <a:prstDash val="solid"/>
+                      <a:round/>
+                      <a:headEnd type="none" w="med" len="med"/>
+                      <a:tailEnd type="none" w="med" len="med"/>
+                    </a:lnT>
+                    <a:lnB w="12700" cap="flat" cmpd="sng" algn="ctr">
+                      <a:solidFill>
+                        <a:schemeClr val="tx1"/>
+                      </a:solidFill>
+                      <a:prstDash val="solid"/>
+                      <a:round/>
+                      <a:headEnd type="none" w="med" len="med"/>
+                      <a:tailEnd type="none" w="med" len="med"/>
+                    </a:lnB>
+                    <a:solidFill>
+                      <a:schemeClr val="bg1"/>
+                    </a:solidFill>
+                  </a:tcPr>
+                </a:tc>
+                <a:tc>
+                  <a:txBody>
+                    <a:bodyPr/>
+                    <a:lstStyle/>
+                    <a:p>
+                      <a:endParaRPr lang="en-US" dirty="0"/>
+                    </a:p>
+                  </a:txBody>
+                  <a:tcPr>
+                    <a:lnL w="12700" cap="flat" cmpd="sng" algn="ctr">
+                      <a:solidFill>
+                        <a:schemeClr val="tx1"/>
+                      </a:solidFill>
+                      <a:prstDash val="solid"/>
+                      <a:round/>
+                      <a:headEnd type="none" w="med" len="med"/>
+                      <a:tailEnd type="none" w="med" len="med"/>
+                    </a:lnL>
+                    <a:lnR w="12700" cap="flat" cmpd="sng" algn="ctr">
+                      <a:solidFill>
+                        <a:schemeClr val="tx1"/>
+                      </a:solidFill>
+                      <a:prstDash val="solid"/>
+                      <a:round/>
+                      <a:headEnd type="none" w="med" len="med"/>
+                      <a:tailEnd type="none" w="med" len="med"/>
+                    </a:lnR>
+                    <a:lnT w="12700" cap="flat" cmpd="sng" algn="ctr">
+                      <a:solidFill>
+                        <a:schemeClr val="tx1"/>
+                      </a:solidFill>
+                      <a:prstDash val="solid"/>
+                      <a:round/>
+                      <a:headEnd type="none" w="med" len="med"/>
+                      <a:tailEnd type="none" w="med" len="med"/>
+                    </a:lnT>
+                    <a:lnB w="12700" cap="flat" cmpd="sng" algn="ctr">
+                      <a:solidFill>
+                        <a:schemeClr val="tx1"/>
+                      </a:solidFill>
+                      <a:prstDash val="solid"/>
+                      <a:round/>
+                      <a:headEnd type="none" w="med" len="med"/>
+                      <a:tailEnd type="none" w="med" len="med"/>
+                    </a:lnB>
+                    <a:solidFill>
+                      <a:schemeClr val="bg1"/>
+                    </a:solidFill>
+                  </a:tcPr>
+                </a:tc>
+                <a:tc>
+                  <a:txBody>
+                    <a:bodyPr/>
+                    <a:lstStyle/>
+                    <a:p>
+                      <a:endParaRPr lang="en-US" dirty="0"/>
+                    </a:p>
+                  </a:txBody>
+                  <a:tcPr>
+                    <a:lnL w="12700" cap="flat" cmpd="sng" algn="ctr">
+                      <a:solidFill>
+                        <a:schemeClr val="tx1"/>
+                      </a:solidFill>
+                      <a:prstDash val="solid"/>
+                      <a:round/>
+                      <a:headEnd type="none" w="med" len="med"/>
+                      <a:tailEnd type="none" w="med" len="med"/>
+                    </a:lnL>
+                    <a:lnR w="12700" cap="flat" cmpd="sng" algn="ctr">
+                      <a:solidFill>
+                        <a:schemeClr val="tx1"/>
+                      </a:solidFill>
+                      <a:prstDash val="solid"/>
+                      <a:round/>
+                      <a:headEnd type="none" w="med" len="med"/>
+                      <a:tailEnd type="none" w="med" len="med"/>
+                    </a:lnR>
+                    <a:lnT w="12700" cap="flat" cmpd="sng" algn="ctr">
+                      <a:solidFill>
+                        <a:schemeClr val="tx1"/>
+                      </a:solidFill>
+                      <a:prstDash val="solid"/>
+                      <a:round/>
+                      <a:headEnd type="none" w="med" len="med"/>
+                      <a:tailEnd type="none" w="med" len="med"/>
+                    </a:lnT>
+                    <a:lnB w="12700" cap="flat" cmpd="sng" algn="ctr">
+                      <a:solidFill>
+                        <a:schemeClr val="tx1"/>
+                      </a:solidFill>
+                      <a:prstDash val="solid"/>
+                      <a:round/>
+                      <a:headEnd type="none" w="med" len="med"/>
+                      <a:tailEnd type="none" w="med" len="med"/>
+                    </a:lnB>
+                    <a:solidFill>
+                      <a:schemeClr val="bg1"/>
+                    </a:solidFill>
+                  </a:tcPr>
+                </a:tc>
+                <a:tc>
+                  <a:txBody>
+                    <a:bodyPr/>
+                    <a:lstStyle/>
+                    <a:p>
+                      <a:endParaRPr lang="en-US"/>
+                    </a:p>
+                  </a:txBody>
+                  <a:tcPr>
+                    <a:lnL w="12700" cap="flat" cmpd="sng" algn="ctr">
+                      <a:solidFill>
+                        <a:schemeClr val="tx1"/>
+                      </a:solidFill>
+                      <a:prstDash val="solid"/>
+                      <a:round/>
+                      <a:headEnd type="none" w="med" len="med"/>
+                      <a:tailEnd type="none" w="med" len="med"/>
+                    </a:lnL>
+                    <a:lnR w="12700" cap="flat" cmpd="sng" algn="ctr">
+                      <a:solidFill>
+                        <a:schemeClr val="tx1"/>
+                      </a:solidFill>
+                      <a:prstDash val="solid"/>
+                      <a:round/>
+                      <a:headEnd type="none" w="med" len="med"/>
+                      <a:tailEnd type="none" w="med" len="med"/>
+                    </a:lnR>
+                    <a:lnT w="12700" cap="flat" cmpd="sng" algn="ctr">
+                      <a:solidFill>
+                        <a:schemeClr val="tx1"/>
+                      </a:solidFill>
+                      <a:prstDash val="solid"/>
+                      <a:round/>
+                      <a:headEnd type="none" w="med" len="med"/>
+                      <a:tailEnd type="none" w="med" len="med"/>
+                    </a:lnT>
+                    <a:lnB w="12700" cap="flat" cmpd="sng" algn="ctr">
+                      <a:solidFill>
+                        <a:schemeClr val="tx1"/>
+                      </a:solidFill>
+                      <a:prstDash val="solid"/>
+                      <a:round/>
+                      <a:headEnd type="none" w="med" len="med"/>
+                      <a:tailEnd type="none" w="med" len="med"/>
+                    </a:lnB>
+                    <a:solidFill>
+                      <a:schemeClr val="bg1"/>
+                    </a:solidFill>
+                  </a:tcPr>
+                </a:tc>
+                <a:tc>
+                  <a:txBody>
+                    <a:bodyPr/>
+                    <a:lstStyle/>
+                    <a:p>
+                      <a:endParaRPr lang="en-US" dirty="0"/>
+                    </a:p>
+                  </a:txBody>
+                  <a:tcPr>
+                    <a:lnL w="12700" cap="flat" cmpd="sng" algn="ctr">
+                      <a:solidFill>
+                        <a:schemeClr val="tx1"/>
+                      </a:solidFill>
+                      <a:prstDash val="solid"/>
+                      <a:round/>
+                      <a:headEnd type="none" w="med" len="med"/>
+                      <a:tailEnd type="none" w="med" len="med"/>
+                    </a:lnL>
+                    <a:lnR w="12700" cap="flat" cmpd="sng" algn="ctr">
+                      <a:solidFill>
+                        <a:schemeClr val="tx1"/>
+                      </a:solidFill>
+                      <a:prstDash val="solid"/>
+                      <a:round/>
+                      <a:headEnd type="none" w="med" len="med"/>
+                      <a:tailEnd type="none" w="med" len="med"/>
+                    </a:lnR>
+                    <a:lnT w="12700" cap="flat" cmpd="sng" algn="ctr">
+                      <a:solidFill>
+                        <a:schemeClr val="tx1"/>
+                      </a:solidFill>
+                      <a:prstDash val="solid"/>
+                      <a:round/>
+                      <a:headEnd type="none" w="med" len="med"/>
+                      <a:tailEnd type="none" w="med" len="med"/>
+                    </a:lnT>
+                    <a:lnB w="12700" cap="flat" cmpd="sng" algn="ctr">
+                      <a:solidFill>
+                        <a:schemeClr val="tx1"/>
+                      </a:solidFill>
+                      <a:prstDash val="solid"/>
+                      <a:round/>
+                      <a:headEnd type="none" w="med" len="med"/>
+                      <a:tailEnd type="none" w="med" len="med"/>
+                    </a:lnB>
+                    <a:solidFill>
+                      <a:schemeClr val="bg1"/>
+                    </a:solidFill>
+                  </a:tcPr>
+                </a:tc>
+                <a:tc>
+                  <a:txBody>
+                    <a:bodyPr/>
+                    <a:lstStyle/>
+                    <a:p>
+                      <a:endParaRPr lang="en-US"/>
+                    </a:p>
+                  </a:txBody>
+                  <a:tcPr>
+                    <a:lnL w="12700" cap="flat" cmpd="sng" algn="ctr">
+                      <a:solidFill>
+                        <a:schemeClr val="tx1"/>
+                      </a:solidFill>
+                      <a:prstDash val="solid"/>
+                      <a:round/>
+                      <a:headEnd type="none" w="med" len="med"/>
+                      <a:tailEnd type="none" w="med" len="med"/>
+                    </a:lnL>
+                    <a:lnR w="12700" cap="flat" cmpd="sng" algn="ctr">
+                      <a:solidFill>
+                        <a:schemeClr val="tx1"/>
+                      </a:solidFill>
+                      <a:prstDash val="solid"/>
+                      <a:round/>
+                      <a:headEnd type="none" w="med" len="med"/>
+                      <a:tailEnd type="none" w="med" len="med"/>
+                    </a:lnR>
+                    <a:lnT w="12700" cap="flat" cmpd="sng" algn="ctr">
+                      <a:solidFill>
+                        <a:schemeClr val="tx1"/>
+                      </a:solidFill>
+                      <a:prstDash val="solid"/>
+                      <a:round/>
+                      <a:headEnd type="none" w="med" len="med"/>
+                      <a:tailEnd type="none" w="med" len="med"/>
+                    </a:lnT>
+                    <a:lnB w="12700" cap="flat" cmpd="sng" algn="ctr">
+                      <a:solidFill>
+                        <a:schemeClr val="tx1"/>
+                      </a:solidFill>
+                      <a:prstDash val="solid"/>
+                      <a:round/>
+                      <a:headEnd type="none" w="med" len="med"/>
+                      <a:tailEnd type="none" w="med" len="med"/>
+                    </a:lnB>
+                    <a:solidFill>
+                      <a:schemeClr val="bg1"/>
+                    </a:solidFill>
+                  </a:tcPr>
+                </a:tc>
+                <a:tc>
+                  <a:txBody>
+                    <a:bodyPr/>
+                    <a:lstStyle/>
+                    <a:p>
+                      <a:endParaRPr lang="en-US"/>
+                    </a:p>
+                  </a:txBody>
+                  <a:tcPr>
+                    <a:lnL w="12700" cap="flat" cmpd="sng" algn="ctr">
+                      <a:solidFill>
+                        <a:schemeClr val="tx1"/>
+                      </a:solidFill>
+                      <a:prstDash val="solid"/>
+                      <a:round/>
+                      <a:headEnd type="none" w="med" len="med"/>
+                      <a:tailEnd type="none" w="med" len="med"/>
+                    </a:lnL>
+                    <a:lnR w="12700" cap="flat" cmpd="sng" algn="ctr">
+                      <a:solidFill>
+                        <a:schemeClr val="tx1"/>
+                      </a:solidFill>
+                      <a:prstDash val="solid"/>
+                      <a:round/>
+                      <a:headEnd type="none" w="med" len="med"/>
+                      <a:tailEnd type="none" w="med" len="med"/>
+                    </a:lnR>
+                    <a:lnT w="12700" cap="flat" cmpd="sng" algn="ctr">
+                      <a:solidFill>
+                        <a:schemeClr val="tx1"/>
+                      </a:solidFill>
+                      <a:prstDash val="solid"/>
+                      <a:round/>
+                      <a:headEnd type="none" w="med" len="med"/>
+                      <a:tailEnd type="none" w="med" len="med"/>
+                    </a:lnT>
+                    <a:lnB w="12700" cap="flat" cmpd="sng" algn="ctr">
+                      <a:solidFill>
+                        <a:schemeClr val="tx1"/>
+                      </a:solidFill>
+                      <a:prstDash val="solid"/>
+                      <a:round/>
+                      <a:headEnd type="none" w="med" len="med"/>
+                      <a:tailEnd type="none" w="med" len="med"/>
+                    </a:lnB>
+                    <a:solidFill>
+                      <a:schemeClr val="bg1"/>
+                    </a:solidFill>
+                  </a:tcPr>
+                </a:tc>
+                <a:tc>
+                  <a:txBody>
+                    <a:bodyPr/>
+                    <a:lstStyle/>
+                    <a:p>
+                      <a:endParaRPr lang="en-US"/>
+                    </a:p>
+                  </a:txBody>
+                  <a:tcPr>
+                    <a:lnL w="12700" cap="flat" cmpd="sng" algn="ctr">
+                      <a:solidFill>
+                        <a:schemeClr val="tx1"/>
+                      </a:solidFill>
+                      <a:prstDash val="solid"/>
+                      <a:round/>
+                      <a:headEnd type="none" w="med" len="med"/>
+                      <a:tailEnd type="none" w="med" len="med"/>
+                    </a:lnL>
+                    <a:lnR w="12700" cap="flat" cmpd="sng" algn="ctr">
+                      <a:solidFill>
+                        <a:schemeClr val="tx1"/>
+                      </a:solidFill>
+                      <a:prstDash val="solid"/>
+                      <a:round/>
+                      <a:headEnd type="none" w="med" len="med"/>
+                      <a:tailEnd type="none" w="med" len="med"/>
+                    </a:lnR>
+                    <a:lnT w="12700" cap="flat" cmpd="sng" algn="ctr">
+                      <a:solidFill>
+                        <a:schemeClr val="tx1"/>
+                      </a:solidFill>
+                      <a:prstDash val="solid"/>
+                      <a:round/>
+                      <a:headEnd type="none" w="med" len="med"/>
+                      <a:tailEnd type="none" w="med" len="med"/>
+                    </a:lnT>
+                    <a:lnB w="12700" cap="flat" cmpd="sng" algn="ctr">
+                      <a:solidFill>
+                        <a:schemeClr val="tx1"/>
+                      </a:solidFill>
+                      <a:prstDash val="solid"/>
+                      <a:round/>
+                      <a:headEnd type="none" w="med" len="med"/>
+                      <a:tailEnd type="none" w="med" len="med"/>
+                    </a:lnB>
+                    <a:solidFill>
+                      <a:schemeClr val="bg1"/>
+                    </a:solidFill>
+                  </a:tcPr>
+                </a:tc>
+                <a:extLst>
+                  <a:ext uri="{0D108BD9-81ED-4DB2-BD59-A6C34878D82A}">
+                    <a16:rowId xmlns:a16="http://schemas.microsoft.com/office/drawing/2014/main" val="2613011607"/>
+                  </a:ext>
+                </a:extLst>
+              </a:tr>
+              <a:tr h="810587">
+                <a:tc>
+                  <a:txBody>
+                    <a:bodyPr/>
+                    <a:lstStyle/>
+                    <a:p>
+                      <a:endParaRPr lang="en-US" dirty="0"/>
+                    </a:p>
+                  </a:txBody>
+                  <a:tcPr>
+                    <a:lnL w="12700" cap="flat" cmpd="sng" algn="ctr">
+                      <a:solidFill>
+                        <a:schemeClr val="tx1"/>
+                      </a:solidFill>
+                      <a:prstDash val="solid"/>
+                      <a:round/>
+                      <a:headEnd type="none" w="med" len="med"/>
+                      <a:tailEnd type="none" w="med" len="med"/>
+                    </a:lnL>
+                    <a:lnR w="12700" cap="flat" cmpd="sng" algn="ctr">
+                      <a:solidFill>
+                        <a:schemeClr val="tx1"/>
+                      </a:solidFill>
+                      <a:prstDash val="solid"/>
+                      <a:round/>
+                      <a:headEnd type="none" w="med" len="med"/>
+                      <a:tailEnd type="none" w="med" len="med"/>
+                    </a:lnR>
+                    <a:lnT w="12700" cap="flat" cmpd="sng" algn="ctr">
+                      <a:solidFill>
+                        <a:schemeClr val="tx1"/>
+                      </a:solidFill>
+                      <a:prstDash val="solid"/>
+                      <a:round/>
+                      <a:headEnd type="none" w="med" len="med"/>
+                      <a:tailEnd type="none" w="med" len="med"/>
+                    </a:lnT>
+                    <a:lnB w="12700" cap="flat" cmpd="sng" algn="ctr">
+                      <a:solidFill>
+                        <a:schemeClr val="tx1"/>
+                      </a:solidFill>
+                      <a:prstDash val="solid"/>
+                      <a:round/>
+                      <a:headEnd type="none" w="med" len="med"/>
+                      <a:tailEnd type="none" w="med" len="med"/>
+                    </a:lnB>
+                    <a:solidFill>
+                      <a:schemeClr val="bg1"/>
+                    </a:solidFill>
+                  </a:tcPr>
+                </a:tc>
+                <a:tc>
+                  <a:txBody>
+                    <a:bodyPr/>
+                    <a:lstStyle/>
+                    <a:p>
+                      <a:endParaRPr lang="en-US" dirty="0"/>
+                    </a:p>
+                  </a:txBody>
+                  <a:tcPr>
+                    <a:lnL w="12700" cap="flat" cmpd="sng" algn="ctr">
+                      <a:solidFill>
+                        <a:schemeClr val="tx1"/>
+                      </a:solidFill>
+                      <a:prstDash val="solid"/>
+                      <a:round/>
+                      <a:headEnd type="none" w="med" len="med"/>
+                      <a:tailEnd type="none" w="med" len="med"/>
+                    </a:lnL>
+                    <a:lnR w="12700" cap="flat" cmpd="sng" algn="ctr">
+                      <a:solidFill>
+                        <a:schemeClr val="tx1"/>
+                      </a:solidFill>
+                      <a:prstDash val="solid"/>
+                      <a:round/>
+                      <a:headEnd type="none" w="med" len="med"/>
+                      <a:tailEnd type="none" w="med" len="med"/>
+                    </a:lnR>
+                    <a:lnT w="12700" cap="flat" cmpd="sng" algn="ctr">
+                      <a:solidFill>
+                        <a:schemeClr val="tx1"/>
+                      </a:solidFill>
+                      <a:prstDash val="solid"/>
+                      <a:round/>
+                      <a:headEnd type="none" w="med" len="med"/>
+                      <a:tailEnd type="none" w="med" len="med"/>
+                    </a:lnT>
+                    <a:lnB w="12700" cap="flat" cmpd="sng" algn="ctr">
+                      <a:solidFill>
+                        <a:schemeClr val="tx1"/>
+                      </a:solidFill>
+                      <a:prstDash val="solid"/>
+                      <a:round/>
+                      <a:headEnd type="none" w="med" len="med"/>
+                      <a:tailEnd type="none" w="med" len="med"/>
+                    </a:lnB>
+                    <a:solidFill>
+                      <a:schemeClr val="bg1"/>
+                    </a:solidFill>
+                  </a:tcPr>
+                </a:tc>
+                <a:tc>
+                  <a:txBody>
+                    <a:bodyPr/>
+                    <a:lstStyle/>
+                    <a:p>
+                      <a:endParaRPr lang="en-US"/>
+                    </a:p>
+                  </a:txBody>
+                  <a:tcPr>
+                    <a:lnL w="12700" cap="flat" cmpd="sng" algn="ctr">
+                      <a:solidFill>
+                        <a:schemeClr val="tx1"/>
+                      </a:solidFill>
+                      <a:prstDash val="solid"/>
+                      <a:round/>
+                      <a:headEnd type="none" w="med" len="med"/>
+                      <a:tailEnd type="none" w="med" len="med"/>
+                    </a:lnL>
+                    <a:lnR w="12700" cap="flat" cmpd="sng" algn="ctr">
+                      <a:solidFill>
+                        <a:schemeClr val="tx1"/>
+                      </a:solidFill>
+                      <a:prstDash val="solid"/>
+                      <a:round/>
+                      <a:headEnd type="none" w="med" len="med"/>
+                      <a:tailEnd type="none" w="med" len="med"/>
+                    </a:lnR>
+                    <a:lnT w="12700" cap="flat" cmpd="sng" algn="ctr">
+                      <a:solidFill>
+                        <a:schemeClr val="tx1"/>
+                      </a:solidFill>
+                      <a:prstDash val="solid"/>
+                      <a:round/>
+                      <a:headEnd type="none" w="med" len="med"/>
+                      <a:tailEnd type="none" w="med" len="med"/>
+                    </a:lnT>
+                    <a:lnB w="12700" cap="flat" cmpd="sng" algn="ctr">
+                      <a:solidFill>
+                        <a:schemeClr val="tx1"/>
+                      </a:solidFill>
+                      <a:prstDash val="solid"/>
+                      <a:round/>
+                      <a:headEnd type="none" w="med" len="med"/>
+                      <a:tailEnd type="none" w="med" len="med"/>
+                    </a:lnB>
+                    <a:solidFill>
+                      <a:schemeClr val="bg1"/>
+                    </a:solidFill>
+                  </a:tcPr>
+                </a:tc>
+                <a:tc>
+                  <a:txBody>
+                    <a:bodyPr/>
+                    <a:lstStyle/>
+                    <a:p>
+                      <a:endParaRPr lang="en-US"/>
+                    </a:p>
+                  </a:txBody>
+                  <a:tcPr>
+                    <a:lnL w="12700" cap="flat" cmpd="sng" algn="ctr">
+                      <a:solidFill>
+                        <a:schemeClr val="tx1"/>
+                      </a:solidFill>
+                      <a:prstDash val="solid"/>
+                      <a:round/>
+                      <a:headEnd type="none" w="med" len="med"/>
+                      <a:tailEnd type="none" w="med" len="med"/>
+                    </a:lnL>
+                    <a:lnR w="12700" cap="flat" cmpd="sng" algn="ctr">
+                      <a:solidFill>
+                        <a:schemeClr val="tx1"/>
+                      </a:solidFill>
+                      <a:prstDash val="solid"/>
+                      <a:round/>
+                      <a:headEnd type="none" w="med" len="med"/>
+                      <a:tailEnd type="none" w="med" len="med"/>
+                    </a:lnR>
+                    <a:lnT w="12700" cap="flat" cmpd="sng" algn="ctr">
+                      <a:solidFill>
+                        <a:schemeClr val="tx1"/>
+                      </a:solidFill>
+                      <a:prstDash val="solid"/>
+                      <a:round/>
+                      <a:headEnd type="none" w="med" len="med"/>
+                      <a:tailEnd type="none" w="med" len="med"/>
+                    </a:lnT>
+                    <a:lnB w="12700" cap="flat" cmpd="sng" algn="ctr">
+                      <a:solidFill>
+                        <a:schemeClr val="tx1"/>
+                      </a:solidFill>
+                      <a:prstDash val="solid"/>
+                      <a:round/>
+                      <a:headEnd type="none" w="med" len="med"/>
+                      <a:tailEnd type="none" w="med" len="med"/>
+                    </a:lnB>
+                    <a:solidFill>
+                      <a:schemeClr val="bg1"/>
+                    </a:solidFill>
+                  </a:tcPr>
+                </a:tc>
+                <a:tc>
+                  <a:txBody>
+                    <a:bodyPr/>
+                    <a:lstStyle/>
+                    <a:p>
+                      <a:endParaRPr lang="en-US" dirty="0"/>
+                    </a:p>
+                  </a:txBody>
+                  <a:tcPr>
+                    <a:lnL w="12700" cap="flat" cmpd="sng" algn="ctr">
+                      <a:solidFill>
+                        <a:schemeClr val="tx1"/>
+                      </a:solidFill>
+                      <a:prstDash val="solid"/>
+                      <a:round/>
+                      <a:headEnd type="none" w="med" len="med"/>
+                      <a:tailEnd type="none" w="med" len="med"/>
+                    </a:lnL>
+                    <a:lnR w="12700" cap="flat" cmpd="sng" algn="ctr">
+                      <a:solidFill>
+                        <a:schemeClr val="tx1"/>
+                      </a:solidFill>
+                      <a:prstDash val="solid"/>
+                      <a:round/>
+                      <a:headEnd type="none" w="med" len="med"/>
+                      <a:tailEnd type="none" w="med" len="med"/>
+                    </a:lnR>
+                    <a:lnT w="12700" cap="flat" cmpd="sng" algn="ctr">
+                      <a:solidFill>
+                        <a:schemeClr val="tx1"/>
+                      </a:solidFill>
+                      <a:prstDash val="solid"/>
+                      <a:round/>
+                      <a:headEnd type="none" w="med" len="med"/>
+                      <a:tailEnd type="none" w="med" len="med"/>
+                    </a:lnT>
+                    <a:lnB w="12700" cap="flat" cmpd="sng" algn="ctr">
+                      <a:solidFill>
+                        <a:schemeClr val="tx1"/>
+                      </a:solidFill>
+                      <a:prstDash val="solid"/>
+                      <a:round/>
+                      <a:headEnd type="none" w="med" len="med"/>
+                      <a:tailEnd type="none" w="med" len="med"/>
+                    </a:lnB>
+                    <a:solidFill>
+                      <a:schemeClr val="bg1"/>
+                    </a:solidFill>
+                  </a:tcPr>
+                </a:tc>
+                <a:tc>
+                  <a:txBody>
+                    <a:bodyPr/>
+                    <a:lstStyle/>
+                    <a:p>
+                      <a:endParaRPr lang="en-US" dirty="0"/>
+                    </a:p>
+                  </a:txBody>
+                  <a:tcPr>
+                    <a:lnL w="12700" cap="flat" cmpd="sng" algn="ctr">
+                      <a:solidFill>
+                        <a:schemeClr val="tx1"/>
+                      </a:solidFill>
+                      <a:prstDash val="solid"/>
+                      <a:round/>
+                      <a:headEnd type="none" w="med" len="med"/>
+                      <a:tailEnd type="none" w="med" len="med"/>
+                    </a:lnL>
+                    <a:lnR w="12700" cap="flat" cmpd="sng" algn="ctr">
+                      <a:solidFill>
+                        <a:schemeClr val="tx1"/>
+                      </a:solidFill>
+                      <a:prstDash val="solid"/>
+                      <a:round/>
+                      <a:headEnd type="none" w="med" len="med"/>
+                      <a:tailEnd type="none" w="med" len="med"/>
+                    </a:lnR>
+                    <a:lnT w="12700" cap="flat" cmpd="sng" algn="ctr">
+                      <a:solidFill>
+                        <a:schemeClr val="tx1"/>
+                      </a:solidFill>
+                      <a:prstDash val="solid"/>
+                      <a:round/>
+                      <a:headEnd type="none" w="med" len="med"/>
+                      <a:tailEnd type="none" w="med" len="med"/>
+                    </a:lnT>
+                    <a:lnB w="12700" cap="flat" cmpd="sng" algn="ctr">
+                      <a:solidFill>
+                        <a:schemeClr val="tx1"/>
+                      </a:solidFill>
+                      <a:prstDash val="solid"/>
+                      <a:round/>
+                      <a:headEnd type="none" w="med" len="med"/>
+                      <a:tailEnd type="none" w="med" len="med"/>
+                    </a:lnB>
+                    <a:solidFill>
+                      <a:schemeClr val="bg1"/>
+                    </a:solidFill>
+                  </a:tcPr>
+                </a:tc>
+                <a:tc>
+                  <a:txBody>
+                    <a:bodyPr/>
+                    <a:lstStyle/>
+                    <a:p>
+                      <a:endParaRPr lang="en-US"/>
+                    </a:p>
+                  </a:txBody>
+                  <a:tcPr>
+                    <a:lnL w="12700" cap="flat" cmpd="sng" algn="ctr">
+                      <a:solidFill>
+                        <a:schemeClr val="tx1"/>
+                      </a:solidFill>
+                      <a:prstDash val="solid"/>
+                      <a:round/>
+                      <a:headEnd type="none" w="med" len="med"/>
+                      <a:tailEnd type="none" w="med" len="med"/>
+                    </a:lnL>
+                    <a:lnR w="12700" cap="flat" cmpd="sng" algn="ctr">
+                      <a:solidFill>
+                        <a:schemeClr val="tx1"/>
+                      </a:solidFill>
+                      <a:prstDash val="solid"/>
+                      <a:round/>
+                      <a:headEnd type="none" w="med" len="med"/>
+                      <a:tailEnd type="none" w="med" len="med"/>
+                    </a:lnR>
+                    <a:lnT w="12700" cap="flat" cmpd="sng" algn="ctr">
+                      <a:solidFill>
+                        <a:schemeClr val="tx1"/>
+                      </a:solidFill>
+                      <a:prstDash val="solid"/>
+                      <a:round/>
+                      <a:headEnd type="none" w="med" len="med"/>
+                      <a:tailEnd type="none" w="med" len="med"/>
+                    </a:lnT>
+                    <a:lnB w="12700" cap="flat" cmpd="sng" algn="ctr">
+                      <a:solidFill>
+                        <a:schemeClr val="tx1"/>
+                      </a:solidFill>
+                      <a:prstDash val="solid"/>
+                      <a:round/>
+                      <a:headEnd type="none" w="med" len="med"/>
+                      <a:tailEnd type="none" w="med" len="med"/>
+                    </a:lnB>
+                    <a:solidFill>
+                      <a:schemeClr val="bg1"/>
+                    </a:solidFill>
+                  </a:tcPr>
+                </a:tc>
+                <a:tc>
+                  <a:txBody>
+                    <a:bodyPr/>
+                    <a:lstStyle/>
+                    <a:p>
+                      <a:endParaRPr lang="en-US"/>
+                    </a:p>
+                  </a:txBody>
+                  <a:tcPr>
+                    <a:lnL w="12700" cap="flat" cmpd="sng" algn="ctr">
+                      <a:solidFill>
+                        <a:schemeClr val="tx1"/>
+                      </a:solidFill>
+                      <a:prstDash val="solid"/>
+                      <a:round/>
+                      <a:headEnd type="none" w="med" len="med"/>
+                      <a:tailEnd type="none" w="med" len="med"/>
+                    </a:lnL>
+                    <a:lnR w="12700" cap="flat" cmpd="sng" algn="ctr">
+                      <a:solidFill>
+                        <a:schemeClr val="tx1"/>
+                      </a:solidFill>
+                      <a:prstDash val="solid"/>
+                      <a:round/>
+                      <a:headEnd type="none" w="med" len="med"/>
+                      <a:tailEnd type="none" w="med" len="med"/>
+                    </a:lnR>
+                    <a:lnT w="12700" cap="flat" cmpd="sng" algn="ctr">
+                      <a:solidFill>
+                        <a:schemeClr val="tx1"/>
+                      </a:solidFill>
+                      <a:prstDash val="solid"/>
+                      <a:round/>
+                      <a:headEnd type="none" w="med" len="med"/>
+                      <a:tailEnd type="none" w="med" len="med"/>
+                    </a:lnT>
+                    <a:lnB w="12700" cap="flat" cmpd="sng" algn="ctr">
+                      <a:solidFill>
+                        <a:schemeClr val="tx1"/>
+                      </a:solidFill>
+                      <a:prstDash val="solid"/>
+                      <a:round/>
+                      <a:headEnd type="none" w="med" len="med"/>
+                      <a:tailEnd type="none" w="med" len="med"/>
+                    </a:lnB>
+                    <a:solidFill>
+                      <a:schemeClr val="bg1"/>
+                    </a:solidFill>
+                  </a:tcPr>
+                </a:tc>
+                <a:extLst>
+                  <a:ext uri="{0D108BD9-81ED-4DB2-BD59-A6C34878D82A}">
+                    <a16:rowId xmlns:a16="http://schemas.microsoft.com/office/drawing/2014/main" val="2680860295"/>
+                  </a:ext>
+                </a:extLst>
+              </a:tr>
+              <a:tr h="810587">
+                <a:tc>
+                  <a:txBody>
+                    <a:bodyPr/>
+                    <a:lstStyle/>
+                    <a:p>
+                      <a:endParaRPr lang="en-US" dirty="0"/>
+                    </a:p>
+                  </a:txBody>
+                  <a:tcPr>
+                    <a:lnL w="12700" cap="flat" cmpd="sng" algn="ctr">
+                      <a:solidFill>
+                        <a:schemeClr val="tx1"/>
+                      </a:solidFill>
+                      <a:prstDash val="solid"/>
+                      <a:round/>
+                      <a:headEnd type="none" w="med" len="med"/>
+                      <a:tailEnd type="none" w="med" len="med"/>
+                    </a:lnL>
+                    <a:lnR w="12700" cap="flat" cmpd="sng" algn="ctr">
+                      <a:solidFill>
+                        <a:schemeClr val="tx1"/>
+                      </a:solidFill>
+                      <a:prstDash val="solid"/>
+                      <a:round/>
+                      <a:headEnd type="none" w="med" len="med"/>
+                      <a:tailEnd type="none" w="med" len="med"/>
+                    </a:lnR>
+                    <a:lnT w="12700" cap="flat" cmpd="sng" algn="ctr">
+                      <a:solidFill>
+                        <a:schemeClr val="tx1"/>
+                      </a:solidFill>
+                      <a:prstDash val="solid"/>
+                      <a:round/>
+                      <a:headEnd type="none" w="med" len="med"/>
+                      <a:tailEnd type="none" w="med" len="med"/>
+                    </a:lnT>
+                    <a:lnB w="12700" cap="flat" cmpd="sng" algn="ctr">
+                      <a:solidFill>
+                        <a:schemeClr val="tx1"/>
+                      </a:solidFill>
+                      <a:prstDash val="solid"/>
+                      <a:round/>
+                      <a:headEnd type="none" w="med" len="med"/>
+                      <a:tailEnd type="none" w="med" len="med"/>
+                    </a:lnB>
+                    <a:solidFill>
+                      <a:schemeClr val="bg1"/>
+                    </a:solidFill>
+                  </a:tcPr>
+                </a:tc>
+                <a:tc>
+                  <a:txBody>
+                    <a:bodyPr/>
+                    <a:lstStyle/>
+                    <a:p>
+                      <a:endParaRPr lang="en-US"/>
+                    </a:p>
+                  </a:txBody>
+                  <a:tcPr>
+                    <a:lnL w="12700" cap="flat" cmpd="sng" algn="ctr">
+                      <a:solidFill>
+                        <a:schemeClr val="tx1"/>
+                      </a:solidFill>
+                      <a:prstDash val="solid"/>
+                      <a:round/>
+                      <a:headEnd type="none" w="med" len="med"/>
+                      <a:tailEnd type="none" w="med" len="med"/>
+                    </a:lnL>
+                    <a:lnR w="12700" cap="flat" cmpd="sng" algn="ctr">
+                      <a:solidFill>
+                        <a:schemeClr val="tx1"/>
+                      </a:solidFill>
+                      <a:prstDash val="solid"/>
+                      <a:round/>
+                      <a:headEnd type="none" w="med" len="med"/>
+                      <a:tailEnd type="none" w="med" len="med"/>
+                    </a:lnR>
+                    <a:lnT w="12700" cap="flat" cmpd="sng" algn="ctr">
+                      <a:solidFill>
+                        <a:schemeClr val="tx1"/>
+                      </a:solidFill>
+                      <a:prstDash val="solid"/>
+                      <a:round/>
+                      <a:headEnd type="none" w="med" len="med"/>
+                      <a:tailEnd type="none" w="med" len="med"/>
+                    </a:lnT>
+                    <a:lnB w="12700" cap="flat" cmpd="sng" algn="ctr">
+                      <a:solidFill>
+                        <a:schemeClr val="tx1"/>
+                      </a:solidFill>
+                      <a:prstDash val="solid"/>
+                      <a:round/>
+                      <a:headEnd type="none" w="med" len="med"/>
+                      <a:tailEnd type="none" w="med" len="med"/>
+                    </a:lnB>
+                    <a:solidFill>
+                      <a:schemeClr val="bg1"/>
+                    </a:solidFill>
+                  </a:tcPr>
+                </a:tc>
+                <a:tc>
+                  <a:txBody>
+                    <a:bodyPr/>
+                    <a:lstStyle/>
+                    <a:p>
+                      <a:endParaRPr lang="en-US" dirty="0"/>
+                    </a:p>
+                  </a:txBody>
+                  <a:tcPr>
+                    <a:lnL w="12700" cap="flat" cmpd="sng" algn="ctr">
+                      <a:solidFill>
+                        <a:schemeClr val="tx1"/>
+                      </a:solidFill>
+                      <a:prstDash val="solid"/>
+                      <a:round/>
+                      <a:headEnd type="none" w="med" len="med"/>
+                      <a:tailEnd type="none" w="med" len="med"/>
+                    </a:lnL>
+                    <a:lnR w="12700" cap="flat" cmpd="sng" algn="ctr">
+                      <a:solidFill>
+                        <a:schemeClr val="tx1"/>
+                      </a:solidFill>
+                      <a:prstDash val="solid"/>
+                      <a:round/>
+                      <a:headEnd type="none" w="med" len="med"/>
+                      <a:tailEnd type="none" w="med" len="med"/>
+                    </a:lnR>
+                    <a:lnT w="12700" cap="flat" cmpd="sng" algn="ctr">
+                      <a:solidFill>
+                        <a:schemeClr val="tx1"/>
+                      </a:solidFill>
+                      <a:prstDash val="solid"/>
+                      <a:round/>
+                      <a:headEnd type="none" w="med" len="med"/>
+                      <a:tailEnd type="none" w="med" len="med"/>
+                    </a:lnT>
+                    <a:lnB w="12700" cap="flat" cmpd="sng" algn="ctr">
+                      <a:solidFill>
+                        <a:schemeClr val="tx1"/>
+                      </a:solidFill>
+                      <a:prstDash val="solid"/>
+                      <a:round/>
+                      <a:headEnd type="none" w="med" len="med"/>
+                      <a:tailEnd type="none" w="med" len="med"/>
+                    </a:lnB>
+                    <a:solidFill>
+                      <a:schemeClr val="bg1"/>
+                    </a:solidFill>
+                  </a:tcPr>
+                </a:tc>
+                <a:tc>
+                  <a:txBody>
+                    <a:bodyPr/>
+                    <a:lstStyle/>
+                    <a:p>
+                      <a:endParaRPr lang="en-US" dirty="0"/>
+                    </a:p>
+                  </a:txBody>
+                  <a:tcPr>
+                    <a:lnL w="12700" cap="flat" cmpd="sng" algn="ctr">
+                      <a:solidFill>
+                        <a:schemeClr val="tx1"/>
+                      </a:solidFill>
+                      <a:prstDash val="solid"/>
+                      <a:round/>
+                      <a:headEnd type="none" w="med" len="med"/>
+                      <a:tailEnd type="none" w="med" len="med"/>
+                    </a:lnL>
+                    <a:lnR w="12700" cap="flat" cmpd="sng" algn="ctr">
+                      <a:solidFill>
+                        <a:schemeClr val="tx1"/>
+                      </a:solidFill>
+                      <a:prstDash val="solid"/>
+                      <a:round/>
+                      <a:headEnd type="none" w="med" len="med"/>
+                      <a:tailEnd type="none" w="med" len="med"/>
+                    </a:lnR>
+                    <a:lnT w="12700" cap="flat" cmpd="sng" algn="ctr">
+                      <a:solidFill>
+                        <a:schemeClr val="tx1"/>
+                      </a:solidFill>
+                      <a:prstDash val="solid"/>
+                      <a:round/>
+                      <a:headEnd type="none" w="med" len="med"/>
+                      <a:tailEnd type="none" w="med" len="med"/>
+                    </a:lnT>
+                    <a:lnB w="12700" cap="flat" cmpd="sng" algn="ctr">
+                      <a:solidFill>
+                        <a:schemeClr val="tx1"/>
+                      </a:solidFill>
+                      <a:prstDash val="solid"/>
+                      <a:round/>
+                      <a:headEnd type="none" w="med" len="med"/>
+                      <a:tailEnd type="none" w="med" len="med"/>
+                    </a:lnB>
+                    <a:solidFill>
+                      <a:schemeClr val="bg1"/>
+                    </a:solidFill>
+                  </a:tcPr>
+                </a:tc>
+                <a:tc>
+                  <a:txBody>
+                    <a:bodyPr/>
+                    <a:lstStyle/>
+                    <a:p>
+                      <a:endParaRPr lang="en-US"/>
+                    </a:p>
+                  </a:txBody>
+                  <a:tcPr>
+                    <a:lnL w="12700" cap="flat" cmpd="sng" algn="ctr">
+                      <a:solidFill>
+                        <a:schemeClr val="tx1"/>
+                      </a:solidFill>
+                      <a:prstDash val="solid"/>
+                      <a:round/>
+                      <a:headEnd type="none" w="med" len="med"/>
+                      <a:tailEnd type="none" w="med" len="med"/>
+                    </a:lnL>
+                    <a:lnR w="12700" cap="flat" cmpd="sng" algn="ctr">
+                      <a:solidFill>
+                        <a:schemeClr val="tx1"/>
+                      </a:solidFill>
+                      <a:prstDash val="solid"/>
+                      <a:round/>
+                      <a:headEnd type="none" w="med" len="med"/>
+                      <a:tailEnd type="none" w="med" len="med"/>
+                    </a:lnR>
+                    <a:lnT w="12700" cap="flat" cmpd="sng" algn="ctr">
+                      <a:solidFill>
+                        <a:schemeClr val="tx1"/>
+                      </a:solidFill>
+                      <a:prstDash val="solid"/>
+                      <a:round/>
+                      <a:headEnd type="none" w="med" len="med"/>
+                      <a:tailEnd type="none" w="med" len="med"/>
+                    </a:lnT>
+                    <a:lnB w="12700" cap="flat" cmpd="sng" algn="ctr">
+                      <a:solidFill>
+                        <a:schemeClr val="tx1"/>
+                      </a:solidFill>
+                      <a:prstDash val="solid"/>
+                      <a:round/>
+                      <a:headEnd type="none" w="med" len="med"/>
+                      <a:tailEnd type="none" w="med" len="med"/>
+                    </a:lnB>
+                    <a:solidFill>
+                      <a:schemeClr val="bg1"/>
+                    </a:solidFill>
+                  </a:tcPr>
+                </a:tc>
+                <a:tc>
+                  <a:txBody>
+                    <a:bodyPr/>
+                    <a:lstStyle/>
+                    <a:p>
+                      <a:endParaRPr lang="en-US" dirty="0"/>
+                    </a:p>
+                  </a:txBody>
+                  <a:tcPr>
+                    <a:lnL w="12700" cap="flat" cmpd="sng" algn="ctr">
+                      <a:solidFill>
+                        <a:schemeClr val="tx1"/>
+                      </a:solidFill>
+                      <a:prstDash val="solid"/>
+                      <a:round/>
+                      <a:headEnd type="none" w="med" len="med"/>
+                      <a:tailEnd type="none" w="med" len="med"/>
+                    </a:lnL>
+                    <a:lnR w="12700" cap="flat" cmpd="sng" algn="ctr">
+                      <a:solidFill>
+                        <a:schemeClr val="tx1"/>
+                      </a:solidFill>
+                      <a:prstDash val="solid"/>
+                      <a:round/>
+                      <a:headEnd type="none" w="med" len="med"/>
+                      <a:tailEnd type="none" w="med" len="med"/>
+                    </a:lnR>
+                    <a:lnT w="12700" cap="flat" cmpd="sng" algn="ctr">
+                      <a:solidFill>
+                        <a:schemeClr val="tx1"/>
+                      </a:solidFill>
+                      <a:prstDash val="solid"/>
+                      <a:round/>
+                      <a:headEnd type="none" w="med" len="med"/>
+                      <a:tailEnd type="none" w="med" len="med"/>
+                    </a:lnT>
+                    <a:lnB w="12700" cap="flat" cmpd="sng" algn="ctr">
+                      <a:solidFill>
+                        <a:schemeClr val="tx1"/>
+                      </a:solidFill>
+                      <a:prstDash val="solid"/>
+                      <a:round/>
+                      <a:headEnd type="none" w="med" len="med"/>
+                      <a:tailEnd type="none" w="med" len="med"/>
+                    </a:lnB>
+                    <a:solidFill>
+                      <a:schemeClr val="bg1"/>
+                    </a:solidFill>
+                  </a:tcPr>
+                </a:tc>
+                <a:tc>
+                  <a:txBody>
+                    <a:bodyPr/>
+                    <a:lstStyle/>
+                    <a:p>
+                      <a:endParaRPr lang="en-US"/>
+                    </a:p>
+                  </a:txBody>
+                  <a:tcPr>
+                    <a:lnL w="12700" cap="flat" cmpd="sng" algn="ctr">
+                      <a:solidFill>
+                        <a:schemeClr val="tx1"/>
+                      </a:solidFill>
+                      <a:prstDash val="solid"/>
+                      <a:round/>
+                      <a:headEnd type="none" w="med" len="med"/>
+                      <a:tailEnd type="none" w="med" len="med"/>
+                    </a:lnL>
+                    <a:lnR w="12700" cap="flat" cmpd="sng" algn="ctr">
+                      <a:solidFill>
+                        <a:schemeClr val="tx1"/>
+                      </a:solidFill>
+                      <a:prstDash val="solid"/>
+                      <a:round/>
+                      <a:headEnd type="none" w="med" len="med"/>
+                      <a:tailEnd type="none" w="med" len="med"/>
+                    </a:lnR>
+                    <a:lnT w="12700" cap="flat" cmpd="sng" algn="ctr">
+                      <a:solidFill>
+                        <a:schemeClr val="tx1"/>
+                      </a:solidFill>
+                      <a:prstDash val="solid"/>
+                      <a:round/>
+                      <a:headEnd type="none" w="med" len="med"/>
+                      <a:tailEnd type="none" w="med" len="med"/>
+                    </a:lnT>
+                    <a:lnB w="12700" cap="flat" cmpd="sng" algn="ctr">
+                      <a:solidFill>
+                        <a:schemeClr val="tx1"/>
+                      </a:solidFill>
+                      <a:prstDash val="solid"/>
+                      <a:round/>
+                      <a:headEnd type="none" w="med" len="med"/>
+                      <a:tailEnd type="none" w="med" len="med"/>
+                    </a:lnB>
+                    <a:solidFill>
+                      <a:schemeClr val="bg1"/>
+                    </a:solidFill>
+                  </a:tcPr>
+                </a:tc>
+                <a:tc>
+                  <a:txBody>
+                    <a:bodyPr/>
+                    <a:lstStyle/>
+                    <a:p>
+                      <a:endParaRPr lang="en-US" dirty="0"/>
+                    </a:p>
+                  </a:txBody>
+                  <a:tcPr>
+                    <a:lnL w="12700" cap="flat" cmpd="sng" algn="ctr">
+                      <a:solidFill>
+                        <a:schemeClr val="tx1"/>
+                      </a:solidFill>
+                      <a:prstDash val="solid"/>
+                      <a:round/>
+                      <a:headEnd type="none" w="med" len="med"/>
+                      <a:tailEnd type="none" w="med" len="med"/>
+                    </a:lnL>
+                    <a:lnR w="12700" cap="flat" cmpd="sng" algn="ctr">
+                      <a:solidFill>
+                        <a:schemeClr val="tx1"/>
+                      </a:solidFill>
+                      <a:prstDash val="solid"/>
+                      <a:round/>
+                      <a:headEnd type="none" w="med" len="med"/>
+                      <a:tailEnd type="none" w="med" len="med"/>
+                    </a:lnR>
+                    <a:lnT w="12700" cap="flat" cmpd="sng" algn="ctr">
+                      <a:solidFill>
+                        <a:schemeClr val="tx1"/>
+                      </a:solidFill>
+                      <a:prstDash val="solid"/>
+                      <a:round/>
+                      <a:headEnd type="none" w="med" len="med"/>
+                      <a:tailEnd type="none" w="med" len="med"/>
+                    </a:lnT>
+                    <a:lnB w="12700" cap="flat" cmpd="sng" algn="ctr">
+                      <a:solidFill>
+                        <a:schemeClr val="tx1"/>
+                      </a:solidFill>
+                      <a:prstDash val="solid"/>
+                      <a:round/>
+                      <a:headEnd type="none" w="med" len="med"/>
+                      <a:tailEnd type="none" w="med" len="med"/>
+                    </a:lnB>
+                    <a:solidFill>
+                      <a:schemeClr val="bg1"/>
+                    </a:solidFill>
+                  </a:tcPr>
+                </a:tc>
+                <a:extLst>
+                  <a:ext uri="{0D108BD9-81ED-4DB2-BD59-A6C34878D82A}">
+                    <a16:rowId xmlns:a16="http://schemas.microsoft.com/office/drawing/2014/main" val="2513433296"/>
+                  </a:ext>
+                </a:extLst>
+              </a:tr>
+              <a:tr h="810587">
+                <a:tc>
+                  <a:txBody>
+                    <a:bodyPr/>
+                    <a:lstStyle/>
+                    <a:p>
+                      <a:endParaRPr lang="en-US"/>
+                    </a:p>
+                  </a:txBody>
+                  <a:tcPr>
+                    <a:lnL w="12700" cap="flat" cmpd="sng" algn="ctr">
+                      <a:solidFill>
+                        <a:schemeClr val="tx1"/>
+                      </a:solidFill>
+                      <a:prstDash val="solid"/>
+                      <a:round/>
+                      <a:headEnd type="none" w="med" len="med"/>
+                      <a:tailEnd type="none" w="med" len="med"/>
+                    </a:lnL>
+                    <a:lnR w="12700" cap="flat" cmpd="sng" algn="ctr">
+                      <a:solidFill>
+                        <a:schemeClr val="tx1"/>
+                      </a:solidFill>
+                      <a:prstDash val="solid"/>
+                      <a:round/>
+                      <a:headEnd type="none" w="med" len="med"/>
+                      <a:tailEnd type="none" w="med" len="med"/>
+                    </a:lnR>
+                    <a:lnT w="12700" cap="flat" cmpd="sng" algn="ctr">
+                      <a:solidFill>
+                        <a:schemeClr val="tx1"/>
+                      </a:solidFill>
+                      <a:prstDash val="solid"/>
+                      <a:round/>
+                      <a:headEnd type="none" w="med" len="med"/>
+                      <a:tailEnd type="none" w="med" len="med"/>
+                    </a:lnT>
+                    <a:lnB w="12700" cap="flat" cmpd="sng" algn="ctr">
+                      <a:solidFill>
+                        <a:schemeClr val="tx1"/>
+                      </a:solidFill>
+                      <a:prstDash val="solid"/>
+                      <a:round/>
+                      <a:headEnd type="none" w="med" len="med"/>
+                      <a:tailEnd type="none" w="med" len="med"/>
+                    </a:lnB>
+                    <a:solidFill>
+                      <a:schemeClr val="bg1"/>
+                    </a:solidFill>
+                  </a:tcPr>
+                </a:tc>
+                <a:tc>
+                  <a:txBody>
+                    <a:bodyPr/>
+                    <a:lstStyle/>
+                    <a:p>
+                      <a:endParaRPr lang="en-US" dirty="0"/>
+                    </a:p>
+                  </a:txBody>
+                  <a:tcPr>
+                    <a:lnL w="12700" cap="flat" cmpd="sng" algn="ctr">
+                      <a:solidFill>
+                        <a:schemeClr val="tx1"/>
+                      </a:solidFill>
+                      <a:prstDash val="solid"/>
+                      <a:round/>
+                      <a:headEnd type="none" w="med" len="med"/>
+                      <a:tailEnd type="none" w="med" len="med"/>
+                    </a:lnL>
+                    <a:lnR w="12700" cap="flat" cmpd="sng" algn="ctr">
+                      <a:solidFill>
+                        <a:schemeClr val="tx1"/>
+                      </a:solidFill>
+                      <a:prstDash val="solid"/>
+                      <a:round/>
+                      <a:headEnd type="none" w="med" len="med"/>
+                      <a:tailEnd type="none" w="med" len="med"/>
+                    </a:lnR>
+                    <a:lnT w="12700" cap="flat" cmpd="sng" algn="ctr">
+                      <a:solidFill>
+                        <a:schemeClr val="tx1"/>
+                      </a:solidFill>
+                      <a:prstDash val="solid"/>
+                      <a:round/>
+                      <a:headEnd type="none" w="med" len="med"/>
+                      <a:tailEnd type="none" w="med" len="med"/>
+                    </a:lnT>
+                    <a:lnB w="12700" cap="flat" cmpd="sng" algn="ctr">
+                      <a:solidFill>
+                        <a:schemeClr val="tx1"/>
+                      </a:solidFill>
+                      <a:prstDash val="solid"/>
+                      <a:round/>
+                      <a:headEnd type="none" w="med" len="med"/>
+                      <a:tailEnd type="none" w="med" len="med"/>
+                    </a:lnB>
+                    <a:solidFill>
+                      <a:schemeClr val="bg1"/>
+                    </a:solidFill>
+                  </a:tcPr>
+                </a:tc>
+                <a:tc>
+                  <a:txBody>
+                    <a:bodyPr/>
+                    <a:lstStyle/>
+                    <a:p>
+                      <a:endParaRPr lang="en-US"/>
+                    </a:p>
+                  </a:txBody>
+                  <a:tcPr>
+                    <a:lnL w="12700" cap="flat" cmpd="sng" algn="ctr">
+                      <a:solidFill>
+                        <a:schemeClr val="tx1"/>
+                      </a:solidFill>
+                      <a:prstDash val="solid"/>
+                      <a:round/>
+                      <a:headEnd type="none" w="med" len="med"/>
+                      <a:tailEnd type="none" w="med" len="med"/>
+                    </a:lnL>
+                    <a:lnR w="12700" cap="flat" cmpd="sng" algn="ctr">
+                      <a:solidFill>
+                        <a:schemeClr val="tx1"/>
+                      </a:solidFill>
+                      <a:prstDash val="solid"/>
+                      <a:round/>
+                      <a:headEnd type="none" w="med" len="med"/>
+                      <a:tailEnd type="none" w="med" len="med"/>
+                    </a:lnR>
+                    <a:lnT w="12700" cap="flat" cmpd="sng" algn="ctr">
+                      <a:solidFill>
+                        <a:schemeClr val="tx1"/>
+                      </a:solidFill>
+                      <a:prstDash val="solid"/>
+                      <a:round/>
+                      <a:headEnd type="none" w="med" len="med"/>
+                      <a:tailEnd type="none" w="med" len="med"/>
+                    </a:lnT>
+                    <a:lnB w="12700" cap="flat" cmpd="sng" algn="ctr">
+                      <a:solidFill>
+                        <a:schemeClr val="tx1"/>
+                      </a:solidFill>
+                      <a:prstDash val="solid"/>
+                      <a:round/>
+                      <a:headEnd type="none" w="med" len="med"/>
+                      <a:tailEnd type="none" w="med" len="med"/>
+                    </a:lnB>
+                    <a:solidFill>
+                      <a:schemeClr val="bg1"/>
+                    </a:solidFill>
+                  </a:tcPr>
+                </a:tc>
+                <a:tc>
+                  <a:txBody>
+                    <a:bodyPr/>
+                    <a:lstStyle/>
+                    <a:p>
+                      <a:endParaRPr lang="en-US" dirty="0"/>
+                    </a:p>
+                  </a:txBody>
+                  <a:tcPr>
+                    <a:lnL w="12700" cap="flat" cmpd="sng" algn="ctr">
+                      <a:solidFill>
+                        <a:schemeClr val="tx1"/>
+                      </a:solidFill>
+                      <a:prstDash val="solid"/>
+                      <a:round/>
+                      <a:headEnd type="none" w="med" len="med"/>
+                      <a:tailEnd type="none" w="med" len="med"/>
+                    </a:lnL>
+                    <a:lnR w="12700" cap="flat" cmpd="sng" algn="ctr">
+                      <a:solidFill>
+                        <a:schemeClr val="tx1"/>
+                      </a:solidFill>
+                      <a:prstDash val="solid"/>
+                      <a:round/>
+                      <a:headEnd type="none" w="med" len="med"/>
+                      <a:tailEnd type="none" w="med" len="med"/>
+                    </a:lnR>
+                    <a:lnT w="12700" cap="flat" cmpd="sng" algn="ctr">
+                      <a:solidFill>
+                        <a:schemeClr val="tx1"/>
+                      </a:solidFill>
+                      <a:prstDash val="solid"/>
+                      <a:round/>
+                      <a:headEnd type="none" w="med" len="med"/>
+                      <a:tailEnd type="none" w="med" len="med"/>
+                    </a:lnT>
+                    <a:lnB w="12700" cap="flat" cmpd="sng" algn="ctr">
+                      <a:solidFill>
+                        <a:schemeClr val="tx1"/>
+                      </a:solidFill>
+                      <a:prstDash val="solid"/>
+                      <a:round/>
+                      <a:headEnd type="none" w="med" len="med"/>
+                      <a:tailEnd type="none" w="med" len="med"/>
+                    </a:lnB>
+                    <a:solidFill>
+                      <a:schemeClr val="bg1"/>
+                    </a:solidFill>
+                  </a:tcPr>
+                </a:tc>
+                <a:tc>
+                  <a:txBody>
+                    <a:bodyPr/>
+                    <a:lstStyle/>
+                    <a:p>
+                      <a:endParaRPr lang="en-US" dirty="0"/>
+                    </a:p>
+                  </a:txBody>
+                  <a:tcPr>
+                    <a:lnL w="12700" cap="flat" cmpd="sng" algn="ctr">
+                      <a:solidFill>
+                        <a:schemeClr val="tx1"/>
+                      </a:solidFill>
+                      <a:prstDash val="solid"/>
+                      <a:round/>
+                      <a:headEnd type="none" w="med" len="med"/>
+                      <a:tailEnd type="none" w="med" len="med"/>
+                    </a:lnL>
+                    <a:lnR w="12700" cap="flat" cmpd="sng" algn="ctr">
+                      <a:solidFill>
+                        <a:schemeClr val="tx1"/>
+                      </a:solidFill>
+                      <a:prstDash val="solid"/>
+                      <a:round/>
+                      <a:headEnd type="none" w="med" len="med"/>
+                      <a:tailEnd type="none" w="med" len="med"/>
+                    </a:lnR>
+                    <a:lnT w="12700" cap="flat" cmpd="sng" algn="ctr">
+                      <a:solidFill>
+                        <a:schemeClr val="tx1"/>
+                      </a:solidFill>
+                      <a:prstDash val="solid"/>
+                      <a:round/>
+                      <a:headEnd type="none" w="med" len="med"/>
+                      <a:tailEnd type="none" w="med" len="med"/>
+                    </a:lnT>
+                    <a:lnB w="12700" cap="flat" cmpd="sng" algn="ctr">
+                      <a:solidFill>
+                        <a:schemeClr val="tx1"/>
+                      </a:solidFill>
+                      <a:prstDash val="solid"/>
+                      <a:round/>
+                      <a:headEnd type="none" w="med" len="med"/>
+                      <a:tailEnd type="none" w="med" len="med"/>
+                    </a:lnB>
+                    <a:solidFill>
+                      <a:schemeClr val="bg1"/>
+                    </a:solidFill>
+                  </a:tcPr>
+                </a:tc>
+                <a:tc>
+                  <a:txBody>
+                    <a:bodyPr/>
+                    <a:lstStyle/>
+                    <a:p>
+                      <a:endParaRPr lang="en-US" dirty="0"/>
+                    </a:p>
+                  </a:txBody>
+                  <a:tcPr>
+                    <a:lnL w="12700" cap="flat" cmpd="sng" algn="ctr">
+                      <a:solidFill>
+                        <a:schemeClr val="tx1"/>
+                      </a:solidFill>
+                      <a:prstDash val="solid"/>
+                      <a:round/>
+                      <a:headEnd type="none" w="med" len="med"/>
+                      <a:tailEnd type="none" w="med" len="med"/>
+                    </a:lnL>
+                    <a:lnR w="12700" cap="flat" cmpd="sng" algn="ctr">
+                      <a:solidFill>
+                        <a:schemeClr val="tx1"/>
+                      </a:solidFill>
+                      <a:prstDash val="solid"/>
+                      <a:round/>
+                      <a:headEnd type="none" w="med" len="med"/>
+                      <a:tailEnd type="none" w="med" len="med"/>
+                    </a:lnR>
+                    <a:lnT w="12700" cap="flat" cmpd="sng" algn="ctr">
+                      <a:solidFill>
+                        <a:schemeClr val="tx1"/>
+                      </a:solidFill>
+                      <a:prstDash val="solid"/>
+                      <a:round/>
+                      <a:headEnd type="none" w="med" len="med"/>
+                      <a:tailEnd type="none" w="med" len="med"/>
+                    </a:lnT>
+                    <a:lnB w="12700" cap="flat" cmpd="sng" algn="ctr">
+                      <a:solidFill>
+                        <a:schemeClr val="tx1"/>
+                      </a:solidFill>
+                      <a:prstDash val="solid"/>
+                      <a:round/>
+                      <a:headEnd type="none" w="med" len="med"/>
+                      <a:tailEnd type="none" w="med" len="med"/>
+                    </a:lnB>
+                    <a:solidFill>
+                      <a:schemeClr val="bg1"/>
+                    </a:solidFill>
+                  </a:tcPr>
+                </a:tc>
+                <a:tc>
+                  <a:txBody>
+                    <a:bodyPr/>
+                    <a:lstStyle/>
+                    <a:p>
+                      <a:endParaRPr lang="en-US"/>
+                    </a:p>
+                  </a:txBody>
+                  <a:tcPr>
+                    <a:lnL w="12700" cap="flat" cmpd="sng" algn="ctr">
+                      <a:solidFill>
+                        <a:schemeClr val="tx1"/>
+                      </a:solidFill>
+                      <a:prstDash val="solid"/>
+                      <a:round/>
+                      <a:headEnd type="none" w="med" len="med"/>
+                      <a:tailEnd type="none" w="med" len="med"/>
+                    </a:lnL>
+                    <a:lnR w="12700" cap="flat" cmpd="sng" algn="ctr">
+                      <a:solidFill>
+                        <a:schemeClr val="tx1"/>
+                      </a:solidFill>
+                      <a:prstDash val="solid"/>
+                      <a:round/>
+                      <a:headEnd type="none" w="med" len="med"/>
+                      <a:tailEnd type="none" w="med" len="med"/>
+                    </a:lnR>
+                    <a:lnT w="12700" cap="flat" cmpd="sng" algn="ctr">
+                      <a:solidFill>
+                        <a:schemeClr val="tx1"/>
+                      </a:solidFill>
+                      <a:prstDash val="solid"/>
+                      <a:round/>
+                      <a:headEnd type="none" w="med" len="med"/>
+                      <a:tailEnd type="none" w="med" len="med"/>
+                    </a:lnT>
+                    <a:lnB w="12700" cap="flat" cmpd="sng" algn="ctr">
+                      <a:solidFill>
+                        <a:schemeClr val="tx1"/>
+                      </a:solidFill>
+                      <a:prstDash val="solid"/>
+                      <a:round/>
+                      <a:headEnd type="none" w="med" len="med"/>
+                      <a:tailEnd type="none" w="med" len="med"/>
+                    </a:lnB>
+                    <a:solidFill>
+                      <a:schemeClr val="bg1"/>
+                    </a:solidFill>
+                  </a:tcPr>
+                </a:tc>
+                <a:tc>
+                  <a:txBody>
+                    <a:bodyPr/>
+                    <a:lstStyle/>
+                    <a:p>
+                      <a:endParaRPr lang="en-US"/>
+                    </a:p>
+                  </a:txBody>
+                  <a:tcPr>
+                    <a:lnL w="12700" cap="flat" cmpd="sng" algn="ctr">
+                      <a:solidFill>
+                        <a:schemeClr val="tx1"/>
+                      </a:solidFill>
+                      <a:prstDash val="solid"/>
+                      <a:round/>
+                      <a:headEnd type="none" w="med" len="med"/>
+                      <a:tailEnd type="none" w="med" len="med"/>
+                    </a:lnL>
+                    <a:lnR w="12700" cap="flat" cmpd="sng" algn="ctr">
+                      <a:solidFill>
+                        <a:schemeClr val="tx1"/>
+                      </a:solidFill>
+                      <a:prstDash val="solid"/>
+                      <a:round/>
+                      <a:headEnd type="none" w="med" len="med"/>
+                      <a:tailEnd type="none" w="med" len="med"/>
+                    </a:lnR>
+                    <a:lnT w="12700" cap="flat" cmpd="sng" algn="ctr">
+                      <a:solidFill>
+                        <a:schemeClr val="tx1"/>
+                      </a:solidFill>
+                      <a:prstDash val="solid"/>
+                      <a:round/>
+                      <a:headEnd type="none" w="med" len="med"/>
+                      <a:tailEnd type="none" w="med" len="med"/>
+                    </a:lnT>
+                    <a:lnB w="12700" cap="flat" cmpd="sng" algn="ctr">
+                      <a:solidFill>
+                        <a:schemeClr val="tx1"/>
+                      </a:solidFill>
+                      <a:prstDash val="solid"/>
+                      <a:round/>
+                      <a:headEnd type="none" w="med" len="med"/>
+                      <a:tailEnd type="none" w="med" len="med"/>
+                    </a:lnB>
+                    <a:solidFill>
+                      <a:schemeClr val="bg1"/>
+                    </a:solidFill>
+                  </a:tcPr>
+                </a:tc>
+                <a:extLst>
+                  <a:ext uri="{0D108BD9-81ED-4DB2-BD59-A6C34878D82A}">
+                    <a16:rowId xmlns:a16="http://schemas.microsoft.com/office/drawing/2014/main" val="596558019"/>
+                  </a:ext>
+                </a:extLst>
+              </a:tr>
+              <a:tr h="810587">
+                <a:tc>
+                  <a:txBody>
+                    <a:bodyPr/>
+                    <a:lstStyle/>
+                    <a:p>
+                      <a:endParaRPr lang="en-US"/>
+                    </a:p>
+                  </a:txBody>
+                  <a:tcPr>
+                    <a:lnL w="12700" cap="flat" cmpd="sng" algn="ctr">
+                      <a:solidFill>
+                        <a:schemeClr val="tx1"/>
+                      </a:solidFill>
+                      <a:prstDash val="solid"/>
+                      <a:round/>
+                      <a:headEnd type="none" w="med" len="med"/>
+                      <a:tailEnd type="none" w="med" len="med"/>
+                    </a:lnL>
+                    <a:lnR w="12700" cap="flat" cmpd="sng" algn="ctr">
+                      <a:solidFill>
+                        <a:schemeClr val="tx1"/>
+                      </a:solidFill>
+                      <a:prstDash val="solid"/>
+                      <a:round/>
+                      <a:headEnd type="none" w="med" len="med"/>
+                      <a:tailEnd type="none" w="med" len="med"/>
+                    </a:lnR>
+                    <a:lnT w="12700" cap="flat" cmpd="sng" algn="ctr">
+                      <a:solidFill>
+                        <a:schemeClr val="tx1"/>
+                      </a:solidFill>
+                      <a:prstDash val="solid"/>
+                      <a:round/>
+                      <a:headEnd type="none" w="med" len="med"/>
+                      <a:tailEnd type="none" w="med" len="med"/>
+                    </a:lnT>
+                    <a:lnB w="12700" cap="flat" cmpd="sng" algn="ctr">
+                      <a:solidFill>
+                        <a:schemeClr val="tx1"/>
+                      </a:solidFill>
+                      <a:prstDash val="solid"/>
+                      <a:round/>
+                      <a:headEnd type="none" w="med" len="med"/>
+                      <a:tailEnd type="none" w="med" len="med"/>
+                    </a:lnB>
+                    <a:solidFill>
+                      <a:schemeClr val="bg1"/>
+                    </a:solidFill>
+                  </a:tcPr>
+                </a:tc>
+                <a:tc>
+                  <a:txBody>
+                    <a:bodyPr/>
+                    <a:lstStyle/>
+                    <a:p>
+                      <a:endParaRPr lang="en-US"/>
+                    </a:p>
+                  </a:txBody>
+                  <a:tcPr>
+                    <a:lnL w="12700" cap="flat" cmpd="sng" algn="ctr">
+                      <a:solidFill>
+                        <a:schemeClr val="tx1"/>
+                      </a:solidFill>
+                      <a:prstDash val="solid"/>
+                      <a:round/>
+                      <a:headEnd type="none" w="med" len="med"/>
+                      <a:tailEnd type="none" w="med" len="med"/>
+                    </a:lnL>
+                    <a:lnR w="12700" cap="flat" cmpd="sng" algn="ctr">
+                      <a:solidFill>
+                        <a:schemeClr val="tx1"/>
+                      </a:solidFill>
+                      <a:prstDash val="solid"/>
+                      <a:round/>
+                      <a:headEnd type="none" w="med" len="med"/>
+                      <a:tailEnd type="none" w="med" len="med"/>
+                    </a:lnR>
+                    <a:lnT w="12700" cap="flat" cmpd="sng" algn="ctr">
+                      <a:solidFill>
+                        <a:schemeClr val="tx1"/>
+                      </a:solidFill>
+                      <a:prstDash val="solid"/>
+                      <a:round/>
+                      <a:headEnd type="none" w="med" len="med"/>
+                      <a:tailEnd type="none" w="med" len="med"/>
+                    </a:lnT>
+                    <a:lnB w="12700" cap="flat" cmpd="sng" algn="ctr">
+                      <a:solidFill>
+                        <a:schemeClr val="tx1"/>
+                      </a:solidFill>
+                      <a:prstDash val="solid"/>
+                      <a:round/>
+                      <a:headEnd type="none" w="med" len="med"/>
+                      <a:tailEnd type="none" w="med" len="med"/>
+                    </a:lnB>
+                    <a:solidFill>
+                      <a:schemeClr val="bg1"/>
+                    </a:solidFill>
+                  </a:tcPr>
+                </a:tc>
+                <a:tc>
+                  <a:txBody>
+                    <a:bodyPr/>
+                    <a:lstStyle/>
+                    <a:p>
+                      <a:endParaRPr lang="en-US" dirty="0"/>
+                    </a:p>
+                  </a:txBody>
+                  <a:tcPr>
+                    <a:lnL w="12700" cap="flat" cmpd="sng" algn="ctr">
+                      <a:solidFill>
+                        <a:schemeClr val="tx1"/>
+                      </a:solidFill>
+                      <a:prstDash val="solid"/>
+                      <a:round/>
+                      <a:headEnd type="none" w="med" len="med"/>
+                      <a:tailEnd type="none" w="med" len="med"/>
+                    </a:lnL>
+                    <a:lnR w="12700" cap="flat" cmpd="sng" algn="ctr">
+                      <a:solidFill>
+                        <a:schemeClr val="tx1"/>
+                      </a:solidFill>
+                      <a:prstDash val="solid"/>
+                      <a:round/>
+                      <a:headEnd type="none" w="med" len="med"/>
+                      <a:tailEnd type="none" w="med" len="med"/>
+                    </a:lnR>
+                    <a:lnT w="12700" cap="flat" cmpd="sng" algn="ctr">
+                      <a:solidFill>
+                        <a:schemeClr val="tx1"/>
+                      </a:solidFill>
+                      <a:prstDash val="solid"/>
+                      <a:round/>
+                      <a:headEnd type="none" w="med" len="med"/>
+                      <a:tailEnd type="none" w="med" len="med"/>
+                    </a:lnT>
+                    <a:lnB w="12700" cap="flat" cmpd="sng" algn="ctr">
+                      <a:solidFill>
+                        <a:schemeClr val="tx1"/>
+                      </a:solidFill>
+                      <a:prstDash val="solid"/>
+                      <a:round/>
+                      <a:headEnd type="none" w="med" len="med"/>
+                      <a:tailEnd type="none" w="med" len="med"/>
+                    </a:lnB>
+                    <a:solidFill>
+                      <a:schemeClr val="bg1"/>
+                    </a:solidFill>
+                  </a:tcPr>
+                </a:tc>
+                <a:tc>
+                  <a:txBody>
+                    <a:bodyPr/>
+                    <a:lstStyle/>
+                    <a:p>
+                      <a:endParaRPr lang="en-US" dirty="0"/>
+                    </a:p>
+                  </a:txBody>
+                  <a:tcPr>
+                    <a:lnL w="12700" cap="flat" cmpd="sng" algn="ctr">
+                      <a:solidFill>
+                        <a:schemeClr val="tx1"/>
+                      </a:solidFill>
+                      <a:prstDash val="solid"/>
+                      <a:round/>
+                      <a:headEnd type="none" w="med" len="med"/>
+                      <a:tailEnd type="none" w="med" len="med"/>
+                    </a:lnL>
+                    <a:lnR w="12700" cap="flat" cmpd="sng" algn="ctr">
+                      <a:solidFill>
+                        <a:schemeClr val="tx1"/>
+                      </a:solidFill>
+                      <a:prstDash val="solid"/>
+                      <a:round/>
+                      <a:headEnd type="none" w="med" len="med"/>
+                      <a:tailEnd type="none" w="med" len="med"/>
+                    </a:lnR>
+                    <a:lnT w="12700" cap="flat" cmpd="sng" algn="ctr">
+                      <a:solidFill>
+                        <a:schemeClr val="tx1"/>
+                      </a:solidFill>
+                      <a:prstDash val="solid"/>
+                      <a:round/>
+                      <a:headEnd type="none" w="med" len="med"/>
+                      <a:tailEnd type="none" w="med" len="med"/>
+                    </a:lnT>
+                    <a:lnB w="12700" cap="flat" cmpd="sng" algn="ctr">
+                      <a:solidFill>
+                        <a:schemeClr val="tx1"/>
+                      </a:solidFill>
+                      <a:prstDash val="solid"/>
+                      <a:round/>
+                      <a:headEnd type="none" w="med" len="med"/>
+                      <a:tailEnd type="none" w="med" len="med"/>
+                    </a:lnB>
+                    <a:solidFill>
+                      <a:schemeClr val="bg1"/>
+                    </a:solidFill>
+                  </a:tcPr>
+                </a:tc>
+                <a:tc>
+                  <a:txBody>
+                    <a:bodyPr/>
+                    <a:lstStyle/>
+                    <a:p>
+                      <a:endParaRPr lang="en-US" dirty="0"/>
+                    </a:p>
+                  </a:txBody>
+                  <a:tcPr>
+                    <a:lnL w="12700" cap="flat" cmpd="sng" algn="ctr">
+                      <a:solidFill>
+                        <a:schemeClr val="tx1"/>
+                      </a:solidFill>
+                      <a:prstDash val="solid"/>
+                      <a:round/>
+                      <a:headEnd type="none" w="med" len="med"/>
+                      <a:tailEnd type="none" w="med" len="med"/>
+                    </a:lnL>
+                    <a:lnR w="12700" cap="flat" cmpd="sng" algn="ctr">
+                      <a:solidFill>
+                        <a:schemeClr val="tx1"/>
+                      </a:solidFill>
+                      <a:prstDash val="solid"/>
+                      <a:round/>
+                      <a:headEnd type="none" w="med" len="med"/>
+                      <a:tailEnd type="none" w="med" len="med"/>
+                    </a:lnR>
+                    <a:lnT w="12700" cap="flat" cmpd="sng" algn="ctr">
+                      <a:solidFill>
+                        <a:schemeClr val="tx1"/>
+                      </a:solidFill>
+                      <a:prstDash val="solid"/>
+                      <a:round/>
+                      <a:headEnd type="none" w="med" len="med"/>
+                      <a:tailEnd type="none" w="med" len="med"/>
+                    </a:lnT>
+                    <a:lnB w="12700" cap="flat" cmpd="sng" algn="ctr">
+                      <a:solidFill>
+                        <a:schemeClr val="tx1"/>
+                      </a:solidFill>
+                      <a:prstDash val="solid"/>
+                      <a:round/>
+                      <a:headEnd type="none" w="med" len="med"/>
+                      <a:tailEnd type="none" w="med" len="med"/>
+                    </a:lnB>
+                    <a:solidFill>
+                      <a:schemeClr val="bg1"/>
+                    </a:solidFill>
+                  </a:tcPr>
+                </a:tc>
+                <a:tc>
+                  <a:txBody>
+                    <a:bodyPr/>
+                    <a:lstStyle/>
+                    <a:p>
+                      <a:endParaRPr lang="en-US" dirty="0"/>
+                    </a:p>
+                  </a:txBody>
+                  <a:tcPr>
+                    <a:lnL w="12700" cap="flat" cmpd="sng" algn="ctr">
+                      <a:solidFill>
+                        <a:schemeClr val="tx1"/>
+                      </a:solidFill>
+                      <a:prstDash val="solid"/>
+                      <a:round/>
+                      <a:headEnd type="none" w="med" len="med"/>
+                      <a:tailEnd type="none" w="med" len="med"/>
+                    </a:lnL>
+                    <a:lnR w="12700" cap="flat" cmpd="sng" algn="ctr">
+                      <a:solidFill>
+                        <a:schemeClr val="tx1"/>
+                      </a:solidFill>
+                      <a:prstDash val="solid"/>
+                      <a:round/>
+                      <a:headEnd type="none" w="med" len="med"/>
+                      <a:tailEnd type="none" w="med" len="med"/>
+                    </a:lnR>
+                    <a:lnT w="12700" cap="flat" cmpd="sng" algn="ctr">
+                      <a:solidFill>
+                        <a:schemeClr val="tx1"/>
+                      </a:solidFill>
+                      <a:prstDash val="solid"/>
+                      <a:round/>
+                      <a:headEnd type="none" w="med" len="med"/>
+                      <a:tailEnd type="none" w="med" len="med"/>
+                    </a:lnT>
+                    <a:lnB w="12700" cap="flat" cmpd="sng" algn="ctr">
+                      <a:solidFill>
+                        <a:schemeClr val="tx1"/>
+                      </a:solidFill>
+                      <a:prstDash val="solid"/>
+                      <a:round/>
+                      <a:headEnd type="none" w="med" len="med"/>
+                      <a:tailEnd type="none" w="med" len="med"/>
+                    </a:lnB>
+                    <a:solidFill>
+                      <a:schemeClr val="bg1"/>
+                    </a:solidFill>
+                  </a:tcPr>
+                </a:tc>
+                <a:tc>
+                  <a:txBody>
+                    <a:bodyPr/>
+                    <a:lstStyle/>
+                    <a:p>
+                      <a:endParaRPr lang="en-US"/>
+                    </a:p>
+                  </a:txBody>
+                  <a:tcPr>
+                    <a:lnL w="12700" cap="flat" cmpd="sng" algn="ctr">
+                      <a:solidFill>
+                        <a:schemeClr val="tx1"/>
+                      </a:solidFill>
+                      <a:prstDash val="solid"/>
+                      <a:round/>
+                      <a:headEnd type="none" w="med" len="med"/>
+                      <a:tailEnd type="none" w="med" len="med"/>
+                    </a:lnL>
+                    <a:lnR w="12700" cap="flat" cmpd="sng" algn="ctr">
+                      <a:solidFill>
+                        <a:schemeClr val="tx1"/>
+                      </a:solidFill>
+                      <a:prstDash val="solid"/>
+                      <a:round/>
+                      <a:headEnd type="none" w="med" len="med"/>
+                      <a:tailEnd type="none" w="med" len="med"/>
+                    </a:lnR>
+                    <a:lnT w="12700" cap="flat" cmpd="sng" algn="ctr">
+                      <a:solidFill>
+                        <a:schemeClr val="tx1"/>
+                      </a:solidFill>
+                      <a:prstDash val="solid"/>
+                      <a:round/>
+                      <a:headEnd type="none" w="med" len="med"/>
+                      <a:tailEnd type="none" w="med" len="med"/>
+                    </a:lnT>
+                    <a:lnB w="12700" cap="flat" cmpd="sng" algn="ctr">
+                      <a:solidFill>
+                        <a:schemeClr val="tx1"/>
+                      </a:solidFill>
+                      <a:prstDash val="solid"/>
+                      <a:round/>
+                      <a:headEnd type="none" w="med" len="med"/>
+                      <a:tailEnd type="none" w="med" len="med"/>
+                    </a:lnB>
+                    <a:solidFill>
+                      <a:schemeClr val="bg1"/>
+                    </a:solidFill>
+                  </a:tcPr>
+                </a:tc>
+                <a:tc>
+                  <a:txBody>
+                    <a:bodyPr/>
+                    <a:lstStyle/>
+                    <a:p>
+                      <a:endParaRPr lang="en-US"/>
+                    </a:p>
+                  </a:txBody>
+                  <a:tcPr>
+                    <a:lnL w="12700" cap="flat" cmpd="sng" algn="ctr">
+                      <a:solidFill>
+                        <a:schemeClr val="tx1"/>
+                      </a:solidFill>
+                      <a:prstDash val="solid"/>
+                      <a:round/>
+                      <a:headEnd type="none" w="med" len="med"/>
+                      <a:tailEnd type="none" w="med" len="med"/>
+                    </a:lnL>
+                    <a:lnR w="12700" cap="flat" cmpd="sng" algn="ctr">
+                      <a:solidFill>
+                        <a:schemeClr val="tx1"/>
+                      </a:solidFill>
+                      <a:prstDash val="solid"/>
+                      <a:round/>
+                      <a:headEnd type="none" w="med" len="med"/>
+                      <a:tailEnd type="none" w="med" len="med"/>
+                    </a:lnR>
+                    <a:lnT w="12700" cap="flat" cmpd="sng" algn="ctr">
+                      <a:solidFill>
+                        <a:schemeClr val="tx1"/>
+                      </a:solidFill>
+                      <a:prstDash val="solid"/>
+                      <a:round/>
+                      <a:headEnd type="none" w="med" len="med"/>
+                      <a:tailEnd type="none" w="med" len="med"/>
+                    </a:lnT>
+                    <a:lnB w="12700" cap="flat" cmpd="sng" algn="ctr">
+                      <a:solidFill>
+                        <a:schemeClr val="tx1"/>
+                      </a:solidFill>
+                      <a:prstDash val="solid"/>
+                      <a:round/>
+                      <a:headEnd type="none" w="med" len="med"/>
+                      <a:tailEnd type="none" w="med" len="med"/>
+                    </a:lnB>
+                    <a:solidFill>
+                      <a:schemeClr val="bg1"/>
+                    </a:solidFill>
+                  </a:tcPr>
+                </a:tc>
+                <a:extLst>
+                  <a:ext uri="{0D108BD9-81ED-4DB2-BD59-A6C34878D82A}">
+                    <a16:rowId xmlns:a16="http://schemas.microsoft.com/office/drawing/2014/main" val="2342936059"/>
+                  </a:ext>
+                </a:extLst>
+              </a:tr>
+              <a:tr h="810587">
+                <a:tc>
+                  <a:txBody>
+                    <a:bodyPr/>
+                    <a:lstStyle/>
+                    <a:p>
+                      <a:endParaRPr lang="en-US"/>
+                    </a:p>
+                  </a:txBody>
+                  <a:tcPr>
+                    <a:lnL w="12700" cap="flat" cmpd="sng" algn="ctr">
+                      <a:solidFill>
+                        <a:schemeClr val="tx1"/>
+                      </a:solidFill>
+                      <a:prstDash val="solid"/>
+                      <a:round/>
+                      <a:headEnd type="none" w="med" len="med"/>
+                      <a:tailEnd type="none" w="med" len="med"/>
+                    </a:lnL>
+                    <a:lnR w="12700" cap="flat" cmpd="sng" algn="ctr">
+                      <a:solidFill>
+                        <a:schemeClr val="tx1"/>
+                      </a:solidFill>
+                      <a:prstDash val="solid"/>
+                      <a:round/>
+                      <a:headEnd type="none" w="med" len="med"/>
+                      <a:tailEnd type="none" w="med" len="med"/>
+                    </a:lnR>
+                    <a:lnT w="12700" cap="flat" cmpd="sng" algn="ctr">
+                      <a:solidFill>
+                        <a:schemeClr val="tx1"/>
+                      </a:solidFill>
+                      <a:prstDash val="solid"/>
+                      <a:round/>
+                      <a:headEnd type="none" w="med" len="med"/>
+                      <a:tailEnd type="none" w="med" len="med"/>
+                    </a:lnT>
+                    <a:lnB w="12700" cap="flat" cmpd="sng" algn="ctr">
+                      <a:solidFill>
+                        <a:schemeClr val="tx1"/>
+                      </a:solidFill>
+                      <a:prstDash val="solid"/>
+                      <a:round/>
+                      <a:headEnd type="none" w="med" len="med"/>
+                      <a:tailEnd type="none" w="med" len="med"/>
+                    </a:lnB>
+                    <a:solidFill>
+                      <a:schemeClr val="bg1"/>
+                    </a:solidFill>
+                  </a:tcPr>
+                </a:tc>
+                <a:tc>
+                  <a:txBody>
+                    <a:bodyPr/>
+                    <a:lstStyle/>
+                    <a:p>
+                      <a:endParaRPr lang="en-US"/>
+                    </a:p>
+                  </a:txBody>
+                  <a:tcPr>
+                    <a:lnL w="12700" cap="flat" cmpd="sng" algn="ctr">
+                      <a:solidFill>
+                        <a:schemeClr val="tx1"/>
+                      </a:solidFill>
+                      <a:prstDash val="solid"/>
+                      <a:round/>
+                      <a:headEnd type="none" w="med" len="med"/>
+                      <a:tailEnd type="none" w="med" len="med"/>
+                    </a:lnL>
+                    <a:lnR w="12700" cap="flat" cmpd="sng" algn="ctr">
+                      <a:solidFill>
+                        <a:schemeClr val="tx1"/>
+                      </a:solidFill>
+                      <a:prstDash val="solid"/>
+                      <a:round/>
+                      <a:headEnd type="none" w="med" len="med"/>
+                      <a:tailEnd type="none" w="med" len="med"/>
+                    </a:lnR>
+                    <a:lnT w="12700" cap="flat" cmpd="sng" algn="ctr">
+                      <a:solidFill>
+                        <a:schemeClr val="tx1"/>
+                      </a:solidFill>
+                      <a:prstDash val="solid"/>
+                      <a:round/>
+                      <a:headEnd type="none" w="med" len="med"/>
+                      <a:tailEnd type="none" w="med" len="med"/>
+                    </a:lnT>
+                    <a:lnB w="12700" cap="flat" cmpd="sng" algn="ctr">
+                      <a:solidFill>
+                        <a:schemeClr val="tx1"/>
+                      </a:solidFill>
+                      <a:prstDash val="solid"/>
+                      <a:round/>
+                      <a:headEnd type="none" w="med" len="med"/>
+                      <a:tailEnd type="none" w="med" len="med"/>
+                    </a:lnB>
+                    <a:solidFill>
+                      <a:schemeClr val="bg1"/>
+                    </a:solidFill>
+                  </a:tcPr>
+                </a:tc>
+                <a:tc>
+                  <a:txBody>
+                    <a:bodyPr/>
+                    <a:lstStyle/>
+                    <a:p>
+                      <a:endParaRPr lang="en-US" dirty="0"/>
+                    </a:p>
+                  </a:txBody>
+                  <a:tcPr>
+                    <a:lnL w="12700" cap="flat" cmpd="sng" algn="ctr">
+                      <a:solidFill>
+                        <a:schemeClr val="tx1"/>
+                      </a:solidFill>
+                      <a:prstDash val="solid"/>
+                      <a:round/>
+                      <a:headEnd type="none" w="med" len="med"/>
+                      <a:tailEnd type="none" w="med" len="med"/>
+                    </a:lnL>
+                    <a:lnR w="12700" cap="flat" cmpd="sng" algn="ctr">
+                      <a:solidFill>
+                        <a:schemeClr val="tx1"/>
+                      </a:solidFill>
+                      <a:prstDash val="solid"/>
+                      <a:round/>
+                      <a:headEnd type="none" w="med" len="med"/>
+                      <a:tailEnd type="none" w="med" len="med"/>
+                    </a:lnR>
+                    <a:lnT w="12700" cap="flat" cmpd="sng" algn="ctr">
+                      <a:solidFill>
+                        <a:schemeClr val="tx1"/>
+                      </a:solidFill>
+                      <a:prstDash val="solid"/>
+                      <a:round/>
+                      <a:headEnd type="none" w="med" len="med"/>
+                      <a:tailEnd type="none" w="med" len="med"/>
+                    </a:lnT>
+                    <a:lnB w="12700" cap="flat" cmpd="sng" algn="ctr">
+                      <a:solidFill>
+                        <a:schemeClr val="tx1"/>
+                      </a:solidFill>
+                      <a:prstDash val="solid"/>
+                      <a:round/>
+                      <a:headEnd type="none" w="med" len="med"/>
+                      <a:tailEnd type="none" w="med" len="med"/>
+                    </a:lnB>
+                    <a:solidFill>
+                      <a:schemeClr val="bg1"/>
+                    </a:solidFill>
+                  </a:tcPr>
+                </a:tc>
+                <a:tc>
+                  <a:txBody>
+                    <a:bodyPr/>
+                    <a:lstStyle/>
+                    <a:p>
+                      <a:endParaRPr lang="en-US"/>
+                    </a:p>
+                  </a:txBody>
+                  <a:tcPr>
+                    <a:lnL w="12700" cap="flat" cmpd="sng" algn="ctr">
+                      <a:solidFill>
+                        <a:schemeClr val="tx1"/>
+                      </a:solidFill>
+                      <a:prstDash val="solid"/>
+                      <a:round/>
+                      <a:headEnd type="none" w="med" len="med"/>
+                      <a:tailEnd type="none" w="med" len="med"/>
+                    </a:lnL>
+                    <a:lnR w="12700" cap="flat" cmpd="sng" algn="ctr">
+                      <a:solidFill>
+                        <a:schemeClr val="tx1"/>
+                      </a:solidFill>
+                      <a:prstDash val="solid"/>
+                      <a:round/>
+                      <a:headEnd type="none" w="med" len="med"/>
+                      <a:tailEnd type="none" w="med" len="med"/>
+                    </a:lnR>
+                    <a:lnT w="12700" cap="flat" cmpd="sng" algn="ctr">
+                      <a:solidFill>
+                        <a:schemeClr val="tx1"/>
+                      </a:solidFill>
+                      <a:prstDash val="solid"/>
+                      <a:round/>
+                      <a:headEnd type="none" w="med" len="med"/>
+                      <a:tailEnd type="none" w="med" len="med"/>
+                    </a:lnT>
+                    <a:lnB w="12700" cap="flat" cmpd="sng" algn="ctr">
+                      <a:solidFill>
+                        <a:schemeClr val="tx1"/>
+                      </a:solidFill>
+                      <a:prstDash val="solid"/>
+                      <a:round/>
+                      <a:headEnd type="none" w="med" len="med"/>
+                      <a:tailEnd type="none" w="med" len="med"/>
+                    </a:lnB>
+                    <a:solidFill>
+                      <a:schemeClr val="bg1"/>
+                    </a:solidFill>
+                  </a:tcPr>
+                </a:tc>
+                <a:tc>
+                  <a:txBody>
+                    <a:bodyPr/>
+                    <a:lstStyle/>
+                    <a:p>
+                      <a:endParaRPr lang="en-US" dirty="0"/>
+                    </a:p>
+                  </a:txBody>
+                  <a:tcPr>
+                    <a:lnL w="12700" cap="flat" cmpd="sng" algn="ctr">
+                      <a:solidFill>
+                        <a:schemeClr val="tx1"/>
+                      </a:solidFill>
+                      <a:prstDash val="solid"/>
+                      <a:round/>
+                      <a:headEnd type="none" w="med" len="med"/>
+                      <a:tailEnd type="none" w="med" len="med"/>
+                    </a:lnL>
+                    <a:lnR w="12700" cap="flat" cmpd="sng" algn="ctr">
+                      <a:solidFill>
+                        <a:schemeClr val="tx1"/>
+                      </a:solidFill>
+                      <a:prstDash val="solid"/>
+                      <a:round/>
+                      <a:headEnd type="none" w="med" len="med"/>
+                      <a:tailEnd type="none" w="med" len="med"/>
+                    </a:lnR>
+                    <a:lnT w="12700" cap="flat" cmpd="sng" algn="ctr">
+                      <a:solidFill>
+                        <a:schemeClr val="tx1"/>
+                      </a:solidFill>
+                      <a:prstDash val="solid"/>
+                      <a:round/>
+                      <a:headEnd type="none" w="med" len="med"/>
+                      <a:tailEnd type="none" w="med" len="med"/>
+                    </a:lnT>
+                    <a:lnB w="12700" cap="flat" cmpd="sng" algn="ctr">
+                      <a:solidFill>
+                        <a:schemeClr val="tx1"/>
+                      </a:solidFill>
+                      <a:prstDash val="solid"/>
+                      <a:round/>
+                      <a:headEnd type="none" w="med" len="med"/>
+                      <a:tailEnd type="none" w="med" len="med"/>
+                    </a:lnB>
+                    <a:solidFill>
+                      <a:schemeClr val="bg1"/>
+                    </a:solidFill>
+                  </a:tcPr>
+                </a:tc>
+                <a:tc>
+                  <a:txBody>
+                    <a:bodyPr/>
+                    <a:lstStyle/>
+                    <a:p>
+                      <a:endParaRPr lang="en-US"/>
+                    </a:p>
+                  </a:txBody>
+                  <a:tcPr>
+                    <a:lnL w="12700" cap="flat" cmpd="sng" algn="ctr">
+                      <a:solidFill>
+                        <a:schemeClr val="tx1"/>
+                      </a:solidFill>
+                      <a:prstDash val="solid"/>
+                      <a:round/>
+                      <a:headEnd type="none" w="med" len="med"/>
+                      <a:tailEnd type="none" w="med" len="med"/>
+                    </a:lnL>
+                    <a:lnR w="12700" cap="flat" cmpd="sng" algn="ctr">
+                      <a:solidFill>
+                        <a:schemeClr val="tx1"/>
+                      </a:solidFill>
+                      <a:prstDash val="solid"/>
+                      <a:round/>
+                      <a:headEnd type="none" w="med" len="med"/>
+                      <a:tailEnd type="none" w="med" len="med"/>
+                    </a:lnR>
+                    <a:lnT w="12700" cap="flat" cmpd="sng" algn="ctr">
+                      <a:solidFill>
+                        <a:schemeClr val="tx1"/>
+                      </a:solidFill>
+                      <a:prstDash val="solid"/>
+                      <a:round/>
+                      <a:headEnd type="none" w="med" len="med"/>
+                      <a:tailEnd type="none" w="med" len="med"/>
+                    </a:lnT>
+                    <a:lnB w="12700" cap="flat" cmpd="sng" algn="ctr">
+                      <a:solidFill>
+                        <a:schemeClr val="tx1"/>
+                      </a:solidFill>
+                      <a:prstDash val="solid"/>
+                      <a:round/>
+                      <a:headEnd type="none" w="med" len="med"/>
+                      <a:tailEnd type="none" w="med" len="med"/>
+                    </a:lnB>
+                    <a:solidFill>
+                      <a:schemeClr val="bg1"/>
+                    </a:solidFill>
+                  </a:tcPr>
+                </a:tc>
+                <a:tc>
+                  <a:txBody>
+                    <a:bodyPr/>
+                    <a:lstStyle/>
+                    <a:p>
+                      <a:endParaRPr lang="en-US"/>
+                    </a:p>
+                  </a:txBody>
+                  <a:tcPr>
+                    <a:lnL w="12700" cap="flat" cmpd="sng" algn="ctr">
+                      <a:solidFill>
+                        <a:schemeClr val="tx1"/>
+                      </a:solidFill>
+                      <a:prstDash val="solid"/>
+                      <a:round/>
+                      <a:headEnd type="none" w="med" len="med"/>
+                      <a:tailEnd type="none" w="med" len="med"/>
+                    </a:lnL>
+                    <a:lnR w="12700" cap="flat" cmpd="sng" algn="ctr">
+                      <a:solidFill>
+                        <a:schemeClr val="tx1"/>
+                      </a:solidFill>
+                      <a:prstDash val="solid"/>
+                      <a:round/>
+                      <a:headEnd type="none" w="med" len="med"/>
+                      <a:tailEnd type="none" w="med" len="med"/>
+                    </a:lnR>
+                    <a:lnT w="12700" cap="flat" cmpd="sng" algn="ctr">
+                      <a:solidFill>
+                        <a:schemeClr val="tx1"/>
+                      </a:solidFill>
+                      <a:prstDash val="solid"/>
+                      <a:round/>
+                      <a:headEnd type="none" w="med" len="med"/>
+                      <a:tailEnd type="none" w="med" len="med"/>
+                    </a:lnT>
+                    <a:lnB w="12700" cap="flat" cmpd="sng" algn="ctr">
+                      <a:solidFill>
+                        <a:schemeClr val="tx1"/>
+                      </a:solidFill>
+                      <a:prstDash val="solid"/>
+                      <a:round/>
+                      <a:headEnd type="none" w="med" len="med"/>
+                      <a:tailEnd type="none" w="med" len="med"/>
+                    </a:lnB>
+                    <a:solidFill>
+                      <a:schemeClr val="bg1"/>
+                    </a:solidFill>
+                  </a:tcPr>
+                </a:tc>
+                <a:tc>
+                  <a:txBody>
+                    <a:bodyPr/>
+                    <a:lstStyle/>
+                    <a:p>
+                      <a:endParaRPr lang="en-US" dirty="0"/>
+                    </a:p>
+                  </a:txBody>
+                  <a:tcPr>
+                    <a:lnL w="12700" cap="flat" cmpd="sng" algn="ctr">
+                      <a:solidFill>
+                        <a:schemeClr val="tx1"/>
+                      </a:solidFill>
+                      <a:prstDash val="solid"/>
+                      <a:round/>
+                      <a:headEnd type="none" w="med" len="med"/>
+                      <a:tailEnd type="none" w="med" len="med"/>
+                    </a:lnL>
+                    <a:lnR w="12700" cap="flat" cmpd="sng" algn="ctr">
+                      <a:solidFill>
+                        <a:schemeClr val="tx1"/>
+                      </a:solidFill>
+                      <a:prstDash val="solid"/>
+                      <a:round/>
+                      <a:headEnd type="none" w="med" len="med"/>
+                      <a:tailEnd type="none" w="med" len="med"/>
+                    </a:lnR>
+                    <a:lnT w="12700" cap="flat" cmpd="sng" algn="ctr">
+                      <a:solidFill>
+                        <a:schemeClr val="tx1"/>
+                      </a:solidFill>
+                      <a:prstDash val="solid"/>
+                      <a:round/>
+                      <a:headEnd type="none" w="med" len="med"/>
+                      <a:tailEnd type="none" w="med" len="med"/>
+                    </a:lnT>
+                    <a:lnB w="12700" cap="flat" cmpd="sng" algn="ctr">
+                      <a:solidFill>
+                        <a:schemeClr val="tx1"/>
+                      </a:solidFill>
+                      <a:prstDash val="solid"/>
+                      <a:round/>
+                      <a:headEnd type="none" w="med" len="med"/>
+                      <a:tailEnd type="none" w="med" len="med"/>
+                    </a:lnB>
+                    <a:solidFill>
+                      <a:schemeClr val="bg1"/>
+                    </a:solidFill>
+                  </a:tcPr>
+                </a:tc>
+                <a:extLst>
+                  <a:ext uri="{0D108BD9-81ED-4DB2-BD59-A6C34878D82A}">
+                    <a16:rowId xmlns:a16="http://schemas.microsoft.com/office/drawing/2014/main" val="1599043124"/>
+                  </a:ext>
+                </a:extLst>
+              </a:tr>
+              <a:tr h="810587">
+                <a:tc>
+                  <a:txBody>
+                    <a:bodyPr/>
+                    <a:lstStyle/>
+                    <a:p>
+                      <a:endParaRPr lang="en-US"/>
+                    </a:p>
+                  </a:txBody>
+                  <a:tcPr>
+                    <a:lnL w="12700" cap="flat" cmpd="sng" algn="ctr">
+                      <a:solidFill>
+                        <a:schemeClr val="tx1"/>
+                      </a:solidFill>
+                      <a:prstDash val="solid"/>
+                      <a:round/>
+                      <a:headEnd type="none" w="med" len="med"/>
+                      <a:tailEnd type="none" w="med" len="med"/>
+                    </a:lnL>
+                    <a:lnR w="12700" cap="flat" cmpd="sng" algn="ctr">
+                      <a:solidFill>
+                        <a:schemeClr val="tx1"/>
+                      </a:solidFill>
+                      <a:prstDash val="solid"/>
+                      <a:round/>
+                      <a:headEnd type="none" w="med" len="med"/>
+                      <a:tailEnd type="none" w="med" len="med"/>
+                    </a:lnR>
+                    <a:lnT w="12700" cap="flat" cmpd="sng" algn="ctr">
+                      <a:solidFill>
+                        <a:schemeClr val="tx1"/>
+                      </a:solidFill>
+                      <a:prstDash val="solid"/>
+                      <a:round/>
+                      <a:headEnd type="none" w="med" len="med"/>
+                      <a:tailEnd type="none" w="med" len="med"/>
+                    </a:lnT>
+                    <a:lnB w="12700" cap="flat" cmpd="sng" algn="ctr">
+                      <a:solidFill>
+                        <a:schemeClr val="tx1"/>
+                      </a:solidFill>
+                      <a:prstDash val="solid"/>
+                      <a:round/>
+                      <a:headEnd type="none" w="med" len="med"/>
+                      <a:tailEnd type="none" w="med" len="med"/>
+                    </a:lnB>
+                    <a:solidFill>
+                      <a:schemeClr val="bg1"/>
+                    </a:solidFill>
+                  </a:tcPr>
+                </a:tc>
+                <a:tc>
+                  <a:txBody>
+                    <a:bodyPr/>
+                    <a:lstStyle/>
+                    <a:p>
+                      <a:endParaRPr lang="en-US" dirty="0"/>
+                    </a:p>
+                  </a:txBody>
+                  <a:tcPr>
+                    <a:lnL w="12700" cap="flat" cmpd="sng" algn="ctr">
+                      <a:solidFill>
+                        <a:schemeClr val="tx1"/>
+                      </a:solidFill>
+                      <a:prstDash val="solid"/>
+                      <a:round/>
+                      <a:headEnd type="none" w="med" len="med"/>
+                      <a:tailEnd type="none" w="med" len="med"/>
+                    </a:lnL>
+                    <a:lnR w="12700" cap="flat" cmpd="sng" algn="ctr">
+                      <a:solidFill>
+                        <a:schemeClr val="tx1"/>
+                      </a:solidFill>
+                      <a:prstDash val="solid"/>
+                      <a:round/>
+                      <a:headEnd type="none" w="med" len="med"/>
+                      <a:tailEnd type="none" w="med" len="med"/>
+                    </a:lnR>
+                    <a:lnT w="12700" cap="flat" cmpd="sng" algn="ctr">
+                      <a:solidFill>
+                        <a:schemeClr val="tx1"/>
+                      </a:solidFill>
+                      <a:prstDash val="solid"/>
+                      <a:round/>
+                      <a:headEnd type="none" w="med" len="med"/>
+                      <a:tailEnd type="none" w="med" len="med"/>
+                    </a:lnT>
+                    <a:lnB w="12700" cap="flat" cmpd="sng" algn="ctr">
+                      <a:solidFill>
+                        <a:schemeClr val="tx1"/>
+                      </a:solidFill>
+                      <a:prstDash val="solid"/>
+                      <a:round/>
+                      <a:headEnd type="none" w="med" len="med"/>
+                      <a:tailEnd type="none" w="med" len="med"/>
+                    </a:lnB>
+                    <a:solidFill>
+                      <a:schemeClr val="bg1"/>
+                    </a:solidFill>
+                  </a:tcPr>
+                </a:tc>
+                <a:tc>
+                  <a:txBody>
+                    <a:bodyPr/>
+                    <a:lstStyle/>
+                    <a:p>
+                      <a:endParaRPr lang="en-US"/>
+                    </a:p>
+                  </a:txBody>
+                  <a:tcPr>
+                    <a:lnL w="12700" cap="flat" cmpd="sng" algn="ctr">
+                      <a:solidFill>
+                        <a:schemeClr val="tx1"/>
+                      </a:solidFill>
+                      <a:prstDash val="solid"/>
+                      <a:round/>
+                      <a:headEnd type="none" w="med" len="med"/>
+                      <a:tailEnd type="none" w="med" len="med"/>
+                    </a:lnL>
+                    <a:lnR w="12700" cap="flat" cmpd="sng" algn="ctr">
+                      <a:solidFill>
+                        <a:schemeClr val="tx1"/>
+                      </a:solidFill>
+                      <a:prstDash val="solid"/>
+                      <a:round/>
+                      <a:headEnd type="none" w="med" len="med"/>
+                      <a:tailEnd type="none" w="med" len="med"/>
+                    </a:lnR>
+                    <a:lnT w="12700" cap="flat" cmpd="sng" algn="ctr">
+                      <a:solidFill>
+                        <a:schemeClr val="tx1"/>
+                      </a:solidFill>
+                      <a:prstDash val="solid"/>
+                      <a:round/>
+                      <a:headEnd type="none" w="med" len="med"/>
+                      <a:tailEnd type="none" w="med" len="med"/>
+                    </a:lnT>
+                    <a:lnB w="12700" cap="flat" cmpd="sng" algn="ctr">
+                      <a:solidFill>
+                        <a:schemeClr val="tx1"/>
+                      </a:solidFill>
+                      <a:prstDash val="solid"/>
+                      <a:round/>
+                      <a:headEnd type="none" w="med" len="med"/>
+                      <a:tailEnd type="none" w="med" len="med"/>
+                    </a:lnB>
+                    <a:solidFill>
+                      <a:schemeClr val="bg1"/>
+                    </a:solidFill>
+                  </a:tcPr>
+                </a:tc>
+                <a:tc>
+                  <a:txBody>
+                    <a:bodyPr/>
+                    <a:lstStyle/>
+                    <a:p>
+                      <a:endParaRPr lang="en-US"/>
+                    </a:p>
+                  </a:txBody>
+                  <a:tcPr>
+                    <a:lnL w="12700" cap="flat" cmpd="sng" algn="ctr">
+                      <a:solidFill>
+                        <a:schemeClr val="tx1"/>
+                      </a:solidFill>
+                      <a:prstDash val="solid"/>
+                      <a:round/>
+                      <a:headEnd type="none" w="med" len="med"/>
+                      <a:tailEnd type="none" w="med" len="med"/>
+                    </a:lnL>
+                    <a:lnR w="12700" cap="flat" cmpd="sng" algn="ctr">
+                      <a:solidFill>
+                        <a:schemeClr val="tx1"/>
+                      </a:solidFill>
+                      <a:prstDash val="solid"/>
+                      <a:round/>
+                      <a:headEnd type="none" w="med" len="med"/>
+                      <a:tailEnd type="none" w="med" len="med"/>
+                    </a:lnR>
+                    <a:lnT w="12700" cap="flat" cmpd="sng" algn="ctr">
+                      <a:solidFill>
+                        <a:schemeClr val="tx1"/>
+                      </a:solidFill>
+                      <a:prstDash val="solid"/>
+                      <a:round/>
+                      <a:headEnd type="none" w="med" len="med"/>
+                      <a:tailEnd type="none" w="med" len="med"/>
+                    </a:lnT>
+                    <a:lnB w="12700" cap="flat" cmpd="sng" algn="ctr">
+                      <a:solidFill>
+                        <a:schemeClr val="tx1"/>
+                      </a:solidFill>
+                      <a:prstDash val="solid"/>
+                      <a:round/>
+                      <a:headEnd type="none" w="med" len="med"/>
+                      <a:tailEnd type="none" w="med" len="med"/>
+                    </a:lnB>
+                    <a:solidFill>
+                      <a:schemeClr val="bg1"/>
+                    </a:solidFill>
+                  </a:tcPr>
+                </a:tc>
+                <a:tc>
+                  <a:txBody>
+                    <a:bodyPr/>
+                    <a:lstStyle/>
+                    <a:p>
+                      <a:endParaRPr lang="en-US" dirty="0"/>
+                    </a:p>
+                  </a:txBody>
+                  <a:tcPr>
+                    <a:lnL w="12700" cap="flat" cmpd="sng" algn="ctr">
+                      <a:solidFill>
+                        <a:schemeClr val="tx1"/>
+                      </a:solidFill>
+                      <a:prstDash val="solid"/>
+                      <a:round/>
+                      <a:headEnd type="none" w="med" len="med"/>
+                      <a:tailEnd type="none" w="med" len="med"/>
+                    </a:lnL>
+                    <a:lnR w="12700" cap="flat" cmpd="sng" algn="ctr">
+                      <a:solidFill>
+                        <a:schemeClr val="tx1"/>
+                      </a:solidFill>
+                      <a:prstDash val="solid"/>
+                      <a:round/>
+                      <a:headEnd type="none" w="med" len="med"/>
+                      <a:tailEnd type="none" w="med" len="med"/>
+                    </a:lnR>
+                    <a:lnT w="12700" cap="flat" cmpd="sng" algn="ctr">
+                      <a:solidFill>
+                        <a:schemeClr val="tx1"/>
+                      </a:solidFill>
+                      <a:prstDash val="solid"/>
+                      <a:round/>
+                      <a:headEnd type="none" w="med" len="med"/>
+                      <a:tailEnd type="none" w="med" len="med"/>
+                    </a:lnT>
+                    <a:lnB w="12700" cap="flat" cmpd="sng" algn="ctr">
+                      <a:solidFill>
+                        <a:schemeClr val="tx1"/>
+                      </a:solidFill>
+                      <a:prstDash val="solid"/>
+                      <a:round/>
+                      <a:headEnd type="none" w="med" len="med"/>
+                      <a:tailEnd type="none" w="med" len="med"/>
+                    </a:lnB>
+                    <a:solidFill>
+                      <a:schemeClr val="bg1"/>
+                    </a:solidFill>
+                  </a:tcPr>
+                </a:tc>
+                <a:tc>
+                  <a:txBody>
+                    <a:bodyPr/>
+                    <a:lstStyle/>
+                    <a:p>
+                      <a:endParaRPr lang="en-US" dirty="0"/>
+                    </a:p>
+                  </a:txBody>
+                  <a:tcPr>
+                    <a:lnL w="12700" cap="flat" cmpd="sng" algn="ctr">
+                      <a:solidFill>
+                        <a:schemeClr val="tx1"/>
+                      </a:solidFill>
+                      <a:prstDash val="solid"/>
+                      <a:round/>
+                      <a:headEnd type="none" w="med" len="med"/>
+                      <a:tailEnd type="none" w="med" len="med"/>
+                    </a:lnL>
+                    <a:lnR w="12700" cap="flat" cmpd="sng" algn="ctr">
+                      <a:solidFill>
+                        <a:schemeClr val="tx1"/>
+                      </a:solidFill>
+                      <a:prstDash val="solid"/>
+                      <a:round/>
+                      <a:headEnd type="none" w="med" len="med"/>
+                      <a:tailEnd type="none" w="med" len="med"/>
+                    </a:lnR>
+                    <a:lnT w="12700" cap="flat" cmpd="sng" algn="ctr">
+                      <a:solidFill>
+                        <a:schemeClr val="tx1"/>
+                      </a:solidFill>
+                      <a:prstDash val="solid"/>
+                      <a:round/>
+                      <a:headEnd type="none" w="med" len="med"/>
+                      <a:tailEnd type="none" w="med" len="med"/>
+                    </a:lnT>
+                    <a:lnB w="12700" cap="flat" cmpd="sng" algn="ctr">
+                      <a:solidFill>
+                        <a:schemeClr val="tx1"/>
+                      </a:solidFill>
+                      <a:prstDash val="solid"/>
+                      <a:round/>
+                      <a:headEnd type="none" w="med" len="med"/>
+                      <a:tailEnd type="none" w="med" len="med"/>
+                    </a:lnB>
+                    <a:solidFill>
+                      <a:schemeClr val="bg1"/>
+                    </a:solidFill>
+                  </a:tcPr>
+                </a:tc>
+                <a:tc>
+                  <a:txBody>
+                    <a:bodyPr/>
+                    <a:lstStyle/>
+                    <a:p>
+                      <a:endParaRPr lang="en-US" dirty="0"/>
+                    </a:p>
+                  </a:txBody>
+                  <a:tcPr>
+                    <a:lnL w="12700" cap="flat" cmpd="sng" algn="ctr">
+                      <a:solidFill>
+                        <a:schemeClr val="tx1"/>
+                      </a:solidFill>
+                      <a:prstDash val="solid"/>
+                      <a:round/>
+                      <a:headEnd type="none" w="med" len="med"/>
+                      <a:tailEnd type="none" w="med" len="med"/>
+                    </a:lnL>
+                    <a:lnR w="12700" cap="flat" cmpd="sng" algn="ctr">
+                      <a:solidFill>
+                        <a:schemeClr val="tx1"/>
+                      </a:solidFill>
+                      <a:prstDash val="solid"/>
+                      <a:round/>
+                      <a:headEnd type="none" w="med" len="med"/>
+                      <a:tailEnd type="none" w="med" len="med"/>
+                    </a:lnR>
+                    <a:lnT w="12700" cap="flat" cmpd="sng" algn="ctr">
+                      <a:solidFill>
+                        <a:schemeClr val="tx1"/>
+                      </a:solidFill>
+                      <a:prstDash val="solid"/>
+                      <a:round/>
+                      <a:headEnd type="none" w="med" len="med"/>
+                      <a:tailEnd type="none" w="med" len="med"/>
+                    </a:lnT>
+                    <a:lnB w="12700" cap="flat" cmpd="sng" algn="ctr">
+                      <a:solidFill>
+                        <a:schemeClr val="tx1"/>
+                      </a:solidFill>
+                      <a:prstDash val="solid"/>
+                      <a:round/>
+                      <a:headEnd type="none" w="med" len="med"/>
+                      <a:tailEnd type="none" w="med" len="med"/>
+                    </a:lnB>
+                    <a:solidFill>
+                      <a:schemeClr val="bg1"/>
+                    </a:solidFill>
+                  </a:tcPr>
+                </a:tc>
+                <a:tc>
+                  <a:txBody>
+                    <a:bodyPr/>
+                    <a:lstStyle/>
+                    <a:p>
+                      <a:endParaRPr lang="en-US"/>
+                    </a:p>
+                  </a:txBody>
+                  <a:tcPr>
+                    <a:lnL w="12700" cap="flat" cmpd="sng" algn="ctr">
+                      <a:solidFill>
+                        <a:schemeClr val="tx1"/>
+                      </a:solidFill>
+                      <a:prstDash val="solid"/>
+                      <a:round/>
+                      <a:headEnd type="none" w="med" len="med"/>
+                      <a:tailEnd type="none" w="med" len="med"/>
+                    </a:lnL>
+                    <a:lnR w="12700" cap="flat" cmpd="sng" algn="ctr">
+                      <a:solidFill>
+                        <a:schemeClr val="tx1"/>
+                      </a:solidFill>
+                      <a:prstDash val="solid"/>
+                      <a:round/>
+                      <a:headEnd type="none" w="med" len="med"/>
+                      <a:tailEnd type="none" w="med" len="med"/>
+                    </a:lnR>
+                    <a:lnT w="12700" cap="flat" cmpd="sng" algn="ctr">
+                      <a:solidFill>
+                        <a:schemeClr val="tx1"/>
+                      </a:solidFill>
+                      <a:prstDash val="solid"/>
+                      <a:round/>
+                      <a:headEnd type="none" w="med" len="med"/>
+                      <a:tailEnd type="none" w="med" len="med"/>
+                    </a:lnT>
+                    <a:lnB w="12700" cap="flat" cmpd="sng" algn="ctr">
+                      <a:solidFill>
+                        <a:schemeClr val="tx1"/>
+                      </a:solidFill>
+                      <a:prstDash val="solid"/>
+                      <a:round/>
+                      <a:headEnd type="none" w="med" len="med"/>
+                      <a:tailEnd type="none" w="med" len="med"/>
+                    </a:lnB>
+                    <a:solidFill>
+                      <a:schemeClr val="bg1"/>
+                    </a:solidFill>
+                  </a:tcPr>
+                </a:tc>
+                <a:extLst>
+                  <a:ext uri="{0D108BD9-81ED-4DB2-BD59-A6C34878D82A}">
+                    <a16:rowId xmlns:a16="http://schemas.microsoft.com/office/drawing/2014/main" val="2984290815"/>
+                  </a:ext>
+                </a:extLst>
+              </a:tr>
+              <a:tr h="810587">
+                <a:tc>
+                  <a:txBody>
+                    <a:bodyPr/>
+                    <a:lstStyle/>
+                    <a:p>
+                      <a:endParaRPr lang="en-US" dirty="0"/>
+                    </a:p>
+                  </a:txBody>
+                  <a:tcPr>
+                    <a:lnL w="12700" cap="flat" cmpd="sng" algn="ctr">
+                      <a:solidFill>
+                        <a:schemeClr val="tx1"/>
+                      </a:solidFill>
+                      <a:prstDash val="solid"/>
+                      <a:round/>
+                      <a:headEnd type="none" w="med" len="med"/>
+                      <a:tailEnd type="none" w="med" len="med"/>
+                    </a:lnL>
+                    <a:lnR w="12700" cap="flat" cmpd="sng" algn="ctr">
+                      <a:solidFill>
+                        <a:schemeClr val="tx1"/>
+                      </a:solidFill>
+                      <a:prstDash val="solid"/>
+                      <a:round/>
+                      <a:headEnd type="none" w="med" len="med"/>
+                      <a:tailEnd type="none" w="med" len="med"/>
+                    </a:lnR>
+                    <a:lnT w="12700" cap="flat" cmpd="sng" algn="ctr">
+                      <a:solidFill>
+                        <a:schemeClr val="tx1"/>
+                      </a:solidFill>
+                      <a:prstDash val="solid"/>
+                      <a:round/>
+                      <a:headEnd type="none" w="med" len="med"/>
+                      <a:tailEnd type="none" w="med" len="med"/>
+                    </a:lnT>
+                    <a:lnB w="12700" cap="flat" cmpd="sng" algn="ctr">
+                      <a:solidFill>
+                        <a:schemeClr val="tx1"/>
+                      </a:solidFill>
+                      <a:prstDash val="solid"/>
+                      <a:round/>
+                      <a:headEnd type="none" w="med" len="med"/>
+                      <a:tailEnd type="none" w="med" len="med"/>
+                    </a:lnB>
+                    <a:solidFill>
+                      <a:schemeClr val="bg1"/>
+                    </a:solidFill>
+                  </a:tcPr>
+                </a:tc>
+                <a:tc>
+                  <a:txBody>
+                    <a:bodyPr/>
+                    <a:lstStyle/>
+                    <a:p>
+                      <a:endParaRPr lang="en-US"/>
+                    </a:p>
+                  </a:txBody>
+                  <a:tcPr>
+                    <a:lnL w="12700" cap="flat" cmpd="sng" algn="ctr">
+                      <a:solidFill>
+                        <a:schemeClr val="tx1"/>
+                      </a:solidFill>
+                      <a:prstDash val="solid"/>
+                      <a:round/>
+                      <a:headEnd type="none" w="med" len="med"/>
+                      <a:tailEnd type="none" w="med" len="med"/>
+                    </a:lnL>
+                    <a:lnR w="12700" cap="flat" cmpd="sng" algn="ctr">
+                      <a:solidFill>
+                        <a:schemeClr val="tx1"/>
+                      </a:solidFill>
+                      <a:prstDash val="solid"/>
+                      <a:round/>
+                      <a:headEnd type="none" w="med" len="med"/>
+                      <a:tailEnd type="none" w="med" len="med"/>
+                    </a:lnR>
+                    <a:lnT w="12700" cap="flat" cmpd="sng" algn="ctr">
+                      <a:solidFill>
+                        <a:schemeClr val="tx1"/>
+                      </a:solidFill>
+                      <a:prstDash val="solid"/>
+                      <a:round/>
+                      <a:headEnd type="none" w="med" len="med"/>
+                      <a:tailEnd type="none" w="med" len="med"/>
+                    </a:lnT>
+                    <a:lnB w="12700" cap="flat" cmpd="sng" algn="ctr">
+                      <a:solidFill>
+                        <a:schemeClr val="tx1"/>
+                      </a:solidFill>
+                      <a:prstDash val="solid"/>
+                      <a:round/>
+                      <a:headEnd type="none" w="med" len="med"/>
+                      <a:tailEnd type="none" w="med" len="med"/>
+                    </a:lnB>
+                    <a:solidFill>
+                      <a:schemeClr val="bg1"/>
+                    </a:solidFill>
+                  </a:tcPr>
+                </a:tc>
+                <a:tc>
+                  <a:txBody>
+                    <a:bodyPr/>
+                    <a:lstStyle/>
+                    <a:p>
+                      <a:endParaRPr lang="en-US"/>
+                    </a:p>
+                  </a:txBody>
+                  <a:tcPr>
+                    <a:lnL w="12700" cap="flat" cmpd="sng" algn="ctr">
+                      <a:solidFill>
+                        <a:schemeClr val="tx1"/>
+                      </a:solidFill>
+                      <a:prstDash val="solid"/>
+                      <a:round/>
+                      <a:headEnd type="none" w="med" len="med"/>
+                      <a:tailEnd type="none" w="med" len="med"/>
+                    </a:lnL>
+                    <a:lnR w="12700" cap="flat" cmpd="sng" algn="ctr">
+                      <a:solidFill>
+                        <a:schemeClr val="tx1"/>
+                      </a:solidFill>
+                      <a:prstDash val="solid"/>
+                      <a:round/>
+                      <a:headEnd type="none" w="med" len="med"/>
+                      <a:tailEnd type="none" w="med" len="med"/>
+                    </a:lnR>
+                    <a:lnT w="12700" cap="flat" cmpd="sng" algn="ctr">
+                      <a:solidFill>
+                        <a:schemeClr val="tx1"/>
+                      </a:solidFill>
+                      <a:prstDash val="solid"/>
+                      <a:round/>
+                      <a:headEnd type="none" w="med" len="med"/>
+                      <a:tailEnd type="none" w="med" len="med"/>
+                    </a:lnT>
+                    <a:lnB w="12700" cap="flat" cmpd="sng" algn="ctr">
+                      <a:solidFill>
+                        <a:schemeClr val="tx1"/>
+                      </a:solidFill>
+                      <a:prstDash val="solid"/>
+                      <a:round/>
+                      <a:headEnd type="none" w="med" len="med"/>
+                      <a:tailEnd type="none" w="med" len="med"/>
+                    </a:lnB>
+                    <a:solidFill>
+                      <a:schemeClr val="bg1"/>
+                    </a:solidFill>
+                  </a:tcPr>
+                </a:tc>
+                <a:tc>
+                  <a:txBody>
+                    <a:bodyPr/>
+                    <a:lstStyle/>
+                    <a:p>
+                      <a:endParaRPr lang="en-US"/>
+                    </a:p>
+                  </a:txBody>
+                  <a:tcPr>
+                    <a:lnL w="12700" cap="flat" cmpd="sng" algn="ctr">
+                      <a:solidFill>
+                        <a:schemeClr val="tx1"/>
+                      </a:solidFill>
+                      <a:prstDash val="solid"/>
+                      <a:round/>
+                      <a:headEnd type="none" w="med" len="med"/>
+                      <a:tailEnd type="none" w="med" len="med"/>
+                    </a:lnL>
+                    <a:lnR w="12700" cap="flat" cmpd="sng" algn="ctr">
+                      <a:solidFill>
+                        <a:schemeClr val="tx1"/>
+                      </a:solidFill>
+                      <a:prstDash val="solid"/>
+                      <a:round/>
+                      <a:headEnd type="none" w="med" len="med"/>
+                      <a:tailEnd type="none" w="med" len="med"/>
+                    </a:lnR>
+                    <a:lnT w="12700" cap="flat" cmpd="sng" algn="ctr">
+                      <a:solidFill>
+                        <a:schemeClr val="tx1"/>
+                      </a:solidFill>
+                      <a:prstDash val="solid"/>
+                      <a:round/>
+                      <a:headEnd type="none" w="med" len="med"/>
+                      <a:tailEnd type="none" w="med" len="med"/>
+                    </a:lnT>
+                    <a:lnB w="12700" cap="flat" cmpd="sng" algn="ctr">
+                      <a:solidFill>
+                        <a:schemeClr val="tx1"/>
+                      </a:solidFill>
+                      <a:prstDash val="solid"/>
+                      <a:round/>
+                      <a:headEnd type="none" w="med" len="med"/>
+                      <a:tailEnd type="none" w="med" len="med"/>
+                    </a:lnB>
+                    <a:solidFill>
+                      <a:schemeClr val="bg1"/>
+                    </a:solidFill>
+                  </a:tcPr>
+                </a:tc>
+                <a:tc>
+                  <a:txBody>
+                    <a:bodyPr/>
+                    <a:lstStyle/>
+                    <a:p>
+                      <a:endParaRPr lang="en-US"/>
+                    </a:p>
+                  </a:txBody>
+                  <a:tcPr>
+                    <a:lnL w="12700" cap="flat" cmpd="sng" algn="ctr">
+                      <a:solidFill>
+                        <a:schemeClr val="tx1"/>
+                      </a:solidFill>
+                      <a:prstDash val="solid"/>
+                      <a:round/>
+                      <a:headEnd type="none" w="med" len="med"/>
+                      <a:tailEnd type="none" w="med" len="med"/>
+                    </a:lnL>
+                    <a:lnR w="12700" cap="flat" cmpd="sng" algn="ctr">
+                      <a:solidFill>
+                        <a:schemeClr val="tx1"/>
+                      </a:solidFill>
+                      <a:prstDash val="solid"/>
+                      <a:round/>
+                      <a:headEnd type="none" w="med" len="med"/>
+                      <a:tailEnd type="none" w="med" len="med"/>
+                    </a:lnR>
+                    <a:lnT w="12700" cap="flat" cmpd="sng" algn="ctr">
+                      <a:solidFill>
+                        <a:schemeClr val="tx1"/>
+                      </a:solidFill>
+                      <a:prstDash val="solid"/>
+                      <a:round/>
+                      <a:headEnd type="none" w="med" len="med"/>
+                      <a:tailEnd type="none" w="med" len="med"/>
+                    </a:lnT>
+                    <a:lnB w="12700" cap="flat" cmpd="sng" algn="ctr">
+                      <a:solidFill>
+                        <a:schemeClr val="tx1"/>
+                      </a:solidFill>
+                      <a:prstDash val="solid"/>
+                      <a:round/>
+                      <a:headEnd type="none" w="med" len="med"/>
+                      <a:tailEnd type="none" w="med" len="med"/>
+                    </a:lnB>
+                    <a:solidFill>
+                      <a:schemeClr val="bg1"/>
+                    </a:solidFill>
+                  </a:tcPr>
+                </a:tc>
+                <a:tc>
+                  <a:txBody>
+                    <a:bodyPr/>
+                    <a:lstStyle/>
+                    <a:p>
+                      <a:endParaRPr lang="en-US" dirty="0"/>
+                    </a:p>
+                  </a:txBody>
+                  <a:tcPr>
+                    <a:lnL w="12700" cap="flat" cmpd="sng" algn="ctr">
+                      <a:solidFill>
+                        <a:schemeClr val="tx1"/>
+                      </a:solidFill>
+                      <a:prstDash val="solid"/>
+                      <a:round/>
+                      <a:headEnd type="none" w="med" len="med"/>
+                      <a:tailEnd type="none" w="med" len="med"/>
+                    </a:lnL>
+                    <a:lnR w="12700" cap="flat" cmpd="sng" algn="ctr">
+                      <a:solidFill>
+                        <a:schemeClr val="tx1"/>
+                      </a:solidFill>
+                      <a:prstDash val="solid"/>
+                      <a:round/>
+                      <a:headEnd type="none" w="med" len="med"/>
+                      <a:tailEnd type="none" w="med" len="med"/>
+                    </a:lnR>
+                    <a:lnT w="12700" cap="flat" cmpd="sng" algn="ctr">
+                      <a:solidFill>
+                        <a:schemeClr val="tx1"/>
+                      </a:solidFill>
+                      <a:prstDash val="solid"/>
+                      <a:round/>
+                      <a:headEnd type="none" w="med" len="med"/>
+                      <a:tailEnd type="none" w="med" len="med"/>
+                    </a:lnT>
+                    <a:lnB w="12700" cap="flat" cmpd="sng" algn="ctr">
+                      <a:solidFill>
+                        <a:schemeClr val="tx1"/>
+                      </a:solidFill>
+                      <a:prstDash val="solid"/>
+                      <a:round/>
+                      <a:headEnd type="none" w="med" len="med"/>
+                      <a:tailEnd type="none" w="med" len="med"/>
+                    </a:lnB>
+                    <a:solidFill>
+                      <a:schemeClr val="bg1"/>
+                    </a:solidFill>
+                  </a:tcPr>
+                </a:tc>
+                <a:tc>
+                  <a:txBody>
+                    <a:bodyPr/>
+                    <a:lstStyle/>
+                    <a:p>
+                      <a:endParaRPr lang="en-US" dirty="0"/>
+                    </a:p>
+                  </a:txBody>
+                  <a:tcPr>
+                    <a:lnL w="12700" cap="flat" cmpd="sng" algn="ctr">
+                      <a:solidFill>
+                        <a:schemeClr val="tx1"/>
+                      </a:solidFill>
+                      <a:prstDash val="solid"/>
+                      <a:round/>
+                      <a:headEnd type="none" w="med" len="med"/>
+                      <a:tailEnd type="none" w="med" len="med"/>
+                    </a:lnL>
+                    <a:lnR w="12700" cap="flat" cmpd="sng" algn="ctr">
+                      <a:solidFill>
+                        <a:schemeClr val="tx1"/>
+                      </a:solidFill>
+                      <a:prstDash val="solid"/>
+                      <a:round/>
+                      <a:headEnd type="none" w="med" len="med"/>
+                      <a:tailEnd type="none" w="med" len="med"/>
+                    </a:lnR>
+                    <a:lnT w="12700" cap="flat" cmpd="sng" algn="ctr">
+                      <a:solidFill>
+                        <a:schemeClr val="tx1"/>
+                      </a:solidFill>
+                      <a:prstDash val="solid"/>
+                      <a:round/>
+                      <a:headEnd type="none" w="med" len="med"/>
+                      <a:tailEnd type="none" w="med" len="med"/>
+                    </a:lnT>
+                    <a:lnB w="12700" cap="flat" cmpd="sng" algn="ctr">
+                      <a:solidFill>
+                        <a:schemeClr val="tx1"/>
+                      </a:solidFill>
+                      <a:prstDash val="solid"/>
+                      <a:round/>
+                      <a:headEnd type="none" w="med" len="med"/>
+                      <a:tailEnd type="none" w="med" len="med"/>
+                    </a:lnB>
+                    <a:solidFill>
+                      <a:schemeClr val="bg1"/>
+                    </a:solidFill>
+                  </a:tcPr>
+                </a:tc>
+                <a:tc>
+                  <a:txBody>
+                    <a:bodyPr/>
+                    <a:lstStyle/>
+                    <a:p>
+                      <a:endParaRPr lang="en-US" dirty="0"/>
+                    </a:p>
+                  </a:txBody>
+                  <a:tcPr>
+                    <a:lnL w="12700" cap="flat" cmpd="sng" algn="ctr">
+                      <a:solidFill>
+                        <a:schemeClr val="tx1"/>
+                      </a:solidFill>
+                      <a:prstDash val="solid"/>
+                      <a:round/>
+                      <a:headEnd type="none" w="med" len="med"/>
+                      <a:tailEnd type="none" w="med" len="med"/>
+                    </a:lnL>
+                    <a:lnR w="12700" cap="flat" cmpd="sng" algn="ctr">
+                      <a:solidFill>
+                        <a:schemeClr val="tx1"/>
+                      </a:solidFill>
+                      <a:prstDash val="solid"/>
+                      <a:round/>
+                      <a:headEnd type="none" w="med" len="med"/>
+                      <a:tailEnd type="none" w="med" len="med"/>
+                    </a:lnR>
+                    <a:lnT w="12700" cap="flat" cmpd="sng" algn="ctr">
+                      <a:solidFill>
+                        <a:schemeClr val="tx1"/>
+                      </a:solidFill>
+                      <a:prstDash val="solid"/>
+                      <a:round/>
+                      <a:headEnd type="none" w="med" len="med"/>
+                      <a:tailEnd type="none" w="med" len="med"/>
+                    </a:lnT>
+                    <a:lnB w="12700" cap="flat" cmpd="sng" algn="ctr">
+                      <a:solidFill>
+                        <a:schemeClr val="tx1"/>
+                      </a:solidFill>
+                      <a:prstDash val="solid"/>
+                      <a:round/>
+                      <a:headEnd type="none" w="med" len="med"/>
+                      <a:tailEnd type="none" w="med" len="med"/>
+                    </a:lnB>
+                    <a:solidFill>
+                      <a:schemeClr val="bg1"/>
+                    </a:solidFill>
+                  </a:tcPr>
+                </a:tc>
+                <a:extLst>
+                  <a:ext uri="{0D108BD9-81ED-4DB2-BD59-A6C34878D82A}">
+                    <a16:rowId xmlns:a16="http://schemas.microsoft.com/office/drawing/2014/main" val="1109871911"/>
+                  </a:ext>
+                </a:extLst>
+              </a:tr>
+            </a:tbl>
+          </a:graphicData>
+        </a:graphic>
+      </p:graphicFrame>
+      <p:pic>
+        <p:nvPicPr>
+          <p:cNvPr id="4" name="Picture 3" descr="Shape&#10;&#10;Description automatically generated with low confidence">
+            <a:extLst>
+              <a:ext uri="{FF2B5EF4-FFF2-40B4-BE49-F238E27FC236}">
+                <a16:creationId xmlns:a16="http://schemas.microsoft.com/office/drawing/2014/main" id="{7C19CDD0-56A8-4726-8FE3-4C3253C276AF}"/>
+              </a:ext>
+            </a:extLst>
+          </p:cNvPr>
+          <p:cNvPicPr>
+            <a:picLocks noChangeAspect="1"/>
+          </p:cNvPicPr>
+          <p:nvPr/>
+        </p:nvPicPr>
+        <p:blipFill>
+          <a:blip r:embed="rId2">
+            <a:extLst>
+              <a:ext uri="{28A0092B-C50C-407E-A947-70E740481C1C}">
+                <a14:useLocalDpi xmlns:a14="http://schemas.microsoft.com/office/drawing/2010/main" val="0"/>
+              </a:ext>
+            </a:extLst>
+          </a:blip>
+          <a:stretch>
+            <a:fillRect/>
+          </a:stretch>
+        </p:blipFill>
+        <p:spPr>
+          <a:xfrm flipH="1">
+            <a:off x="3199004" y="4295164"/>
+            <a:ext cx="759204" cy="759204"/>
+          </a:xfrm>
+          <a:prstGeom prst="rect">
+            <a:avLst/>
+          </a:prstGeom>
+        </p:spPr>
+      </p:pic>
+      <p:pic>
+        <p:nvPicPr>
+          <p:cNvPr id="6" name="Picture 5" descr="A picture containing building&#10;&#10;Description automatically generated">
+            <a:extLst>
+              <a:ext uri="{FF2B5EF4-FFF2-40B4-BE49-F238E27FC236}">
+                <a16:creationId xmlns:a16="http://schemas.microsoft.com/office/drawing/2014/main" id="{FCB327E9-7FC8-49C2-A88A-C0E870886125}"/>
+              </a:ext>
+            </a:extLst>
+          </p:cNvPr>
+          <p:cNvPicPr>
+            <a:picLocks noChangeAspect="1"/>
+          </p:cNvPicPr>
+          <p:nvPr/>
+        </p:nvPicPr>
+        <p:blipFill>
+          <a:blip r:embed="rId3">
+            <a:extLst>
+              <a:ext uri="{28A0092B-C50C-407E-A947-70E740481C1C}">
+                <a14:useLocalDpi xmlns:a14="http://schemas.microsoft.com/office/drawing/2010/main" val="0"/>
+              </a:ext>
+            </a:extLst>
+          </a:blip>
+          <a:stretch>
+            <a:fillRect/>
+          </a:stretch>
+        </p:blipFill>
+        <p:spPr>
+          <a:xfrm>
+            <a:off x="9277043" y="327171"/>
+            <a:ext cx="611350" cy="611350"/>
+          </a:xfrm>
+          <a:prstGeom prst="rect">
+            <a:avLst/>
+          </a:prstGeom>
+        </p:spPr>
+      </p:pic>
+      <p:pic>
+        <p:nvPicPr>
+          <p:cNvPr id="8" name="Picture 7" descr="Shape&#10;&#10;Description automatically generated with low confidence">
+            <a:extLst>
+              <a:ext uri="{FF2B5EF4-FFF2-40B4-BE49-F238E27FC236}">
+                <a16:creationId xmlns:a16="http://schemas.microsoft.com/office/drawing/2014/main" id="{6C03E69D-6EAD-478A-823F-2A4E06AA5682}"/>
+              </a:ext>
+            </a:extLst>
+          </p:cNvPr>
+          <p:cNvPicPr>
+            <a:picLocks noChangeAspect="1"/>
+          </p:cNvPicPr>
+          <p:nvPr/>
+        </p:nvPicPr>
+        <p:blipFill>
+          <a:blip r:embed="rId4">
+            <a:extLst>
+              <a:ext uri="{28A0092B-C50C-407E-A947-70E740481C1C}">
+                <a14:useLocalDpi xmlns:a14="http://schemas.microsoft.com/office/drawing/2010/main" val="0"/>
+              </a:ext>
+            </a:extLst>
+          </a:blip>
+          <a:stretch>
+            <a:fillRect/>
+          </a:stretch>
+        </p:blipFill>
+        <p:spPr>
+          <a:xfrm>
+            <a:off x="5755369" y="1044169"/>
+            <a:ext cx="788042" cy="788042"/>
+          </a:xfrm>
+          <a:prstGeom prst="rect">
+            <a:avLst/>
+          </a:prstGeom>
+        </p:spPr>
+      </p:pic>
+      <p:pic>
+        <p:nvPicPr>
+          <p:cNvPr id="10" name="Picture 9" descr="Shape&#10;&#10;Description automatically generated with low confidence">
+            <a:extLst>
+              <a:ext uri="{FF2B5EF4-FFF2-40B4-BE49-F238E27FC236}">
+                <a16:creationId xmlns:a16="http://schemas.microsoft.com/office/drawing/2014/main" id="{AACDC302-E420-47F6-9BDD-B653ABFC563C}"/>
+              </a:ext>
+            </a:extLst>
+          </p:cNvPr>
+          <p:cNvPicPr>
+            <a:picLocks noChangeAspect="1"/>
+          </p:cNvPicPr>
+          <p:nvPr/>
+        </p:nvPicPr>
+        <p:blipFill>
+          <a:blip r:embed="rId4">
+            <a:extLst>
+              <a:ext uri="{28A0092B-C50C-407E-A947-70E740481C1C}">
+                <a14:useLocalDpi xmlns:a14="http://schemas.microsoft.com/office/drawing/2010/main" val="0"/>
+              </a:ext>
+            </a:extLst>
+          </a:blip>
+          <a:stretch>
+            <a:fillRect/>
+          </a:stretch>
+        </p:blipFill>
+        <p:spPr>
+          <a:xfrm>
+            <a:off x="8334986" y="3481431"/>
+            <a:ext cx="788042" cy="788042"/>
+          </a:xfrm>
+          <a:prstGeom prst="rect">
+            <a:avLst/>
+          </a:prstGeom>
+        </p:spPr>
+      </p:pic>
+      <p:pic>
+        <p:nvPicPr>
+          <p:cNvPr id="12" name="Picture 11" descr="Shape&#10;&#10;Description automatically generated with low confidence">
+            <a:extLst>
+              <a:ext uri="{FF2B5EF4-FFF2-40B4-BE49-F238E27FC236}">
+                <a16:creationId xmlns:a16="http://schemas.microsoft.com/office/drawing/2014/main" id="{F31D8E74-808D-4C33-B56E-530124CC92FD}"/>
+              </a:ext>
+            </a:extLst>
+          </p:cNvPr>
+          <p:cNvPicPr>
+            <a:picLocks noChangeAspect="1"/>
+          </p:cNvPicPr>
+          <p:nvPr/>
+        </p:nvPicPr>
+        <p:blipFill>
+          <a:blip r:embed="rId4">
+            <a:extLst>
+              <a:ext uri="{28A0092B-C50C-407E-A947-70E740481C1C}">
+                <a14:useLocalDpi xmlns:a14="http://schemas.microsoft.com/office/drawing/2010/main" val="0"/>
+              </a:ext>
+            </a:extLst>
+          </a:blip>
+          <a:stretch>
+            <a:fillRect/>
+          </a:stretch>
+        </p:blipFill>
+        <p:spPr>
+          <a:xfrm>
+            <a:off x="3190615" y="1850911"/>
+            <a:ext cx="788042" cy="788042"/>
+          </a:xfrm>
+          <a:prstGeom prst="rect">
+            <a:avLst/>
+          </a:prstGeom>
+        </p:spPr>
+      </p:pic>
+      <p:pic>
+        <p:nvPicPr>
+          <p:cNvPr id="13" name="Picture 12" descr="Shape&#10;&#10;Description automatically generated with low confidence">
+            <a:extLst>
+              <a:ext uri="{FF2B5EF4-FFF2-40B4-BE49-F238E27FC236}">
+                <a16:creationId xmlns:a16="http://schemas.microsoft.com/office/drawing/2014/main" id="{46292467-EF5D-4707-8BD2-CDBA9A9FA23E}"/>
+              </a:ext>
+            </a:extLst>
+          </p:cNvPr>
+          <p:cNvPicPr>
+            <a:picLocks noChangeAspect="1"/>
+          </p:cNvPicPr>
+          <p:nvPr/>
+        </p:nvPicPr>
+        <p:blipFill>
+          <a:blip r:embed="rId4">
+            <a:extLst>
+              <a:ext uri="{28A0092B-C50C-407E-A947-70E740481C1C}">
+                <a14:useLocalDpi xmlns:a14="http://schemas.microsoft.com/office/drawing/2010/main" val="0"/>
+              </a:ext>
+            </a:extLst>
+          </a:blip>
+          <a:stretch>
+            <a:fillRect/>
+          </a:stretch>
+        </p:blipFill>
+        <p:spPr>
+          <a:xfrm>
+            <a:off x="4038248" y="5100509"/>
+            <a:ext cx="788042" cy="788042"/>
+          </a:xfrm>
+          <a:prstGeom prst="rect">
+            <a:avLst/>
+          </a:prstGeom>
+        </p:spPr>
+      </p:pic>
+      <p:pic>
+        <p:nvPicPr>
+          <p:cNvPr id="14" name="Picture 13" descr="Shape&#10;&#10;Description automatically generated with low confidence">
+            <a:extLst>
+              <a:ext uri="{FF2B5EF4-FFF2-40B4-BE49-F238E27FC236}">
+                <a16:creationId xmlns:a16="http://schemas.microsoft.com/office/drawing/2014/main" id="{1BCD88E6-5351-44FF-A615-751153CC7321}"/>
+              </a:ext>
+            </a:extLst>
+          </p:cNvPr>
+          <p:cNvPicPr>
+            <a:picLocks noChangeAspect="1"/>
+          </p:cNvPicPr>
+          <p:nvPr/>
+        </p:nvPicPr>
+        <p:blipFill>
+          <a:blip r:embed="rId4">
+            <a:extLst>
+              <a:ext uri="{28A0092B-C50C-407E-A947-70E740481C1C}">
+                <a14:useLocalDpi xmlns:a14="http://schemas.microsoft.com/office/drawing/2010/main" val="0"/>
+              </a:ext>
+            </a:extLst>
+          </a:blip>
+          <a:stretch>
+            <a:fillRect/>
+          </a:stretch>
+        </p:blipFill>
+        <p:spPr>
+          <a:xfrm>
+            <a:off x="6607376" y="5914242"/>
+            <a:ext cx="788042" cy="788042"/>
+          </a:xfrm>
+          <a:prstGeom prst="rect">
+            <a:avLst/>
+          </a:prstGeom>
+        </p:spPr>
+      </p:pic>
+      <p:pic>
+        <p:nvPicPr>
+          <p:cNvPr id="15" name="Picture 14" descr="Shape&#10;&#10;Description automatically generated with low confidence">
+            <a:extLst>
+              <a:ext uri="{FF2B5EF4-FFF2-40B4-BE49-F238E27FC236}">
+                <a16:creationId xmlns:a16="http://schemas.microsoft.com/office/drawing/2014/main" id="{175610E1-0041-46EE-AD0E-68ECA93CD5BF}"/>
+              </a:ext>
+            </a:extLst>
+          </p:cNvPr>
+          <p:cNvPicPr>
+            <a:picLocks noChangeAspect="1"/>
+          </p:cNvPicPr>
+          <p:nvPr/>
+        </p:nvPicPr>
+        <p:blipFill>
+          <a:blip r:embed="rId4">
+            <a:extLst>
+              <a:ext uri="{28A0092B-C50C-407E-A947-70E740481C1C}">
+                <a14:useLocalDpi xmlns:a14="http://schemas.microsoft.com/office/drawing/2010/main" val="0"/>
+              </a:ext>
+            </a:extLst>
+          </a:blip>
+          <a:stretch>
+            <a:fillRect/>
+          </a:stretch>
+        </p:blipFill>
+        <p:spPr>
+          <a:xfrm>
+            <a:off x="4903624" y="4295689"/>
+            <a:ext cx="788042" cy="788042"/>
+          </a:xfrm>
+          <a:prstGeom prst="rect">
+            <a:avLst/>
+          </a:prstGeom>
+        </p:spPr>
+      </p:pic>
+      <p:pic>
+        <p:nvPicPr>
+          <p:cNvPr id="16" name="Picture 15" descr="Shape&#10;&#10;Description automatically generated with low confidence">
+            <a:extLst>
+              <a:ext uri="{FF2B5EF4-FFF2-40B4-BE49-F238E27FC236}">
+                <a16:creationId xmlns:a16="http://schemas.microsoft.com/office/drawing/2014/main" id="{3154325F-4AF7-4390-B081-7216A0B39FEF}"/>
+              </a:ext>
+            </a:extLst>
+          </p:cNvPr>
+          <p:cNvPicPr>
+            <a:picLocks noChangeAspect="1"/>
+          </p:cNvPicPr>
+          <p:nvPr/>
+        </p:nvPicPr>
+        <p:blipFill>
+          <a:blip r:embed="rId4">
+            <a:extLst>
+              <a:ext uri="{28A0092B-C50C-407E-A947-70E740481C1C}">
+                <a14:useLocalDpi xmlns:a14="http://schemas.microsoft.com/office/drawing/2010/main" val="0"/>
+              </a:ext>
+            </a:extLst>
+          </a:blip>
+          <a:stretch>
+            <a:fillRect/>
+          </a:stretch>
+        </p:blipFill>
+        <p:spPr>
+          <a:xfrm>
+            <a:off x="6612445" y="1037178"/>
+            <a:ext cx="788042" cy="788042"/>
+          </a:xfrm>
+          <a:prstGeom prst="rect">
+            <a:avLst/>
+          </a:prstGeom>
+        </p:spPr>
+      </p:pic>
+      <p:pic>
+        <p:nvPicPr>
+          <p:cNvPr id="17" name="Picture 16" descr="Shape&#10;&#10;Description automatically generated with low confidence">
+            <a:extLst>
+              <a:ext uri="{FF2B5EF4-FFF2-40B4-BE49-F238E27FC236}">
+                <a16:creationId xmlns:a16="http://schemas.microsoft.com/office/drawing/2014/main" id="{6F9ADAC0-3BA2-4F49-8E36-93D3BC513AD8}"/>
+              </a:ext>
+            </a:extLst>
+          </p:cNvPr>
+          <p:cNvPicPr>
+            <a:picLocks noChangeAspect="1"/>
+          </p:cNvPicPr>
+          <p:nvPr/>
+        </p:nvPicPr>
+        <p:blipFill>
+          <a:blip r:embed="rId4">
+            <a:extLst>
+              <a:ext uri="{28A0092B-C50C-407E-A947-70E740481C1C}">
+                <a14:useLocalDpi xmlns:a14="http://schemas.microsoft.com/office/drawing/2010/main" val="0"/>
+              </a:ext>
+            </a:extLst>
+          </a:blip>
+          <a:stretch>
+            <a:fillRect/>
+          </a:stretch>
+        </p:blipFill>
+        <p:spPr>
+          <a:xfrm>
+            <a:off x="7469956" y="1044169"/>
+            <a:ext cx="788042" cy="788042"/>
+          </a:xfrm>
+          <a:prstGeom prst="rect">
+            <a:avLst/>
+          </a:prstGeom>
+        </p:spPr>
+      </p:pic>
+      <p:pic>
+        <p:nvPicPr>
+          <p:cNvPr id="19" name="Picture 18" descr="A picture containing tool&#10;&#10;Description automatically generated">
+            <a:extLst>
+              <a:ext uri="{FF2B5EF4-FFF2-40B4-BE49-F238E27FC236}">
+                <a16:creationId xmlns:a16="http://schemas.microsoft.com/office/drawing/2014/main" id="{6BE75FA8-362D-4ABA-BBC2-C890DAEC2A27}"/>
+              </a:ext>
+            </a:extLst>
+          </p:cNvPr>
+          <p:cNvPicPr>
+            <a:picLocks noChangeAspect="1"/>
+          </p:cNvPicPr>
+          <p:nvPr/>
+        </p:nvPicPr>
+        <p:blipFill>
+          <a:blip r:embed="rId5">
+            <a:extLst>
+              <a:ext uri="{28A0092B-C50C-407E-A947-70E740481C1C}">
+                <a14:useLocalDpi xmlns:a14="http://schemas.microsoft.com/office/drawing/2010/main" val="0"/>
+              </a:ext>
+            </a:extLst>
+          </a:blip>
+          <a:stretch>
+            <a:fillRect/>
+          </a:stretch>
+        </p:blipFill>
+        <p:spPr>
+          <a:xfrm>
+            <a:off x="9205475" y="3506598"/>
+            <a:ext cx="699696" cy="699696"/>
+          </a:xfrm>
+          <a:prstGeom prst="rect">
+            <a:avLst/>
+          </a:prstGeom>
+        </p:spPr>
+      </p:pic>
+      <p:pic>
+        <p:nvPicPr>
+          <p:cNvPr id="20" name="Picture 19" descr="Shape&#10;&#10;Description automatically generated with low confidence">
+            <a:extLst>
+              <a:ext uri="{FF2B5EF4-FFF2-40B4-BE49-F238E27FC236}">
+                <a16:creationId xmlns:a16="http://schemas.microsoft.com/office/drawing/2014/main" id="{6DA6ADE6-A9CC-4D0A-A7FD-05A11AB7864F}"/>
+              </a:ext>
+            </a:extLst>
+          </p:cNvPr>
+          <p:cNvPicPr>
+            <a:picLocks noChangeAspect="1"/>
+          </p:cNvPicPr>
+          <p:nvPr/>
+        </p:nvPicPr>
+        <p:blipFill>
+          <a:blip r:embed="rId4">
+            <a:extLst>
+              <a:ext uri="{28A0092B-C50C-407E-A947-70E740481C1C}">
+                <a14:useLocalDpi xmlns:a14="http://schemas.microsoft.com/office/drawing/2010/main" val="0"/>
+              </a:ext>
+            </a:extLst>
+          </a:blip>
+          <a:stretch>
+            <a:fillRect/>
+          </a:stretch>
+        </p:blipFill>
+        <p:spPr>
+          <a:xfrm>
+            <a:off x="4038248" y="235156"/>
+            <a:ext cx="788042" cy="788042"/>
+          </a:xfrm>
+          <a:prstGeom prst="rect">
+            <a:avLst/>
+          </a:prstGeom>
+        </p:spPr>
+      </p:pic>
+      <p:pic>
+        <p:nvPicPr>
+          <p:cNvPr id="21" name="Picture 20" descr="Shape&#10;&#10;Description automatically generated with low confidence">
+            <a:extLst>
+              <a:ext uri="{FF2B5EF4-FFF2-40B4-BE49-F238E27FC236}">
+                <a16:creationId xmlns:a16="http://schemas.microsoft.com/office/drawing/2014/main" id="{FEF34946-C755-4077-BC96-6AB61BC81FC4}"/>
+              </a:ext>
+            </a:extLst>
+          </p:cNvPr>
+          <p:cNvPicPr>
+            <a:picLocks noChangeAspect="1"/>
+          </p:cNvPicPr>
+          <p:nvPr/>
+        </p:nvPicPr>
+        <p:blipFill>
+          <a:blip r:embed="rId2">
+            <a:extLst>
+              <a:ext uri="{28A0092B-C50C-407E-A947-70E740481C1C}">
+                <a14:useLocalDpi xmlns:a14="http://schemas.microsoft.com/office/drawing/2010/main" val="0"/>
+              </a:ext>
+            </a:extLst>
+          </a:blip>
+          <a:stretch>
+            <a:fillRect/>
+          </a:stretch>
+        </p:blipFill>
+        <p:spPr>
+          <a:xfrm flipH="1">
+            <a:off x="3199004" y="1058151"/>
+            <a:ext cx="759204" cy="759204"/>
+          </a:xfrm>
+          <a:prstGeom prst="rect">
+            <a:avLst/>
+          </a:prstGeom>
+        </p:spPr>
+      </p:pic>
+      <p:pic>
+        <p:nvPicPr>
+          <p:cNvPr id="24" name="Picture 23" descr="Icon&#10;&#10;Description automatically generated">
+            <a:extLst>
+              <a:ext uri="{FF2B5EF4-FFF2-40B4-BE49-F238E27FC236}">
+                <a16:creationId xmlns:a16="http://schemas.microsoft.com/office/drawing/2014/main" id="{41A6A129-4255-4886-B638-6689EF7860AA}"/>
+              </a:ext>
+            </a:extLst>
+          </p:cNvPr>
+          <p:cNvPicPr>
+            <a:picLocks noChangeAspect="1"/>
+          </p:cNvPicPr>
+          <p:nvPr/>
+        </p:nvPicPr>
+        <p:blipFill>
+          <a:blip r:embed="rId6">
+            <a:extLst>
+              <a:ext uri="{28A0092B-C50C-407E-A947-70E740481C1C}">
+                <a14:useLocalDpi xmlns:a14="http://schemas.microsoft.com/office/drawing/2010/main" val="0"/>
+              </a:ext>
+            </a:extLst>
+          </a:blip>
+          <a:stretch>
+            <a:fillRect/>
+          </a:stretch>
+        </p:blipFill>
+        <p:spPr>
+          <a:xfrm>
+            <a:off x="8368126" y="5938885"/>
+            <a:ext cx="717151" cy="717151"/>
+          </a:xfrm>
+          <a:prstGeom prst="rect">
+            <a:avLst/>
+          </a:prstGeom>
+        </p:spPr>
+      </p:pic>
+      <p:pic>
+        <p:nvPicPr>
+          <p:cNvPr id="26" name="Picture 25" descr="Shape&#10;&#10;Description automatically generated with low confidence">
+            <a:extLst>
+              <a:ext uri="{FF2B5EF4-FFF2-40B4-BE49-F238E27FC236}">
+                <a16:creationId xmlns:a16="http://schemas.microsoft.com/office/drawing/2014/main" id="{3A740241-21AD-4AB5-AEB0-792A28CF4CC0}"/>
+              </a:ext>
+            </a:extLst>
+          </p:cNvPr>
+          <p:cNvPicPr>
+            <a:picLocks noChangeAspect="1"/>
+          </p:cNvPicPr>
+          <p:nvPr/>
+        </p:nvPicPr>
+        <p:blipFill>
+          <a:blip r:embed="rId7">
+            <a:extLst>
+              <a:ext uri="{28A0092B-C50C-407E-A947-70E740481C1C}">
+                <a14:useLocalDpi xmlns:a14="http://schemas.microsoft.com/office/drawing/2010/main" val="0"/>
+              </a:ext>
+            </a:extLst>
+          </a:blip>
+          <a:stretch>
+            <a:fillRect/>
+          </a:stretch>
+        </p:blipFill>
+        <p:spPr>
+          <a:xfrm>
+            <a:off x="6620304" y="5092644"/>
+            <a:ext cx="788042" cy="788042"/>
+          </a:xfrm>
+          <a:prstGeom prst="rect">
+            <a:avLst/>
+          </a:prstGeom>
+        </p:spPr>
+      </p:pic>
+      <p:pic>
+        <p:nvPicPr>
+          <p:cNvPr id="29" name="Picture 28" descr="Shape&#10;&#10;Description automatically generated with low confidence">
+            <a:extLst>
+              <a:ext uri="{FF2B5EF4-FFF2-40B4-BE49-F238E27FC236}">
+                <a16:creationId xmlns:a16="http://schemas.microsoft.com/office/drawing/2014/main" id="{D857F951-B28A-42BD-8948-10FD4C1A76A2}"/>
+              </a:ext>
+            </a:extLst>
+          </p:cNvPr>
+          <p:cNvPicPr>
+            <a:picLocks noChangeAspect="1"/>
+          </p:cNvPicPr>
+          <p:nvPr/>
+        </p:nvPicPr>
+        <p:blipFill>
+          <a:blip r:embed="rId7">
+            <a:extLst>
+              <a:ext uri="{28A0092B-C50C-407E-A947-70E740481C1C}">
+                <a14:useLocalDpi xmlns:a14="http://schemas.microsoft.com/office/drawing/2010/main" val="0"/>
+              </a:ext>
+            </a:extLst>
+          </a:blip>
+          <a:stretch>
+            <a:fillRect/>
+          </a:stretch>
+        </p:blipFill>
+        <p:spPr>
+          <a:xfrm>
+            <a:off x="5755369" y="1861835"/>
+            <a:ext cx="788042" cy="788042"/>
+          </a:xfrm>
+          <a:prstGeom prst="rect">
+            <a:avLst/>
+          </a:prstGeom>
+        </p:spPr>
+      </p:pic>
+      <p:pic>
+        <p:nvPicPr>
+          <p:cNvPr id="30" name="Picture 29" descr="Shape&#10;&#10;Description automatically generated with low confidence">
+            <a:extLst>
+              <a:ext uri="{FF2B5EF4-FFF2-40B4-BE49-F238E27FC236}">
+                <a16:creationId xmlns:a16="http://schemas.microsoft.com/office/drawing/2014/main" id="{D0CAB3E2-7A33-4DB5-A729-E8E71F9B4427}"/>
+              </a:ext>
+            </a:extLst>
+          </p:cNvPr>
+          <p:cNvPicPr>
+            <a:picLocks noChangeAspect="1"/>
+          </p:cNvPicPr>
+          <p:nvPr/>
+        </p:nvPicPr>
+        <p:blipFill>
+          <a:blip r:embed="rId4">
+            <a:extLst>
+              <a:ext uri="{28A0092B-C50C-407E-A947-70E740481C1C}">
+                <a14:useLocalDpi xmlns:a14="http://schemas.microsoft.com/office/drawing/2010/main" val="0"/>
+              </a:ext>
+            </a:extLst>
+          </a:blip>
+          <a:stretch>
+            <a:fillRect/>
+          </a:stretch>
+        </p:blipFill>
+        <p:spPr>
+          <a:xfrm>
+            <a:off x="7478345" y="2666655"/>
+            <a:ext cx="788042" cy="788042"/>
+          </a:xfrm>
+          <a:prstGeom prst="rect">
+            <a:avLst/>
+          </a:prstGeom>
+        </p:spPr>
+      </p:pic>
+      <p:pic>
+        <p:nvPicPr>
+          <p:cNvPr id="31" name="Picture 30" descr="Shape&#10;&#10;Description automatically generated with low confidence">
+            <a:extLst>
+              <a:ext uri="{FF2B5EF4-FFF2-40B4-BE49-F238E27FC236}">
+                <a16:creationId xmlns:a16="http://schemas.microsoft.com/office/drawing/2014/main" id="{2D5CFE4E-1532-432A-A662-CE9815F588C8}"/>
+              </a:ext>
+            </a:extLst>
+          </p:cNvPr>
+          <p:cNvPicPr>
+            <a:picLocks noChangeAspect="1"/>
+          </p:cNvPicPr>
+          <p:nvPr/>
+        </p:nvPicPr>
+        <p:blipFill>
+          <a:blip r:embed="rId4">
+            <a:extLst>
+              <a:ext uri="{28A0092B-C50C-407E-A947-70E740481C1C}">
+                <a14:useLocalDpi xmlns:a14="http://schemas.microsoft.com/office/drawing/2010/main" val="0"/>
+              </a:ext>
+            </a:extLst>
+          </a:blip>
+          <a:stretch>
+            <a:fillRect/>
+          </a:stretch>
+        </p:blipFill>
+        <p:spPr>
+          <a:xfrm>
+            <a:off x="4895235" y="3490344"/>
+            <a:ext cx="788042" cy="788042"/>
+          </a:xfrm>
+          <a:prstGeom prst="rect">
+            <a:avLst/>
+          </a:prstGeom>
+        </p:spPr>
+      </p:pic>
+      <p:pic>
+        <p:nvPicPr>
+          <p:cNvPr id="32" name="Picture 31" descr="Shape&#10;&#10;Description automatically generated with low confidence">
+            <a:extLst>
+              <a:ext uri="{FF2B5EF4-FFF2-40B4-BE49-F238E27FC236}">
+                <a16:creationId xmlns:a16="http://schemas.microsoft.com/office/drawing/2014/main" id="{DF44D582-0020-49FD-8DA7-AD8AB1981981}"/>
+              </a:ext>
+            </a:extLst>
+          </p:cNvPr>
+          <p:cNvPicPr>
+            <a:picLocks noChangeAspect="1"/>
+          </p:cNvPicPr>
+          <p:nvPr/>
+        </p:nvPicPr>
+        <p:blipFill>
+          <a:blip r:embed="rId4">
+            <a:extLst>
+              <a:ext uri="{28A0092B-C50C-407E-A947-70E740481C1C}">
+                <a14:useLocalDpi xmlns:a14="http://schemas.microsoft.com/office/drawing/2010/main" val="0"/>
+              </a:ext>
+            </a:extLst>
+          </a:blip>
+          <a:stretch>
+            <a:fillRect/>
+          </a:stretch>
+        </p:blipFill>
+        <p:spPr>
+          <a:xfrm>
+            <a:off x="9188697" y="1853446"/>
+            <a:ext cx="788042" cy="788042"/>
+          </a:xfrm>
+          <a:prstGeom prst="rect">
+            <a:avLst/>
+          </a:prstGeom>
+        </p:spPr>
+      </p:pic>
+    </p:spTree>
+    <p:extLst>
+      <p:ext uri="{BB962C8B-B14F-4D97-AF65-F5344CB8AC3E}">
+        <p14:creationId xmlns:p14="http://schemas.microsoft.com/office/powerpoint/2010/main" val="2648273909"/>
+      </p:ext>
+    </p:extLst>
+  </p:cSld>
+  <p:clrMapOvr>
+    <a:masterClrMapping/>
+  </p:clrMapOvr>
+</p:sld>
+</file>
+
 <file path=ppt/theme/theme1.xml><?xml version="1.0" encoding="utf-8"?>
 <a:theme xmlns:a="http://schemas.openxmlformats.org/drawingml/2006/main" name="Office Theme">
   <a:themeElements>

--- a/Presentation1.pptx
+++ b/Presentation1.pptx
@@ -292,7 +292,7 @@
           <a:p>
             <a:fld id="{C1267A05-D67B-4E4C-868C-590CB66AEB3E}" type="datetimeFigureOut">
               <a:rPr lang="en-US" smtClean="0"/>
-              <a:t>3/1/2023</a:t>
+              <a:t>3/2/2023</a:t>
             </a:fld>
             <a:endParaRPr lang="en-US"/>
           </a:p>
@@ -490,7 +490,7 @@
           <a:p>
             <a:fld id="{C1267A05-D67B-4E4C-868C-590CB66AEB3E}" type="datetimeFigureOut">
               <a:rPr lang="en-US" smtClean="0"/>
-              <a:t>3/1/2023</a:t>
+              <a:t>3/2/2023</a:t>
             </a:fld>
             <a:endParaRPr lang="en-US"/>
           </a:p>
@@ -698,7 +698,7 @@
           <a:p>
             <a:fld id="{C1267A05-D67B-4E4C-868C-590CB66AEB3E}" type="datetimeFigureOut">
               <a:rPr lang="en-US" smtClean="0"/>
-              <a:t>3/1/2023</a:t>
+              <a:t>3/2/2023</a:t>
             </a:fld>
             <a:endParaRPr lang="en-US"/>
           </a:p>
@@ -896,7 +896,7 @@
           <a:p>
             <a:fld id="{C1267A05-D67B-4E4C-868C-590CB66AEB3E}" type="datetimeFigureOut">
               <a:rPr lang="en-US" smtClean="0"/>
-              <a:t>3/1/2023</a:t>
+              <a:t>3/2/2023</a:t>
             </a:fld>
             <a:endParaRPr lang="en-US"/>
           </a:p>
@@ -1171,7 +1171,7 @@
           <a:p>
             <a:fld id="{C1267A05-D67B-4E4C-868C-590CB66AEB3E}" type="datetimeFigureOut">
               <a:rPr lang="en-US" smtClean="0"/>
-              <a:t>3/1/2023</a:t>
+              <a:t>3/2/2023</a:t>
             </a:fld>
             <a:endParaRPr lang="en-US"/>
           </a:p>
@@ -1436,7 +1436,7 @@
           <a:p>
             <a:fld id="{C1267A05-D67B-4E4C-868C-590CB66AEB3E}" type="datetimeFigureOut">
               <a:rPr lang="en-US" smtClean="0"/>
-              <a:t>3/1/2023</a:t>
+              <a:t>3/2/2023</a:t>
             </a:fld>
             <a:endParaRPr lang="en-US"/>
           </a:p>
@@ -1848,7 +1848,7 @@
           <a:p>
             <a:fld id="{C1267A05-D67B-4E4C-868C-590CB66AEB3E}" type="datetimeFigureOut">
               <a:rPr lang="en-US" smtClean="0"/>
-              <a:t>3/1/2023</a:t>
+              <a:t>3/2/2023</a:t>
             </a:fld>
             <a:endParaRPr lang="en-US"/>
           </a:p>
@@ -1989,7 +1989,7 @@
           <a:p>
             <a:fld id="{C1267A05-D67B-4E4C-868C-590CB66AEB3E}" type="datetimeFigureOut">
               <a:rPr lang="en-US" smtClean="0"/>
-              <a:t>3/1/2023</a:t>
+              <a:t>3/2/2023</a:t>
             </a:fld>
             <a:endParaRPr lang="en-US"/>
           </a:p>
@@ -2102,7 +2102,7 @@
           <a:p>
             <a:fld id="{C1267A05-D67B-4E4C-868C-590CB66AEB3E}" type="datetimeFigureOut">
               <a:rPr lang="en-US" smtClean="0"/>
-              <a:t>3/1/2023</a:t>
+              <a:t>3/2/2023</a:t>
             </a:fld>
             <a:endParaRPr lang="en-US"/>
           </a:p>
@@ -2413,7 +2413,7 @@
           <a:p>
             <a:fld id="{C1267A05-D67B-4E4C-868C-590CB66AEB3E}" type="datetimeFigureOut">
               <a:rPr lang="en-US" smtClean="0"/>
-              <a:t>3/1/2023</a:t>
+              <a:t>3/2/2023</a:t>
             </a:fld>
             <a:endParaRPr lang="en-US"/>
           </a:p>
@@ -2701,7 +2701,7 @@
           <a:p>
             <a:fld id="{C1267A05-D67B-4E4C-868C-590CB66AEB3E}" type="datetimeFigureOut">
               <a:rPr lang="en-US" smtClean="0"/>
-              <a:t>3/1/2023</a:t>
+              <a:t>3/2/2023</a:t>
             </a:fld>
             <a:endParaRPr lang="en-US"/>
           </a:p>
@@ -2942,7 +2942,7 @@
           <a:p>
             <a:fld id="{C1267A05-D67B-4E4C-868C-590CB66AEB3E}" type="datetimeFigureOut">
               <a:rPr lang="en-US" smtClean="0"/>
-              <a:t>3/1/2023</a:t>
+              <a:t>3/2/2023</a:t>
             </a:fld>
             <a:endParaRPr lang="en-US"/>
           </a:p>
@@ -10698,7 +10698,7 @@
           <p:nvPr>
             <p:extLst>
               <p:ext uri="{D42A27DB-BD31-4B8C-83A1-F6EECF244321}">
-                <p14:modId xmlns:p14="http://schemas.microsoft.com/office/powerpoint/2010/main" val="2497660591"/>
+                <p14:modId xmlns:p14="http://schemas.microsoft.com/office/powerpoint/2010/main" val="919401299"/>
               </p:ext>
             </p:extLst>
           </p:nvPr>
@@ -10927,7 +10927,7 @@
                     <a:bodyPr/>
                     <a:lstStyle/>
                     <a:p>
-                      <a:endParaRPr lang="en-US"/>
+                      <a:endParaRPr lang="en-US" dirty="0"/>
                     </a:p>
                   </a:txBody>
                   <a:tcPr>
@@ -14715,6 +14715,160 @@
           </a:prstGeom>
         </p:spPr>
       </p:pic>
+      <p:sp>
+        <p:nvSpPr>
+          <p:cNvPr id="3" name="TextBox 2">
+            <a:extLst>
+              <a:ext uri="{FF2B5EF4-FFF2-40B4-BE49-F238E27FC236}">
+                <a16:creationId xmlns:a16="http://schemas.microsoft.com/office/drawing/2014/main" id="{B79B02B8-9883-4A14-88BC-1D484405DE83}"/>
+              </a:ext>
+            </a:extLst>
+          </p:cNvPr>
+          <p:cNvSpPr txBox="1"/>
+          <p:nvPr/>
+        </p:nvSpPr>
+        <p:spPr>
+          <a:xfrm>
+            <a:off x="2659884" y="361542"/>
+            <a:ext cx="453006" cy="6186309"/>
+          </a:xfrm>
+          <a:prstGeom prst="rect">
+            <a:avLst/>
+          </a:prstGeom>
+          <a:noFill/>
+        </p:spPr>
+        <p:txBody>
+          <a:bodyPr wrap="square" rtlCol="0">
+            <a:spAutoFit/>
+          </a:bodyPr>
+          <a:lstStyle/>
+          <a:p>
+            <a:r>
+              <a:rPr lang="en-US" dirty="0"/>
+              <a:t>7</a:t>
+            </a:r>
+          </a:p>
+          <a:p>
+            <a:endParaRPr lang="en-US" dirty="0"/>
+          </a:p>
+          <a:p>
+            <a:endParaRPr lang="en-US" dirty="0"/>
+          </a:p>
+          <a:p>
+            <a:r>
+              <a:rPr lang="en-US" dirty="0"/>
+              <a:t>6</a:t>
+            </a:r>
+          </a:p>
+          <a:p>
+            <a:endParaRPr lang="en-US" dirty="0"/>
+          </a:p>
+          <a:p>
+            <a:endParaRPr lang="en-US" dirty="0"/>
+          </a:p>
+          <a:p>
+            <a:r>
+              <a:rPr lang="en-US" dirty="0"/>
+              <a:t>5</a:t>
+            </a:r>
+          </a:p>
+          <a:p>
+            <a:endParaRPr lang="en-US" dirty="0"/>
+          </a:p>
+          <a:p>
+            <a:endParaRPr lang="en-US" dirty="0"/>
+          </a:p>
+          <a:p>
+            <a:r>
+              <a:rPr lang="en-US" dirty="0"/>
+              <a:t>4</a:t>
+            </a:r>
+          </a:p>
+          <a:p>
+            <a:endParaRPr lang="en-US" dirty="0"/>
+          </a:p>
+          <a:p>
+            <a:endParaRPr lang="en-US" dirty="0"/>
+          </a:p>
+          <a:p>
+            <a:r>
+              <a:rPr lang="en-US" dirty="0"/>
+              <a:t>3</a:t>
+            </a:r>
+          </a:p>
+          <a:p>
+            <a:endParaRPr lang="en-US" dirty="0"/>
+          </a:p>
+          <a:p>
+            <a:endParaRPr lang="en-US" dirty="0"/>
+          </a:p>
+          <a:p>
+            <a:r>
+              <a:rPr lang="en-US" dirty="0"/>
+              <a:t>2</a:t>
+            </a:r>
+          </a:p>
+          <a:p>
+            <a:endParaRPr lang="en-US" dirty="0"/>
+          </a:p>
+          <a:p>
+            <a:endParaRPr lang="en-US" dirty="0"/>
+          </a:p>
+          <a:p>
+            <a:r>
+              <a:rPr lang="en-US" dirty="0"/>
+              <a:t>1</a:t>
+            </a:r>
+          </a:p>
+          <a:p>
+            <a:endParaRPr lang="en-US" dirty="0"/>
+          </a:p>
+          <a:p>
+            <a:endParaRPr lang="en-US" dirty="0"/>
+          </a:p>
+          <a:p>
+            <a:r>
+              <a:rPr lang="en-US" dirty="0"/>
+              <a:t>0</a:t>
+            </a:r>
+          </a:p>
+        </p:txBody>
+      </p:sp>
+      <p:sp>
+        <p:nvSpPr>
+          <p:cNvPr id="5" name="TextBox 4">
+            <a:extLst>
+              <a:ext uri="{FF2B5EF4-FFF2-40B4-BE49-F238E27FC236}">
+                <a16:creationId xmlns:a16="http://schemas.microsoft.com/office/drawing/2014/main" id="{16CDB2FC-2CBD-4CED-BD92-E97DBC0BB0CA}"/>
+              </a:ext>
+            </a:extLst>
+          </p:cNvPr>
+          <p:cNvSpPr txBox="1"/>
+          <p:nvPr/>
+        </p:nvSpPr>
+        <p:spPr>
+          <a:xfrm>
+            <a:off x="3394175" y="6716264"/>
+            <a:ext cx="6706167" cy="369332"/>
+          </a:xfrm>
+          <a:prstGeom prst="rect">
+            <a:avLst/>
+          </a:prstGeom>
+          <a:noFill/>
+        </p:spPr>
+        <p:txBody>
+          <a:bodyPr wrap="square" rtlCol="0">
+            <a:spAutoFit/>
+          </a:bodyPr>
+          <a:lstStyle/>
+          <a:p>
+            <a:r>
+              <a:rPr lang="en-US" dirty="0"/>
+              <a:t>0              1               2              3              4              5               6              7</a:t>
+            </a:r>
+          </a:p>
+        </p:txBody>
+      </p:sp>
     </p:spTree>
     <p:extLst>
       <p:ext uri="{BB962C8B-B14F-4D97-AF65-F5344CB8AC3E}">

--- a/Presentation1.pptx
+++ b/Presentation1.pptx
@@ -292,7 +292,7 @@
           <a:p>
             <a:fld id="{C1267A05-D67B-4E4C-868C-590CB66AEB3E}" type="datetimeFigureOut">
               <a:rPr lang="en-US" smtClean="0"/>
-              <a:t>3/2/2023</a:t>
+              <a:t>3/3/2023</a:t>
             </a:fld>
             <a:endParaRPr lang="en-US"/>
           </a:p>
@@ -490,7 +490,7 @@
           <a:p>
             <a:fld id="{C1267A05-D67B-4E4C-868C-590CB66AEB3E}" type="datetimeFigureOut">
               <a:rPr lang="en-US" smtClean="0"/>
-              <a:t>3/2/2023</a:t>
+              <a:t>3/3/2023</a:t>
             </a:fld>
             <a:endParaRPr lang="en-US"/>
           </a:p>
@@ -698,7 +698,7 @@
           <a:p>
             <a:fld id="{C1267A05-D67B-4E4C-868C-590CB66AEB3E}" type="datetimeFigureOut">
               <a:rPr lang="en-US" smtClean="0"/>
-              <a:t>3/2/2023</a:t>
+              <a:t>3/3/2023</a:t>
             </a:fld>
             <a:endParaRPr lang="en-US"/>
           </a:p>
@@ -896,7 +896,7 @@
           <a:p>
             <a:fld id="{C1267A05-D67B-4E4C-868C-590CB66AEB3E}" type="datetimeFigureOut">
               <a:rPr lang="en-US" smtClean="0"/>
-              <a:t>3/2/2023</a:t>
+              <a:t>3/3/2023</a:t>
             </a:fld>
             <a:endParaRPr lang="en-US"/>
           </a:p>
@@ -1171,7 +1171,7 @@
           <a:p>
             <a:fld id="{C1267A05-D67B-4E4C-868C-590CB66AEB3E}" type="datetimeFigureOut">
               <a:rPr lang="en-US" smtClean="0"/>
-              <a:t>3/2/2023</a:t>
+              <a:t>3/3/2023</a:t>
             </a:fld>
             <a:endParaRPr lang="en-US"/>
           </a:p>
@@ -1436,7 +1436,7 @@
           <a:p>
             <a:fld id="{C1267A05-D67B-4E4C-868C-590CB66AEB3E}" type="datetimeFigureOut">
               <a:rPr lang="en-US" smtClean="0"/>
-              <a:t>3/2/2023</a:t>
+              <a:t>3/3/2023</a:t>
             </a:fld>
             <a:endParaRPr lang="en-US"/>
           </a:p>
@@ -1848,7 +1848,7 @@
           <a:p>
             <a:fld id="{C1267A05-D67B-4E4C-868C-590CB66AEB3E}" type="datetimeFigureOut">
               <a:rPr lang="en-US" smtClean="0"/>
-              <a:t>3/2/2023</a:t>
+              <a:t>3/3/2023</a:t>
             </a:fld>
             <a:endParaRPr lang="en-US"/>
           </a:p>
@@ -1989,7 +1989,7 @@
           <a:p>
             <a:fld id="{C1267A05-D67B-4E4C-868C-590CB66AEB3E}" type="datetimeFigureOut">
               <a:rPr lang="en-US" smtClean="0"/>
-              <a:t>3/2/2023</a:t>
+              <a:t>3/3/2023</a:t>
             </a:fld>
             <a:endParaRPr lang="en-US"/>
           </a:p>
@@ -2102,7 +2102,7 @@
           <a:p>
             <a:fld id="{C1267A05-D67B-4E4C-868C-590CB66AEB3E}" type="datetimeFigureOut">
               <a:rPr lang="en-US" smtClean="0"/>
-              <a:t>3/2/2023</a:t>
+              <a:t>3/3/2023</a:t>
             </a:fld>
             <a:endParaRPr lang="en-US"/>
           </a:p>
@@ -2413,7 +2413,7 @@
           <a:p>
             <a:fld id="{C1267A05-D67B-4E4C-868C-590CB66AEB3E}" type="datetimeFigureOut">
               <a:rPr lang="en-US" smtClean="0"/>
-              <a:t>3/2/2023</a:t>
+              <a:t>3/3/2023</a:t>
             </a:fld>
             <a:endParaRPr lang="en-US"/>
           </a:p>
@@ -2701,7 +2701,7 @@
           <a:p>
             <a:fld id="{C1267A05-D67B-4E4C-868C-590CB66AEB3E}" type="datetimeFigureOut">
               <a:rPr lang="en-US" smtClean="0"/>
-              <a:t>3/2/2023</a:t>
+              <a:t>3/3/2023</a:t>
             </a:fld>
             <a:endParaRPr lang="en-US"/>
           </a:p>
@@ -2942,7 +2942,7 @@
           <a:p>
             <a:fld id="{C1267A05-D67B-4E4C-868C-590CB66AEB3E}" type="datetimeFigureOut">
               <a:rPr lang="en-US" smtClean="0"/>
-              <a:t>3/2/2023</a:t>
+              <a:t>3/3/2023</a:t>
             </a:fld>
             <a:endParaRPr lang="en-US"/>
           </a:p>
@@ -14285,42 +14285,6 @@
       </p:pic>
       <p:pic>
         <p:nvPicPr>
-          <p:cNvPr id="15" name="Picture 14" descr="Shape&#10;&#10;Description automatically generated with low confidence">
-            <a:extLst>
-              <a:ext uri="{FF2B5EF4-FFF2-40B4-BE49-F238E27FC236}">
-                <a16:creationId xmlns:a16="http://schemas.microsoft.com/office/drawing/2014/main" id="{175610E1-0041-46EE-AD0E-68ECA93CD5BF}"/>
-              </a:ext>
-            </a:extLst>
-          </p:cNvPr>
-          <p:cNvPicPr>
-            <a:picLocks noChangeAspect="1"/>
-          </p:cNvPicPr>
-          <p:nvPr/>
-        </p:nvPicPr>
-        <p:blipFill>
-          <a:blip r:embed="rId4">
-            <a:extLst>
-              <a:ext uri="{28A0092B-C50C-407E-A947-70E740481C1C}">
-                <a14:useLocalDpi xmlns:a14="http://schemas.microsoft.com/office/drawing/2010/main" val="0"/>
-              </a:ext>
-            </a:extLst>
-          </a:blip>
-          <a:stretch>
-            <a:fillRect/>
-          </a:stretch>
-        </p:blipFill>
-        <p:spPr>
-          <a:xfrm>
-            <a:off x="4903624" y="4295689"/>
-            <a:ext cx="788042" cy="788042"/>
-          </a:xfrm>
-          <a:prstGeom prst="rect">
-            <a:avLst/>
-          </a:prstGeom>
-        </p:spPr>
-      </p:pic>
-      <p:pic>
-        <p:nvPicPr>
           <p:cNvPr id="16" name="Picture 15" descr="Shape&#10;&#10;Description automatically generated with low confidence">
             <a:extLst>
               <a:ext uri="{FF2B5EF4-FFF2-40B4-BE49-F238E27FC236}">
@@ -14529,78 +14493,6 @@
           <a:xfrm>
             <a:off x="8368126" y="5938885"/>
             <a:ext cx="717151" cy="717151"/>
-          </a:xfrm>
-          <a:prstGeom prst="rect">
-            <a:avLst/>
-          </a:prstGeom>
-        </p:spPr>
-      </p:pic>
-      <p:pic>
-        <p:nvPicPr>
-          <p:cNvPr id="26" name="Picture 25" descr="Shape&#10;&#10;Description automatically generated with low confidence">
-            <a:extLst>
-              <a:ext uri="{FF2B5EF4-FFF2-40B4-BE49-F238E27FC236}">
-                <a16:creationId xmlns:a16="http://schemas.microsoft.com/office/drawing/2014/main" id="{3A740241-21AD-4AB5-AEB0-792A28CF4CC0}"/>
-              </a:ext>
-            </a:extLst>
-          </p:cNvPr>
-          <p:cNvPicPr>
-            <a:picLocks noChangeAspect="1"/>
-          </p:cNvPicPr>
-          <p:nvPr/>
-        </p:nvPicPr>
-        <p:blipFill>
-          <a:blip r:embed="rId7">
-            <a:extLst>
-              <a:ext uri="{28A0092B-C50C-407E-A947-70E740481C1C}">
-                <a14:useLocalDpi xmlns:a14="http://schemas.microsoft.com/office/drawing/2010/main" val="0"/>
-              </a:ext>
-            </a:extLst>
-          </a:blip>
-          <a:stretch>
-            <a:fillRect/>
-          </a:stretch>
-        </p:blipFill>
-        <p:spPr>
-          <a:xfrm>
-            <a:off x="6620304" y="5092644"/>
-            <a:ext cx="788042" cy="788042"/>
-          </a:xfrm>
-          <a:prstGeom prst="rect">
-            <a:avLst/>
-          </a:prstGeom>
-        </p:spPr>
-      </p:pic>
-      <p:pic>
-        <p:nvPicPr>
-          <p:cNvPr id="29" name="Picture 28" descr="Shape&#10;&#10;Description automatically generated with low confidence">
-            <a:extLst>
-              <a:ext uri="{FF2B5EF4-FFF2-40B4-BE49-F238E27FC236}">
-                <a16:creationId xmlns:a16="http://schemas.microsoft.com/office/drawing/2014/main" id="{D857F951-B28A-42BD-8948-10FD4C1A76A2}"/>
-              </a:ext>
-            </a:extLst>
-          </p:cNvPr>
-          <p:cNvPicPr>
-            <a:picLocks noChangeAspect="1"/>
-          </p:cNvPicPr>
-          <p:nvPr/>
-        </p:nvPicPr>
-        <p:blipFill>
-          <a:blip r:embed="rId7">
-            <a:extLst>
-              <a:ext uri="{28A0092B-C50C-407E-A947-70E740481C1C}">
-                <a14:useLocalDpi xmlns:a14="http://schemas.microsoft.com/office/drawing/2010/main" val="0"/>
-              </a:ext>
-            </a:extLst>
-          </a:blip>
-          <a:stretch>
-            <a:fillRect/>
-          </a:stretch>
-        </p:blipFill>
-        <p:spPr>
-          <a:xfrm>
-            <a:off x="5755369" y="1861835"/>
-            <a:ext cx="788042" cy="788042"/>
           </a:xfrm>
           <a:prstGeom prst="rect">
             <a:avLst/>

--- a/Presentation1.pptx
+++ b/Presentation1.pptx
@@ -292,7 +292,7 @@
           <a:p>
             <a:fld id="{C1267A05-D67B-4E4C-868C-590CB66AEB3E}" type="datetimeFigureOut">
               <a:rPr lang="en-US" smtClean="0"/>
-              <a:t>3/3/2023</a:t>
+              <a:t>3/5/2023</a:t>
             </a:fld>
             <a:endParaRPr lang="en-US"/>
           </a:p>
@@ -490,7 +490,7 @@
           <a:p>
             <a:fld id="{C1267A05-D67B-4E4C-868C-590CB66AEB3E}" type="datetimeFigureOut">
               <a:rPr lang="en-US" smtClean="0"/>
-              <a:t>3/3/2023</a:t>
+              <a:t>3/5/2023</a:t>
             </a:fld>
             <a:endParaRPr lang="en-US"/>
           </a:p>
@@ -698,7 +698,7 @@
           <a:p>
             <a:fld id="{C1267A05-D67B-4E4C-868C-590CB66AEB3E}" type="datetimeFigureOut">
               <a:rPr lang="en-US" smtClean="0"/>
-              <a:t>3/3/2023</a:t>
+              <a:t>3/5/2023</a:t>
             </a:fld>
             <a:endParaRPr lang="en-US"/>
           </a:p>
@@ -896,7 +896,7 @@
           <a:p>
             <a:fld id="{C1267A05-D67B-4E4C-868C-590CB66AEB3E}" type="datetimeFigureOut">
               <a:rPr lang="en-US" smtClean="0"/>
-              <a:t>3/3/2023</a:t>
+              <a:t>3/5/2023</a:t>
             </a:fld>
             <a:endParaRPr lang="en-US"/>
           </a:p>
@@ -1171,7 +1171,7 @@
           <a:p>
             <a:fld id="{C1267A05-D67B-4E4C-868C-590CB66AEB3E}" type="datetimeFigureOut">
               <a:rPr lang="en-US" smtClean="0"/>
-              <a:t>3/3/2023</a:t>
+              <a:t>3/5/2023</a:t>
             </a:fld>
             <a:endParaRPr lang="en-US"/>
           </a:p>
@@ -1436,7 +1436,7 @@
           <a:p>
             <a:fld id="{C1267A05-D67B-4E4C-868C-590CB66AEB3E}" type="datetimeFigureOut">
               <a:rPr lang="en-US" smtClean="0"/>
-              <a:t>3/3/2023</a:t>
+              <a:t>3/5/2023</a:t>
             </a:fld>
             <a:endParaRPr lang="en-US"/>
           </a:p>
@@ -1848,7 +1848,7 @@
           <a:p>
             <a:fld id="{C1267A05-D67B-4E4C-868C-590CB66AEB3E}" type="datetimeFigureOut">
               <a:rPr lang="en-US" smtClean="0"/>
-              <a:t>3/3/2023</a:t>
+              <a:t>3/5/2023</a:t>
             </a:fld>
             <a:endParaRPr lang="en-US"/>
           </a:p>
@@ -1989,7 +1989,7 @@
           <a:p>
             <a:fld id="{C1267A05-D67B-4E4C-868C-590CB66AEB3E}" type="datetimeFigureOut">
               <a:rPr lang="en-US" smtClean="0"/>
-              <a:t>3/3/2023</a:t>
+              <a:t>3/5/2023</a:t>
             </a:fld>
             <a:endParaRPr lang="en-US"/>
           </a:p>
@@ -2102,7 +2102,7 @@
           <a:p>
             <a:fld id="{C1267A05-D67B-4E4C-868C-590CB66AEB3E}" type="datetimeFigureOut">
               <a:rPr lang="en-US" smtClean="0"/>
-              <a:t>3/3/2023</a:t>
+              <a:t>3/5/2023</a:t>
             </a:fld>
             <a:endParaRPr lang="en-US"/>
           </a:p>
@@ -2413,7 +2413,7 @@
           <a:p>
             <a:fld id="{C1267A05-D67B-4E4C-868C-590CB66AEB3E}" type="datetimeFigureOut">
               <a:rPr lang="en-US" smtClean="0"/>
-              <a:t>3/3/2023</a:t>
+              <a:t>3/5/2023</a:t>
             </a:fld>
             <a:endParaRPr lang="en-US"/>
           </a:p>
@@ -2701,7 +2701,7 @@
           <a:p>
             <a:fld id="{C1267A05-D67B-4E4C-868C-590CB66AEB3E}" type="datetimeFigureOut">
               <a:rPr lang="en-US" smtClean="0"/>
-              <a:t>3/3/2023</a:t>
+              <a:t>3/5/2023</a:t>
             </a:fld>
             <a:endParaRPr lang="en-US"/>
           </a:p>
@@ -2942,7 +2942,7 @@
           <a:p>
             <a:fld id="{C1267A05-D67B-4E4C-868C-590CB66AEB3E}" type="datetimeFigureOut">
               <a:rPr lang="en-US" smtClean="0"/>
-              <a:t>3/3/2023</a:t>
+              <a:t>3/5/2023</a:t>
             </a:fld>
             <a:endParaRPr lang="en-US"/>
           </a:p>
@@ -10698,13 +10698,13 @@
           <p:nvPr>
             <p:extLst>
               <p:ext uri="{D42A27DB-BD31-4B8C-83A1-F6EECF244321}">
-                <p14:modId xmlns:p14="http://schemas.microsoft.com/office/powerpoint/2010/main" val="919401299"/>
+                <p14:modId xmlns:p14="http://schemas.microsoft.com/office/powerpoint/2010/main" val="2659027520"/>
               </p:ext>
             </p:extLst>
           </p:nvPr>
         </p:nvGraphicFramePr>
         <p:xfrm>
-          <a:off x="3145871" y="218114"/>
+          <a:off x="2606609" y="59852"/>
           <a:ext cx="6862192" cy="6484696"/>
         </p:xfrm>
         <a:graphic>
@@ -14059,7 +14059,7 @@
         </p:blipFill>
         <p:spPr>
           <a:xfrm flipH="1">
-            <a:off x="3199004" y="4295164"/>
+            <a:off x="2659742" y="4136902"/>
             <a:ext cx="759204" cy="759204"/>
           </a:xfrm>
           <a:prstGeom prst="rect">
@@ -14095,7 +14095,7 @@
         </p:blipFill>
         <p:spPr>
           <a:xfrm>
-            <a:off x="9277043" y="327171"/>
+            <a:off x="8737781" y="168909"/>
             <a:ext cx="611350" cy="611350"/>
           </a:xfrm>
           <a:prstGeom prst="rect">
@@ -14131,7 +14131,7 @@
         </p:blipFill>
         <p:spPr>
           <a:xfrm>
-            <a:off x="5755369" y="1044169"/>
+            <a:off x="5216107" y="885907"/>
             <a:ext cx="788042" cy="788042"/>
           </a:xfrm>
           <a:prstGeom prst="rect">
@@ -14167,7 +14167,7 @@
         </p:blipFill>
         <p:spPr>
           <a:xfrm>
-            <a:off x="8334986" y="3481431"/>
+            <a:off x="7795724" y="3323169"/>
             <a:ext cx="788042" cy="788042"/>
           </a:xfrm>
           <a:prstGeom prst="rect">
@@ -14203,7 +14203,7 @@
         </p:blipFill>
         <p:spPr>
           <a:xfrm>
-            <a:off x="3190615" y="1850911"/>
+            <a:off x="2651353" y="1692649"/>
             <a:ext cx="788042" cy="788042"/>
           </a:xfrm>
           <a:prstGeom prst="rect">
@@ -14239,7 +14239,7 @@
         </p:blipFill>
         <p:spPr>
           <a:xfrm>
-            <a:off x="4038248" y="5100509"/>
+            <a:off x="3498986" y="4942247"/>
             <a:ext cx="788042" cy="788042"/>
           </a:xfrm>
           <a:prstGeom prst="rect">
@@ -14275,7 +14275,7 @@
         </p:blipFill>
         <p:spPr>
           <a:xfrm>
-            <a:off x="6607376" y="5914242"/>
+            <a:off x="6068114" y="5755980"/>
             <a:ext cx="788042" cy="788042"/>
           </a:xfrm>
           <a:prstGeom prst="rect">
@@ -14311,7 +14311,7 @@
         </p:blipFill>
         <p:spPr>
           <a:xfrm>
-            <a:off x="6612445" y="1037178"/>
+            <a:off x="6073183" y="878916"/>
             <a:ext cx="788042" cy="788042"/>
           </a:xfrm>
           <a:prstGeom prst="rect">
@@ -14347,7 +14347,7 @@
         </p:blipFill>
         <p:spPr>
           <a:xfrm>
-            <a:off x="7469956" y="1044169"/>
+            <a:off x="6930694" y="885907"/>
             <a:ext cx="788042" cy="788042"/>
           </a:xfrm>
           <a:prstGeom prst="rect">
@@ -14383,7 +14383,7 @@
         </p:blipFill>
         <p:spPr>
           <a:xfrm>
-            <a:off x="9205475" y="3506598"/>
+            <a:off x="8666213" y="3348336"/>
             <a:ext cx="699696" cy="699696"/>
           </a:xfrm>
           <a:prstGeom prst="rect">
@@ -14419,7 +14419,7 @@
         </p:blipFill>
         <p:spPr>
           <a:xfrm>
-            <a:off x="4038248" y="235156"/>
+            <a:off x="3498986" y="76894"/>
             <a:ext cx="788042" cy="788042"/>
           </a:xfrm>
           <a:prstGeom prst="rect">
@@ -14455,7 +14455,7 @@
         </p:blipFill>
         <p:spPr>
           <a:xfrm flipH="1">
-            <a:off x="3199004" y="1058151"/>
+            <a:off x="2659742" y="899889"/>
             <a:ext cx="759204" cy="759204"/>
           </a:xfrm>
           <a:prstGeom prst="rect">
@@ -14491,7 +14491,7 @@
         </p:blipFill>
         <p:spPr>
           <a:xfrm>
-            <a:off x="8368126" y="5938885"/>
+            <a:off x="7828864" y="5780623"/>
             <a:ext cx="717151" cy="717151"/>
           </a:xfrm>
           <a:prstGeom prst="rect">
@@ -14527,7 +14527,7 @@
         </p:blipFill>
         <p:spPr>
           <a:xfrm>
-            <a:off x="7478345" y="2666655"/>
+            <a:off x="6939083" y="2508393"/>
             <a:ext cx="788042" cy="788042"/>
           </a:xfrm>
           <a:prstGeom prst="rect">
@@ -14563,7 +14563,7 @@
         </p:blipFill>
         <p:spPr>
           <a:xfrm>
-            <a:off x="4895235" y="3490344"/>
+            <a:off x="4355973" y="3332082"/>
             <a:ext cx="788042" cy="788042"/>
           </a:xfrm>
           <a:prstGeom prst="rect">
@@ -14599,7 +14599,7 @@
         </p:blipFill>
         <p:spPr>
           <a:xfrm>
-            <a:off x="9188697" y="1853446"/>
+            <a:off x="8649435" y="1695184"/>
             <a:ext cx="788042" cy="788042"/>
           </a:xfrm>
           <a:prstGeom prst="rect">
@@ -14621,7 +14621,7 @@
         </p:nvSpPr>
         <p:spPr>
           <a:xfrm>
-            <a:off x="2659884" y="361542"/>
+            <a:off x="2120622" y="203280"/>
             <a:ext cx="453006" cy="6186309"/>
           </a:xfrm>
           <a:prstGeom prst="rect">
@@ -14740,7 +14740,7 @@
         </p:nvSpPr>
         <p:spPr>
           <a:xfrm>
-            <a:off x="3394175" y="6716264"/>
+            <a:off x="2854913" y="6558002"/>
             <a:ext cx="6706167" cy="369332"/>
           </a:xfrm>
           <a:prstGeom prst="rect">
